--- a/Docs/Documents/Slide/New version/POFslide v1.pptx
+++ b/Docs/Documents/Slide/New version/POFslide v1.pptx
@@ -11,10 +11,11 @@
     <p:sldId id="266" r:id="rId5"/>
     <p:sldId id="260" r:id="rId6"/>
     <p:sldId id="263" r:id="rId7"/>
-    <p:sldId id="264" r:id="rId8"/>
-    <p:sldId id="267" r:id="rId9"/>
-    <p:sldId id="258" r:id="rId10"/>
-    <p:sldId id="257" r:id="rId11"/>
+    <p:sldId id="268" r:id="rId8"/>
+    <p:sldId id="264" r:id="rId9"/>
+    <p:sldId id="267" r:id="rId10"/>
+    <p:sldId id="258" r:id="rId11"/>
+    <p:sldId id="257" r:id="rId12"/>
   </p:sldIdLst>
   <p:sldSz cx="12192000" cy="6858000"/>
   <p:notesSz cx="6858000" cy="9144000"/>
@@ -268,7 +269,7 @@
           <a:p>
             <a:fld id="{D7EE5B6A-E6A7-4CF6-8E18-CD9BC4991183}" type="datetimeFigureOut">
               <a:rPr lang="en-US" smtClean="0"/>
-              <a:t>5/19/2020</a:t>
+              <a:t>5/20/2020</a:t>
             </a:fld>
             <a:endParaRPr lang="en-US"/>
           </a:p>
@@ -466,7 +467,7 @@
           <a:p>
             <a:fld id="{D7EE5B6A-E6A7-4CF6-8E18-CD9BC4991183}" type="datetimeFigureOut">
               <a:rPr lang="en-US" smtClean="0"/>
-              <a:t>5/19/2020</a:t>
+              <a:t>5/20/2020</a:t>
             </a:fld>
             <a:endParaRPr lang="en-US"/>
           </a:p>
@@ -674,7 +675,7 @@
           <a:p>
             <a:fld id="{D7EE5B6A-E6A7-4CF6-8E18-CD9BC4991183}" type="datetimeFigureOut">
               <a:rPr lang="en-US" smtClean="0"/>
-              <a:t>5/19/2020</a:t>
+              <a:t>5/20/2020</a:t>
             </a:fld>
             <a:endParaRPr lang="en-US"/>
           </a:p>
@@ -872,7 +873,7 @@
           <a:p>
             <a:fld id="{D7EE5B6A-E6A7-4CF6-8E18-CD9BC4991183}" type="datetimeFigureOut">
               <a:rPr lang="en-US" smtClean="0"/>
-              <a:t>5/19/2020</a:t>
+              <a:t>5/20/2020</a:t>
             </a:fld>
             <a:endParaRPr lang="en-US"/>
           </a:p>
@@ -1147,7 +1148,7 @@
           <a:p>
             <a:fld id="{D7EE5B6A-E6A7-4CF6-8E18-CD9BC4991183}" type="datetimeFigureOut">
               <a:rPr lang="en-US" smtClean="0"/>
-              <a:t>5/19/2020</a:t>
+              <a:t>5/20/2020</a:t>
             </a:fld>
             <a:endParaRPr lang="en-US"/>
           </a:p>
@@ -1412,7 +1413,7 @@
           <a:p>
             <a:fld id="{D7EE5B6A-E6A7-4CF6-8E18-CD9BC4991183}" type="datetimeFigureOut">
               <a:rPr lang="en-US" smtClean="0"/>
-              <a:t>5/19/2020</a:t>
+              <a:t>5/20/2020</a:t>
             </a:fld>
             <a:endParaRPr lang="en-US"/>
           </a:p>
@@ -1824,7 +1825,7 @@
           <a:p>
             <a:fld id="{D7EE5B6A-E6A7-4CF6-8E18-CD9BC4991183}" type="datetimeFigureOut">
               <a:rPr lang="en-US" smtClean="0"/>
-              <a:t>5/19/2020</a:t>
+              <a:t>5/20/2020</a:t>
             </a:fld>
             <a:endParaRPr lang="en-US"/>
           </a:p>
@@ -1965,7 +1966,7 @@
           <a:p>
             <a:fld id="{D7EE5B6A-E6A7-4CF6-8E18-CD9BC4991183}" type="datetimeFigureOut">
               <a:rPr lang="en-US" smtClean="0"/>
-              <a:t>5/19/2020</a:t>
+              <a:t>5/20/2020</a:t>
             </a:fld>
             <a:endParaRPr lang="en-US"/>
           </a:p>
@@ -2078,7 +2079,7 @@
           <a:p>
             <a:fld id="{D7EE5B6A-E6A7-4CF6-8E18-CD9BC4991183}" type="datetimeFigureOut">
               <a:rPr lang="en-US" smtClean="0"/>
-              <a:t>5/19/2020</a:t>
+              <a:t>5/20/2020</a:t>
             </a:fld>
             <a:endParaRPr lang="en-US"/>
           </a:p>
@@ -2389,7 +2390,7 @@
           <a:p>
             <a:fld id="{D7EE5B6A-E6A7-4CF6-8E18-CD9BC4991183}" type="datetimeFigureOut">
               <a:rPr lang="en-US" smtClean="0"/>
-              <a:t>5/19/2020</a:t>
+              <a:t>5/20/2020</a:t>
             </a:fld>
             <a:endParaRPr lang="en-US"/>
           </a:p>
@@ -2677,7 +2678,7 @@
           <a:p>
             <a:fld id="{D7EE5B6A-E6A7-4CF6-8E18-CD9BC4991183}" type="datetimeFigureOut">
               <a:rPr lang="en-US" smtClean="0"/>
-              <a:t>5/19/2020</a:t>
+              <a:t>5/20/2020</a:t>
             </a:fld>
             <a:endParaRPr lang="en-US"/>
           </a:p>
@@ -2918,7 +2919,7 @@
           <a:p>
             <a:fld id="{D7EE5B6A-E6A7-4CF6-8E18-CD9BC4991183}" type="datetimeFigureOut">
               <a:rPr lang="en-US" smtClean="0"/>
-              <a:t>5/19/2020</a:t>
+              <a:t>5/20/2020</a:t>
             </a:fld>
             <a:endParaRPr lang="en-US"/>
           </a:p>
@@ -3736,6 +3737,451 @@
           <p:cNvPr id="8" name="Rectangle 7">
             <a:extLst>
               <a:ext uri="{FF2B5EF4-FFF2-40B4-BE49-F238E27FC236}">
+                <a16:creationId xmlns:a16="http://schemas.microsoft.com/office/drawing/2014/main" id="{3B854194-185D-494D-905C-7C7CB2E30F6E}"/>
+              </a:ext>
+              <a:ext uri="{C183D7F6-B498-43B3-948B-1728B52AA6E4}">
+                <adec:decorative xmlns:adec="http://schemas.microsoft.com/office/drawing/2017/decorative" val="1"/>
+              </a:ext>
+            </a:extLst>
+          </p:cNvPr>
+          <p:cNvSpPr>
+            <a:spLocks noGrp="1" noRot="1" noChangeAspect="1" noMove="1" noResize="1" noEditPoints="1" noAdjustHandles="1" noChangeArrowheads="1" noChangeShapeType="1" noTextEdit="1"/>
+          </p:cNvSpPr>
+          <p:nvPr>
+            <p:extLst>
+              <p:ext uri="{386F3935-93C4-4BCD-93E2-E3B085C9AB24}">
+                <p16:designElem xmlns:p16="http://schemas.microsoft.com/office/powerpoint/2015/main" val="1"/>
+              </p:ext>
+            </p:extLst>
+          </p:nvPr>
+        </p:nvSpPr>
+        <p:spPr>
+          <a:xfrm>
+            <a:off x="1" y="0"/>
+            <a:ext cx="6082110" cy="6858000"/>
+          </a:xfrm>
+          <a:prstGeom prst="rect">
+            <a:avLst/>
+          </a:prstGeom>
+          <a:ln>
+            <a:noFill/>
+          </a:ln>
+        </p:spPr>
+        <p:style>
+          <a:lnRef idx="2">
+            <a:schemeClr val="accent1">
+              <a:shade val="50000"/>
+            </a:schemeClr>
+          </a:lnRef>
+          <a:fillRef idx="1">
+            <a:schemeClr val="accent1"/>
+          </a:fillRef>
+          <a:effectRef idx="0">
+            <a:schemeClr val="accent1"/>
+          </a:effectRef>
+          <a:fontRef idx="minor">
+            <a:schemeClr val="lt1"/>
+          </a:fontRef>
+        </p:style>
+        <p:txBody>
+          <a:bodyPr rtlCol="0" anchor="ctr"/>
+          <a:lstStyle/>
+          <a:p>
+            <a:pPr algn="ctr"/>
+            <a:endParaRPr lang="en-US"/>
+          </a:p>
+        </p:txBody>
+      </p:sp>
+      <p:sp>
+        <p:nvSpPr>
+          <p:cNvPr id="10" name="Rectangle 9">
+            <a:extLst>
+              <a:ext uri="{FF2B5EF4-FFF2-40B4-BE49-F238E27FC236}">
+                <a16:creationId xmlns:a16="http://schemas.microsoft.com/office/drawing/2014/main" id="{B4F5FA0D-0104-4987-8241-EFF7C85B88DE}"/>
+              </a:ext>
+              <a:ext uri="{C183D7F6-B498-43B3-948B-1728B52AA6E4}">
+                <adec:decorative xmlns:adec="http://schemas.microsoft.com/office/drawing/2017/decorative" val="1"/>
+              </a:ext>
+            </a:extLst>
+          </p:cNvPr>
+          <p:cNvSpPr>
+            <a:spLocks noGrp="1" noRot="1" noChangeAspect="1" noMove="1" noResize="1" noEditPoints="1" noAdjustHandles="1" noChangeArrowheads="1" noChangeShapeType="1" noTextEdit="1"/>
+          </p:cNvSpPr>
+          <p:nvPr>
+            <p:extLst>
+              <p:ext uri="{386F3935-93C4-4BCD-93E2-E3B085C9AB24}">
+                <p16:designElem xmlns:p16="http://schemas.microsoft.com/office/powerpoint/2015/main" val="1"/>
+              </p:ext>
+            </p:extLst>
+          </p:nvPr>
+        </p:nvSpPr>
+        <p:spPr>
+          <a:xfrm>
+            <a:off x="1" y="0"/>
+            <a:ext cx="12191998" cy="6858000"/>
+          </a:xfrm>
+          <a:prstGeom prst="rect">
+            <a:avLst/>
+          </a:prstGeom>
+          <a:gradFill>
+            <a:gsLst>
+              <a:gs pos="0">
+                <a:schemeClr val="accent1">
+                  <a:lumMod val="90000"/>
+                </a:schemeClr>
+              </a:gs>
+              <a:gs pos="25000">
+                <a:schemeClr val="accent1">
+                  <a:lumMod val="90000"/>
+                </a:schemeClr>
+              </a:gs>
+              <a:gs pos="94000">
+                <a:schemeClr val="bg2">
+                  <a:lumMod val="25000"/>
+                </a:schemeClr>
+              </a:gs>
+              <a:gs pos="100000">
+                <a:schemeClr val="bg2">
+                  <a:lumMod val="25000"/>
+                </a:schemeClr>
+              </a:gs>
+            </a:gsLst>
+            <a:lin ang="4200000" scaled="0"/>
+          </a:gradFill>
+          <a:ln>
+            <a:noFill/>
+          </a:ln>
+        </p:spPr>
+        <p:style>
+          <a:lnRef idx="2">
+            <a:schemeClr val="accent1">
+              <a:shade val="50000"/>
+            </a:schemeClr>
+          </a:lnRef>
+          <a:fillRef idx="1">
+            <a:schemeClr val="accent1"/>
+          </a:fillRef>
+          <a:effectRef idx="0">
+            <a:schemeClr val="accent1"/>
+          </a:effectRef>
+          <a:fontRef idx="minor">
+            <a:schemeClr val="lt1"/>
+          </a:fontRef>
+        </p:style>
+        <p:txBody>
+          <a:bodyPr rtlCol="0" anchor="ctr"/>
+          <a:lstStyle/>
+          <a:p>
+            <a:pPr algn="ctr"/>
+            <a:endParaRPr lang="en-US"/>
+          </a:p>
+        </p:txBody>
+      </p:sp>
+      <p:pic>
+        <p:nvPicPr>
+          <p:cNvPr id="12" name="Picture 11">
+            <a:extLst>
+              <a:ext uri="{FF2B5EF4-FFF2-40B4-BE49-F238E27FC236}">
+                <a16:creationId xmlns:a16="http://schemas.microsoft.com/office/drawing/2014/main" id="{2897127E-6CEF-446C-BE87-93B7C46E49D1}"/>
+              </a:ext>
+              <a:ext uri="{C183D7F6-B498-43B3-948B-1728B52AA6E4}">
+                <adec:decorative xmlns:adec="http://schemas.microsoft.com/office/drawing/2017/decorative" val="1"/>
+              </a:ext>
+            </a:extLst>
+          </p:cNvPr>
+          <p:cNvPicPr>
+            <a:picLocks noGrp="1" noRot="1" noChangeAspect="1" noMove="1" noResize="1" noEditPoints="1" noAdjustHandles="1" noChangeArrowheads="1" noChangeShapeType="1" noCrop="1"/>
+          </p:cNvPicPr>
+          <p:nvPr>
+            <p:extLst>
+              <p:ext uri="{386F3935-93C4-4BCD-93E2-E3B085C9AB24}">
+                <p16:designElem xmlns:p16="http://schemas.microsoft.com/office/powerpoint/2015/main" val="1"/>
+              </p:ext>
+            </p:extLst>
+          </p:nvPr>
+        </p:nvPicPr>
+        <p:blipFill>
+          <a:blip r:embed="rId2">
+            <a:extLst>
+              <a:ext uri="{28A0092B-C50C-407E-A947-70E740481C1C}">
+                <a14:useLocalDpi xmlns:a14="http://schemas.microsoft.com/office/drawing/2010/main" val="0"/>
+              </a:ext>
+            </a:extLst>
+          </a:blip>
+          <a:stretch>
+            <a:fillRect/>
+          </a:stretch>
+        </p:blipFill>
+        <p:spPr>
+          <a:xfrm>
+            <a:off x="0" y="0"/>
+            <a:ext cx="12192000" cy="6858000"/>
+          </a:xfrm>
+          <a:prstGeom prst="rect">
+            <a:avLst/>
+          </a:prstGeom>
+        </p:spPr>
+      </p:pic>
+      <p:sp>
+        <p:nvSpPr>
+          <p:cNvPr id="2" name="Title 1">
+            <a:extLst>
+              <a:ext uri="{FF2B5EF4-FFF2-40B4-BE49-F238E27FC236}">
+                <a16:creationId xmlns:a16="http://schemas.microsoft.com/office/drawing/2014/main" id="{6C607A2D-2A3B-4533-878E-93EFCE932D5D}"/>
+              </a:ext>
+            </a:extLst>
+          </p:cNvPr>
+          <p:cNvSpPr>
+            <a:spLocks noGrp="1"/>
+          </p:cNvSpPr>
+          <p:nvPr>
+            <p:ph type="title"/>
+          </p:nvPr>
+        </p:nvSpPr>
+        <p:spPr>
+          <a:xfrm>
+            <a:off x="225082" y="2560319"/>
+            <a:ext cx="4065563" cy="1136943"/>
+          </a:xfrm>
+        </p:spPr>
+        <p:txBody>
+          <a:bodyPr>
+            <a:normAutofit/>
+          </a:bodyPr>
+          <a:lstStyle/>
+          <a:p>
+            <a:r>
+              <a:rPr lang="tr-TR" sz="6000" dirty="0" err="1">
+                <a:solidFill>
+                  <a:srgbClr val="FFFFFF"/>
+                </a:solidFill>
+                <a:latin typeface="Arial" panose="020B0604020202020204" pitchFamily="34" charset="0"/>
+                <a:cs typeface="Arial" panose="020B0604020202020204" pitchFamily="34" charset="0"/>
+              </a:rPr>
+              <a:t>Conclusion</a:t>
+            </a:r>
+            <a:endParaRPr lang="en-US" sz="6000" dirty="0">
+              <a:solidFill>
+                <a:srgbClr val="FFFFFF"/>
+              </a:solidFill>
+              <a:latin typeface="Arial" panose="020B0604020202020204" pitchFamily="34" charset="0"/>
+              <a:cs typeface="Arial" panose="020B0604020202020204" pitchFamily="34" charset="0"/>
+            </a:endParaRPr>
+          </a:p>
+        </p:txBody>
+      </p:sp>
+      <p:sp>
+        <p:nvSpPr>
+          <p:cNvPr id="3" name="Content Placeholder 2">
+            <a:extLst>
+              <a:ext uri="{FF2B5EF4-FFF2-40B4-BE49-F238E27FC236}">
+                <a16:creationId xmlns:a16="http://schemas.microsoft.com/office/drawing/2014/main" id="{24DAB321-5804-4075-9C62-CF80A3DDEA0A}"/>
+              </a:ext>
+            </a:extLst>
+          </p:cNvPr>
+          <p:cNvSpPr>
+            <a:spLocks noGrp="1"/>
+          </p:cNvSpPr>
+          <p:nvPr>
+            <p:ph idx="1"/>
+          </p:nvPr>
+        </p:nvSpPr>
+        <p:spPr>
+          <a:xfrm>
+            <a:off x="5898875" y="492369"/>
+            <a:ext cx="5286767" cy="3401842"/>
+          </a:xfrm>
+        </p:spPr>
+        <p:txBody>
+          <a:bodyPr anchor="ctr">
+            <a:normAutofit/>
+          </a:bodyPr>
+          <a:lstStyle/>
+          <a:p>
+            <a:pPr>
+              <a:lnSpc>
+                <a:spcPct val="107000"/>
+              </a:lnSpc>
+              <a:spcAft>
+                <a:spcPts val="800"/>
+              </a:spcAft>
+            </a:pPr>
+            <a:r>
+              <a:rPr lang="en-GB" sz="1800" dirty="0">
+                <a:effectLst/>
+                <a:latin typeface="Times New Roman" panose="02020603050405020304" pitchFamily="18" charset="0"/>
+                <a:ea typeface="Calibri" panose="020F0502020204030204" pitchFamily="34" charset="0"/>
+                <a:cs typeface="Times New Roman" panose="02020603050405020304" pitchFamily="18" charset="0"/>
+              </a:rPr>
+              <a:t>The surplus of particles in a simulation can be a computational hardship for the computer. We implement various methods to get better results by doing research. POF project concentrates on solving computational difficulty problems by increasing performance and efficiency. POF makes easier to simulate with higher quantities of particles or getting better results with the same number of particles by using the hash algorithm and surface particle recognition algorithm.</a:t>
+            </a:r>
+            <a:endParaRPr lang="en-US" sz="1800" dirty="0">
+              <a:effectLst/>
+              <a:latin typeface="Times New Roman" panose="02020603050405020304" pitchFamily="18" charset="0"/>
+              <a:ea typeface="Calibri" panose="020F0502020204030204" pitchFamily="34" charset="0"/>
+              <a:cs typeface="Times New Roman" panose="02020603050405020304" pitchFamily="18" charset="0"/>
+            </a:endParaRPr>
+          </a:p>
+        </p:txBody>
+      </p:sp>
+      <p:sp>
+        <p:nvSpPr>
+          <p:cNvPr id="4" name="TextBox 3">
+            <a:extLst>
+              <a:ext uri="{FF2B5EF4-FFF2-40B4-BE49-F238E27FC236}">
+                <a16:creationId xmlns:a16="http://schemas.microsoft.com/office/drawing/2014/main" id="{DCB59CC2-F960-4D36-AF65-56E598EEBF92}"/>
+              </a:ext>
+            </a:extLst>
+          </p:cNvPr>
+          <p:cNvSpPr txBox="1"/>
+          <p:nvPr/>
+        </p:nvSpPr>
+        <p:spPr>
+          <a:xfrm>
+            <a:off x="6082111" y="5042118"/>
+            <a:ext cx="6109888" cy="1815882"/>
+          </a:xfrm>
+          <a:prstGeom prst="rect">
+            <a:avLst/>
+          </a:prstGeom>
+          <a:noFill/>
+        </p:spPr>
+        <p:txBody>
+          <a:bodyPr wrap="square" rtlCol="0">
+            <a:spAutoFit/>
+          </a:bodyPr>
+          <a:lstStyle/>
+          <a:p>
+            <a:r>
+              <a:rPr lang="tr-TR" sz="1400" b="1" dirty="0" err="1">
+                <a:latin typeface="Times New Roman" panose="02020603050405020304" pitchFamily="18" charset="0"/>
+                <a:cs typeface="Times New Roman" panose="02020603050405020304" pitchFamily="18" charset="0"/>
+              </a:rPr>
+              <a:t>References</a:t>
+            </a:r>
+            <a:endParaRPr lang="tr-TR" sz="1400" b="1" dirty="0">
+              <a:latin typeface="Times New Roman" panose="02020603050405020304" pitchFamily="18" charset="0"/>
+              <a:cs typeface="Times New Roman" panose="02020603050405020304" pitchFamily="18" charset="0"/>
+            </a:endParaRPr>
+          </a:p>
+          <a:p>
+            <a:endParaRPr lang="tr-TR" sz="1400" dirty="0">
+              <a:latin typeface="Times New Roman" panose="02020603050405020304" pitchFamily="18" charset="0"/>
+              <a:cs typeface="Times New Roman" panose="02020603050405020304" pitchFamily="18" charset="0"/>
+            </a:endParaRPr>
+          </a:p>
+          <a:p>
+            <a:r>
+              <a:rPr lang="en-US" sz="1400" dirty="0">
+                <a:latin typeface="Times New Roman" panose="02020603050405020304" pitchFamily="18" charset="0"/>
+                <a:cs typeface="Times New Roman" panose="02020603050405020304" pitchFamily="18" charset="0"/>
+              </a:rPr>
+              <a:t>1-) [AIA12] Akinci, G., </a:t>
+            </a:r>
+            <a:r>
+              <a:rPr lang="en-US" sz="1400" dirty="0" err="1">
+                <a:latin typeface="Times New Roman" panose="02020603050405020304" pitchFamily="18" charset="0"/>
+                <a:cs typeface="Times New Roman" panose="02020603050405020304" pitchFamily="18" charset="0"/>
+              </a:rPr>
+              <a:t>Ihmsen</a:t>
+            </a:r>
+            <a:r>
+              <a:rPr lang="en-US" sz="1400" dirty="0">
+                <a:latin typeface="Times New Roman" panose="02020603050405020304" pitchFamily="18" charset="0"/>
+                <a:cs typeface="Times New Roman" panose="02020603050405020304" pitchFamily="18" charset="0"/>
+              </a:rPr>
+              <a:t>, M., Akinci, N. and </a:t>
+            </a:r>
+            <a:r>
+              <a:rPr lang="en-US" sz="1400" dirty="0" err="1">
+                <a:latin typeface="Times New Roman" panose="02020603050405020304" pitchFamily="18" charset="0"/>
+                <a:cs typeface="Times New Roman" panose="02020603050405020304" pitchFamily="18" charset="0"/>
+              </a:rPr>
+              <a:t>Teschner</a:t>
+            </a:r>
+            <a:r>
+              <a:rPr lang="en-US" sz="1400" dirty="0">
+                <a:latin typeface="Times New Roman" panose="02020603050405020304" pitchFamily="18" charset="0"/>
+                <a:cs typeface="Times New Roman" panose="02020603050405020304" pitchFamily="18" charset="0"/>
+              </a:rPr>
+              <a:t>, M. (2012). Parallel Surface Reconstruction for Particle‐Based Fluids. Computer Graphics Forum, 31, 1797-1809.</a:t>
+            </a:r>
+            <a:endParaRPr lang="tr-TR" sz="1400" dirty="0">
+              <a:latin typeface="Times New Roman" panose="02020603050405020304" pitchFamily="18" charset="0"/>
+              <a:cs typeface="Times New Roman" panose="02020603050405020304" pitchFamily="18" charset="0"/>
+            </a:endParaRPr>
+          </a:p>
+          <a:p>
+            <a:r>
+              <a:rPr lang="tr-TR" sz="1400" dirty="0">
+                <a:latin typeface="Times New Roman" panose="02020603050405020304" pitchFamily="18" charset="0"/>
+                <a:cs typeface="Times New Roman" panose="02020603050405020304" pitchFamily="18" charset="0"/>
+              </a:rPr>
+              <a:t>2</a:t>
+            </a:r>
+            <a:r>
+              <a:rPr lang="en-US" sz="1400" dirty="0">
+                <a:latin typeface="Times New Roman" panose="02020603050405020304" pitchFamily="18" charset="0"/>
+                <a:cs typeface="Times New Roman" panose="02020603050405020304" pitchFamily="18" charset="0"/>
+              </a:rPr>
+              <a:t>-) ZB05] Zhu, Y., &amp; Bridson, R. (2005). Animating sand as a fluid. (New York, NY, USA, 2005) ACM Trans. Graph., 24, 965-972.</a:t>
+            </a:r>
+            <a:endParaRPr lang="tr-TR" sz="1400" dirty="0">
+              <a:latin typeface="Times New Roman" panose="02020603050405020304" pitchFamily="18" charset="0"/>
+              <a:cs typeface="Times New Roman" panose="02020603050405020304" pitchFamily="18" charset="0"/>
+            </a:endParaRPr>
+          </a:p>
+          <a:p>
+            <a:endParaRPr lang="en-US" sz="1400" dirty="0">
+              <a:latin typeface="Times New Roman" panose="02020603050405020304" pitchFamily="18" charset="0"/>
+              <a:cs typeface="Times New Roman" panose="02020603050405020304" pitchFamily="18" charset="0"/>
+            </a:endParaRPr>
+          </a:p>
+        </p:txBody>
+      </p:sp>
+    </p:spTree>
+    <p:extLst>
+      <p:ext uri="{BB962C8B-B14F-4D97-AF65-F5344CB8AC3E}">
+        <p14:creationId xmlns:p14="http://schemas.microsoft.com/office/powerpoint/2010/main" val="1327216652"/>
+      </p:ext>
+    </p:extLst>
+  </p:cSld>
+  <p:clrMapOvr>
+    <a:masterClrMapping/>
+  </p:clrMapOvr>
+</p:sld>
+</file>
+
+<file path=ppt/slides/slide11.xml><?xml version="1.0" encoding="utf-8"?>
+<p:sld xmlns:a="http://schemas.openxmlformats.org/drawingml/2006/main" xmlns:r="http://schemas.openxmlformats.org/officeDocument/2006/relationships" xmlns:p="http://schemas.openxmlformats.org/presentationml/2006/main">
+  <p:cSld>
+    <p:bg>
+      <p:bgPr>
+        <a:solidFill>
+          <a:schemeClr val="bg1"/>
+        </a:solidFill>
+        <a:effectLst/>
+      </p:bgPr>
+    </p:bg>
+    <p:spTree>
+      <p:nvGrpSpPr>
+        <p:cNvPr id="1" name=""/>
+        <p:cNvGrpSpPr/>
+        <p:nvPr/>
+      </p:nvGrpSpPr>
+      <p:grpSpPr>
+        <a:xfrm>
+          <a:off x="0" y="0"/>
+          <a:ext cx="0" cy="0"/>
+          <a:chOff x="0" y="0"/>
+          <a:chExt cx="0" cy="0"/>
+        </a:xfrm>
+      </p:grpSpPr>
+      <p:sp useBgFill="1">
+        <p:nvSpPr>
+          <p:cNvPr id="8" name="Rectangle 7">
+            <a:extLst>
+              <a:ext uri="{FF2B5EF4-FFF2-40B4-BE49-F238E27FC236}">
                 <a16:creationId xmlns:a16="http://schemas.microsoft.com/office/drawing/2014/main" id="{DAF1966E-FD40-4A4A-B61B-C4DF7FA05F06}"/>
               </a:ext>
               <a:ext uri="{C183D7F6-B498-43B3-948B-1728B52AA6E4}">
@@ -4582,20 +5028,32 @@
           <a:lstStyle/>
           <a:p>
             <a:r>
-              <a:rPr lang="en-US" dirty="0"/>
+              <a:rPr lang="en-US" dirty="0">
+                <a:latin typeface="Times New Roman" panose="02020603050405020304" pitchFamily="18" charset="0"/>
+                <a:cs typeface="Times New Roman" panose="02020603050405020304" pitchFamily="18" charset="0"/>
+              </a:rPr>
               <a:t>The main goal of the project is researching ways of enhancing the performance and efficiency of particle-based fluid simulation.</a:t>
             </a:r>
           </a:p>
           <a:p>
             <a:r>
-              <a:rPr lang="en-US" dirty="0"/>
+              <a:rPr lang="en-US" dirty="0">
+                <a:latin typeface="Times New Roman" panose="02020603050405020304" pitchFamily="18" charset="0"/>
+                <a:cs typeface="Times New Roman" panose="02020603050405020304" pitchFamily="18" charset="0"/>
+              </a:rPr>
               <a:t>We aim to achieve these goals by reaching particles faster, storing particles in special structures and applying another visualization method into the POF system.</a:t>
             </a:r>
             <a:r>
-              <a:rPr lang="tr-TR" dirty="0"/>
+              <a:rPr lang="tr-TR" dirty="0">
+                <a:latin typeface="Times New Roman" panose="02020603050405020304" pitchFamily="18" charset="0"/>
+                <a:cs typeface="Times New Roman" panose="02020603050405020304" pitchFamily="18" charset="0"/>
+              </a:rPr>
               <a:t> </a:t>
             </a:r>
-            <a:endParaRPr lang="en-US" dirty="0"/>
+            <a:endParaRPr lang="en-US" dirty="0">
+              <a:latin typeface="Times New Roman" panose="02020603050405020304" pitchFamily="18" charset="0"/>
+              <a:cs typeface="Times New Roman" panose="02020603050405020304" pitchFamily="18" charset="0"/>
+            </a:endParaRPr>
           </a:p>
         </p:txBody>
       </p:sp>
@@ -4992,6 +5450,254 @@
           </a:p>
         </p:txBody>
       </p:sp>
+      <p:pic>
+        <p:nvPicPr>
+          <p:cNvPr id="5" name="Picture 4" descr="A picture containing red, table, white, sitting&#10;&#10;Description automatically generated">
+            <a:extLst>
+              <a:ext uri="{FF2B5EF4-FFF2-40B4-BE49-F238E27FC236}">
+                <a16:creationId xmlns:a16="http://schemas.microsoft.com/office/drawing/2014/main" id="{391DFFB2-DE73-4F9C-9449-91169B71B2E0}"/>
+              </a:ext>
+            </a:extLst>
+          </p:cNvPr>
+          <p:cNvPicPr>
+            <a:picLocks noChangeAspect="1"/>
+          </p:cNvPicPr>
+          <p:nvPr/>
+        </p:nvPicPr>
+        <p:blipFill>
+          <a:blip r:embed="rId3">
+            <a:extLst>
+              <a:ext uri="{28A0092B-C50C-407E-A947-70E740481C1C}">
+                <a14:useLocalDpi xmlns:a14="http://schemas.microsoft.com/office/drawing/2010/main" val="0"/>
+              </a:ext>
+            </a:extLst>
+          </a:blip>
+          <a:stretch>
+            <a:fillRect/>
+          </a:stretch>
+        </p:blipFill>
+        <p:spPr>
+          <a:xfrm>
+            <a:off x="7719922" y="3345120"/>
+            <a:ext cx="3817930" cy="3213547"/>
+          </a:xfrm>
+          <a:prstGeom prst="rect">
+            <a:avLst/>
+          </a:prstGeom>
+        </p:spPr>
+      </p:pic>
+      <p:sp>
+        <p:nvSpPr>
+          <p:cNvPr id="6" name="TextBox 5">
+            <a:extLst>
+              <a:ext uri="{FF2B5EF4-FFF2-40B4-BE49-F238E27FC236}">
+                <a16:creationId xmlns:a16="http://schemas.microsoft.com/office/drawing/2014/main" id="{15D94266-840B-4303-9D0B-BEFB59A1D8B9}"/>
+              </a:ext>
+            </a:extLst>
+          </p:cNvPr>
+          <p:cNvSpPr txBox="1"/>
+          <p:nvPr/>
+        </p:nvSpPr>
+        <p:spPr>
+          <a:xfrm>
+            <a:off x="9159531" y="6057436"/>
+            <a:ext cx="2195274" cy="307777"/>
+          </a:xfrm>
+          <a:prstGeom prst="rect">
+            <a:avLst/>
+          </a:prstGeom>
+          <a:noFill/>
+        </p:spPr>
+        <p:txBody>
+          <a:bodyPr wrap="square" rtlCol="0">
+            <a:spAutoFit/>
+          </a:bodyPr>
+          <a:lstStyle/>
+          <a:p>
+            <a:r>
+              <a:rPr lang="en-US" sz="1400" b="1" dirty="0">
+                <a:solidFill>
+                  <a:schemeClr val="bg1"/>
+                </a:solidFill>
+                <a:latin typeface="Times New Roman" panose="02020603050405020304" pitchFamily="18" charset="0"/>
+                <a:cs typeface="Times New Roman" panose="02020603050405020304" pitchFamily="18" charset="0"/>
+              </a:rPr>
+              <a:t>Fig</a:t>
+            </a:r>
+            <a:r>
+              <a:rPr lang="tr-TR" sz="1400" b="1" dirty="0">
+                <a:solidFill>
+                  <a:schemeClr val="bg1"/>
+                </a:solidFill>
+                <a:latin typeface="Times New Roman" panose="02020603050405020304" pitchFamily="18" charset="0"/>
+                <a:cs typeface="Times New Roman" panose="02020603050405020304" pitchFamily="18" charset="0"/>
+              </a:rPr>
+              <a:t> 2: </a:t>
+            </a:r>
+            <a:r>
+              <a:rPr lang="tr-TR" sz="1400" dirty="0">
+                <a:solidFill>
+                  <a:schemeClr val="bg1"/>
+                </a:solidFill>
+                <a:latin typeface="Times New Roman" panose="02020603050405020304" pitchFamily="18" charset="0"/>
+                <a:cs typeface="Times New Roman" panose="02020603050405020304" pitchFamily="18" charset="0"/>
+              </a:rPr>
+              <a:t>Hash </a:t>
+            </a:r>
+            <a:r>
+              <a:rPr lang="en-US" sz="1400" dirty="0">
+                <a:solidFill>
+                  <a:schemeClr val="bg1"/>
+                </a:solidFill>
+                <a:latin typeface="Times New Roman" panose="02020603050405020304" pitchFamily="18" charset="0"/>
+                <a:cs typeface="Times New Roman" panose="02020603050405020304" pitchFamily="18" charset="0"/>
+              </a:rPr>
+              <a:t>System</a:t>
+            </a:r>
+            <a:r>
+              <a:rPr lang="tr-TR" sz="1400" dirty="0">
+                <a:solidFill>
+                  <a:schemeClr val="bg1"/>
+                </a:solidFill>
+                <a:latin typeface="Times New Roman" panose="02020603050405020304" pitchFamily="18" charset="0"/>
+                <a:cs typeface="Times New Roman" panose="02020603050405020304" pitchFamily="18" charset="0"/>
+              </a:rPr>
+              <a:t>-2</a:t>
+            </a:r>
+            <a:endParaRPr lang="en-US" sz="1400" dirty="0">
+              <a:solidFill>
+                <a:schemeClr val="bg1"/>
+              </a:solidFill>
+              <a:latin typeface="Times New Roman" panose="02020603050405020304" pitchFamily="18" charset="0"/>
+              <a:cs typeface="Times New Roman" panose="02020603050405020304" pitchFamily="18" charset="0"/>
+            </a:endParaRPr>
+          </a:p>
+        </p:txBody>
+      </p:sp>
+      <p:pic>
+        <p:nvPicPr>
+          <p:cNvPr id="9" name="Picture 8">
+            <a:extLst>
+              <a:ext uri="{FF2B5EF4-FFF2-40B4-BE49-F238E27FC236}">
+                <a16:creationId xmlns:a16="http://schemas.microsoft.com/office/drawing/2014/main" id="{F9C78050-19B8-4609-9F5C-080F3BBD8F93}"/>
+              </a:ext>
+            </a:extLst>
+          </p:cNvPr>
+          <p:cNvPicPr>
+            <a:picLocks noChangeAspect="1"/>
+          </p:cNvPicPr>
+          <p:nvPr/>
+        </p:nvPicPr>
+        <p:blipFill>
+          <a:blip r:embed="rId4">
+            <a:extLst>
+              <a:ext uri="{28A0092B-C50C-407E-A947-70E740481C1C}">
+                <a14:useLocalDpi xmlns:a14="http://schemas.microsoft.com/office/drawing/2010/main" val="0"/>
+              </a:ext>
+            </a:extLst>
+          </a:blip>
+          <a:stretch>
+            <a:fillRect/>
+          </a:stretch>
+        </p:blipFill>
+        <p:spPr>
+          <a:xfrm>
+            <a:off x="5796305" y="3408005"/>
+            <a:ext cx="2918713" cy="2156647"/>
+          </a:xfrm>
+          <a:prstGeom prst="rect">
+            <a:avLst/>
+          </a:prstGeom>
+        </p:spPr>
+      </p:pic>
+      <p:sp>
+        <p:nvSpPr>
+          <p:cNvPr id="13" name="TextBox 12">
+            <a:extLst>
+              <a:ext uri="{FF2B5EF4-FFF2-40B4-BE49-F238E27FC236}">
+                <a16:creationId xmlns:a16="http://schemas.microsoft.com/office/drawing/2014/main" id="{C6490758-AEC4-4C2D-AFD1-FEAFA7D1EC07}"/>
+              </a:ext>
+            </a:extLst>
+          </p:cNvPr>
+          <p:cNvSpPr txBox="1"/>
+          <p:nvPr/>
+        </p:nvSpPr>
+        <p:spPr>
+          <a:xfrm>
+            <a:off x="6280462" y="6057437"/>
+            <a:ext cx="2127268" cy="307777"/>
+          </a:xfrm>
+          <a:prstGeom prst="rect">
+            <a:avLst/>
+          </a:prstGeom>
+          <a:noFill/>
+        </p:spPr>
+        <p:txBody>
+          <a:bodyPr wrap="square" rtlCol="0">
+            <a:spAutoFit/>
+          </a:bodyPr>
+          <a:lstStyle/>
+          <a:p>
+            <a:r>
+              <a:rPr lang="en-US" sz="1400" b="1" dirty="0">
+                <a:solidFill>
+                  <a:schemeClr val="bg1"/>
+                </a:solidFill>
+                <a:latin typeface="Times New Roman" panose="02020603050405020304" pitchFamily="18" charset="0"/>
+                <a:cs typeface="Times New Roman" panose="02020603050405020304" pitchFamily="18" charset="0"/>
+              </a:rPr>
+              <a:t>Fig</a:t>
+            </a:r>
+            <a:r>
+              <a:rPr lang="tr-TR" sz="1400" b="1" dirty="0">
+                <a:solidFill>
+                  <a:schemeClr val="bg1"/>
+                </a:solidFill>
+                <a:latin typeface="Times New Roman" panose="02020603050405020304" pitchFamily="18" charset="0"/>
+                <a:cs typeface="Times New Roman" panose="02020603050405020304" pitchFamily="18" charset="0"/>
+              </a:rPr>
+              <a:t> 1: </a:t>
+            </a:r>
+            <a:r>
+              <a:rPr lang="tr-TR" sz="1400" dirty="0">
+                <a:solidFill>
+                  <a:schemeClr val="bg1"/>
+                </a:solidFill>
+                <a:latin typeface="Times New Roman" panose="02020603050405020304" pitchFamily="18" charset="0"/>
+                <a:cs typeface="Times New Roman" panose="02020603050405020304" pitchFamily="18" charset="0"/>
+              </a:rPr>
+              <a:t>Hash </a:t>
+            </a:r>
+            <a:r>
+              <a:rPr lang="en-US" sz="1400" dirty="0">
+                <a:solidFill>
+                  <a:schemeClr val="bg1"/>
+                </a:solidFill>
+                <a:latin typeface="Times New Roman" panose="02020603050405020304" pitchFamily="18" charset="0"/>
+                <a:cs typeface="Times New Roman" panose="02020603050405020304" pitchFamily="18" charset="0"/>
+              </a:rPr>
+              <a:t>System</a:t>
+            </a:r>
+            <a:r>
+              <a:rPr lang="tr-TR" sz="1400" dirty="0">
+                <a:solidFill>
+                  <a:schemeClr val="bg1"/>
+                </a:solidFill>
+                <a:latin typeface="Times New Roman" panose="02020603050405020304" pitchFamily="18" charset="0"/>
+                <a:cs typeface="Times New Roman" panose="02020603050405020304" pitchFamily="18" charset="0"/>
+              </a:rPr>
+              <a:t>-1</a:t>
+            </a:r>
+            <a:endParaRPr lang="en-US" sz="1400" dirty="0">
+              <a:solidFill>
+                <a:schemeClr val="bg1"/>
+              </a:solidFill>
+              <a:latin typeface="Times New Roman" panose="02020603050405020304" pitchFamily="18" charset="0"/>
+              <a:cs typeface="Times New Roman" panose="02020603050405020304" pitchFamily="18" charset="0"/>
+            </a:endParaRPr>
+          </a:p>
+        </p:txBody>
+      </p:sp>
     </p:spTree>
     <p:extLst>
       <p:ext uri="{BB962C8B-B14F-4D97-AF65-F5344CB8AC3E}">
@@ -5249,7 +5955,7 @@
           <a:lstStyle/>
           <a:p>
             <a:r>
-              <a:rPr lang="tr-TR" sz="7200" dirty="0" err="1">
+              <a:rPr lang="en-US" sz="7200" dirty="0">
                 <a:solidFill>
                   <a:srgbClr val="FFFFFF"/>
                 </a:solidFill>
@@ -5258,13 +5964,6 @@
               </a:rPr>
               <a:t>Objectives</a:t>
             </a:r>
-            <a:endParaRPr lang="en-US" sz="7200" dirty="0">
-              <a:solidFill>
-                <a:srgbClr val="FFFFFF"/>
-              </a:solidFill>
-              <a:latin typeface="Arial" panose="020B0604020202020204" pitchFamily="34" charset="0"/>
-              <a:cs typeface="Arial" panose="020B0604020202020204" pitchFamily="34" charset="0"/>
-            </a:endParaRPr>
           </a:p>
         </p:txBody>
       </p:sp>
@@ -5286,8 +5985,8 @@
         </p:nvSpPr>
         <p:spPr>
           <a:xfrm>
-            <a:off x="5739620" y="163048"/>
-            <a:ext cx="5980952" cy="4231835"/>
+            <a:off x="5754860" y="342641"/>
+            <a:ext cx="5980952" cy="3490072"/>
           </a:xfrm>
         </p:spPr>
         <p:txBody>
@@ -5307,17 +6006,17 @@
             <a:r>
               <a:rPr lang="en-GB" sz="1800" dirty="0">
                 <a:effectLst/>
-                <a:latin typeface="Calibri" panose="020F0502020204030204" pitchFamily="34" charset="0"/>
+                <a:latin typeface="Times New Roman" panose="02020603050405020304" pitchFamily="18" charset="0"/>
                 <a:ea typeface="Calibri" panose="020F0502020204030204" pitchFamily="34" charset="0"/>
-                <a:cs typeface="Arial" panose="020B0604020202020204" pitchFamily="34" charset="0"/>
+                <a:cs typeface="Times New Roman" panose="02020603050405020304" pitchFamily="18" charset="0"/>
               </a:rPr>
               <a:t>The project main objective is making research and implementing the methods in the research papers on particle-based fluid simulations. The implementation of these algorithms consists of two main parts in the POF system: Hash system and surface recognition.</a:t>
             </a:r>
             <a:endParaRPr lang="en-US" sz="1800" dirty="0">
               <a:effectLst/>
-              <a:latin typeface="Calibri" panose="020F0502020204030204" pitchFamily="34" charset="0"/>
+              <a:latin typeface="Times New Roman" panose="02020603050405020304" pitchFamily="18" charset="0"/>
               <a:ea typeface="Calibri" panose="020F0502020204030204" pitchFamily="34" charset="0"/>
-              <a:cs typeface="Arial" panose="020B0604020202020204" pitchFamily="34" charset="0"/>
+              <a:cs typeface="Times New Roman" panose="02020603050405020304" pitchFamily="18" charset="0"/>
             </a:endParaRPr>
           </a:p>
           <a:p>
@@ -5332,17 +6031,17 @@
             <a:r>
               <a:rPr lang="en-GB" sz="1800" dirty="0">
                 <a:effectLst/>
-                <a:latin typeface="Calibri" panose="020F0502020204030204" pitchFamily="34" charset="0"/>
+                <a:latin typeface="Times New Roman" panose="02020603050405020304" pitchFamily="18" charset="0"/>
                 <a:ea typeface="Calibri" panose="020F0502020204030204" pitchFamily="34" charset="0"/>
-                <a:cs typeface="Arial" panose="020B0604020202020204" pitchFamily="34" charset="0"/>
+                <a:cs typeface="Times New Roman" panose="02020603050405020304" pitchFamily="18" charset="0"/>
               </a:rPr>
               <a:t>In conclusion, the POF project objective is making research and implement to obtain better performance on finding particles and recognizing surface particles on particle-based fluid simulations.</a:t>
             </a:r>
             <a:endParaRPr lang="en-US" sz="1800" dirty="0">
               <a:effectLst/>
-              <a:latin typeface="Calibri" panose="020F0502020204030204" pitchFamily="34" charset="0"/>
+              <a:latin typeface="Times New Roman" panose="02020603050405020304" pitchFamily="18" charset="0"/>
               <a:ea typeface="Calibri" panose="020F0502020204030204" pitchFamily="34" charset="0"/>
-              <a:cs typeface="Arial" panose="020B0604020202020204" pitchFamily="34" charset="0"/>
+              <a:cs typeface="Times New Roman" panose="02020603050405020304" pitchFamily="18" charset="0"/>
             </a:endParaRPr>
           </a:p>
           <a:p>
@@ -5350,6 +6049,107 @@
               <a:solidFill>
                 <a:srgbClr val="000000"/>
               </a:solidFill>
+              <a:latin typeface="Times New Roman" panose="02020603050405020304" pitchFamily="18" charset="0"/>
+              <a:cs typeface="Times New Roman" panose="02020603050405020304" pitchFamily="18" charset="0"/>
+            </a:endParaRPr>
+          </a:p>
+        </p:txBody>
+      </p:sp>
+      <p:pic>
+        <p:nvPicPr>
+          <p:cNvPr id="5" name="Picture 4" descr="A picture containing sitting, tiled, white, computer&#10;&#10;Description automatically generated">
+            <a:extLst>
+              <a:ext uri="{FF2B5EF4-FFF2-40B4-BE49-F238E27FC236}">
+                <a16:creationId xmlns:a16="http://schemas.microsoft.com/office/drawing/2014/main" id="{9B1D7E64-E171-45E5-B279-053239B1ACB8}"/>
+              </a:ext>
+            </a:extLst>
+          </p:cNvPr>
+          <p:cNvPicPr>
+            <a:picLocks noChangeAspect="1"/>
+          </p:cNvPicPr>
+          <p:nvPr/>
+        </p:nvPicPr>
+        <p:blipFill>
+          <a:blip r:embed="rId3">
+            <a:extLst>
+              <a:ext uri="{28A0092B-C50C-407E-A947-70E740481C1C}">
+                <a14:useLocalDpi xmlns:a14="http://schemas.microsoft.com/office/drawing/2010/main" val="0"/>
+              </a:ext>
+            </a:extLst>
+          </a:blip>
+          <a:stretch>
+            <a:fillRect/>
+          </a:stretch>
+        </p:blipFill>
+        <p:spPr>
+          <a:xfrm>
+            <a:off x="6109891" y="3600799"/>
+            <a:ext cx="4334632" cy="2792640"/>
+          </a:xfrm>
+          <a:prstGeom prst="rect">
+            <a:avLst/>
+          </a:prstGeom>
+        </p:spPr>
+      </p:pic>
+      <p:sp>
+        <p:nvSpPr>
+          <p:cNvPr id="6" name="TextBox 5">
+            <a:extLst>
+              <a:ext uri="{FF2B5EF4-FFF2-40B4-BE49-F238E27FC236}">
+                <a16:creationId xmlns:a16="http://schemas.microsoft.com/office/drawing/2014/main" id="{4B63133F-0DAB-4CCE-9FA8-481F61D536FD}"/>
+              </a:ext>
+            </a:extLst>
+          </p:cNvPr>
+          <p:cNvSpPr txBox="1"/>
+          <p:nvPr/>
+        </p:nvSpPr>
+        <p:spPr>
+          <a:xfrm>
+            <a:off x="7141827" y="6393439"/>
+            <a:ext cx="2270760" cy="307777"/>
+          </a:xfrm>
+          <a:prstGeom prst="rect">
+            <a:avLst/>
+          </a:prstGeom>
+          <a:noFill/>
+        </p:spPr>
+        <p:txBody>
+          <a:bodyPr wrap="square" rtlCol="0">
+            <a:spAutoFit/>
+          </a:bodyPr>
+          <a:lstStyle/>
+          <a:p>
+            <a:r>
+              <a:rPr lang="tr-TR" sz="1400" b="1" dirty="0" err="1">
+                <a:latin typeface="Times New Roman" panose="02020603050405020304" pitchFamily="18" charset="0"/>
+                <a:cs typeface="Times New Roman" panose="02020603050405020304" pitchFamily="18" charset="0"/>
+              </a:rPr>
+              <a:t>Fig</a:t>
+            </a:r>
+            <a:r>
+              <a:rPr lang="tr-TR" sz="1400" b="1" dirty="0">
+                <a:latin typeface="Times New Roman" panose="02020603050405020304" pitchFamily="18" charset="0"/>
+                <a:cs typeface="Times New Roman" panose="02020603050405020304" pitchFamily="18" charset="0"/>
+              </a:rPr>
+              <a:t> 2: </a:t>
+            </a:r>
+            <a:r>
+              <a:rPr lang="tr-TR" sz="1400" dirty="0">
+                <a:latin typeface="Times New Roman" panose="02020603050405020304" pitchFamily="18" charset="0"/>
+                <a:cs typeface="Times New Roman" panose="02020603050405020304" pitchFamily="18" charset="0"/>
+              </a:rPr>
+              <a:t>Perfect </a:t>
+            </a:r>
+            <a:r>
+              <a:rPr lang="tr-TR" sz="1400" dirty="0" err="1">
+                <a:latin typeface="Times New Roman" panose="02020603050405020304" pitchFamily="18" charset="0"/>
+                <a:cs typeface="Times New Roman" panose="02020603050405020304" pitchFamily="18" charset="0"/>
+              </a:rPr>
+              <a:t>Cube</a:t>
+            </a:r>
+            <a:endParaRPr lang="en-US" sz="1400" dirty="0">
+              <a:latin typeface="Times New Roman" panose="02020603050405020304" pitchFamily="18" charset="0"/>
+              <a:cs typeface="Times New Roman" panose="02020603050405020304" pitchFamily="18" charset="0"/>
             </a:endParaRPr>
           </a:p>
         </p:txBody>
@@ -5738,7 +6538,7 @@
               <a:t>The implementation is of three main parts: First implementation Hasher benefits to the POF by accessing particles easier. The second implementation is surface recognition which is an algorithm used from </a:t>
             </a:r>
             <a:r>
-              <a:rPr lang="en-US" sz="1800" dirty="0" err="1">
+              <a:rPr lang="tr-TR" sz="1800" dirty="0">
                 <a:solidFill>
                   <a:srgbClr val="FFFFFF"/>
                 </a:solidFill>
@@ -5755,7 +6555,27 @@
                 <a:latin typeface="Times New Roman" panose="02020603050405020304" pitchFamily="18" charset="0"/>
                 <a:cs typeface="Times New Roman" panose="02020603050405020304" pitchFamily="18" charset="0"/>
               </a:rPr>
-              <a:t>, G. et al. (2012) [1] to draw vertices of surface particles. The third implementation is written by Zhu, Y. et al. [7], offers an alternative way to simulate liquids.</a:t>
+              <a:t>, G. et al. (2012) [1] to draw vertices of surface particles. The third implementation is written by Zhu, Y. et al. [</a:t>
+            </a:r>
+            <a:r>
+              <a:rPr lang="tr-TR" sz="1800" dirty="0">
+                <a:solidFill>
+                  <a:srgbClr val="FFFFFF"/>
+                </a:solidFill>
+                <a:latin typeface="Times New Roman" panose="02020603050405020304" pitchFamily="18" charset="0"/>
+                <a:cs typeface="Times New Roman" panose="02020603050405020304" pitchFamily="18" charset="0"/>
+              </a:rPr>
+              <a:t>2</a:t>
+            </a:r>
+            <a:r>
+              <a:rPr lang="en-US" sz="1800" dirty="0">
+                <a:solidFill>
+                  <a:srgbClr val="FFFFFF"/>
+                </a:solidFill>
+                <a:latin typeface="Times New Roman" panose="02020603050405020304" pitchFamily="18" charset="0"/>
+                <a:cs typeface="Times New Roman" panose="02020603050405020304" pitchFamily="18" charset="0"/>
+              </a:rPr>
+              <a:t>], offers an alternative way to simulate liquids.</a:t>
             </a:r>
           </a:p>
         </p:txBody>
@@ -5820,6 +6640,253 @@
           <a:p>
             <a:pPr algn="ctr"/>
             <a:endParaRPr lang="en-US"/>
+          </a:p>
+        </p:txBody>
+      </p:sp>
+      <p:pic>
+        <p:nvPicPr>
+          <p:cNvPr id="5" name="Picture 4" descr="A picture containing red, sitting, table, game&#10;&#10;Description automatically generated">
+            <a:extLst>
+              <a:ext uri="{FF2B5EF4-FFF2-40B4-BE49-F238E27FC236}">
+                <a16:creationId xmlns:a16="http://schemas.microsoft.com/office/drawing/2014/main" id="{0B845AA8-48FB-477A-B56C-405B01EE659A}"/>
+              </a:ext>
+            </a:extLst>
+          </p:cNvPr>
+          <p:cNvPicPr>
+            <a:picLocks noChangeAspect="1"/>
+          </p:cNvPicPr>
+          <p:nvPr/>
+        </p:nvPicPr>
+        <p:blipFill>
+          <a:blip r:embed="rId3">
+            <a:extLst>
+              <a:ext uri="{28A0092B-C50C-407E-A947-70E740481C1C}">
+                <a14:useLocalDpi xmlns:a14="http://schemas.microsoft.com/office/drawing/2010/main" val="0"/>
+              </a:ext>
+            </a:extLst>
+          </a:blip>
+          <a:stretch>
+            <a:fillRect/>
+          </a:stretch>
+        </p:blipFill>
+        <p:spPr>
+          <a:xfrm>
+            <a:off x="449845" y="4205540"/>
+            <a:ext cx="2846832" cy="2013613"/>
+          </a:xfrm>
+          <a:prstGeom prst="rect">
+            <a:avLst/>
+          </a:prstGeom>
+        </p:spPr>
+      </p:pic>
+      <p:pic>
+        <p:nvPicPr>
+          <p:cNvPr id="7" name="Picture 6" descr="A close up of a map&#10;&#10;Description automatically generated">
+            <a:extLst>
+              <a:ext uri="{FF2B5EF4-FFF2-40B4-BE49-F238E27FC236}">
+                <a16:creationId xmlns:a16="http://schemas.microsoft.com/office/drawing/2014/main" id="{49FA0D22-9A4E-4DBA-B83F-290E80CA4545}"/>
+              </a:ext>
+            </a:extLst>
+          </p:cNvPr>
+          <p:cNvPicPr>
+            <a:picLocks noChangeAspect="1"/>
+          </p:cNvPicPr>
+          <p:nvPr/>
+        </p:nvPicPr>
+        <p:blipFill>
+          <a:blip r:embed="rId4">
+            <a:extLst>
+              <a:ext uri="{28A0092B-C50C-407E-A947-70E740481C1C}">
+                <a14:useLocalDpi xmlns:a14="http://schemas.microsoft.com/office/drawing/2010/main" val="0"/>
+              </a:ext>
+            </a:extLst>
+          </a:blip>
+          <a:stretch>
+            <a:fillRect/>
+          </a:stretch>
+        </p:blipFill>
+        <p:spPr>
+          <a:xfrm>
+            <a:off x="6290174" y="689317"/>
+            <a:ext cx="5718945" cy="5179226"/>
+          </a:xfrm>
+          <a:prstGeom prst="rect">
+            <a:avLst/>
+          </a:prstGeom>
+        </p:spPr>
+      </p:pic>
+      <p:sp>
+        <p:nvSpPr>
+          <p:cNvPr id="9" name="TextBox 8">
+            <a:extLst>
+              <a:ext uri="{FF2B5EF4-FFF2-40B4-BE49-F238E27FC236}">
+                <a16:creationId xmlns:a16="http://schemas.microsoft.com/office/drawing/2014/main" id="{F8BDE00A-3721-42D4-82AA-AEFFCB4DA8DC}"/>
+              </a:ext>
+            </a:extLst>
+          </p:cNvPr>
+          <p:cNvSpPr txBox="1"/>
+          <p:nvPr/>
+        </p:nvSpPr>
+        <p:spPr>
+          <a:xfrm>
+            <a:off x="502747" y="6317720"/>
+            <a:ext cx="3611880" cy="307777"/>
+          </a:xfrm>
+          <a:prstGeom prst="rect">
+            <a:avLst/>
+          </a:prstGeom>
+          <a:noFill/>
+        </p:spPr>
+        <p:txBody>
+          <a:bodyPr wrap="square" rtlCol="0">
+            <a:spAutoFit/>
+          </a:bodyPr>
+          <a:lstStyle/>
+          <a:p>
+            <a:r>
+              <a:rPr lang="tr-TR" sz="1400" b="1" dirty="0" err="1">
+                <a:latin typeface="Times New Roman" panose="02020603050405020304" pitchFamily="18" charset="0"/>
+                <a:cs typeface="Times New Roman" panose="02020603050405020304" pitchFamily="18" charset="0"/>
+              </a:rPr>
+              <a:t>Fig</a:t>
+            </a:r>
+            <a:r>
+              <a:rPr lang="tr-TR" sz="1400" b="1" dirty="0">
+                <a:latin typeface="Times New Roman" panose="02020603050405020304" pitchFamily="18" charset="0"/>
+                <a:cs typeface="Times New Roman" panose="02020603050405020304" pitchFamily="18" charset="0"/>
+              </a:rPr>
+              <a:t> 4: </a:t>
+            </a:r>
+            <a:r>
+              <a:rPr lang="tr-TR" sz="1400" dirty="0" err="1">
+                <a:latin typeface="Times New Roman" panose="02020603050405020304" pitchFamily="18" charset="0"/>
+                <a:cs typeface="Times New Roman" panose="02020603050405020304" pitchFamily="18" charset="0"/>
+              </a:rPr>
+              <a:t>Tracking</a:t>
+            </a:r>
+            <a:r>
+              <a:rPr lang="tr-TR" sz="1400" dirty="0">
+                <a:latin typeface="Times New Roman" panose="02020603050405020304" pitchFamily="18" charset="0"/>
+                <a:cs typeface="Times New Roman" panose="02020603050405020304" pitchFamily="18" charset="0"/>
+              </a:rPr>
+              <a:t> </a:t>
+            </a:r>
+            <a:r>
+              <a:rPr lang="tr-TR" sz="1400" dirty="0" err="1">
+                <a:latin typeface="Times New Roman" panose="02020603050405020304" pitchFamily="18" charset="0"/>
+                <a:cs typeface="Times New Roman" panose="02020603050405020304" pitchFamily="18" charset="0"/>
+              </a:rPr>
+              <a:t>Particle</a:t>
+            </a:r>
+            <a:r>
+              <a:rPr lang="tr-TR" sz="1400" dirty="0">
+                <a:latin typeface="Times New Roman" panose="02020603050405020304" pitchFamily="18" charset="0"/>
+                <a:cs typeface="Times New Roman" panose="02020603050405020304" pitchFamily="18" charset="0"/>
+              </a:rPr>
+              <a:t> </a:t>
+            </a:r>
+            <a:r>
+              <a:rPr lang="tr-TR" sz="1400" dirty="0" err="1">
+                <a:latin typeface="Times New Roman" panose="02020603050405020304" pitchFamily="18" charset="0"/>
+                <a:cs typeface="Times New Roman" panose="02020603050405020304" pitchFamily="18" charset="0"/>
+              </a:rPr>
+              <a:t>within</a:t>
+            </a:r>
+            <a:r>
+              <a:rPr lang="tr-TR" sz="1400" dirty="0">
+                <a:latin typeface="Times New Roman" panose="02020603050405020304" pitchFamily="18" charset="0"/>
+                <a:cs typeface="Times New Roman" panose="02020603050405020304" pitchFamily="18" charset="0"/>
+              </a:rPr>
+              <a:t> a Cell</a:t>
+            </a:r>
+            <a:endParaRPr lang="en-US" sz="1400" dirty="0">
+              <a:latin typeface="Times New Roman" panose="02020603050405020304" pitchFamily="18" charset="0"/>
+              <a:cs typeface="Times New Roman" panose="02020603050405020304" pitchFamily="18" charset="0"/>
+            </a:endParaRPr>
+          </a:p>
+        </p:txBody>
+      </p:sp>
+      <p:sp>
+        <p:nvSpPr>
+          <p:cNvPr id="13" name="TextBox 12">
+            <a:extLst>
+              <a:ext uri="{FF2B5EF4-FFF2-40B4-BE49-F238E27FC236}">
+                <a16:creationId xmlns:a16="http://schemas.microsoft.com/office/drawing/2014/main" id="{E682D371-A00B-4F49-B91B-3AFC5A8A7180}"/>
+              </a:ext>
+            </a:extLst>
+          </p:cNvPr>
+          <p:cNvSpPr txBox="1"/>
+          <p:nvPr/>
+        </p:nvSpPr>
+        <p:spPr>
+          <a:xfrm>
+            <a:off x="8077375" y="6004117"/>
+            <a:ext cx="2955012" cy="307777"/>
+          </a:xfrm>
+          <a:prstGeom prst="rect">
+            <a:avLst/>
+          </a:prstGeom>
+          <a:noFill/>
+        </p:spPr>
+        <p:txBody>
+          <a:bodyPr wrap="square" rtlCol="0">
+            <a:spAutoFit/>
+          </a:bodyPr>
+          <a:lstStyle/>
+          <a:p>
+            <a:r>
+              <a:rPr lang="en-US" sz="1400" b="1" dirty="0">
+                <a:latin typeface="Times New Roman" panose="02020603050405020304" pitchFamily="18" charset="0"/>
+                <a:cs typeface="Times New Roman" panose="02020603050405020304" pitchFamily="18" charset="0"/>
+              </a:rPr>
+              <a:t>Fig</a:t>
+            </a:r>
+            <a:r>
+              <a:rPr lang="tr-TR" sz="1400" b="1" dirty="0">
+                <a:latin typeface="Times New Roman" panose="02020603050405020304" pitchFamily="18" charset="0"/>
+                <a:cs typeface="Times New Roman" panose="02020603050405020304" pitchFamily="18" charset="0"/>
+              </a:rPr>
+              <a:t> 5: </a:t>
+            </a:r>
+            <a:r>
+              <a:rPr lang="tr-TR" sz="1400" dirty="0" err="1">
+                <a:latin typeface="Times New Roman" panose="02020603050405020304" pitchFamily="18" charset="0"/>
+                <a:cs typeface="Times New Roman" panose="02020603050405020304" pitchFamily="18" charset="0"/>
+              </a:rPr>
+              <a:t>Finding</a:t>
+            </a:r>
+            <a:r>
+              <a:rPr lang="tr-TR" sz="1400" dirty="0">
+                <a:latin typeface="Times New Roman" panose="02020603050405020304" pitchFamily="18" charset="0"/>
+                <a:cs typeface="Times New Roman" panose="02020603050405020304" pitchFamily="18" charset="0"/>
+              </a:rPr>
+              <a:t> </a:t>
+            </a:r>
+            <a:r>
+              <a:rPr lang="tr-TR" sz="1400" dirty="0" err="1">
+                <a:latin typeface="Times New Roman" panose="02020603050405020304" pitchFamily="18" charset="0"/>
+                <a:cs typeface="Times New Roman" panose="02020603050405020304" pitchFamily="18" charset="0"/>
+              </a:rPr>
+              <a:t>Surface</a:t>
+            </a:r>
+            <a:r>
+              <a:rPr lang="tr-TR" sz="1400" dirty="0">
+                <a:latin typeface="Times New Roman" panose="02020603050405020304" pitchFamily="18" charset="0"/>
+                <a:cs typeface="Times New Roman" panose="02020603050405020304" pitchFamily="18" charset="0"/>
+              </a:rPr>
+              <a:t> </a:t>
+            </a:r>
+            <a:r>
+              <a:rPr lang="tr-TR" sz="1400" dirty="0" err="1">
+                <a:latin typeface="Times New Roman" panose="02020603050405020304" pitchFamily="18" charset="0"/>
+                <a:cs typeface="Times New Roman" panose="02020603050405020304" pitchFamily="18" charset="0"/>
+              </a:rPr>
+              <a:t>Particles</a:t>
+            </a:r>
+            <a:endParaRPr lang="en-US" sz="1400" dirty="0">
+              <a:latin typeface="Times New Roman" panose="02020603050405020304" pitchFamily="18" charset="0"/>
+              <a:cs typeface="Times New Roman" panose="02020603050405020304" pitchFamily="18" charset="0"/>
+            </a:endParaRPr>
           </a:p>
         </p:txBody>
       </p:sp>
@@ -6216,6 +7283,272 @@
           </a:p>
         </p:txBody>
       </p:sp>
+      <p:pic>
+        <p:nvPicPr>
+          <p:cNvPr id="5" name="Picture 4">
+            <a:extLst>
+              <a:ext uri="{FF2B5EF4-FFF2-40B4-BE49-F238E27FC236}">
+                <a16:creationId xmlns:a16="http://schemas.microsoft.com/office/drawing/2014/main" id="{A954ED5F-F3F3-43F2-9575-214CB3747CE5}"/>
+              </a:ext>
+            </a:extLst>
+          </p:cNvPr>
+          <p:cNvPicPr>
+            <a:picLocks noChangeAspect="1"/>
+          </p:cNvPicPr>
+          <p:nvPr/>
+        </p:nvPicPr>
+        <p:blipFill>
+          <a:blip r:embed="rId3">
+            <a:extLst>
+              <a:ext uri="{28A0092B-C50C-407E-A947-70E740481C1C}">
+                <a14:useLocalDpi xmlns:a14="http://schemas.microsoft.com/office/drawing/2010/main" val="0"/>
+              </a:ext>
+            </a:extLst>
+          </a:blip>
+          <a:stretch>
+            <a:fillRect/>
+          </a:stretch>
+        </p:blipFill>
+        <p:spPr>
+          <a:xfrm>
+            <a:off x="7197469" y="239546"/>
+            <a:ext cx="4715131" cy="3189454"/>
+          </a:xfrm>
+          <a:prstGeom prst="rect">
+            <a:avLst/>
+          </a:prstGeom>
+        </p:spPr>
+      </p:pic>
+      <p:pic>
+        <p:nvPicPr>
+          <p:cNvPr id="11" name="Picture 10" descr="A pile of snow&#10;&#10;Description automatically generated">
+            <a:extLst>
+              <a:ext uri="{FF2B5EF4-FFF2-40B4-BE49-F238E27FC236}">
+                <a16:creationId xmlns:a16="http://schemas.microsoft.com/office/drawing/2014/main" id="{652A76AB-D08A-452E-8FC1-44A3BC7491D9}"/>
+              </a:ext>
+            </a:extLst>
+          </p:cNvPr>
+          <p:cNvPicPr>
+            <a:picLocks noChangeAspect="1"/>
+          </p:cNvPicPr>
+          <p:nvPr/>
+        </p:nvPicPr>
+        <p:blipFill>
+          <a:blip r:embed="rId4">
+            <a:extLst>
+              <a:ext uri="{28A0092B-C50C-407E-A947-70E740481C1C}">
+                <a14:useLocalDpi xmlns:a14="http://schemas.microsoft.com/office/drawing/2010/main" val="0"/>
+              </a:ext>
+            </a:extLst>
+          </a:blip>
+          <a:stretch>
+            <a:fillRect/>
+          </a:stretch>
+        </p:blipFill>
+        <p:spPr>
+          <a:xfrm>
+            <a:off x="317780" y="3734932"/>
+            <a:ext cx="5265177" cy="2757308"/>
+          </a:xfrm>
+          <a:prstGeom prst="rect">
+            <a:avLst/>
+          </a:prstGeom>
+        </p:spPr>
+      </p:pic>
+      <p:sp>
+        <p:nvSpPr>
+          <p:cNvPr id="13" name="TextBox 12">
+            <a:extLst>
+              <a:ext uri="{FF2B5EF4-FFF2-40B4-BE49-F238E27FC236}">
+                <a16:creationId xmlns:a16="http://schemas.microsoft.com/office/drawing/2014/main" id="{29FDFD56-94B9-4077-B55D-3F8AEA0C9A76}"/>
+              </a:ext>
+            </a:extLst>
+          </p:cNvPr>
+          <p:cNvSpPr txBox="1"/>
+          <p:nvPr/>
+        </p:nvSpPr>
+        <p:spPr>
+          <a:xfrm>
+            <a:off x="8934638" y="3705999"/>
+            <a:ext cx="2195274" cy="307777"/>
+          </a:xfrm>
+          <a:prstGeom prst="rect">
+            <a:avLst/>
+          </a:prstGeom>
+          <a:noFill/>
+        </p:spPr>
+        <p:txBody>
+          <a:bodyPr wrap="square" rtlCol="0">
+            <a:spAutoFit/>
+          </a:bodyPr>
+          <a:lstStyle/>
+          <a:p>
+            <a:r>
+              <a:rPr lang="en-US" sz="1400" b="1" dirty="0">
+                <a:solidFill>
+                  <a:schemeClr val="bg1"/>
+                </a:solidFill>
+                <a:latin typeface="Times New Roman" panose="02020603050405020304" pitchFamily="18" charset="0"/>
+                <a:cs typeface="Times New Roman" panose="02020603050405020304" pitchFamily="18" charset="0"/>
+              </a:rPr>
+              <a:t>Fig</a:t>
+            </a:r>
+            <a:r>
+              <a:rPr lang="tr-TR" sz="1400" b="1" dirty="0">
+                <a:solidFill>
+                  <a:schemeClr val="bg1"/>
+                </a:solidFill>
+                <a:latin typeface="Times New Roman" panose="02020603050405020304" pitchFamily="18" charset="0"/>
+                <a:cs typeface="Times New Roman" panose="02020603050405020304" pitchFamily="18" charset="0"/>
+              </a:rPr>
+              <a:t> 7: </a:t>
+            </a:r>
+            <a:r>
+              <a:rPr lang="tr-TR" sz="1400" dirty="0">
+                <a:solidFill>
+                  <a:schemeClr val="bg1"/>
+                </a:solidFill>
+                <a:latin typeface="Times New Roman" panose="02020603050405020304" pitchFamily="18" charset="0"/>
+                <a:cs typeface="Times New Roman" panose="02020603050405020304" pitchFamily="18" charset="0"/>
+              </a:rPr>
+              <a:t>Hash </a:t>
+            </a:r>
+            <a:r>
+              <a:rPr lang="en-US" sz="1400" dirty="0">
+                <a:solidFill>
+                  <a:schemeClr val="bg1"/>
+                </a:solidFill>
+                <a:latin typeface="Times New Roman" panose="02020603050405020304" pitchFamily="18" charset="0"/>
+                <a:cs typeface="Times New Roman" panose="02020603050405020304" pitchFamily="18" charset="0"/>
+              </a:rPr>
+              <a:t>System</a:t>
+            </a:r>
+            <a:r>
+              <a:rPr lang="tr-TR" sz="1400" dirty="0">
+                <a:solidFill>
+                  <a:schemeClr val="bg1"/>
+                </a:solidFill>
+                <a:latin typeface="Times New Roman" panose="02020603050405020304" pitchFamily="18" charset="0"/>
+                <a:cs typeface="Times New Roman" panose="02020603050405020304" pitchFamily="18" charset="0"/>
+              </a:rPr>
+              <a:t>-4</a:t>
+            </a:r>
+            <a:endParaRPr lang="en-US" sz="1400" dirty="0">
+              <a:solidFill>
+                <a:schemeClr val="bg1"/>
+              </a:solidFill>
+              <a:latin typeface="Times New Roman" panose="02020603050405020304" pitchFamily="18" charset="0"/>
+              <a:cs typeface="Times New Roman" panose="02020603050405020304" pitchFamily="18" charset="0"/>
+            </a:endParaRPr>
+          </a:p>
+        </p:txBody>
+      </p:sp>
+      <p:sp>
+        <p:nvSpPr>
+          <p:cNvPr id="14" name="TextBox 13">
+            <a:extLst>
+              <a:ext uri="{FF2B5EF4-FFF2-40B4-BE49-F238E27FC236}">
+                <a16:creationId xmlns:a16="http://schemas.microsoft.com/office/drawing/2014/main" id="{D32AC941-E814-4F56-AD7B-3C0851100D41}"/>
+              </a:ext>
+            </a:extLst>
+          </p:cNvPr>
+          <p:cNvSpPr txBox="1"/>
+          <p:nvPr/>
+        </p:nvSpPr>
+        <p:spPr>
+          <a:xfrm>
+            <a:off x="1430657" y="6521173"/>
+            <a:ext cx="2195274" cy="307777"/>
+          </a:xfrm>
+          <a:prstGeom prst="rect">
+            <a:avLst/>
+          </a:prstGeom>
+          <a:noFill/>
+        </p:spPr>
+        <p:txBody>
+          <a:bodyPr wrap="square" rtlCol="0">
+            <a:spAutoFit/>
+          </a:bodyPr>
+          <a:lstStyle/>
+          <a:p>
+            <a:r>
+              <a:rPr lang="en-US" sz="1400" b="1" dirty="0">
+                <a:solidFill>
+                  <a:schemeClr val="tx1">
+                    <a:lumMod val="95000"/>
+                    <a:lumOff val="5000"/>
+                  </a:schemeClr>
+                </a:solidFill>
+                <a:latin typeface="Times New Roman" panose="02020603050405020304" pitchFamily="18" charset="0"/>
+                <a:cs typeface="Times New Roman" panose="02020603050405020304" pitchFamily="18" charset="0"/>
+              </a:rPr>
+              <a:t>Fig</a:t>
+            </a:r>
+            <a:r>
+              <a:rPr lang="tr-TR" sz="1400" b="1" dirty="0">
+                <a:solidFill>
+                  <a:schemeClr val="tx1">
+                    <a:lumMod val="95000"/>
+                    <a:lumOff val="5000"/>
+                  </a:schemeClr>
+                </a:solidFill>
+                <a:latin typeface="Times New Roman" panose="02020603050405020304" pitchFamily="18" charset="0"/>
+                <a:cs typeface="Times New Roman" panose="02020603050405020304" pitchFamily="18" charset="0"/>
+              </a:rPr>
+              <a:t> 6: </a:t>
+            </a:r>
+            <a:r>
+              <a:rPr lang="tr-TR" sz="1400" dirty="0">
+                <a:solidFill>
+                  <a:schemeClr val="tx1">
+                    <a:lumMod val="95000"/>
+                    <a:lumOff val="5000"/>
+                  </a:schemeClr>
+                </a:solidFill>
+                <a:latin typeface="Times New Roman" panose="02020603050405020304" pitchFamily="18" charset="0"/>
+                <a:cs typeface="Times New Roman" panose="02020603050405020304" pitchFamily="18" charset="0"/>
+              </a:rPr>
+              <a:t>Hash </a:t>
+            </a:r>
+            <a:r>
+              <a:rPr lang="en-US" sz="1400" dirty="0">
+                <a:solidFill>
+                  <a:schemeClr val="tx1">
+                    <a:lumMod val="95000"/>
+                    <a:lumOff val="5000"/>
+                  </a:schemeClr>
+                </a:solidFill>
+                <a:latin typeface="Times New Roman" panose="02020603050405020304" pitchFamily="18" charset="0"/>
+                <a:cs typeface="Times New Roman" panose="02020603050405020304" pitchFamily="18" charset="0"/>
+              </a:rPr>
+              <a:t>System</a:t>
+            </a:r>
+            <a:r>
+              <a:rPr lang="tr-TR" sz="1400" dirty="0">
+                <a:solidFill>
+                  <a:schemeClr val="tx1">
+                    <a:lumMod val="95000"/>
+                    <a:lumOff val="5000"/>
+                  </a:schemeClr>
+                </a:solidFill>
+                <a:latin typeface="Times New Roman" panose="02020603050405020304" pitchFamily="18" charset="0"/>
+                <a:cs typeface="Times New Roman" panose="02020603050405020304" pitchFamily="18" charset="0"/>
+              </a:rPr>
+              <a:t>-3</a:t>
+            </a:r>
+            <a:endParaRPr lang="en-US" sz="1400" dirty="0">
+              <a:solidFill>
+                <a:schemeClr val="tx1">
+                  <a:lumMod val="95000"/>
+                  <a:lumOff val="5000"/>
+                </a:schemeClr>
+              </a:solidFill>
+              <a:latin typeface="Times New Roman" panose="02020603050405020304" pitchFamily="18" charset="0"/>
+              <a:cs typeface="Times New Roman" panose="02020603050405020304" pitchFamily="18" charset="0"/>
+            </a:endParaRPr>
+          </a:p>
+        </p:txBody>
+      </p:sp>
     </p:spTree>
     <p:extLst>
       <p:ext uri="{BB962C8B-B14F-4D97-AF65-F5344CB8AC3E}">
@@ -6230,6 +7563,650 @@
 </file>
 
 <file path=ppt/slides/slide7.xml><?xml version="1.0" encoding="utf-8"?>
+<p:sld xmlns:a="http://schemas.openxmlformats.org/drawingml/2006/main" xmlns:r="http://schemas.openxmlformats.org/officeDocument/2006/relationships" xmlns:p="http://schemas.openxmlformats.org/presentationml/2006/main">
+  <p:cSld>
+    <p:bg>
+      <p:bgPr>
+        <a:solidFill>
+          <a:schemeClr val="bg1"/>
+        </a:solidFill>
+        <a:effectLst/>
+      </p:bgPr>
+    </p:bg>
+    <p:spTree>
+      <p:nvGrpSpPr>
+        <p:cNvPr id="1" name=""/>
+        <p:cNvGrpSpPr/>
+        <p:nvPr/>
+      </p:nvGrpSpPr>
+      <p:grpSpPr>
+        <a:xfrm>
+          <a:off x="0" y="0"/>
+          <a:ext cx="0" cy="0"/>
+          <a:chOff x="0" y="0"/>
+          <a:chExt cx="0" cy="0"/>
+        </a:xfrm>
+      </p:grpSpPr>
+      <p:sp>
+        <p:nvSpPr>
+          <p:cNvPr id="17" name="Rectangle 16">
+            <a:extLst>
+              <a:ext uri="{FF2B5EF4-FFF2-40B4-BE49-F238E27FC236}">
+                <a16:creationId xmlns:a16="http://schemas.microsoft.com/office/drawing/2014/main" id="{FC7A3AA1-44C4-4CBE-8808-D86A411AD665}"/>
+              </a:ext>
+              <a:ext uri="{C183D7F6-B498-43B3-948B-1728B52AA6E4}">
+                <adec:decorative xmlns:adec="http://schemas.microsoft.com/office/drawing/2017/decorative" val="1"/>
+              </a:ext>
+            </a:extLst>
+          </p:cNvPr>
+          <p:cNvSpPr>
+            <a:spLocks noGrp="1" noRot="1" noChangeAspect="1" noMove="1" noResize="1" noEditPoints="1" noAdjustHandles="1" noChangeArrowheads="1" noChangeShapeType="1" noTextEdit="1"/>
+          </p:cNvSpPr>
+          <p:nvPr>
+            <p:extLst>
+              <p:ext uri="{386F3935-93C4-4BCD-93E2-E3B085C9AB24}">
+                <p16:designElem xmlns:p16="http://schemas.microsoft.com/office/powerpoint/2015/main" val="1"/>
+              </p:ext>
+            </p:extLst>
+          </p:nvPr>
+        </p:nvSpPr>
+        <p:spPr>
+          <a:xfrm>
+            <a:off x="0" y="0"/>
+            <a:ext cx="12192000" cy="3032449"/>
+          </a:xfrm>
+          <a:prstGeom prst="rect">
+            <a:avLst/>
+          </a:prstGeom>
+          <a:gradFill>
+            <a:gsLst>
+              <a:gs pos="0">
+                <a:schemeClr val="accent1">
+                  <a:lumMod val="90000"/>
+                </a:schemeClr>
+              </a:gs>
+              <a:gs pos="25000">
+                <a:schemeClr val="accent1">
+                  <a:lumMod val="90000"/>
+                </a:schemeClr>
+              </a:gs>
+              <a:gs pos="94000">
+                <a:schemeClr val="bg2">
+                  <a:lumMod val="25000"/>
+                </a:schemeClr>
+              </a:gs>
+              <a:gs pos="100000">
+                <a:schemeClr val="bg2">
+                  <a:lumMod val="25000"/>
+                </a:schemeClr>
+              </a:gs>
+            </a:gsLst>
+            <a:lin ang="4200000" scaled="0"/>
+          </a:gradFill>
+          <a:ln>
+            <a:noFill/>
+          </a:ln>
+        </p:spPr>
+        <p:style>
+          <a:lnRef idx="2">
+            <a:schemeClr val="accent1">
+              <a:shade val="50000"/>
+            </a:schemeClr>
+          </a:lnRef>
+          <a:fillRef idx="1">
+            <a:schemeClr val="accent1"/>
+          </a:fillRef>
+          <a:effectRef idx="0">
+            <a:schemeClr val="accent1"/>
+          </a:effectRef>
+          <a:fontRef idx="minor">
+            <a:schemeClr val="lt1"/>
+          </a:fontRef>
+        </p:style>
+        <p:txBody>
+          <a:bodyPr rtlCol="0" anchor="ctr"/>
+          <a:lstStyle/>
+          <a:p>
+            <a:pPr algn="ctr"/>
+            <a:endParaRPr lang="en-US"/>
+          </a:p>
+        </p:txBody>
+      </p:sp>
+      <p:pic>
+        <p:nvPicPr>
+          <p:cNvPr id="19" name="Picture 18">
+            <a:extLst>
+              <a:ext uri="{FF2B5EF4-FFF2-40B4-BE49-F238E27FC236}">
+                <a16:creationId xmlns:a16="http://schemas.microsoft.com/office/drawing/2014/main" id="{4FDAB746-A9A3-4EC2-8997-5EB71BC96424}"/>
+              </a:ext>
+              <a:ext uri="{C183D7F6-B498-43B3-948B-1728B52AA6E4}">
+                <adec:decorative xmlns:adec="http://schemas.microsoft.com/office/drawing/2017/decorative" val="1"/>
+              </a:ext>
+            </a:extLst>
+          </p:cNvPr>
+          <p:cNvPicPr>
+            <a:picLocks noGrp="1" noRot="1" noChangeAspect="1" noMove="1" noResize="1" noEditPoints="1" noAdjustHandles="1" noChangeArrowheads="1" noChangeShapeType="1" noCrop="1"/>
+          </p:cNvPicPr>
+          <p:nvPr>
+            <p:extLst>
+              <p:ext uri="{386F3935-93C4-4BCD-93E2-E3B085C9AB24}">
+                <p16:designElem xmlns:p16="http://schemas.microsoft.com/office/powerpoint/2015/main" val="1"/>
+              </p:ext>
+            </p:extLst>
+          </p:nvPr>
+        </p:nvPicPr>
+        <p:blipFill rotWithShape="1">
+          <a:blip r:embed="rId2">
+            <a:extLst>
+              <a:ext uri="{28A0092B-C50C-407E-A947-70E740481C1C}">
+                <a14:useLocalDpi xmlns:a14="http://schemas.microsoft.com/office/drawing/2010/main" val="0"/>
+              </a:ext>
+            </a:extLst>
+          </a:blip>
+          <a:srcRect t="45716" b="33968"/>
+          <a:stretch/>
+        </p:blipFill>
+        <p:spPr>
+          <a:xfrm>
+            <a:off x="0" y="1584458"/>
+            <a:ext cx="12192000" cy="1393277"/>
+          </a:xfrm>
+          <a:custGeom>
+            <a:avLst/>
+            <a:gdLst>
+              <a:gd name="connsiteX0" fmla="*/ 0 w 12192000"/>
+              <a:gd name="connsiteY0" fmla="*/ 0 h 3049325"/>
+              <a:gd name="connsiteX1" fmla="*/ 12192000 w 12192000"/>
+              <a:gd name="connsiteY1" fmla="*/ 0 h 3049325"/>
+              <a:gd name="connsiteX2" fmla="*/ 12192000 w 12192000"/>
+              <a:gd name="connsiteY2" fmla="*/ 3049325 h 3049325"/>
+              <a:gd name="connsiteX3" fmla="*/ 0 w 12192000"/>
+              <a:gd name="connsiteY3" fmla="*/ 3049325 h 3049325"/>
+            </a:gdLst>
+            <a:ahLst/>
+            <a:cxnLst>
+              <a:cxn ang="0">
+                <a:pos x="connsiteX0" y="connsiteY0"/>
+              </a:cxn>
+              <a:cxn ang="0">
+                <a:pos x="connsiteX1" y="connsiteY1"/>
+              </a:cxn>
+              <a:cxn ang="0">
+                <a:pos x="connsiteX2" y="connsiteY2"/>
+              </a:cxn>
+              <a:cxn ang="0">
+                <a:pos x="connsiteX3" y="connsiteY3"/>
+              </a:cxn>
+            </a:cxnLst>
+            <a:rect l="l" t="t" r="r" b="b"/>
+            <a:pathLst>
+              <a:path w="12192000" h="3049325">
+                <a:moveTo>
+                  <a:pt x="0" y="0"/>
+                </a:moveTo>
+                <a:lnTo>
+                  <a:pt x="12192000" y="0"/>
+                </a:lnTo>
+                <a:lnTo>
+                  <a:pt x="12192000" y="3049325"/>
+                </a:lnTo>
+                <a:lnTo>
+                  <a:pt x="0" y="3049325"/>
+                </a:lnTo>
+                <a:close/>
+              </a:path>
+            </a:pathLst>
+          </a:custGeom>
+        </p:spPr>
+      </p:pic>
+      <p:sp>
+        <p:nvSpPr>
+          <p:cNvPr id="2" name="Title 1">
+            <a:extLst>
+              <a:ext uri="{FF2B5EF4-FFF2-40B4-BE49-F238E27FC236}">
+                <a16:creationId xmlns:a16="http://schemas.microsoft.com/office/drawing/2014/main" id="{97A56CAB-E3CE-4D1F-B4FD-FFDF44039E9D}"/>
+              </a:ext>
+            </a:extLst>
+          </p:cNvPr>
+          <p:cNvSpPr>
+            <a:spLocks noGrp="1"/>
+          </p:cNvSpPr>
+          <p:nvPr>
+            <p:ph type="title"/>
+          </p:nvPr>
+        </p:nvSpPr>
+        <p:spPr>
+          <a:xfrm>
+            <a:off x="958744" y="546888"/>
+            <a:ext cx="4139745" cy="1244397"/>
+          </a:xfrm>
+        </p:spPr>
+        <p:txBody>
+          <a:bodyPr vert="horz" lIns="91440" tIns="45720" rIns="91440" bIns="45720" rtlCol="0" anchor="ctr">
+            <a:normAutofit/>
+          </a:bodyPr>
+          <a:lstStyle/>
+          <a:p>
+            <a:r>
+              <a:rPr lang="en-US" sz="4800" dirty="0">
+                <a:solidFill>
+                  <a:srgbClr val="FFFFFF"/>
+                </a:solidFill>
+              </a:rPr>
+              <a:t>HASH SYSTEM</a:t>
+            </a:r>
+          </a:p>
+        </p:txBody>
+      </p:sp>
+      <p:sp>
+        <p:nvSpPr>
+          <p:cNvPr id="4" name="TextBox 3">
+            <a:extLst>
+              <a:ext uri="{FF2B5EF4-FFF2-40B4-BE49-F238E27FC236}">
+                <a16:creationId xmlns:a16="http://schemas.microsoft.com/office/drawing/2014/main" id="{88628D12-09CA-40D2-8D8C-8BC1351AC0C0}"/>
+              </a:ext>
+            </a:extLst>
+          </p:cNvPr>
+          <p:cNvSpPr txBox="1"/>
+          <p:nvPr/>
+        </p:nvSpPr>
+        <p:spPr>
+          <a:xfrm>
+            <a:off x="6355641" y="338328"/>
+            <a:ext cx="5029200" cy="1773936"/>
+          </a:xfrm>
+          <a:prstGeom prst="rect">
+            <a:avLst/>
+          </a:prstGeom>
+        </p:spPr>
+        <p:txBody>
+          <a:bodyPr vert="horz" lIns="91440" tIns="45720" rIns="91440" bIns="45720" rtlCol="0" anchor="ctr">
+            <a:normAutofit/>
+          </a:bodyPr>
+          <a:lstStyle/>
+          <a:p>
+            <a:pPr indent="-228600">
+              <a:lnSpc>
+                <a:spcPct val="90000"/>
+              </a:lnSpc>
+              <a:spcAft>
+                <a:spcPts val="600"/>
+              </a:spcAft>
+              <a:buFont typeface="Arial" panose="020B0604020202020204" pitchFamily="34" charset="0"/>
+              <a:buChar char="•"/>
+            </a:pPr>
+            <a:r>
+              <a:rPr lang="en-US" dirty="0">
+                <a:solidFill>
+                  <a:srgbClr val="FFFFFF"/>
+                </a:solidFill>
+              </a:rPr>
+              <a:t>Hash system is a method to mapping particles in a three-dimensional space converted to the one-dimensional hash table that allows very fast access on particles in the 3-dimensional space domain. Hash system analyses particles position data and finds particles faster through a special function.</a:t>
+            </a:r>
+          </a:p>
+        </p:txBody>
+      </p:sp>
+      <p:sp>
+        <p:nvSpPr>
+          <p:cNvPr id="21" name="Rectangle 20">
+            <a:extLst>
+              <a:ext uri="{FF2B5EF4-FFF2-40B4-BE49-F238E27FC236}">
+                <a16:creationId xmlns:a16="http://schemas.microsoft.com/office/drawing/2014/main" id="{091C9E05-1ED5-4438-8E0F-38219974999F}"/>
+              </a:ext>
+              <a:ext uri="{C183D7F6-B498-43B3-948B-1728B52AA6E4}">
+                <adec:decorative xmlns:adec="http://schemas.microsoft.com/office/drawing/2017/decorative" val="1"/>
+              </a:ext>
+            </a:extLst>
+          </p:cNvPr>
+          <p:cNvSpPr>
+            <a:spLocks noGrp="1" noRot="1" noChangeAspect="1" noMove="1" noResize="1" noEditPoints="1" noAdjustHandles="1" noChangeArrowheads="1" noChangeShapeType="1" noTextEdit="1"/>
+          </p:cNvSpPr>
+          <p:nvPr>
+            <p:extLst>
+              <p:ext uri="{386F3935-93C4-4BCD-93E2-E3B085C9AB24}">
+                <p16:designElem xmlns:p16="http://schemas.microsoft.com/office/powerpoint/2015/main" val="1"/>
+              </p:ext>
+            </p:extLst>
+          </p:nvPr>
+        </p:nvSpPr>
+        <p:spPr>
+          <a:xfrm flipV="1">
+            <a:off x="0" y="2805364"/>
+            <a:ext cx="12188952" cy="4052636"/>
+          </a:xfrm>
+          <a:prstGeom prst="rect">
+            <a:avLst/>
+          </a:prstGeom>
+          <a:solidFill>
+            <a:srgbClr val="FFFFFF"/>
+          </a:solidFill>
+          <a:ln>
+            <a:noFill/>
+          </a:ln>
+        </p:spPr>
+        <p:style>
+          <a:lnRef idx="2">
+            <a:schemeClr val="accent1">
+              <a:shade val="50000"/>
+            </a:schemeClr>
+          </a:lnRef>
+          <a:fillRef idx="1">
+            <a:schemeClr val="accent1"/>
+          </a:fillRef>
+          <a:effectRef idx="0">
+            <a:schemeClr val="accent1"/>
+          </a:effectRef>
+          <a:fontRef idx="minor">
+            <a:schemeClr val="lt1"/>
+          </a:fontRef>
+        </p:style>
+        <p:txBody>
+          <a:bodyPr rtlCol="0" anchor="ctr"/>
+          <a:lstStyle/>
+          <a:p>
+            <a:pPr algn="ctr"/>
+            <a:endParaRPr lang="en-US"/>
+          </a:p>
+        </p:txBody>
+      </p:sp>
+      <p:pic>
+        <p:nvPicPr>
+          <p:cNvPr id="5" name="Picture 4">
+            <a:extLst>
+              <a:ext uri="{FF2B5EF4-FFF2-40B4-BE49-F238E27FC236}">
+                <a16:creationId xmlns:a16="http://schemas.microsoft.com/office/drawing/2014/main" id="{A954ED5F-F3F3-43F2-9575-214CB3747CE5}"/>
+              </a:ext>
+            </a:extLst>
+          </p:cNvPr>
+          <p:cNvPicPr>
+            <a:picLocks noChangeAspect="1"/>
+          </p:cNvPicPr>
+          <p:nvPr/>
+        </p:nvPicPr>
+        <p:blipFill>
+          <a:blip r:embed="rId3">
+            <a:extLst>
+              <a:ext uri="{28A0092B-C50C-407E-A947-70E740481C1C}">
+                <a14:useLocalDpi xmlns:a14="http://schemas.microsoft.com/office/drawing/2010/main" val="0"/>
+              </a:ext>
+            </a:extLst>
+          </a:blip>
+          <a:stretch>
+            <a:fillRect/>
+          </a:stretch>
+        </p:blipFill>
+        <p:spPr>
+          <a:xfrm>
+            <a:off x="958744" y="3032449"/>
+            <a:ext cx="4588870" cy="3108960"/>
+          </a:xfrm>
+          <a:prstGeom prst="rect">
+            <a:avLst/>
+          </a:prstGeom>
+        </p:spPr>
+      </p:pic>
+      <p:pic>
+        <p:nvPicPr>
+          <p:cNvPr id="11" name="Picture 10" descr="A pile of snow&#10;&#10;Description automatically generated">
+            <a:extLst>
+              <a:ext uri="{FF2B5EF4-FFF2-40B4-BE49-F238E27FC236}">
+                <a16:creationId xmlns:a16="http://schemas.microsoft.com/office/drawing/2014/main" id="{652A76AB-D08A-452E-8FC1-44A3BC7491D9}"/>
+              </a:ext>
+            </a:extLst>
+          </p:cNvPr>
+          <p:cNvPicPr>
+            <a:picLocks noChangeAspect="1"/>
+          </p:cNvPicPr>
+          <p:nvPr/>
+        </p:nvPicPr>
+        <p:blipFill>
+          <a:blip r:embed="rId4">
+            <a:extLst>
+              <a:ext uri="{28A0092B-C50C-407E-A947-70E740481C1C}">
+                <a14:useLocalDpi xmlns:a14="http://schemas.microsoft.com/office/drawing/2010/main" val="0"/>
+              </a:ext>
+            </a:extLst>
+          </a:blip>
+          <a:stretch>
+            <a:fillRect/>
+          </a:stretch>
+        </p:blipFill>
+        <p:spPr>
+          <a:xfrm>
+            <a:off x="6355641" y="3237217"/>
+            <a:ext cx="5166360" cy="2699423"/>
+          </a:xfrm>
+          <a:prstGeom prst="rect">
+            <a:avLst/>
+          </a:prstGeom>
+        </p:spPr>
+      </p:pic>
+      <p:sp>
+        <p:nvSpPr>
+          <p:cNvPr id="14" name="TextBox 13">
+            <a:extLst>
+              <a:ext uri="{FF2B5EF4-FFF2-40B4-BE49-F238E27FC236}">
+                <a16:creationId xmlns:a16="http://schemas.microsoft.com/office/drawing/2014/main" id="{3427ECC7-07A0-43B6-A2F9-804B31D5D241}"/>
+              </a:ext>
+            </a:extLst>
+          </p:cNvPr>
+          <p:cNvSpPr txBox="1"/>
+          <p:nvPr/>
+        </p:nvSpPr>
+        <p:spPr>
+          <a:xfrm>
+            <a:off x="1994537" y="6134852"/>
+            <a:ext cx="2195274" cy="307777"/>
+          </a:xfrm>
+          <a:prstGeom prst="rect">
+            <a:avLst/>
+          </a:prstGeom>
+          <a:noFill/>
+        </p:spPr>
+        <p:txBody>
+          <a:bodyPr wrap="square" rtlCol="0">
+            <a:spAutoFit/>
+          </a:bodyPr>
+          <a:lstStyle/>
+          <a:p>
+            <a:r>
+              <a:rPr lang="en-US" sz="1400" b="1" dirty="0">
+                <a:solidFill>
+                  <a:schemeClr val="tx1">
+                    <a:lumMod val="95000"/>
+                    <a:lumOff val="5000"/>
+                  </a:schemeClr>
+                </a:solidFill>
+                <a:latin typeface="Times New Roman" panose="02020603050405020304" pitchFamily="18" charset="0"/>
+                <a:cs typeface="Times New Roman" panose="02020603050405020304" pitchFamily="18" charset="0"/>
+              </a:rPr>
+              <a:t>Fig</a:t>
+            </a:r>
+            <a:r>
+              <a:rPr lang="tr-TR" sz="1400" b="1" dirty="0">
+                <a:solidFill>
+                  <a:schemeClr val="tx1">
+                    <a:lumMod val="95000"/>
+                    <a:lumOff val="5000"/>
+                  </a:schemeClr>
+                </a:solidFill>
+                <a:latin typeface="Times New Roman" panose="02020603050405020304" pitchFamily="18" charset="0"/>
+                <a:cs typeface="Times New Roman" panose="02020603050405020304" pitchFamily="18" charset="0"/>
+              </a:rPr>
+              <a:t> 6: </a:t>
+            </a:r>
+            <a:r>
+              <a:rPr lang="tr-TR" sz="1400" dirty="0">
+                <a:solidFill>
+                  <a:schemeClr val="tx1">
+                    <a:lumMod val="95000"/>
+                    <a:lumOff val="5000"/>
+                  </a:schemeClr>
+                </a:solidFill>
+                <a:latin typeface="Times New Roman" panose="02020603050405020304" pitchFamily="18" charset="0"/>
+                <a:cs typeface="Times New Roman" panose="02020603050405020304" pitchFamily="18" charset="0"/>
+              </a:rPr>
+              <a:t>Hash </a:t>
+            </a:r>
+            <a:r>
+              <a:rPr lang="en-US" sz="1400" dirty="0">
+                <a:solidFill>
+                  <a:schemeClr val="tx1">
+                    <a:lumMod val="95000"/>
+                    <a:lumOff val="5000"/>
+                  </a:schemeClr>
+                </a:solidFill>
+                <a:latin typeface="Times New Roman" panose="02020603050405020304" pitchFamily="18" charset="0"/>
+                <a:cs typeface="Times New Roman" panose="02020603050405020304" pitchFamily="18" charset="0"/>
+              </a:rPr>
+              <a:t>System</a:t>
+            </a:r>
+            <a:r>
+              <a:rPr lang="tr-TR" sz="1400" dirty="0">
+                <a:solidFill>
+                  <a:schemeClr val="tx1">
+                    <a:lumMod val="95000"/>
+                    <a:lumOff val="5000"/>
+                  </a:schemeClr>
+                </a:solidFill>
+                <a:latin typeface="Times New Roman" panose="02020603050405020304" pitchFamily="18" charset="0"/>
+                <a:cs typeface="Times New Roman" panose="02020603050405020304" pitchFamily="18" charset="0"/>
+              </a:rPr>
+              <a:t>-3</a:t>
+            </a:r>
+            <a:endParaRPr lang="en-US" sz="1400" dirty="0">
+              <a:solidFill>
+                <a:schemeClr val="tx1">
+                  <a:lumMod val="95000"/>
+                  <a:lumOff val="5000"/>
+                </a:schemeClr>
+              </a:solidFill>
+              <a:latin typeface="Times New Roman" panose="02020603050405020304" pitchFamily="18" charset="0"/>
+              <a:cs typeface="Times New Roman" panose="02020603050405020304" pitchFamily="18" charset="0"/>
+            </a:endParaRPr>
+          </a:p>
+        </p:txBody>
+      </p:sp>
+      <p:sp>
+        <p:nvSpPr>
+          <p:cNvPr id="15" name="TextBox 14">
+            <a:extLst>
+              <a:ext uri="{FF2B5EF4-FFF2-40B4-BE49-F238E27FC236}">
+                <a16:creationId xmlns:a16="http://schemas.microsoft.com/office/drawing/2014/main" id="{943122B6-4440-4D55-9625-76FB3F90FDBF}"/>
+              </a:ext>
+            </a:extLst>
+          </p:cNvPr>
+          <p:cNvSpPr txBox="1"/>
+          <p:nvPr/>
+        </p:nvSpPr>
+        <p:spPr>
+          <a:xfrm>
+            <a:off x="8138994" y="6141408"/>
+            <a:ext cx="2195274" cy="307777"/>
+          </a:xfrm>
+          <a:prstGeom prst="rect">
+            <a:avLst/>
+          </a:prstGeom>
+          <a:noFill/>
+        </p:spPr>
+        <p:txBody>
+          <a:bodyPr wrap="square" rtlCol="0">
+            <a:spAutoFit/>
+          </a:bodyPr>
+          <a:lstStyle/>
+          <a:p>
+            <a:r>
+              <a:rPr lang="en-US" sz="1400" b="1" dirty="0">
+                <a:solidFill>
+                  <a:schemeClr val="tx1">
+                    <a:lumMod val="95000"/>
+                    <a:lumOff val="5000"/>
+                  </a:schemeClr>
+                </a:solidFill>
+                <a:latin typeface="Times New Roman" panose="02020603050405020304" pitchFamily="18" charset="0"/>
+                <a:cs typeface="Times New Roman" panose="02020603050405020304" pitchFamily="18" charset="0"/>
+              </a:rPr>
+              <a:t>Fig</a:t>
+            </a:r>
+            <a:r>
+              <a:rPr lang="tr-TR" sz="1400" b="1" dirty="0">
+                <a:solidFill>
+                  <a:schemeClr val="tx1">
+                    <a:lumMod val="95000"/>
+                    <a:lumOff val="5000"/>
+                  </a:schemeClr>
+                </a:solidFill>
+                <a:latin typeface="Times New Roman" panose="02020603050405020304" pitchFamily="18" charset="0"/>
+                <a:cs typeface="Times New Roman" panose="02020603050405020304" pitchFamily="18" charset="0"/>
+              </a:rPr>
+              <a:t> 7: </a:t>
+            </a:r>
+            <a:r>
+              <a:rPr lang="tr-TR" sz="1400" dirty="0">
+                <a:solidFill>
+                  <a:schemeClr val="tx1">
+                    <a:lumMod val="95000"/>
+                    <a:lumOff val="5000"/>
+                  </a:schemeClr>
+                </a:solidFill>
+                <a:latin typeface="Times New Roman" panose="02020603050405020304" pitchFamily="18" charset="0"/>
+                <a:cs typeface="Times New Roman" panose="02020603050405020304" pitchFamily="18" charset="0"/>
+              </a:rPr>
+              <a:t>Hash </a:t>
+            </a:r>
+            <a:r>
+              <a:rPr lang="en-US" sz="1400" dirty="0">
+                <a:solidFill>
+                  <a:schemeClr val="tx1">
+                    <a:lumMod val="95000"/>
+                    <a:lumOff val="5000"/>
+                  </a:schemeClr>
+                </a:solidFill>
+                <a:latin typeface="Times New Roman" panose="02020603050405020304" pitchFamily="18" charset="0"/>
+                <a:cs typeface="Times New Roman" panose="02020603050405020304" pitchFamily="18" charset="0"/>
+              </a:rPr>
+              <a:t>System</a:t>
+            </a:r>
+            <a:r>
+              <a:rPr lang="tr-TR" sz="1400" dirty="0">
+                <a:solidFill>
+                  <a:schemeClr val="tx1">
+                    <a:lumMod val="95000"/>
+                    <a:lumOff val="5000"/>
+                  </a:schemeClr>
+                </a:solidFill>
+                <a:latin typeface="Times New Roman" panose="02020603050405020304" pitchFamily="18" charset="0"/>
+                <a:cs typeface="Times New Roman" panose="02020603050405020304" pitchFamily="18" charset="0"/>
+              </a:rPr>
+              <a:t>-4</a:t>
+            </a:r>
+            <a:endParaRPr lang="en-US" sz="1400" dirty="0">
+              <a:solidFill>
+                <a:schemeClr val="tx1">
+                  <a:lumMod val="95000"/>
+                  <a:lumOff val="5000"/>
+                </a:schemeClr>
+              </a:solidFill>
+              <a:latin typeface="Times New Roman" panose="02020603050405020304" pitchFamily="18" charset="0"/>
+              <a:cs typeface="Times New Roman" panose="02020603050405020304" pitchFamily="18" charset="0"/>
+            </a:endParaRPr>
+          </a:p>
+        </p:txBody>
+      </p:sp>
+    </p:spTree>
+    <p:extLst>
+      <p:ext uri="{BB962C8B-B14F-4D97-AF65-F5344CB8AC3E}">
+        <p14:creationId xmlns:p14="http://schemas.microsoft.com/office/powerpoint/2010/main" val="1100512333"/>
+      </p:ext>
+    </p:extLst>
+  </p:cSld>
+  <p:clrMapOvr>
+    <a:masterClrMapping/>
+  </p:clrMapOvr>
+</p:sld>
+</file>
+
+<file path=ppt/slides/slide8.xml><?xml version="1.0" encoding="utf-8"?>
 <p:sld xmlns:a="http://schemas.openxmlformats.org/drawingml/2006/main" xmlns:r="http://schemas.openxmlformats.org/officeDocument/2006/relationships" xmlns:p="http://schemas.openxmlformats.org/presentationml/2006/main">
   <p:cSld>
     <p:bg>
@@ -6501,13 +8478,13 @@
         </p:nvSpPr>
         <p:spPr>
           <a:xfrm>
-            <a:off x="422031" y="382633"/>
-            <a:ext cx="7728609" cy="1344891"/>
+            <a:off x="381379" y="64275"/>
+            <a:ext cx="6781421" cy="1271820"/>
           </a:xfrm>
         </p:spPr>
         <p:txBody>
           <a:bodyPr vert="horz" lIns="91440" tIns="45720" rIns="91440" bIns="45720" rtlCol="0" anchor="ctr">
-            <a:normAutofit/>
+            <a:normAutofit fontScale="90000"/>
           </a:bodyPr>
           <a:lstStyle/>
           <a:p>
@@ -6545,8 +8522,8 @@
         </p:nvSpPr>
         <p:spPr>
           <a:xfrm>
-            <a:off x="422031" y="1816774"/>
-            <a:ext cx="7413674" cy="2031325"/>
+            <a:off x="422031" y="1336095"/>
+            <a:ext cx="5247249" cy="2585323"/>
           </a:xfrm>
           <a:prstGeom prst="rect">
             <a:avLst/>
@@ -6591,8 +8568,8 @@
         </p:nvSpPr>
         <p:spPr>
           <a:xfrm>
-            <a:off x="422031" y="4405858"/>
-            <a:ext cx="5936566" cy="986600"/>
+            <a:off x="513119" y="4555277"/>
+            <a:ext cx="5581357" cy="684468"/>
           </a:xfrm>
           <a:prstGeom prst="rect">
             <a:avLst/>
@@ -6728,7 +8705,7 @@
             </p:nvSpPr>
             <p:spPr>
               <a:xfrm>
-                <a:off x="422031" y="5317589"/>
+                <a:off x="699074" y="5153914"/>
                 <a:ext cx="3587261" cy="778098"/>
               </a:xfrm>
               <a:prstGeom prst="rect">
@@ -6742,6 +8719,7 @@
               </a:bodyPr>
               <a:lstStyle/>
               <a:p>
+                <a:pPr/>
                 <a14:m>
                   <m:oMathPara xmlns:m="http://schemas.openxmlformats.org/officeDocument/2006/math">
                     <m:oMathParaPr>
@@ -6758,6 +8736,7 @@
                                   <a:lumMod val="95000"/>
                                 </a:schemeClr>
                               </a:solidFill>
+                              <a:latin typeface="Cambria Math" panose="02040503050406030204" pitchFamily="18" charset="0"/>
                             </a:rPr>
                           </m:ctrlPr>
                         </m:accPr>
@@ -6769,6 +8748,7 @@
                                   <a:lumMod val="95000"/>
                                 </a:schemeClr>
                               </a:solidFill>
+                              <a:latin typeface="Cambria Math" panose="02040503050406030204" pitchFamily="18" charset="0"/>
                             </a:rPr>
                             <m:t>𝑥</m:t>
                           </m:r>
@@ -6781,6 +8761,7 @@
                               <a:lumMod val="95000"/>
                             </a:schemeClr>
                           </a:solidFill>
+                          <a:latin typeface="Cambria Math" panose="02040503050406030204" pitchFamily="18" charset="0"/>
                         </a:rPr>
                         <m:t>= </m:t>
                       </m:r>
@@ -6793,6 +8774,7 @@
                                   <a:lumMod val="95000"/>
                                 </a:schemeClr>
                               </a:solidFill>
+                              <a:latin typeface="Cambria Math" panose="02040503050406030204" pitchFamily="18" charset="0"/>
                             </a:rPr>
                           </m:ctrlPr>
                         </m:fPr>
@@ -6806,6 +8788,7 @@
                                       <a:lumMod val="95000"/>
                                     </a:schemeClr>
                                   </a:solidFill>
+                                  <a:latin typeface="Cambria Math" panose="02040503050406030204" pitchFamily="18" charset="0"/>
                                 </a:rPr>
                               </m:ctrlPr>
                             </m:sSubPr>
@@ -6817,6 +8800,7 @@
                                       <a:lumMod val="95000"/>
                                     </a:schemeClr>
                                   </a:solidFill>
+                                  <a:latin typeface="Cambria Math" panose="02040503050406030204" pitchFamily="18" charset="0"/>
                                 </a:rPr>
                                 <m:t>𝛴</m:t>
                               </m:r>
@@ -6829,6 +8813,7 @@
                                       <a:lumMod val="95000"/>
                                     </a:schemeClr>
                                   </a:solidFill>
+                                  <a:latin typeface="Cambria Math" panose="02040503050406030204" pitchFamily="18" charset="0"/>
                                 </a:rPr>
                                 <m:t>𝑗</m:t>
                               </m:r>
@@ -6843,6 +8828,7 @@
                                       <a:lumMod val="95000"/>
                                     </a:schemeClr>
                                   </a:solidFill>
+                                  <a:latin typeface="Cambria Math" panose="02040503050406030204" pitchFamily="18" charset="0"/>
                                 </a:rPr>
                               </m:ctrlPr>
                             </m:sSubPr>
@@ -6854,6 +8840,7 @@
                                       <a:lumMod val="95000"/>
                                     </a:schemeClr>
                                   </a:solidFill>
+                                  <a:latin typeface="Cambria Math" panose="02040503050406030204" pitchFamily="18" charset="0"/>
                                 </a:rPr>
                                 <m:t>𝑥</m:t>
                               </m:r>
@@ -6866,6 +8853,7 @@
                                       <a:lumMod val="95000"/>
                                     </a:schemeClr>
                                   </a:solidFill>
+                                  <a:latin typeface="Cambria Math" panose="02040503050406030204" pitchFamily="18" charset="0"/>
                                 </a:rPr>
                                 <m:t>𝑗</m:t>
                               </m:r>
@@ -6878,6 +8866,7 @@
                                   <a:lumMod val="95000"/>
                                 </a:schemeClr>
                               </a:solidFill>
+                              <a:latin typeface="Cambria Math" panose="02040503050406030204" pitchFamily="18" charset="0"/>
                             </a:rPr>
                             <m:t>𝑘</m:t>
                           </m:r>
@@ -6890,6 +8879,7 @@
                                       <a:lumMod val="95000"/>
                                     </a:schemeClr>
                                   </a:solidFill>
+                                  <a:latin typeface="Cambria Math" panose="02040503050406030204" pitchFamily="18" charset="0"/>
                                 </a:rPr>
                               </m:ctrlPr>
                             </m:dPr>
@@ -6905,6 +8895,7 @@
                                           <a:lumMod val="95000"/>
                                         </a:schemeClr>
                                       </a:solidFill>
+                                      <a:latin typeface="Cambria Math" panose="02040503050406030204" pitchFamily="18" charset="0"/>
                                     </a:rPr>
                                   </m:ctrlPr>
                                 </m:dPr>
@@ -6916,6 +8907,7 @@
                                           <a:lumMod val="95000"/>
                                         </a:schemeClr>
                                       </a:solidFill>
+                                      <a:latin typeface="Cambria Math" panose="02040503050406030204" pitchFamily="18" charset="0"/>
                                     </a:rPr>
                                     <m:t>𝑥</m:t>
                                   </m:r>
@@ -6926,6 +8918,7 @@
                                           <a:lumMod val="95000"/>
                                         </a:schemeClr>
                                       </a:solidFill>
+                                      <a:latin typeface="Cambria Math" panose="02040503050406030204" pitchFamily="18" charset="0"/>
                                     </a:rPr>
                                     <m:t>−</m:t>
                                   </m:r>
@@ -6938,6 +8931,7 @@
                                               <a:lumMod val="95000"/>
                                             </a:schemeClr>
                                           </a:solidFill>
+                                          <a:latin typeface="Cambria Math" panose="02040503050406030204" pitchFamily="18" charset="0"/>
                                         </a:rPr>
                                       </m:ctrlPr>
                                     </m:sSubPr>
@@ -6949,6 +8943,7 @@
                                               <a:lumMod val="95000"/>
                                             </a:schemeClr>
                                           </a:solidFill>
+                                          <a:latin typeface="Cambria Math" panose="02040503050406030204" pitchFamily="18" charset="0"/>
                                         </a:rPr>
                                         <m:t>𝑥</m:t>
                                       </m:r>
@@ -6961,6 +8956,7 @@
                                               <a:lumMod val="95000"/>
                                             </a:schemeClr>
                                           </a:solidFill>
+                                          <a:latin typeface="Cambria Math" panose="02040503050406030204" pitchFamily="18" charset="0"/>
                                         </a:rPr>
                                         <m:t>𝑗</m:t>
                                       </m:r>
@@ -6975,6 +8971,7 @@
                                       <a:lumMod val="95000"/>
                                     </a:schemeClr>
                                   </a:solidFill>
+                                  <a:latin typeface="Cambria Math" panose="02040503050406030204" pitchFamily="18" charset="0"/>
                                 </a:rPr>
                                 <m:t>∕</m:t>
                               </m:r>
@@ -6985,6 +8982,7 @@
                                       <a:lumMod val="95000"/>
                                     </a:schemeClr>
                                   </a:solidFill>
+                                  <a:latin typeface="Cambria Math" panose="02040503050406030204" pitchFamily="18" charset="0"/>
                                 </a:rPr>
                                 <m:t>𝑅</m:t>
                               </m:r>
@@ -7001,6 +8999,7 @@
                                       <a:lumMod val="95000"/>
                                     </a:schemeClr>
                                   </a:solidFill>
+                                  <a:latin typeface="Cambria Math" panose="02040503050406030204" pitchFamily="18" charset="0"/>
                                 </a:rPr>
                               </m:ctrlPr>
                             </m:sSubPr>
@@ -7012,6 +9011,7 @@
                                       <a:lumMod val="95000"/>
                                     </a:schemeClr>
                                   </a:solidFill>
+                                  <a:latin typeface="Cambria Math" panose="02040503050406030204" pitchFamily="18" charset="0"/>
                                 </a:rPr>
                                 <m:t>𝛴</m:t>
                               </m:r>
@@ -7024,6 +9024,7 @@
                                       <a:lumMod val="95000"/>
                                     </a:schemeClr>
                                   </a:solidFill>
+                                  <a:latin typeface="Cambria Math" panose="02040503050406030204" pitchFamily="18" charset="0"/>
                                 </a:rPr>
                                 <m:t>𝑗</m:t>
                               </m:r>
@@ -7036,6 +9037,7 @@
                                   <a:lumMod val="95000"/>
                                 </a:schemeClr>
                               </a:solidFill>
+                              <a:latin typeface="Cambria Math" panose="02040503050406030204" pitchFamily="18" charset="0"/>
                             </a:rPr>
                             <m:t>𝑘</m:t>
                           </m:r>
@@ -7048,6 +9050,7 @@
                                       <a:lumMod val="95000"/>
                                     </a:schemeClr>
                                   </a:solidFill>
+                                  <a:latin typeface="Cambria Math" panose="02040503050406030204" pitchFamily="18" charset="0"/>
                                 </a:rPr>
                               </m:ctrlPr>
                             </m:dPr>
@@ -7063,6 +9066,7 @@
                                           <a:lumMod val="95000"/>
                                         </a:schemeClr>
                                       </a:solidFill>
+                                      <a:latin typeface="Cambria Math" panose="02040503050406030204" pitchFamily="18" charset="0"/>
                                     </a:rPr>
                                   </m:ctrlPr>
                                 </m:dPr>
@@ -7074,6 +9078,7 @@
                                           <a:lumMod val="95000"/>
                                         </a:schemeClr>
                                       </a:solidFill>
+                                      <a:latin typeface="Cambria Math" panose="02040503050406030204" pitchFamily="18" charset="0"/>
                                     </a:rPr>
                                     <m:t>𝑥</m:t>
                                   </m:r>
@@ -7084,6 +9089,7 @@
                                           <a:lumMod val="95000"/>
                                         </a:schemeClr>
                                       </a:solidFill>
+                                      <a:latin typeface="Cambria Math" panose="02040503050406030204" pitchFamily="18" charset="0"/>
                                     </a:rPr>
                                     <m:t>−</m:t>
                                   </m:r>
@@ -7096,6 +9102,7 @@
                                               <a:lumMod val="95000"/>
                                             </a:schemeClr>
                                           </a:solidFill>
+                                          <a:latin typeface="Cambria Math" panose="02040503050406030204" pitchFamily="18" charset="0"/>
                                         </a:rPr>
                                       </m:ctrlPr>
                                     </m:sSubPr>
@@ -7107,6 +9114,7 @@
                                               <a:lumMod val="95000"/>
                                             </a:schemeClr>
                                           </a:solidFill>
+                                          <a:latin typeface="Cambria Math" panose="02040503050406030204" pitchFamily="18" charset="0"/>
                                         </a:rPr>
                                         <m:t>𝑥</m:t>
                                       </m:r>
@@ -7119,6 +9127,7 @@
                                               <a:lumMod val="95000"/>
                                             </a:schemeClr>
                                           </a:solidFill>
+                                          <a:latin typeface="Cambria Math" panose="02040503050406030204" pitchFamily="18" charset="0"/>
                                         </a:rPr>
                                         <m:t>𝑗</m:t>
                                       </m:r>
@@ -7133,6 +9142,7 @@
                                       <a:lumMod val="95000"/>
                                     </a:schemeClr>
                                   </a:solidFill>
+                                  <a:latin typeface="Cambria Math" panose="02040503050406030204" pitchFamily="18" charset="0"/>
                                 </a:rPr>
                                 <m:t>∕</m:t>
                               </m:r>
@@ -7143,6 +9153,7 @@
                                       <a:lumMod val="95000"/>
                                     </a:schemeClr>
                                   </a:solidFill>
+                                  <a:latin typeface="Cambria Math" panose="02040503050406030204" pitchFamily="18" charset="0"/>
                                 </a:rPr>
                                 <m:t>𝑅</m:t>
                               </m:r>
@@ -7181,7 +9192,7 @@
             </p:nvSpPr>
             <p:spPr>
               <a:xfrm>
-                <a:off x="422031" y="5317589"/>
+                <a:off x="699074" y="5153914"/>
                 <a:ext cx="3587261" cy="778098"/>
               </a:xfrm>
               <a:prstGeom prst="rect">
@@ -7225,7 +9236,7 @@
             </p:nvSpPr>
             <p:spPr>
               <a:xfrm>
-                <a:off x="4128868" y="5500945"/>
+                <a:off x="1240679" y="6155375"/>
                 <a:ext cx="2504050" cy="639983"/>
               </a:xfrm>
               <a:prstGeom prst="rect">
@@ -7456,7 +9467,7 @@
             </p:nvSpPr>
             <p:spPr>
               <a:xfrm>
-                <a:off x="4128868" y="5500945"/>
+                <a:off x="1240679" y="6155375"/>
                 <a:ext cx="2504050" cy="639983"/>
               </a:xfrm>
               <a:prstGeom prst="rect">
@@ -7465,7 +9476,7 @@
               <a:blipFill>
                 <a:blip r:embed="rId4"/>
                 <a:stretch>
-                  <a:fillRect l="-487"/>
+                  <a:fillRect l="-732"/>
                 </a:stretch>
               </a:blipFill>
             </p:spPr>
@@ -7484,6 +9495,335 @@
           </p:sp>
         </mc:Fallback>
       </mc:AlternateContent>
+      <p:sp>
+        <p:nvSpPr>
+          <p:cNvPr id="4" name="TextBox 3">
+            <a:extLst>
+              <a:ext uri="{FF2B5EF4-FFF2-40B4-BE49-F238E27FC236}">
+                <a16:creationId xmlns:a16="http://schemas.microsoft.com/office/drawing/2014/main" id="{593D6C20-14F9-40FF-BE2C-187878DBC0A1}"/>
+              </a:ext>
+            </a:extLst>
+          </p:cNvPr>
+          <p:cNvSpPr txBox="1"/>
+          <p:nvPr/>
+        </p:nvSpPr>
+        <p:spPr>
+          <a:xfrm>
+            <a:off x="513119" y="5359325"/>
+            <a:ext cx="497879" cy="369332"/>
+          </a:xfrm>
+          <a:prstGeom prst="rect">
+            <a:avLst/>
+          </a:prstGeom>
+          <a:noFill/>
+        </p:spPr>
+        <p:txBody>
+          <a:bodyPr wrap="square" rtlCol="0">
+            <a:spAutoFit/>
+          </a:bodyPr>
+          <a:lstStyle/>
+          <a:p>
+            <a:r>
+              <a:rPr lang="tr-TR" dirty="0">
+                <a:solidFill>
+                  <a:schemeClr val="bg1"/>
+                </a:solidFill>
+                <a:latin typeface="Times New Roman" panose="02020603050405020304" pitchFamily="18" charset="0"/>
+                <a:cs typeface="Times New Roman" panose="02020603050405020304" pitchFamily="18" charset="0"/>
+              </a:rPr>
+              <a:t>1-)</a:t>
+            </a:r>
+            <a:endParaRPr lang="en-US" dirty="0">
+              <a:solidFill>
+                <a:schemeClr val="bg1"/>
+              </a:solidFill>
+              <a:latin typeface="Times New Roman" panose="02020603050405020304" pitchFamily="18" charset="0"/>
+              <a:cs typeface="Times New Roman" panose="02020603050405020304" pitchFamily="18" charset="0"/>
+            </a:endParaRPr>
+          </a:p>
+        </p:txBody>
+      </p:sp>
+      <p:sp>
+        <p:nvSpPr>
+          <p:cNvPr id="11" name="TextBox 10">
+            <a:extLst>
+              <a:ext uri="{FF2B5EF4-FFF2-40B4-BE49-F238E27FC236}">
+                <a16:creationId xmlns:a16="http://schemas.microsoft.com/office/drawing/2014/main" id="{CA335CE9-0578-440F-9D24-EA96775F0C83}"/>
+              </a:ext>
+            </a:extLst>
+          </p:cNvPr>
+          <p:cNvSpPr txBox="1"/>
+          <p:nvPr/>
+        </p:nvSpPr>
+        <p:spPr>
+          <a:xfrm>
+            <a:off x="513119" y="6106035"/>
+            <a:ext cx="497879" cy="369332"/>
+          </a:xfrm>
+          <a:prstGeom prst="rect">
+            <a:avLst/>
+          </a:prstGeom>
+          <a:noFill/>
+        </p:spPr>
+        <p:txBody>
+          <a:bodyPr wrap="square" rtlCol="0">
+            <a:spAutoFit/>
+          </a:bodyPr>
+          <a:lstStyle/>
+          <a:p>
+            <a:r>
+              <a:rPr lang="tr-TR" dirty="0">
+                <a:solidFill>
+                  <a:schemeClr val="bg1"/>
+                </a:solidFill>
+                <a:latin typeface="Times New Roman" panose="02020603050405020304" pitchFamily="18" charset="0"/>
+                <a:cs typeface="Times New Roman" panose="02020603050405020304" pitchFamily="18" charset="0"/>
+              </a:rPr>
+              <a:t>2-)</a:t>
+            </a:r>
+            <a:endParaRPr lang="en-US" dirty="0">
+              <a:solidFill>
+                <a:schemeClr val="bg1"/>
+              </a:solidFill>
+              <a:latin typeface="Times New Roman" panose="02020603050405020304" pitchFamily="18" charset="0"/>
+              <a:cs typeface="Times New Roman" panose="02020603050405020304" pitchFamily="18" charset="0"/>
+            </a:endParaRPr>
+          </a:p>
+        </p:txBody>
+      </p:sp>
+      <p:pic>
+        <p:nvPicPr>
+          <p:cNvPr id="13" name="Picture 12">
+            <a:extLst>
+              <a:ext uri="{FF2B5EF4-FFF2-40B4-BE49-F238E27FC236}">
+                <a16:creationId xmlns:a16="http://schemas.microsoft.com/office/drawing/2014/main" id="{03646F50-59AD-4098-B5F1-85B7A14EE95D}"/>
+              </a:ext>
+            </a:extLst>
+          </p:cNvPr>
+          <p:cNvPicPr>
+            <a:picLocks noChangeAspect="1"/>
+          </p:cNvPicPr>
+          <p:nvPr/>
+        </p:nvPicPr>
+        <p:blipFill>
+          <a:blip r:embed="rId5">
+            <a:extLst>
+              <a:ext uri="{28A0092B-C50C-407E-A947-70E740481C1C}">
+                <a14:useLocalDpi xmlns:a14="http://schemas.microsoft.com/office/drawing/2010/main" val="0"/>
+              </a:ext>
+            </a:extLst>
+          </a:blip>
+          <a:stretch>
+            <a:fillRect/>
+          </a:stretch>
+        </p:blipFill>
+        <p:spPr>
+          <a:xfrm>
+            <a:off x="7269895" y="1301365"/>
+            <a:ext cx="4500074" cy="2975573"/>
+          </a:xfrm>
+          <a:prstGeom prst="rect">
+            <a:avLst/>
+          </a:prstGeom>
+        </p:spPr>
+      </p:pic>
+      <p:sp>
+        <p:nvSpPr>
+          <p:cNvPr id="14" name="TextBox 13">
+            <a:extLst>
+              <a:ext uri="{FF2B5EF4-FFF2-40B4-BE49-F238E27FC236}">
+                <a16:creationId xmlns:a16="http://schemas.microsoft.com/office/drawing/2014/main" id="{797C9D53-F6E2-4D8B-80D1-EECB93D3CB02}"/>
+              </a:ext>
+            </a:extLst>
+          </p:cNvPr>
+          <p:cNvSpPr txBox="1"/>
+          <p:nvPr/>
+        </p:nvSpPr>
+        <p:spPr>
+          <a:xfrm>
+            <a:off x="7162801" y="4247500"/>
+            <a:ext cx="5136296" cy="307777"/>
+          </a:xfrm>
+          <a:prstGeom prst="rect">
+            <a:avLst/>
+          </a:prstGeom>
+          <a:noFill/>
+        </p:spPr>
+        <p:txBody>
+          <a:bodyPr wrap="square" rtlCol="0">
+            <a:spAutoFit/>
+          </a:bodyPr>
+          <a:lstStyle/>
+          <a:p>
+            <a:r>
+              <a:rPr lang="en-US" sz="1400" b="1" dirty="0">
+                <a:solidFill>
+                  <a:schemeClr val="tx1">
+                    <a:lumMod val="95000"/>
+                    <a:lumOff val="5000"/>
+                  </a:schemeClr>
+                </a:solidFill>
+                <a:latin typeface="Times New Roman" panose="02020603050405020304" pitchFamily="18" charset="0"/>
+                <a:cs typeface="Times New Roman" panose="02020603050405020304" pitchFamily="18" charset="0"/>
+              </a:rPr>
+              <a:t>Fig</a:t>
+            </a:r>
+            <a:r>
+              <a:rPr lang="tr-TR" sz="1400" b="1" dirty="0">
+                <a:solidFill>
+                  <a:schemeClr val="tx1">
+                    <a:lumMod val="95000"/>
+                    <a:lumOff val="5000"/>
+                  </a:schemeClr>
+                </a:solidFill>
+                <a:latin typeface="Times New Roman" panose="02020603050405020304" pitchFamily="18" charset="0"/>
+                <a:cs typeface="Times New Roman" panose="02020603050405020304" pitchFamily="18" charset="0"/>
+              </a:rPr>
+              <a:t> 8: </a:t>
+            </a:r>
+            <a:r>
+              <a:rPr lang="tr-TR" sz="1400" dirty="0">
+                <a:solidFill>
+                  <a:schemeClr val="tx1">
+                    <a:lumMod val="95000"/>
+                    <a:lumOff val="5000"/>
+                  </a:schemeClr>
+                </a:solidFill>
+                <a:latin typeface="Times New Roman" panose="02020603050405020304" pitchFamily="18" charset="0"/>
+                <a:cs typeface="Times New Roman" panose="02020603050405020304" pitchFamily="18" charset="0"/>
+              </a:rPr>
+              <a:t>Inner </a:t>
+            </a:r>
+            <a:r>
+              <a:rPr lang="tr-TR" sz="1400" dirty="0" err="1">
+                <a:solidFill>
+                  <a:schemeClr val="tx1">
+                    <a:lumMod val="95000"/>
+                    <a:lumOff val="5000"/>
+                  </a:schemeClr>
+                </a:solidFill>
+                <a:latin typeface="Times New Roman" panose="02020603050405020304" pitchFamily="18" charset="0"/>
+                <a:cs typeface="Times New Roman" panose="02020603050405020304" pitchFamily="18" charset="0"/>
+              </a:rPr>
+              <a:t>Particles</a:t>
+            </a:r>
+            <a:r>
+              <a:rPr lang="tr-TR" sz="1400" dirty="0">
+                <a:solidFill>
+                  <a:schemeClr val="tx1">
+                    <a:lumMod val="95000"/>
+                    <a:lumOff val="5000"/>
+                  </a:schemeClr>
+                </a:solidFill>
+                <a:latin typeface="Times New Roman" panose="02020603050405020304" pitchFamily="18" charset="0"/>
+                <a:cs typeface="Times New Roman" panose="02020603050405020304" pitchFamily="18" charset="0"/>
+              </a:rPr>
+              <a:t> </a:t>
+            </a:r>
+            <a:r>
+              <a:rPr lang="tr-TR" sz="1400" dirty="0" err="1">
+                <a:solidFill>
+                  <a:schemeClr val="tx1">
+                    <a:lumMod val="95000"/>
+                    <a:lumOff val="5000"/>
+                  </a:schemeClr>
+                </a:solidFill>
+                <a:latin typeface="Times New Roman" panose="02020603050405020304" pitchFamily="18" charset="0"/>
+                <a:cs typeface="Times New Roman" panose="02020603050405020304" pitchFamily="18" charset="0"/>
+              </a:rPr>
+              <a:t>Represented</a:t>
+            </a:r>
+            <a:r>
+              <a:rPr lang="tr-TR" sz="1400" dirty="0">
+                <a:solidFill>
+                  <a:schemeClr val="tx1">
+                    <a:lumMod val="95000"/>
+                    <a:lumOff val="5000"/>
+                  </a:schemeClr>
+                </a:solidFill>
+                <a:latin typeface="Times New Roman" panose="02020603050405020304" pitchFamily="18" charset="0"/>
+                <a:cs typeface="Times New Roman" panose="02020603050405020304" pitchFamily="18" charset="0"/>
+              </a:rPr>
+              <a:t> </a:t>
+            </a:r>
+            <a:r>
+              <a:rPr lang="tr-TR" sz="1400" dirty="0" err="1">
+                <a:solidFill>
+                  <a:schemeClr val="tx1">
+                    <a:lumMod val="95000"/>
+                    <a:lumOff val="5000"/>
+                  </a:schemeClr>
+                </a:solidFill>
+                <a:latin typeface="Times New Roman" panose="02020603050405020304" pitchFamily="18" charset="0"/>
+                <a:cs typeface="Times New Roman" panose="02020603050405020304" pitchFamily="18" charset="0"/>
+              </a:rPr>
+              <a:t>with</a:t>
+            </a:r>
+            <a:r>
+              <a:rPr lang="tr-TR" sz="1400" dirty="0">
+                <a:solidFill>
+                  <a:schemeClr val="tx1">
+                    <a:lumMod val="95000"/>
+                    <a:lumOff val="5000"/>
+                  </a:schemeClr>
+                </a:solidFill>
+                <a:latin typeface="Times New Roman" panose="02020603050405020304" pitchFamily="18" charset="0"/>
+                <a:cs typeface="Times New Roman" panose="02020603050405020304" pitchFamily="18" charset="0"/>
+              </a:rPr>
+              <a:t> Blue in </a:t>
+            </a:r>
+            <a:r>
+              <a:rPr lang="tr-TR" sz="1400" dirty="0" err="1">
+                <a:solidFill>
+                  <a:schemeClr val="tx1">
+                    <a:lumMod val="95000"/>
+                    <a:lumOff val="5000"/>
+                  </a:schemeClr>
+                </a:solidFill>
+                <a:latin typeface="Times New Roman" panose="02020603050405020304" pitchFamily="18" charset="0"/>
+                <a:cs typeface="Times New Roman" panose="02020603050405020304" pitchFamily="18" charset="0"/>
+              </a:rPr>
+              <a:t>Surface</a:t>
+            </a:r>
+            <a:r>
+              <a:rPr lang="tr-TR" sz="1400" dirty="0">
+                <a:solidFill>
+                  <a:schemeClr val="tx1">
+                    <a:lumMod val="95000"/>
+                    <a:lumOff val="5000"/>
+                  </a:schemeClr>
+                </a:solidFill>
+                <a:latin typeface="Times New Roman" panose="02020603050405020304" pitchFamily="18" charset="0"/>
+                <a:cs typeface="Times New Roman" panose="02020603050405020304" pitchFamily="18" charset="0"/>
+              </a:rPr>
+              <a:t> </a:t>
+            </a:r>
+            <a:r>
+              <a:rPr lang="tr-TR" sz="1400" dirty="0" err="1">
+                <a:solidFill>
+                  <a:schemeClr val="tx1">
+                    <a:lumMod val="95000"/>
+                    <a:lumOff val="5000"/>
+                  </a:schemeClr>
+                </a:solidFill>
+                <a:latin typeface="Times New Roman" panose="02020603050405020304" pitchFamily="18" charset="0"/>
+                <a:cs typeface="Times New Roman" panose="02020603050405020304" pitchFamily="18" charset="0"/>
+              </a:rPr>
+              <a:t>Recognition</a:t>
+            </a:r>
+            <a:endParaRPr lang="en-US" sz="1400" dirty="0">
+              <a:solidFill>
+                <a:schemeClr val="tx1">
+                  <a:lumMod val="95000"/>
+                  <a:lumOff val="5000"/>
+                </a:schemeClr>
+              </a:solidFill>
+              <a:latin typeface="Times New Roman" panose="02020603050405020304" pitchFamily="18" charset="0"/>
+              <a:cs typeface="Times New Roman" panose="02020603050405020304" pitchFamily="18" charset="0"/>
+            </a:endParaRPr>
+          </a:p>
+        </p:txBody>
+      </p:sp>
     </p:spTree>
     <p:extLst>
       <p:ext uri="{BB962C8B-B14F-4D97-AF65-F5344CB8AC3E}">
@@ -7497,7 +9837,7 @@
 </p:sld>
 </file>
 
-<file path=ppt/slides/slide8.xml><?xml version="1.0" encoding="utf-8"?>
+<file path=ppt/slides/slide9.xml><?xml version="1.0" encoding="utf-8"?>
 <p:sld xmlns:a="http://schemas.openxmlformats.org/drawingml/2006/main" xmlns:r="http://schemas.openxmlformats.org/officeDocument/2006/relationships" xmlns:p="http://schemas.openxmlformats.org/presentationml/2006/main">
   <p:cSld>
     <p:bg>
@@ -7787,7 +10127,7 @@
                 <a:latin typeface="Arial" panose="020B0604020202020204" pitchFamily="34" charset="0"/>
                 <a:cs typeface="Arial" panose="020B0604020202020204" pitchFamily="34" charset="0"/>
               </a:rPr>
-              <a:t>TESTING RESULTS</a:t>
+              <a:t>TEST RESULTS</a:t>
             </a:r>
           </a:p>
         </p:txBody>
@@ -7920,340 +10260,103 @@
           </a:prstGeom>
         </p:spPr>
       </p:pic>
+      <p:sp>
+        <p:nvSpPr>
+          <p:cNvPr id="15" name="TextBox 14">
+            <a:extLst>
+              <a:ext uri="{FF2B5EF4-FFF2-40B4-BE49-F238E27FC236}">
+                <a16:creationId xmlns:a16="http://schemas.microsoft.com/office/drawing/2014/main" id="{AF408610-E082-424C-B89C-00417F34578D}"/>
+              </a:ext>
+            </a:extLst>
+          </p:cNvPr>
+          <p:cNvSpPr txBox="1"/>
+          <p:nvPr/>
+        </p:nvSpPr>
+        <p:spPr>
+          <a:xfrm>
+            <a:off x="1937681" y="4249959"/>
+            <a:ext cx="2195274" cy="307777"/>
+          </a:xfrm>
+          <a:prstGeom prst="rect">
+            <a:avLst/>
+          </a:prstGeom>
+          <a:noFill/>
+        </p:spPr>
+        <p:txBody>
+          <a:bodyPr wrap="square" rtlCol="0">
+            <a:spAutoFit/>
+          </a:bodyPr>
+          <a:lstStyle/>
+          <a:p>
+            <a:r>
+              <a:rPr lang="en-US" sz="1400" b="1" dirty="0">
+                <a:solidFill>
+                  <a:schemeClr val="tx1">
+                    <a:lumMod val="95000"/>
+                    <a:lumOff val="5000"/>
+                  </a:schemeClr>
+                </a:solidFill>
+                <a:latin typeface="Times New Roman" panose="02020603050405020304" pitchFamily="18" charset="0"/>
+                <a:cs typeface="Times New Roman" panose="02020603050405020304" pitchFamily="18" charset="0"/>
+              </a:rPr>
+              <a:t>Fig</a:t>
+            </a:r>
+            <a:r>
+              <a:rPr lang="tr-TR" sz="1400" b="1" dirty="0">
+                <a:solidFill>
+                  <a:schemeClr val="tx1">
+                    <a:lumMod val="95000"/>
+                    <a:lumOff val="5000"/>
+                  </a:schemeClr>
+                </a:solidFill>
+                <a:latin typeface="Times New Roman" panose="02020603050405020304" pitchFamily="18" charset="0"/>
+                <a:cs typeface="Times New Roman" panose="02020603050405020304" pitchFamily="18" charset="0"/>
+              </a:rPr>
+              <a:t> 9: </a:t>
+            </a:r>
+            <a:r>
+              <a:rPr lang="tr-TR" sz="1400" dirty="0">
+                <a:solidFill>
+                  <a:schemeClr val="tx1">
+                    <a:lumMod val="95000"/>
+                    <a:lumOff val="5000"/>
+                  </a:schemeClr>
+                </a:solidFill>
+                <a:latin typeface="Times New Roman" panose="02020603050405020304" pitchFamily="18" charset="0"/>
+                <a:cs typeface="Times New Roman" panose="02020603050405020304" pitchFamily="18" charset="0"/>
+              </a:rPr>
+              <a:t>Test </a:t>
+            </a:r>
+            <a:r>
+              <a:rPr lang="tr-TR" sz="1400" dirty="0" err="1">
+                <a:solidFill>
+                  <a:schemeClr val="tx1">
+                    <a:lumMod val="95000"/>
+                    <a:lumOff val="5000"/>
+                  </a:schemeClr>
+                </a:solidFill>
+                <a:latin typeface="Times New Roman" panose="02020603050405020304" pitchFamily="18" charset="0"/>
+                <a:cs typeface="Times New Roman" panose="02020603050405020304" pitchFamily="18" charset="0"/>
+              </a:rPr>
+              <a:t>Scene</a:t>
+            </a:r>
+            <a:endParaRPr lang="en-US" sz="1400" dirty="0">
+              <a:solidFill>
+                <a:schemeClr val="tx1">
+                  <a:lumMod val="95000"/>
+                  <a:lumOff val="5000"/>
+                </a:schemeClr>
+              </a:solidFill>
+              <a:latin typeface="Times New Roman" panose="02020603050405020304" pitchFamily="18" charset="0"/>
+              <a:cs typeface="Times New Roman" panose="02020603050405020304" pitchFamily="18" charset="0"/>
+            </a:endParaRPr>
+          </a:p>
+        </p:txBody>
+      </p:sp>
     </p:spTree>
     <p:extLst>
       <p:ext uri="{BB962C8B-B14F-4D97-AF65-F5344CB8AC3E}">
         <p14:creationId xmlns:p14="http://schemas.microsoft.com/office/powerpoint/2010/main" val="1078617069"/>
-      </p:ext>
-    </p:extLst>
-  </p:cSld>
-  <p:clrMapOvr>
-    <a:masterClrMapping/>
-  </p:clrMapOvr>
-</p:sld>
-</file>
-
-<file path=ppt/slides/slide9.xml><?xml version="1.0" encoding="utf-8"?>
-<p:sld xmlns:a="http://schemas.openxmlformats.org/drawingml/2006/main" xmlns:r="http://schemas.openxmlformats.org/officeDocument/2006/relationships" xmlns:p="http://schemas.openxmlformats.org/presentationml/2006/main">
-  <p:cSld>
-    <p:bg>
-      <p:bgPr>
-        <a:solidFill>
-          <a:schemeClr val="bg1"/>
-        </a:solidFill>
-        <a:effectLst/>
-      </p:bgPr>
-    </p:bg>
-    <p:spTree>
-      <p:nvGrpSpPr>
-        <p:cNvPr id="1" name=""/>
-        <p:cNvGrpSpPr/>
-        <p:nvPr/>
-      </p:nvGrpSpPr>
-      <p:grpSpPr>
-        <a:xfrm>
-          <a:off x="0" y="0"/>
-          <a:ext cx="0" cy="0"/>
-          <a:chOff x="0" y="0"/>
-          <a:chExt cx="0" cy="0"/>
-        </a:xfrm>
-      </p:grpSpPr>
-      <p:sp useBgFill="1">
-        <p:nvSpPr>
-          <p:cNvPr id="8" name="Rectangle 7">
-            <a:extLst>
-              <a:ext uri="{FF2B5EF4-FFF2-40B4-BE49-F238E27FC236}">
-                <a16:creationId xmlns:a16="http://schemas.microsoft.com/office/drawing/2014/main" id="{3B854194-185D-494D-905C-7C7CB2E30F6E}"/>
-              </a:ext>
-              <a:ext uri="{C183D7F6-B498-43B3-948B-1728B52AA6E4}">
-                <adec:decorative xmlns:adec="http://schemas.microsoft.com/office/drawing/2017/decorative" val="1"/>
-              </a:ext>
-            </a:extLst>
-          </p:cNvPr>
-          <p:cNvSpPr>
-            <a:spLocks noGrp="1" noRot="1" noChangeAspect="1" noMove="1" noResize="1" noEditPoints="1" noAdjustHandles="1" noChangeArrowheads="1" noChangeShapeType="1" noTextEdit="1"/>
-          </p:cNvSpPr>
-          <p:nvPr>
-            <p:extLst>
-              <p:ext uri="{386F3935-93C4-4BCD-93E2-E3B085C9AB24}">
-                <p16:designElem xmlns:p16="http://schemas.microsoft.com/office/powerpoint/2015/main" val="1"/>
-              </p:ext>
-            </p:extLst>
-          </p:nvPr>
-        </p:nvSpPr>
-        <p:spPr>
-          <a:xfrm>
-            <a:off x="1" y="0"/>
-            <a:ext cx="6082110" cy="6858000"/>
-          </a:xfrm>
-          <a:prstGeom prst="rect">
-            <a:avLst/>
-          </a:prstGeom>
-          <a:ln>
-            <a:noFill/>
-          </a:ln>
-        </p:spPr>
-        <p:style>
-          <a:lnRef idx="2">
-            <a:schemeClr val="accent1">
-              <a:shade val="50000"/>
-            </a:schemeClr>
-          </a:lnRef>
-          <a:fillRef idx="1">
-            <a:schemeClr val="accent1"/>
-          </a:fillRef>
-          <a:effectRef idx="0">
-            <a:schemeClr val="accent1"/>
-          </a:effectRef>
-          <a:fontRef idx="minor">
-            <a:schemeClr val="lt1"/>
-          </a:fontRef>
-        </p:style>
-        <p:txBody>
-          <a:bodyPr rtlCol="0" anchor="ctr"/>
-          <a:lstStyle/>
-          <a:p>
-            <a:pPr algn="ctr"/>
-            <a:endParaRPr lang="en-US"/>
-          </a:p>
-        </p:txBody>
-      </p:sp>
-      <p:sp>
-        <p:nvSpPr>
-          <p:cNvPr id="10" name="Rectangle 9">
-            <a:extLst>
-              <a:ext uri="{FF2B5EF4-FFF2-40B4-BE49-F238E27FC236}">
-                <a16:creationId xmlns:a16="http://schemas.microsoft.com/office/drawing/2014/main" id="{B4F5FA0D-0104-4987-8241-EFF7C85B88DE}"/>
-              </a:ext>
-              <a:ext uri="{C183D7F6-B498-43B3-948B-1728B52AA6E4}">
-                <adec:decorative xmlns:adec="http://schemas.microsoft.com/office/drawing/2017/decorative" val="1"/>
-              </a:ext>
-            </a:extLst>
-          </p:cNvPr>
-          <p:cNvSpPr>
-            <a:spLocks noGrp="1" noRot="1" noChangeAspect="1" noMove="1" noResize="1" noEditPoints="1" noAdjustHandles="1" noChangeArrowheads="1" noChangeShapeType="1" noTextEdit="1"/>
-          </p:cNvSpPr>
-          <p:nvPr>
-            <p:extLst>
-              <p:ext uri="{386F3935-93C4-4BCD-93E2-E3B085C9AB24}">
-                <p16:designElem xmlns:p16="http://schemas.microsoft.com/office/powerpoint/2015/main" val="1"/>
-              </p:ext>
-            </p:extLst>
-          </p:nvPr>
-        </p:nvSpPr>
-        <p:spPr>
-          <a:xfrm>
-            <a:off x="1" y="0"/>
-            <a:ext cx="12191998" cy="6858000"/>
-          </a:xfrm>
-          <a:prstGeom prst="rect">
-            <a:avLst/>
-          </a:prstGeom>
-          <a:gradFill>
-            <a:gsLst>
-              <a:gs pos="0">
-                <a:schemeClr val="accent1">
-                  <a:lumMod val="90000"/>
-                </a:schemeClr>
-              </a:gs>
-              <a:gs pos="25000">
-                <a:schemeClr val="accent1">
-                  <a:lumMod val="90000"/>
-                </a:schemeClr>
-              </a:gs>
-              <a:gs pos="94000">
-                <a:schemeClr val="bg2">
-                  <a:lumMod val="25000"/>
-                </a:schemeClr>
-              </a:gs>
-              <a:gs pos="100000">
-                <a:schemeClr val="bg2">
-                  <a:lumMod val="25000"/>
-                </a:schemeClr>
-              </a:gs>
-            </a:gsLst>
-            <a:lin ang="4200000" scaled="0"/>
-          </a:gradFill>
-          <a:ln>
-            <a:noFill/>
-          </a:ln>
-        </p:spPr>
-        <p:style>
-          <a:lnRef idx="2">
-            <a:schemeClr val="accent1">
-              <a:shade val="50000"/>
-            </a:schemeClr>
-          </a:lnRef>
-          <a:fillRef idx="1">
-            <a:schemeClr val="accent1"/>
-          </a:fillRef>
-          <a:effectRef idx="0">
-            <a:schemeClr val="accent1"/>
-          </a:effectRef>
-          <a:fontRef idx="minor">
-            <a:schemeClr val="lt1"/>
-          </a:fontRef>
-        </p:style>
-        <p:txBody>
-          <a:bodyPr rtlCol="0" anchor="ctr"/>
-          <a:lstStyle/>
-          <a:p>
-            <a:pPr algn="ctr"/>
-            <a:endParaRPr lang="en-US"/>
-          </a:p>
-        </p:txBody>
-      </p:sp>
-      <p:pic>
-        <p:nvPicPr>
-          <p:cNvPr id="12" name="Picture 11">
-            <a:extLst>
-              <a:ext uri="{FF2B5EF4-FFF2-40B4-BE49-F238E27FC236}">
-                <a16:creationId xmlns:a16="http://schemas.microsoft.com/office/drawing/2014/main" id="{2897127E-6CEF-446C-BE87-93B7C46E49D1}"/>
-              </a:ext>
-              <a:ext uri="{C183D7F6-B498-43B3-948B-1728B52AA6E4}">
-                <adec:decorative xmlns:adec="http://schemas.microsoft.com/office/drawing/2017/decorative" val="1"/>
-              </a:ext>
-            </a:extLst>
-          </p:cNvPr>
-          <p:cNvPicPr>
-            <a:picLocks noGrp="1" noRot="1" noChangeAspect="1" noMove="1" noResize="1" noEditPoints="1" noAdjustHandles="1" noChangeArrowheads="1" noChangeShapeType="1" noCrop="1"/>
-          </p:cNvPicPr>
-          <p:nvPr>
-            <p:extLst>
-              <p:ext uri="{386F3935-93C4-4BCD-93E2-E3B085C9AB24}">
-                <p16:designElem xmlns:p16="http://schemas.microsoft.com/office/powerpoint/2015/main" val="1"/>
-              </p:ext>
-            </p:extLst>
-          </p:nvPr>
-        </p:nvPicPr>
-        <p:blipFill>
-          <a:blip r:embed="rId2">
-            <a:extLst>
-              <a:ext uri="{28A0092B-C50C-407E-A947-70E740481C1C}">
-                <a14:useLocalDpi xmlns:a14="http://schemas.microsoft.com/office/drawing/2010/main" val="0"/>
-              </a:ext>
-            </a:extLst>
-          </a:blip>
-          <a:stretch>
-            <a:fillRect/>
-          </a:stretch>
-        </p:blipFill>
-        <p:spPr>
-          <a:xfrm>
-            <a:off x="0" y="0"/>
-            <a:ext cx="12192000" cy="6858000"/>
-          </a:xfrm>
-          <a:prstGeom prst="rect">
-            <a:avLst/>
-          </a:prstGeom>
-        </p:spPr>
-      </p:pic>
-      <p:sp>
-        <p:nvSpPr>
-          <p:cNvPr id="2" name="Title 1">
-            <a:extLst>
-              <a:ext uri="{FF2B5EF4-FFF2-40B4-BE49-F238E27FC236}">
-                <a16:creationId xmlns:a16="http://schemas.microsoft.com/office/drawing/2014/main" id="{6C607A2D-2A3B-4533-878E-93EFCE932D5D}"/>
-              </a:ext>
-            </a:extLst>
-          </p:cNvPr>
-          <p:cNvSpPr>
-            <a:spLocks noGrp="1"/>
-          </p:cNvSpPr>
-          <p:nvPr>
-            <p:ph type="title"/>
-          </p:nvPr>
-        </p:nvSpPr>
-        <p:spPr>
-          <a:xfrm>
-            <a:off x="225082" y="2560319"/>
-            <a:ext cx="4065563" cy="1136943"/>
-          </a:xfrm>
-        </p:spPr>
-        <p:txBody>
-          <a:bodyPr>
-            <a:normAutofit/>
-          </a:bodyPr>
-          <a:lstStyle/>
-          <a:p>
-            <a:r>
-              <a:rPr lang="tr-TR" sz="6000" dirty="0" err="1">
-                <a:solidFill>
-                  <a:srgbClr val="FFFFFF"/>
-                </a:solidFill>
-                <a:latin typeface="Arial" panose="020B0604020202020204" pitchFamily="34" charset="0"/>
-                <a:cs typeface="Arial" panose="020B0604020202020204" pitchFamily="34" charset="0"/>
-              </a:rPr>
-              <a:t>Conclusion</a:t>
-            </a:r>
-            <a:endParaRPr lang="en-US" sz="6000" dirty="0">
-              <a:solidFill>
-                <a:srgbClr val="FFFFFF"/>
-              </a:solidFill>
-              <a:latin typeface="Arial" panose="020B0604020202020204" pitchFamily="34" charset="0"/>
-              <a:cs typeface="Arial" panose="020B0604020202020204" pitchFamily="34" charset="0"/>
-            </a:endParaRPr>
-          </a:p>
-        </p:txBody>
-      </p:sp>
-      <p:sp>
-        <p:nvSpPr>
-          <p:cNvPr id="3" name="Content Placeholder 2">
-            <a:extLst>
-              <a:ext uri="{FF2B5EF4-FFF2-40B4-BE49-F238E27FC236}">
-                <a16:creationId xmlns:a16="http://schemas.microsoft.com/office/drawing/2014/main" id="{24DAB321-5804-4075-9C62-CF80A3DDEA0A}"/>
-              </a:ext>
-            </a:extLst>
-          </p:cNvPr>
-          <p:cNvSpPr>
-            <a:spLocks noGrp="1"/>
-          </p:cNvSpPr>
-          <p:nvPr>
-            <p:ph idx="1"/>
-          </p:nvPr>
-        </p:nvSpPr>
-        <p:spPr>
-          <a:xfrm>
-            <a:off x="5898875" y="492369"/>
-            <a:ext cx="5286767" cy="3401842"/>
-          </a:xfrm>
-        </p:spPr>
-        <p:txBody>
-          <a:bodyPr anchor="ctr">
-            <a:normAutofit/>
-          </a:bodyPr>
-          <a:lstStyle/>
-          <a:p>
-            <a:pPr>
-              <a:lnSpc>
-                <a:spcPct val="107000"/>
-              </a:lnSpc>
-              <a:spcAft>
-                <a:spcPts val="800"/>
-              </a:spcAft>
-            </a:pPr>
-            <a:r>
-              <a:rPr lang="en-GB" sz="1800" dirty="0">
-                <a:effectLst/>
-                <a:latin typeface="Times New Roman" panose="02020603050405020304" pitchFamily="18" charset="0"/>
-                <a:ea typeface="Calibri" panose="020F0502020204030204" pitchFamily="34" charset="0"/>
-                <a:cs typeface="Times New Roman" panose="02020603050405020304" pitchFamily="18" charset="0"/>
-              </a:rPr>
-              <a:t>The surplus of particles in a simulation can be a computational hardship for the computer. We implement various methods to get better results by doing research. POF project concentrates on solving computational difficulty problems by increasing performance and efficiency. POF makes easier to simulate with higher quantities of particles or getting better results with the same number of particles by using the hash algorithm and surface particle recognition algorithm.</a:t>
-            </a:r>
-            <a:endParaRPr lang="en-US" sz="1800" dirty="0">
-              <a:effectLst/>
-              <a:latin typeface="Times New Roman" panose="02020603050405020304" pitchFamily="18" charset="0"/>
-              <a:ea typeface="Calibri" panose="020F0502020204030204" pitchFamily="34" charset="0"/>
-              <a:cs typeface="Times New Roman" panose="02020603050405020304" pitchFamily="18" charset="0"/>
-            </a:endParaRPr>
-          </a:p>
-        </p:txBody>
-      </p:sp>
-    </p:spTree>
-    <p:extLst>
-      <p:ext uri="{BB962C8B-B14F-4D97-AF65-F5344CB8AC3E}">
-        <p14:creationId xmlns:p14="http://schemas.microsoft.com/office/powerpoint/2010/main" val="1327216652"/>
       </p:ext>
     </p:extLst>
   </p:cSld>

--- a/Docs/Documents/Slide/New version/POFslide v1.pptx
+++ b/Docs/Documents/Slide/New version/POFslide v1.pptx
@@ -6,14 +6,14 @@
   </p:sldMasterIdLst>
   <p:sldIdLst>
     <p:sldId id="265" r:id="rId2"/>
-    <p:sldId id="262" r:id="rId3"/>
+    <p:sldId id="271" r:id="rId3"/>
     <p:sldId id="261" r:id="rId4"/>
     <p:sldId id="266" r:id="rId5"/>
     <p:sldId id="260" r:id="rId6"/>
-    <p:sldId id="263" r:id="rId7"/>
-    <p:sldId id="268" r:id="rId8"/>
-    <p:sldId id="264" r:id="rId9"/>
-    <p:sldId id="267" r:id="rId10"/>
+    <p:sldId id="268" r:id="rId7"/>
+    <p:sldId id="264" r:id="rId8"/>
+    <p:sldId id="267" r:id="rId9"/>
+    <p:sldId id="269" r:id="rId10"/>
     <p:sldId id="258" r:id="rId11"/>
     <p:sldId id="257" r:id="rId12"/>
   </p:sldIdLst>
@@ -122,6 +122,3313 @@
 </p:presentation>
 </file>
 
+<file path=ppt/diagrams/colors1.xml><?xml version="1.0" encoding="utf-8"?>
+<dgm:colorsDef xmlns:dgm="http://schemas.openxmlformats.org/drawingml/2006/diagram" xmlns:a="http://schemas.openxmlformats.org/drawingml/2006/main" uniqueId="urn:microsoft.com/office/officeart/2005/8/colors/colorful1">
+  <dgm:title val=""/>
+  <dgm:desc val=""/>
+  <dgm:catLst>
+    <dgm:cat type="colorful" pri="10100"/>
+  </dgm:catLst>
+  <dgm:styleLbl name="node0">
+    <dgm:fillClrLst meth="repeat">
+      <a:schemeClr val="accent1"/>
+    </dgm:fillClrLst>
+    <dgm:linClrLst meth="repeat">
+      <a:schemeClr val="lt1"/>
+    </dgm:linClrLst>
+    <dgm:effectClrLst/>
+    <dgm:txLinClrLst/>
+    <dgm:txFillClrLst/>
+    <dgm:txEffectClrLst/>
+  </dgm:styleLbl>
+  <dgm:styleLbl name="node1">
+    <dgm:fillClrLst meth="repeat">
+      <a:schemeClr val="accent2"/>
+      <a:schemeClr val="accent3"/>
+      <a:schemeClr val="accent4"/>
+      <a:schemeClr val="accent5"/>
+      <a:schemeClr val="accent6"/>
+    </dgm:fillClrLst>
+    <dgm:linClrLst meth="repeat">
+      <a:schemeClr val="lt1"/>
+    </dgm:linClrLst>
+    <dgm:effectClrLst/>
+    <dgm:txLinClrLst/>
+    <dgm:txFillClrLst/>
+    <dgm:txEffectClrLst/>
+  </dgm:styleLbl>
+  <dgm:styleLbl name="alignNode1">
+    <dgm:fillClrLst meth="repeat">
+      <a:schemeClr val="accent2"/>
+      <a:schemeClr val="accent3"/>
+      <a:schemeClr val="accent4"/>
+      <a:schemeClr val="accent5"/>
+      <a:schemeClr val="accent6"/>
+    </dgm:fillClrLst>
+    <dgm:linClrLst meth="repeat">
+      <a:schemeClr val="accent2"/>
+      <a:schemeClr val="accent3"/>
+      <a:schemeClr val="accent4"/>
+      <a:schemeClr val="accent5"/>
+      <a:schemeClr val="accent6"/>
+    </dgm:linClrLst>
+    <dgm:effectClrLst/>
+    <dgm:txLinClrLst/>
+    <dgm:txFillClrLst/>
+    <dgm:txEffectClrLst/>
+  </dgm:styleLbl>
+  <dgm:styleLbl name="lnNode1">
+    <dgm:fillClrLst meth="repeat">
+      <a:schemeClr val="accent2"/>
+      <a:schemeClr val="accent3"/>
+      <a:schemeClr val="accent4"/>
+      <a:schemeClr val="accent5"/>
+      <a:schemeClr val="accent6"/>
+    </dgm:fillClrLst>
+    <dgm:linClrLst meth="repeat">
+      <a:schemeClr val="lt1"/>
+    </dgm:linClrLst>
+    <dgm:effectClrLst/>
+    <dgm:txLinClrLst/>
+    <dgm:txFillClrLst/>
+    <dgm:txEffectClrLst/>
+  </dgm:styleLbl>
+  <dgm:styleLbl name="vennNode1">
+    <dgm:fillClrLst meth="repeat">
+      <a:schemeClr val="accent2">
+        <a:alpha val="50000"/>
+      </a:schemeClr>
+      <a:schemeClr val="accent3">
+        <a:alpha val="50000"/>
+      </a:schemeClr>
+      <a:schemeClr val="accent4">
+        <a:alpha val="50000"/>
+      </a:schemeClr>
+      <a:schemeClr val="accent5">
+        <a:alpha val="50000"/>
+      </a:schemeClr>
+      <a:schemeClr val="accent6">
+        <a:alpha val="50000"/>
+      </a:schemeClr>
+    </dgm:fillClrLst>
+    <dgm:linClrLst meth="repeat">
+      <a:schemeClr val="lt1"/>
+    </dgm:linClrLst>
+    <dgm:effectClrLst/>
+    <dgm:txLinClrLst/>
+    <dgm:txFillClrLst/>
+    <dgm:txEffectClrLst/>
+  </dgm:styleLbl>
+  <dgm:styleLbl name="node2">
+    <dgm:fillClrLst>
+      <a:schemeClr val="accent2"/>
+    </dgm:fillClrLst>
+    <dgm:linClrLst meth="repeat">
+      <a:schemeClr val="lt1"/>
+    </dgm:linClrLst>
+    <dgm:effectClrLst/>
+    <dgm:txLinClrLst/>
+    <dgm:txFillClrLst/>
+    <dgm:txEffectClrLst/>
+  </dgm:styleLbl>
+  <dgm:styleLbl name="node3">
+    <dgm:fillClrLst>
+      <a:schemeClr val="accent3"/>
+    </dgm:fillClrLst>
+    <dgm:linClrLst meth="repeat">
+      <a:schemeClr val="lt1"/>
+    </dgm:linClrLst>
+    <dgm:effectClrLst/>
+    <dgm:txLinClrLst/>
+    <dgm:txFillClrLst/>
+    <dgm:txEffectClrLst/>
+  </dgm:styleLbl>
+  <dgm:styleLbl name="node4">
+    <dgm:fillClrLst>
+      <a:schemeClr val="accent4"/>
+    </dgm:fillClrLst>
+    <dgm:linClrLst meth="repeat">
+      <a:schemeClr val="lt1"/>
+    </dgm:linClrLst>
+    <dgm:effectClrLst/>
+    <dgm:txLinClrLst/>
+    <dgm:txFillClrLst/>
+    <dgm:txEffectClrLst/>
+  </dgm:styleLbl>
+  <dgm:styleLbl name="fgImgPlace1">
+    <dgm:fillClrLst meth="repeat">
+      <a:schemeClr val="accent2">
+        <a:tint val="50000"/>
+      </a:schemeClr>
+      <a:schemeClr val="accent3">
+        <a:tint val="50000"/>
+      </a:schemeClr>
+      <a:schemeClr val="accent4">
+        <a:tint val="50000"/>
+      </a:schemeClr>
+      <a:schemeClr val="accent5">
+        <a:tint val="50000"/>
+      </a:schemeClr>
+      <a:schemeClr val="accent6">
+        <a:tint val="50000"/>
+      </a:schemeClr>
+    </dgm:fillClrLst>
+    <dgm:linClrLst meth="repeat">
+      <a:schemeClr val="lt1"/>
+    </dgm:linClrLst>
+    <dgm:effectClrLst/>
+    <dgm:txLinClrLst/>
+    <dgm:txFillClrLst meth="repeat">
+      <a:schemeClr val="lt1"/>
+    </dgm:txFillClrLst>
+    <dgm:txEffectClrLst/>
+  </dgm:styleLbl>
+  <dgm:styleLbl name="alignImgPlace1">
+    <dgm:fillClrLst>
+      <a:schemeClr val="accent1">
+        <a:tint val="50000"/>
+      </a:schemeClr>
+      <a:schemeClr val="accent2">
+        <a:tint val="20000"/>
+      </a:schemeClr>
+    </dgm:fillClrLst>
+    <dgm:linClrLst meth="repeat">
+      <a:schemeClr val="lt1"/>
+    </dgm:linClrLst>
+    <dgm:effectClrLst/>
+    <dgm:txLinClrLst/>
+    <dgm:txFillClrLst meth="repeat">
+      <a:schemeClr val="lt1"/>
+    </dgm:txFillClrLst>
+    <dgm:txEffectClrLst/>
+  </dgm:styleLbl>
+  <dgm:styleLbl name="bgImgPlace1">
+    <dgm:fillClrLst>
+      <a:schemeClr val="accent1">
+        <a:tint val="50000"/>
+      </a:schemeClr>
+      <a:schemeClr val="accent2">
+        <a:tint val="20000"/>
+      </a:schemeClr>
+    </dgm:fillClrLst>
+    <dgm:linClrLst meth="repeat">
+      <a:schemeClr val="lt1"/>
+    </dgm:linClrLst>
+    <dgm:effectClrLst/>
+    <dgm:txLinClrLst/>
+    <dgm:txFillClrLst meth="repeat">
+      <a:schemeClr val="lt1"/>
+    </dgm:txFillClrLst>
+    <dgm:txEffectClrLst/>
+  </dgm:styleLbl>
+  <dgm:styleLbl name="sibTrans2D1">
+    <dgm:fillClrLst meth="repeat">
+      <a:schemeClr val="accent2"/>
+      <a:schemeClr val="accent3"/>
+      <a:schemeClr val="accent4"/>
+      <a:schemeClr val="accent5"/>
+      <a:schemeClr val="accent6"/>
+    </dgm:fillClrLst>
+    <dgm:linClrLst meth="cycle">
+      <a:schemeClr val="lt1"/>
+    </dgm:linClrLst>
+    <dgm:effectClrLst/>
+    <dgm:txLinClrLst/>
+    <dgm:txFillClrLst/>
+    <dgm:txEffectClrLst/>
+  </dgm:styleLbl>
+  <dgm:styleLbl name="fgSibTrans2D1">
+    <dgm:fillClrLst meth="repeat">
+      <a:schemeClr val="accent2"/>
+      <a:schemeClr val="accent3"/>
+      <a:schemeClr val="accent4"/>
+      <a:schemeClr val="accent5"/>
+      <a:schemeClr val="accent6"/>
+    </dgm:fillClrLst>
+    <dgm:linClrLst meth="cycle">
+      <a:schemeClr val="lt1"/>
+    </dgm:linClrLst>
+    <dgm:effectClrLst/>
+    <dgm:txLinClrLst/>
+    <dgm:txFillClrLst meth="repeat">
+      <a:schemeClr val="lt1"/>
+    </dgm:txFillClrLst>
+    <dgm:txEffectClrLst/>
+  </dgm:styleLbl>
+  <dgm:styleLbl name="bgSibTrans2D1">
+    <dgm:fillClrLst meth="repeat">
+      <a:schemeClr val="accent2"/>
+      <a:schemeClr val="accent3"/>
+      <a:schemeClr val="accent4"/>
+      <a:schemeClr val="accent5"/>
+      <a:schemeClr val="accent6"/>
+    </dgm:fillClrLst>
+    <dgm:linClrLst meth="cycle">
+      <a:schemeClr val="lt1"/>
+    </dgm:linClrLst>
+    <dgm:effectClrLst/>
+    <dgm:txLinClrLst/>
+    <dgm:txFillClrLst meth="repeat">
+      <a:schemeClr val="lt1"/>
+    </dgm:txFillClrLst>
+    <dgm:txEffectClrLst/>
+  </dgm:styleLbl>
+  <dgm:styleLbl name="sibTrans1D1">
+    <dgm:fillClrLst meth="repeat">
+      <a:schemeClr val="accent2"/>
+      <a:schemeClr val="accent3"/>
+      <a:schemeClr val="accent4"/>
+      <a:schemeClr val="accent5"/>
+      <a:schemeClr val="accent6"/>
+    </dgm:fillClrLst>
+    <dgm:linClrLst meth="repeat">
+      <a:schemeClr val="accent2"/>
+      <a:schemeClr val="accent3"/>
+      <a:schemeClr val="accent4"/>
+      <a:schemeClr val="accent5"/>
+      <a:schemeClr val="accent6"/>
+    </dgm:linClrLst>
+    <dgm:effectClrLst/>
+    <dgm:txLinClrLst/>
+    <dgm:txFillClrLst meth="repeat">
+      <a:schemeClr val="tx1"/>
+    </dgm:txFillClrLst>
+    <dgm:txEffectClrLst/>
+  </dgm:styleLbl>
+  <dgm:styleLbl name="callout">
+    <dgm:fillClrLst meth="repeat">
+      <a:schemeClr val="accent2"/>
+    </dgm:fillClrLst>
+    <dgm:linClrLst meth="repeat">
+      <a:schemeClr val="accent2">
+        <a:tint val="50000"/>
+      </a:schemeClr>
+    </dgm:linClrLst>
+    <dgm:effectClrLst/>
+    <dgm:txLinClrLst/>
+    <dgm:txFillClrLst meth="repeat">
+      <a:schemeClr val="tx1"/>
+    </dgm:txFillClrLst>
+    <dgm:txEffectClrLst/>
+  </dgm:styleLbl>
+  <dgm:styleLbl name="asst0">
+    <dgm:fillClrLst meth="repeat">
+      <a:schemeClr val="accent1"/>
+    </dgm:fillClrLst>
+    <dgm:linClrLst meth="repeat">
+      <a:schemeClr val="lt1"/>
+    </dgm:linClrLst>
+    <dgm:effectClrLst/>
+    <dgm:txLinClrLst/>
+    <dgm:txFillClrLst/>
+    <dgm:txEffectClrLst/>
+  </dgm:styleLbl>
+  <dgm:styleLbl name="asst1">
+    <dgm:fillClrLst meth="repeat">
+      <a:schemeClr val="accent2"/>
+    </dgm:fillClrLst>
+    <dgm:linClrLst meth="repeat">
+      <a:schemeClr val="lt1"/>
+    </dgm:linClrLst>
+    <dgm:effectClrLst/>
+    <dgm:txLinClrLst/>
+    <dgm:txFillClrLst/>
+    <dgm:txEffectClrLst/>
+  </dgm:styleLbl>
+  <dgm:styleLbl name="asst2">
+    <dgm:fillClrLst>
+      <a:schemeClr val="accent3"/>
+    </dgm:fillClrLst>
+    <dgm:linClrLst meth="repeat">
+      <a:schemeClr val="lt1"/>
+    </dgm:linClrLst>
+    <dgm:effectClrLst/>
+    <dgm:txLinClrLst/>
+    <dgm:txFillClrLst/>
+    <dgm:txEffectClrLst/>
+  </dgm:styleLbl>
+  <dgm:styleLbl name="asst3">
+    <dgm:fillClrLst>
+      <a:schemeClr val="accent4"/>
+    </dgm:fillClrLst>
+    <dgm:linClrLst meth="repeat">
+      <a:schemeClr val="lt1"/>
+    </dgm:linClrLst>
+    <dgm:effectClrLst/>
+    <dgm:txLinClrLst/>
+    <dgm:txFillClrLst/>
+    <dgm:txEffectClrLst/>
+  </dgm:styleLbl>
+  <dgm:styleLbl name="asst4">
+    <dgm:fillClrLst>
+      <a:schemeClr val="accent5"/>
+    </dgm:fillClrLst>
+    <dgm:linClrLst meth="repeat">
+      <a:schemeClr val="lt1"/>
+    </dgm:linClrLst>
+    <dgm:effectClrLst/>
+    <dgm:txLinClrLst/>
+    <dgm:txFillClrLst/>
+    <dgm:txEffectClrLst/>
+  </dgm:styleLbl>
+  <dgm:styleLbl name="parChTrans2D1">
+    <dgm:fillClrLst meth="repeat">
+      <a:schemeClr val="accent2"/>
+    </dgm:fillClrLst>
+    <dgm:linClrLst meth="repeat">
+      <a:schemeClr val="lt1"/>
+    </dgm:linClrLst>
+    <dgm:effectClrLst/>
+    <dgm:txLinClrLst/>
+    <dgm:txFillClrLst meth="repeat">
+      <a:schemeClr val="lt1"/>
+    </dgm:txFillClrLst>
+    <dgm:txEffectClrLst/>
+  </dgm:styleLbl>
+  <dgm:styleLbl name="parChTrans2D2">
+    <dgm:fillClrLst meth="repeat">
+      <a:schemeClr val="accent3"/>
+    </dgm:fillClrLst>
+    <dgm:linClrLst meth="repeat">
+      <a:schemeClr val="lt1"/>
+    </dgm:linClrLst>
+    <dgm:effectClrLst/>
+    <dgm:txLinClrLst/>
+    <dgm:txFillClrLst/>
+    <dgm:txEffectClrLst/>
+  </dgm:styleLbl>
+  <dgm:styleLbl name="parChTrans2D3">
+    <dgm:fillClrLst meth="repeat">
+      <a:schemeClr val="accent4"/>
+    </dgm:fillClrLst>
+    <dgm:linClrLst meth="repeat">
+      <a:schemeClr val="lt1"/>
+    </dgm:linClrLst>
+    <dgm:effectClrLst/>
+    <dgm:txLinClrLst/>
+    <dgm:txFillClrLst/>
+    <dgm:txEffectClrLst/>
+  </dgm:styleLbl>
+  <dgm:styleLbl name="parChTrans2D4">
+    <dgm:fillClrLst meth="repeat">
+      <a:schemeClr val="accent5"/>
+    </dgm:fillClrLst>
+    <dgm:linClrLst meth="repeat">
+      <a:schemeClr val="lt1"/>
+    </dgm:linClrLst>
+    <dgm:effectClrLst/>
+    <dgm:txLinClrLst/>
+    <dgm:txFillClrLst meth="repeat">
+      <a:schemeClr val="lt1"/>
+    </dgm:txFillClrLst>
+    <dgm:txEffectClrLst/>
+  </dgm:styleLbl>
+  <dgm:styleLbl name="parChTrans1D1">
+    <dgm:fillClrLst meth="repeat">
+      <a:schemeClr val="accent2"/>
+    </dgm:fillClrLst>
+    <dgm:linClrLst meth="repeat">
+      <a:schemeClr val="accent1"/>
+    </dgm:linClrLst>
+    <dgm:effectClrLst/>
+    <dgm:txLinClrLst/>
+    <dgm:txFillClrLst meth="repeat">
+      <a:schemeClr val="tx1"/>
+    </dgm:txFillClrLst>
+    <dgm:txEffectClrLst/>
+  </dgm:styleLbl>
+  <dgm:styleLbl name="parChTrans1D2">
+    <dgm:fillClrLst meth="repeat">
+      <a:schemeClr val="accent3">
+        <a:tint val="90000"/>
+      </a:schemeClr>
+    </dgm:fillClrLst>
+    <dgm:linClrLst meth="repeat">
+      <a:schemeClr val="accent2"/>
+    </dgm:linClrLst>
+    <dgm:effectClrLst/>
+    <dgm:txLinClrLst/>
+    <dgm:txFillClrLst meth="repeat">
+      <a:schemeClr val="tx1"/>
+    </dgm:txFillClrLst>
+    <dgm:txEffectClrLst/>
+  </dgm:styleLbl>
+  <dgm:styleLbl name="parChTrans1D3">
+    <dgm:fillClrLst meth="repeat">
+      <a:schemeClr val="accent4">
+        <a:tint val="70000"/>
+      </a:schemeClr>
+    </dgm:fillClrLst>
+    <dgm:linClrLst meth="repeat">
+      <a:schemeClr val="accent3"/>
+    </dgm:linClrLst>
+    <dgm:effectClrLst/>
+    <dgm:txLinClrLst/>
+    <dgm:txFillClrLst meth="repeat">
+      <a:schemeClr val="tx1"/>
+    </dgm:txFillClrLst>
+    <dgm:txEffectClrLst/>
+  </dgm:styleLbl>
+  <dgm:styleLbl name="parChTrans1D4">
+    <dgm:fillClrLst meth="repeat">
+      <a:schemeClr val="accent5">
+        <a:tint val="50000"/>
+      </a:schemeClr>
+    </dgm:fillClrLst>
+    <dgm:linClrLst meth="repeat">
+      <a:schemeClr val="accent4"/>
+    </dgm:linClrLst>
+    <dgm:effectClrLst/>
+    <dgm:txLinClrLst/>
+    <dgm:txFillClrLst meth="repeat">
+      <a:schemeClr val="tx1"/>
+    </dgm:txFillClrLst>
+    <dgm:txEffectClrLst/>
+  </dgm:styleLbl>
+  <dgm:styleLbl name="fgAcc1">
+    <dgm:fillClrLst meth="repeat">
+      <a:schemeClr val="lt1">
+        <a:alpha val="90000"/>
+      </a:schemeClr>
+    </dgm:fillClrLst>
+    <dgm:linClrLst meth="repeat">
+      <a:schemeClr val="accent2"/>
+      <a:schemeClr val="accent3"/>
+      <a:schemeClr val="accent4"/>
+      <a:schemeClr val="accent5"/>
+      <a:schemeClr val="accent6"/>
+    </dgm:linClrLst>
+    <dgm:effectClrLst/>
+    <dgm:txLinClrLst/>
+    <dgm:txFillClrLst meth="repeat">
+      <a:schemeClr val="dk1"/>
+    </dgm:txFillClrLst>
+    <dgm:txEffectClrLst/>
+  </dgm:styleLbl>
+  <dgm:styleLbl name="conFgAcc1">
+    <dgm:fillClrLst meth="repeat">
+      <a:schemeClr val="lt1">
+        <a:alpha val="90000"/>
+      </a:schemeClr>
+    </dgm:fillClrLst>
+    <dgm:linClrLst meth="repeat">
+      <a:schemeClr val="accent2"/>
+      <a:schemeClr val="accent3"/>
+      <a:schemeClr val="accent4"/>
+      <a:schemeClr val="accent5"/>
+      <a:schemeClr val="accent6"/>
+    </dgm:linClrLst>
+    <dgm:effectClrLst/>
+    <dgm:txLinClrLst/>
+    <dgm:txFillClrLst meth="repeat">
+      <a:schemeClr val="dk1"/>
+    </dgm:txFillClrLst>
+    <dgm:txEffectClrLst/>
+  </dgm:styleLbl>
+  <dgm:styleLbl name="alignAcc1">
+    <dgm:fillClrLst meth="repeat">
+      <a:schemeClr val="lt1">
+        <a:alpha val="90000"/>
+      </a:schemeClr>
+    </dgm:fillClrLst>
+    <dgm:linClrLst meth="repeat">
+      <a:schemeClr val="accent2"/>
+      <a:schemeClr val="accent3"/>
+      <a:schemeClr val="accent4"/>
+      <a:schemeClr val="accent5"/>
+      <a:schemeClr val="accent6"/>
+    </dgm:linClrLst>
+    <dgm:effectClrLst/>
+    <dgm:txLinClrLst/>
+    <dgm:txFillClrLst meth="repeat">
+      <a:schemeClr val="dk1"/>
+    </dgm:txFillClrLst>
+    <dgm:txEffectClrLst/>
+  </dgm:styleLbl>
+  <dgm:styleLbl name="trAlignAcc1">
+    <dgm:fillClrLst meth="repeat">
+      <a:schemeClr val="lt1">
+        <a:alpha val="40000"/>
+      </a:schemeClr>
+    </dgm:fillClrLst>
+    <dgm:linClrLst meth="repeat">
+      <a:schemeClr val="accent1"/>
+    </dgm:linClrLst>
+    <dgm:effectClrLst/>
+    <dgm:txLinClrLst/>
+    <dgm:txFillClrLst meth="repeat">
+      <a:schemeClr val="dk1"/>
+    </dgm:txFillClrLst>
+    <dgm:txEffectClrLst/>
+  </dgm:styleLbl>
+  <dgm:styleLbl name="bgAcc1">
+    <dgm:fillClrLst meth="repeat">
+      <a:schemeClr val="lt1">
+        <a:alpha val="90000"/>
+      </a:schemeClr>
+    </dgm:fillClrLst>
+    <dgm:linClrLst meth="repeat">
+      <a:schemeClr val="accent2"/>
+      <a:schemeClr val="accent3"/>
+      <a:schemeClr val="accent4"/>
+      <a:schemeClr val="accent5"/>
+      <a:schemeClr val="accent6"/>
+    </dgm:linClrLst>
+    <dgm:effectClrLst/>
+    <dgm:txLinClrLst/>
+    <dgm:txFillClrLst meth="repeat">
+      <a:schemeClr val="dk1"/>
+    </dgm:txFillClrLst>
+    <dgm:txEffectClrLst/>
+  </dgm:styleLbl>
+  <dgm:styleLbl name="solidFgAcc1">
+    <dgm:fillClrLst meth="repeat">
+      <a:schemeClr val="lt1"/>
+    </dgm:fillClrLst>
+    <dgm:linClrLst meth="repeat">
+      <a:schemeClr val="accent2"/>
+      <a:schemeClr val="accent3"/>
+      <a:schemeClr val="accent4"/>
+      <a:schemeClr val="accent5"/>
+      <a:schemeClr val="accent6"/>
+    </dgm:linClrLst>
+    <dgm:effectClrLst/>
+    <dgm:txLinClrLst/>
+    <dgm:txFillClrLst meth="repeat">
+      <a:schemeClr val="dk1"/>
+    </dgm:txFillClrLst>
+    <dgm:txEffectClrLst/>
+  </dgm:styleLbl>
+  <dgm:styleLbl name="solidAlignAcc1">
+    <dgm:fillClrLst meth="repeat">
+      <a:schemeClr val="lt1"/>
+    </dgm:fillClrLst>
+    <dgm:linClrLst meth="repeat">
+      <a:schemeClr val="accent2"/>
+      <a:schemeClr val="accent3"/>
+      <a:schemeClr val="accent4"/>
+      <a:schemeClr val="accent5"/>
+      <a:schemeClr val="accent6"/>
+    </dgm:linClrLst>
+    <dgm:effectClrLst/>
+    <dgm:txLinClrLst/>
+    <dgm:txFillClrLst meth="repeat">
+      <a:schemeClr val="dk1"/>
+    </dgm:txFillClrLst>
+    <dgm:txEffectClrLst/>
+  </dgm:styleLbl>
+  <dgm:styleLbl name="solidBgAcc1">
+    <dgm:fillClrLst meth="repeat">
+      <a:schemeClr val="lt1"/>
+    </dgm:fillClrLst>
+    <dgm:linClrLst meth="repeat">
+      <a:schemeClr val="accent2"/>
+      <a:schemeClr val="accent3"/>
+      <a:schemeClr val="accent4"/>
+      <a:schemeClr val="accent5"/>
+      <a:schemeClr val="accent6"/>
+    </dgm:linClrLst>
+    <dgm:effectClrLst/>
+    <dgm:txLinClrLst/>
+    <dgm:txFillClrLst meth="repeat">
+      <a:schemeClr val="dk1"/>
+    </dgm:txFillClrLst>
+    <dgm:txEffectClrLst/>
+  </dgm:styleLbl>
+  <dgm:styleLbl name="fgAccFollowNode1">
+    <dgm:fillClrLst meth="repeat">
+      <a:schemeClr val="accent2">
+        <a:tint val="40000"/>
+        <a:alpha val="90000"/>
+      </a:schemeClr>
+      <a:schemeClr val="accent3">
+        <a:tint val="40000"/>
+        <a:alpha val="90000"/>
+      </a:schemeClr>
+      <a:schemeClr val="accent4">
+        <a:tint val="40000"/>
+        <a:alpha val="90000"/>
+      </a:schemeClr>
+      <a:schemeClr val="accent5">
+        <a:tint val="40000"/>
+        <a:alpha val="90000"/>
+      </a:schemeClr>
+      <a:schemeClr val="accent6">
+        <a:tint val="40000"/>
+        <a:alpha val="90000"/>
+      </a:schemeClr>
+    </dgm:fillClrLst>
+    <dgm:linClrLst meth="repeat">
+      <a:schemeClr val="accent2">
+        <a:tint val="40000"/>
+        <a:alpha val="90000"/>
+      </a:schemeClr>
+      <a:schemeClr val="accent3">
+        <a:tint val="40000"/>
+        <a:alpha val="90000"/>
+      </a:schemeClr>
+      <a:schemeClr val="accent4">
+        <a:tint val="40000"/>
+        <a:alpha val="90000"/>
+      </a:schemeClr>
+      <a:schemeClr val="accent5">
+        <a:tint val="40000"/>
+        <a:alpha val="90000"/>
+      </a:schemeClr>
+      <a:schemeClr val="accent6">
+        <a:tint val="40000"/>
+        <a:alpha val="90000"/>
+      </a:schemeClr>
+    </dgm:linClrLst>
+    <dgm:effectClrLst/>
+    <dgm:txLinClrLst/>
+    <dgm:txFillClrLst meth="repeat">
+      <a:schemeClr val="dk1"/>
+    </dgm:txFillClrLst>
+    <dgm:txEffectClrLst/>
+  </dgm:styleLbl>
+  <dgm:styleLbl name="alignAccFollowNode1">
+    <dgm:fillClrLst meth="repeat">
+      <a:schemeClr val="accent2">
+        <a:tint val="40000"/>
+        <a:alpha val="90000"/>
+      </a:schemeClr>
+      <a:schemeClr val="accent3">
+        <a:tint val="40000"/>
+        <a:alpha val="90000"/>
+      </a:schemeClr>
+      <a:schemeClr val="accent4">
+        <a:tint val="40000"/>
+        <a:alpha val="90000"/>
+      </a:schemeClr>
+      <a:schemeClr val="accent5">
+        <a:tint val="40000"/>
+        <a:alpha val="90000"/>
+      </a:schemeClr>
+      <a:schemeClr val="accent6">
+        <a:tint val="40000"/>
+        <a:alpha val="90000"/>
+      </a:schemeClr>
+    </dgm:fillClrLst>
+    <dgm:linClrLst meth="repeat">
+      <a:schemeClr val="accent2">
+        <a:tint val="40000"/>
+        <a:alpha val="90000"/>
+      </a:schemeClr>
+      <a:schemeClr val="accent3">
+        <a:tint val="40000"/>
+        <a:alpha val="90000"/>
+      </a:schemeClr>
+      <a:schemeClr val="accent4">
+        <a:tint val="40000"/>
+        <a:alpha val="90000"/>
+      </a:schemeClr>
+      <a:schemeClr val="accent5">
+        <a:tint val="40000"/>
+        <a:alpha val="90000"/>
+      </a:schemeClr>
+      <a:schemeClr val="accent6">
+        <a:tint val="40000"/>
+        <a:alpha val="90000"/>
+      </a:schemeClr>
+    </dgm:linClrLst>
+    <dgm:effectClrLst/>
+    <dgm:txLinClrLst/>
+    <dgm:txFillClrLst meth="repeat">
+      <a:schemeClr val="dk1"/>
+    </dgm:txFillClrLst>
+    <dgm:txEffectClrLst/>
+  </dgm:styleLbl>
+  <dgm:styleLbl name="bgAccFollowNode1">
+    <dgm:fillClrLst meth="repeat">
+      <a:schemeClr val="accent2">
+        <a:tint val="40000"/>
+        <a:alpha val="90000"/>
+      </a:schemeClr>
+      <a:schemeClr val="accent3">
+        <a:tint val="40000"/>
+        <a:alpha val="90000"/>
+      </a:schemeClr>
+      <a:schemeClr val="accent4">
+        <a:tint val="40000"/>
+        <a:alpha val="90000"/>
+      </a:schemeClr>
+      <a:schemeClr val="accent5">
+        <a:tint val="40000"/>
+        <a:alpha val="90000"/>
+      </a:schemeClr>
+      <a:schemeClr val="accent6">
+        <a:tint val="40000"/>
+        <a:alpha val="90000"/>
+      </a:schemeClr>
+    </dgm:fillClrLst>
+    <dgm:linClrLst meth="repeat">
+      <a:schemeClr val="accent2">
+        <a:tint val="40000"/>
+        <a:alpha val="90000"/>
+      </a:schemeClr>
+      <a:schemeClr val="accent3">
+        <a:tint val="40000"/>
+        <a:alpha val="90000"/>
+      </a:schemeClr>
+      <a:schemeClr val="accent4">
+        <a:tint val="40000"/>
+        <a:alpha val="90000"/>
+      </a:schemeClr>
+      <a:schemeClr val="accent5">
+        <a:tint val="40000"/>
+        <a:alpha val="90000"/>
+      </a:schemeClr>
+      <a:schemeClr val="accent6">
+        <a:tint val="40000"/>
+        <a:alpha val="90000"/>
+      </a:schemeClr>
+    </dgm:linClrLst>
+    <dgm:effectClrLst/>
+    <dgm:txLinClrLst/>
+    <dgm:txFillClrLst meth="repeat">
+      <a:schemeClr val="dk1"/>
+    </dgm:txFillClrLst>
+    <dgm:txEffectClrLst/>
+  </dgm:styleLbl>
+  <dgm:styleLbl name="fgAcc0">
+    <dgm:fillClrLst meth="repeat">
+      <a:schemeClr val="lt1">
+        <a:alpha val="90000"/>
+      </a:schemeClr>
+    </dgm:fillClrLst>
+    <dgm:linClrLst>
+      <a:schemeClr val="accent1"/>
+    </dgm:linClrLst>
+    <dgm:effectClrLst/>
+    <dgm:txLinClrLst/>
+    <dgm:txFillClrLst meth="repeat">
+      <a:schemeClr val="dk1"/>
+    </dgm:txFillClrLst>
+    <dgm:txEffectClrLst/>
+  </dgm:styleLbl>
+  <dgm:styleLbl name="fgAcc2">
+    <dgm:fillClrLst meth="repeat">
+      <a:schemeClr val="lt1">
+        <a:alpha val="90000"/>
+      </a:schemeClr>
+    </dgm:fillClrLst>
+    <dgm:linClrLst>
+      <a:schemeClr val="accent2"/>
+    </dgm:linClrLst>
+    <dgm:effectClrLst/>
+    <dgm:txLinClrLst/>
+    <dgm:txFillClrLst meth="repeat">
+      <a:schemeClr val="dk1"/>
+    </dgm:txFillClrLst>
+    <dgm:txEffectClrLst/>
+  </dgm:styleLbl>
+  <dgm:styleLbl name="fgAcc3">
+    <dgm:fillClrLst meth="repeat">
+      <a:schemeClr val="lt1">
+        <a:alpha val="90000"/>
+      </a:schemeClr>
+    </dgm:fillClrLst>
+    <dgm:linClrLst>
+      <a:schemeClr val="accent3"/>
+    </dgm:linClrLst>
+    <dgm:effectClrLst/>
+    <dgm:txLinClrLst/>
+    <dgm:txFillClrLst meth="repeat">
+      <a:schemeClr val="dk1"/>
+    </dgm:txFillClrLst>
+    <dgm:txEffectClrLst/>
+  </dgm:styleLbl>
+  <dgm:styleLbl name="fgAcc4">
+    <dgm:fillClrLst meth="repeat">
+      <a:schemeClr val="lt1">
+        <a:alpha val="90000"/>
+      </a:schemeClr>
+    </dgm:fillClrLst>
+    <dgm:linClrLst>
+      <a:schemeClr val="accent4"/>
+    </dgm:linClrLst>
+    <dgm:effectClrLst/>
+    <dgm:txLinClrLst/>
+    <dgm:txFillClrLst meth="repeat">
+      <a:schemeClr val="dk1"/>
+    </dgm:txFillClrLst>
+    <dgm:txEffectClrLst/>
+  </dgm:styleLbl>
+  <dgm:styleLbl name="bgShp">
+    <dgm:fillClrLst meth="repeat">
+      <a:schemeClr val="accent2">
+        <a:tint val="40000"/>
+      </a:schemeClr>
+    </dgm:fillClrLst>
+    <dgm:linClrLst meth="repeat">
+      <a:schemeClr val="dk1"/>
+    </dgm:linClrLst>
+    <dgm:effectClrLst/>
+    <dgm:txLinClrLst/>
+    <dgm:txFillClrLst meth="repeat">
+      <a:schemeClr val="dk1"/>
+    </dgm:txFillClrLst>
+    <dgm:txEffectClrLst/>
+  </dgm:styleLbl>
+  <dgm:styleLbl name="dkBgShp">
+    <dgm:fillClrLst meth="repeat">
+      <a:schemeClr val="accent2">
+        <a:shade val="90000"/>
+      </a:schemeClr>
+    </dgm:fillClrLst>
+    <dgm:linClrLst meth="repeat">
+      <a:schemeClr val="dk1"/>
+    </dgm:linClrLst>
+    <dgm:effectClrLst/>
+    <dgm:txLinClrLst/>
+    <dgm:txFillClrLst meth="repeat">
+      <a:schemeClr val="lt1"/>
+    </dgm:txFillClrLst>
+    <dgm:txEffectClrLst/>
+  </dgm:styleLbl>
+  <dgm:styleLbl name="trBgShp">
+    <dgm:fillClrLst meth="repeat">
+      <a:schemeClr val="accent1">
+        <a:tint val="50000"/>
+        <a:alpha val="40000"/>
+      </a:schemeClr>
+    </dgm:fillClrLst>
+    <dgm:linClrLst meth="repeat">
+      <a:schemeClr val="accent2"/>
+    </dgm:linClrLst>
+    <dgm:effectClrLst/>
+    <dgm:txLinClrLst/>
+    <dgm:txFillClrLst meth="repeat">
+      <a:schemeClr val="lt1"/>
+    </dgm:txFillClrLst>
+    <dgm:txEffectClrLst/>
+  </dgm:styleLbl>
+  <dgm:styleLbl name="fgShp">
+    <dgm:fillClrLst meth="repeat">
+      <a:schemeClr val="accent2">
+        <a:tint val="40000"/>
+      </a:schemeClr>
+    </dgm:fillClrLst>
+    <dgm:linClrLst meth="repeat">
+      <a:schemeClr val="lt1"/>
+    </dgm:linClrLst>
+    <dgm:effectClrLst/>
+    <dgm:txLinClrLst/>
+    <dgm:txFillClrLst meth="repeat">
+      <a:schemeClr val="dk1"/>
+    </dgm:txFillClrLst>
+    <dgm:txEffectClrLst/>
+  </dgm:styleLbl>
+  <dgm:styleLbl name="revTx">
+    <dgm:fillClrLst meth="repeat">
+      <a:schemeClr val="lt1">
+        <a:alpha val="0"/>
+      </a:schemeClr>
+    </dgm:fillClrLst>
+    <dgm:linClrLst meth="repeat">
+      <a:schemeClr val="dk1">
+        <a:alpha val="0"/>
+      </a:schemeClr>
+    </dgm:linClrLst>
+    <dgm:effectClrLst/>
+    <dgm:txLinClrLst/>
+    <dgm:txFillClrLst meth="repeat">
+      <a:schemeClr val="tx1"/>
+    </dgm:txFillClrLst>
+    <dgm:txEffectClrLst/>
+  </dgm:styleLbl>
+</dgm:colorsDef>
+</file>
+
+<file path=ppt/diagrams/data1.xml><?xml version="1.0" encoding="utf-8"?>
+<dgm:dataModel xmlns:dgm="http://schemas.openxmlformats.org/drawingml/2006/diagram" xmlns:a="http://schemas.openxmlformats.org/drawingml/2006/main">
+  <dgm:ptLst>
+    <dgm:pt modelId="{6E145231-CC98-4D7C-B1B9-4B0CBB7EBE63}" type="doc">
+      <dgm:prSet loTypeId="urn:microsoft.com/office/officeart/2005/8/layout/hierarchy1" loCatId="hierarchy" qsTypeId="urn:microsoft.com/office/officeart/2005/8/quickstyle/simple5" qsCatId="simple" csTypeId="urn:microsoft.com/office/officeart/2005/8/colors/colorful1" csCatId="colorful" phldr="1"/>
+      <dgm:spPr/>
+      <dgm:t>
+        <a:bodyPr/>
+        <a:lstStyle/>
+        <a:p>
+          <a:endParaRPr lang="en-US"/>
+        </a:p>
+      </dgm:t>
+    </dgm:pt>
+    <dgm:pt modelId="{30656417-0839-4C27-89E5-2E20D757048E}">
+      <dgm:prSet custT="1"/>
+      <dgm:spPr/>
+      <dgm:t>
+        <a:bodyPr/>
+        <a:lstStyle/>
+        <a:p>
+          <a:r>
+            <a:rPr lang="en-US" sz="1800" dirty="0"/>
+            <a:t>Baran Budak </a:t>
+          </a:r>
+          <a:r>
+            <a:rPr lang="tr-TR" sz="1800" dirty="0"/>
+            <a:t> </a:t>
+          </a:r>
+          <a:r>
+            <a:rPr lang="en-US" sz="1800" dirty="0"/>
+            <a:t>15070001012</a:t>
+          </a:r>
+        </a:p>
+      </dgm:t>
+    </dgm:pt>
+    <dgm:pt modelId="{D022A3DD-B702-40F0-BD9C-30CF827E7C82}" type="parTrans" cxnId="{9AADE565-14F9-41A7-9462-1F27BEA73306}">
+      <dgm:prSet/>
+      <dgm:spPr/>
+      <dgm:t>
+        <a:bodyPr/>
+        <a:lstStyle/>
+        <a:p>
+          <a:endParaRPr lang="en-US"/>
+        </a:p>
+      </dgm:t>
+    </dgm:pt>
+    <dgm:pt modelId="{8DD4815F-CFE4-4008-A587-79D0D832CAC8}" type="sibTrans" cxnId="{9AADE565-14F9-41A7-9462-1F27BEA73306}">
+      <dgm:prSet/>
+      <dgm:spPr/>
+      <dgm:t>
+        <a:bodyPr/>
+        <a:lstStyle/>
+        <a:p>
+          <a:endParaRPr lang="en-US"/>
+        </a:p>
+      </dgm:t>
+    </dgm:pt>
+    <dgm:pt modelId="{41AF34CD-FDDE-46CB-AFD2-23763E32C968}">
+      <dgm:prSet custT="1"/>
+      <dgm:spPr/>
+      <dgm:t>
+        <a:bodyPr/>
+        <a:lstStyle/>
+        <a:p>
+          <a:r>
+            <a:rPr lang="en-US" sz="1800" dirty="0"/>
+            <a:t>Cihanser </a:t>
+          </a:r>
+          <a:r>
+            <a:rPr lang="tr-TR" sz="1800" noProof="0" dirty="0" err="1"/>
+            <a:t>Çalışkan</a:t>
+          </a:r>
+          <a:r>
+            <a:rPr lang="tr-TR" sz="1800" noProof="0" dirty="0"/>
+            <a:t> </a:t>
+          </a:r>
+          <a:r>
+            <a:rPr lang="en-US" sz="1800" dirty="0"/>
+            <a:t>16070001020</a:t>
+          </a:r>
+        </a:p>
+      </dgm:t>
+    </dgm:pt>
+    <dgm:pt modelId="{356DF782-7B12-40EC-8C77-9E6901C3F34A}" type="parTrans" cxnId="{4485CA3B-75A1-4487-A3CF-AA95BD912F79}">
+      <dgm:prSet/>
+      <dgm:spPr/>
+      <dgm:t>
+        <a:bodyPr/>
+        <a:lstStyle/>
+        <a:p>
+          <a:endParaRPr lang="en-US"/>
+        </a:p>
+      </dgm:t>
+    </dgm:pt>
+    <dgm:pt modelId="{A57E0104-C794-45D7-9D76-2BD21D3D6265}" type="sibTrans" cxnId="{4485CA3B-75A1-4487-A3CF-AA95BD912F79}">
+      <dgm:prSet/>
+      <dgm:spPr/>
+      <dgm:t>
+        <a:bodyPr/>
+        <a:lstStyle/>
+        <a:p>
+          <a:endParaRPr lang="en-US"/>
+        </a:p>
+      </dgm:t>
+    </dgm:pt>
+    <dgm:pt modelId="{DE406F45-E025-4955-BDA4-9CF6E913ACDB}">
+      <dgm:prSet custT="1"/>
+      <dgm:spPr/>
+      <dgm:t>
+        <a:bodyPr/>
+        <a:lstStyle/>
+        <a:p>
+          <a:r>
+            <a:rPr lang="en-US" sz="1800" dirty="0" err="1"/>
+            <a:t>İsmail</a:t>
+          </a:r>
+          <a:r>
+            <a:rPr lang="en-US" sz="1800" dirty="0"/>
+            <a:t> </a:t>
+          </a:r>
+          <a:r>
+            <a:rPr lang="en-US" sz="1800" dirty="0" err="1"/>
+            <a:t>Mekan</a:t>
+          </a:r>
+          <a:r>
+            <a:rPr lang="en-US" sz="1800" dirty="0"/>
+            <a:t> 15070001048</a:t>
+          </a:r>
+        </a:p>
+      </dgm:t>
+    </dgm:pt>
+    <dgm:pt modelId="{4C5C8B69-2A6F-4594-B8B1-7650AC852779}" type="parTrans" cxnId="{A390621A-0E58-4490-BF99-42AE481AE046}">
+      <dgm:prSet/>
+      <dgm:spPr/>
+      <dgm:t>
+        <a:bodyPr/>
+        <a:lstStyle/>
+        <a:p>
+          <a:endParaRPr lang="en-US"/>
+        </a:p>
+      </dgm:t>
+    </dgm:pt>
+    <dgm:pt modelId="{001F69E3-B720-410C-9607-C7F5BE141FA7}" type="sibTrans" cxnId="{A390621A-0E58-4490-BF99-42AE481AE046}">
+      <dgm:prSet/>
+      <dgm:spPr/>
+      <dgm:t>
+        <a:bodyPr/>
+        <a:lstStyle/>
+        <a:p>
+          <a:endParaRPr lang="en-US"/>
+        </a:p>
+      </dgm:t>
+    </dgm:pt>
+    <dgm:pt modelId="{C0864616-AE78-472F-84C3-89DD73129D73}" type="pres">
+      <dgm:prSet presAssocID="{6E145231-CC98-4D7C-B1B9-4B0CBB7EBE63}" presName="hierChild1" presStyleCnt="0">
+        <dgm:presLayoutVars>
+          <dgm:chPref val="1"/>
+          <dgm:dir/>
+          <dgm:animOne val="branch"/>
+          <dgm:animLvl val="lvl"/>
+          <dgm:resizeHandles/>
+        </dgm:presLayoutVars>
+      </dgm:prSet>
+      <dgm:spPr/>
+    </dgm:pt>
+    <dgm:pt modelId="{A26C0239-DCAA-4B94-A704-15B3164BB205}" type="pres">
+      <dgm:prSet presAssocID="{30656417-0839-4C27-89E5-2E20D757048E}" presName="hierRoot1" presStyleCnt="0"/>
+      <dgm:spPr/>
+    </dgm:pt>
+    <dgm:pt modelId="{1AB5D7B6-C1ED-4681-8C76-93EEA050F2FB}" type="pres">
+      <dgm:prSet presAssocID="{30656417-0839-4C27-89E5-2E20D757048E}" presName="composite" presStyleCnt="0"/>
+      <dgm:spPr/>
+    </dgm:pt>
+    <dgm:pt modelId="{879B3568-7B0C-49E4-A8BC-6D73153CDE95}" type="pres">
+      <dgm:prSet presAssocID="{30656417-0839-4C27-89E5-2E20D757048E}" presName="background" presStyleLbl="node0" presStyleIdx="0" presStyleCnt="3"/>
+      <dgm:spPr/>
+    </dgm:pt>
+    <dgm:pt modelId="{54FE5C66-9237-4DED-9395-931E03F41CCE}" type="pres">
+      <dgm:prSet presAssocID="{30656417-0839-4C27-89E5-2E20D757048E}" presName="text" presStyleLbl="fgAcc0" presStyleIdx="0" presStyleCnt="3">
+        <dgm:presLayoutVars>
+          <dgm:chPref val="3"/>
+        </dgm:presLayoutVars>
+      </dgm:prSet>
+      <dgm:spPr/>
+    </dgm:pt>
+    <dgm:pt modelId="{E945D780-56FA-41B5-A7E8-471403062226}" type="pres">
+      <dgm:prSet presAssocID="{30656417-0839-4C27-89E5-2E20D757048E}" presName="hierChild2" presStyleCnt="0"/>
+      <dgm:spPr/>
+    </dgm:pt>
+    <dgm:pt modelId="{8031C7BC-8E0B-4176-98E1-3C1A65E59249}" type="pres">
+      <dgm:prSet presAssocID="{41AF34CD-FDDE-46CB-AFD2-23763E32C968}" presName="hierRoot1" presStyleCnt="0"/>
+      <dgm:spPr/>
+    </dgm:pt>
+    <dgm:pt modelId="{EDE964DA-5746-4361-AE06-9C15F5810A64}" type="pres">
+      <dgm:prSet presAssocID="{41AF34CD-FDDE-46CB-AFD2-23763E32C968}" presName="composite" presStyleCnt="0"/>
+      <dgm:spPr/>
+    </dgm:pt>
+    <dgm:pt modelId="{D98FC8AF-CC1D-446D-9FD2-F01D72E14CAC}" type="pres">
+      <dgm:prSet presAssocID="{41AF34CD-FDDE-46CB-AFD2-23763E32C968}" presName="background" presStyleLbl="node0" presStyleIdx="1" presStyleCnt="3"/>
+      <dgm:spPr/>
+    </dgm:pt>
+    <dgm:pt modelId="{C5DE896F-530E-46C1-8710-D689DA79B133}" type="pres">
+      <dgm:prSet presAssocID="{41AF34CD-FDDE-46CB-AFD2-23763E32C968}" presName="text" presStyleLbl="fgAcc0" presStyleIdx="1" presStyleCnt="3">
+        <dgm:presLayoutVars>
+          <dgm:chPref val="3"/>
+        </dgm:presLayoutVars>
+      </dgm:prSet>
+      <dgm:spPr/>
+    </dgm:pt>
+    <dgm:pt modelId="{F8993EA4-9114-4977-914C-45CA09124454}" type="pres">
+      <dgm:prSet presAssocID="{41AF34CD-FDDE-46CB-AFD2-23763E32C968}" presName="hierChild2" presStyleCnt="0"/>
+      <dgm:spPr/>
+    </dgm:pt>
+    <dgm:pt modelId="{BA013AF2-CE5C-4B3F-904C-1A0FE92B1E95}" type="pres">
+      <dgm:prSet presAssocID="{DE406F45-E025-4955-BDA4-9CF6E913ACDB}" presName="hierRoot1" presStyleCnt="0"/>
+      <dgm:spPr/>
+    </dgm:pt>
+    <dgm:pt modelId="{FC282A99-A36D-401B-8BCC-F5A8361CAFE9}" type="pres">
+      <dgm:prSet presAssocID="{DE406F45-E025-4955-BDA4-9CF6E913ACDB}" presName="composite" presStyleCnt="0"/>
+      <dgm:spPr/>
+    </dgm:pt>
+    <dgm:pt modelId="{93398E2C-6038-4A51-B68C-83F5F9353E67}" type="pres">
+      <dgm:prSet presAssocID="{DE406F45-E025-4955-BDA4-9CF6E913ACDB}" presName="background" presStyleLbl="node0" presStyleIdx="2" presStyleCnt="3"/>
+      <dgm:spPr/>
+    </dgm:pt>
+    <dgm:pt modelId="{1DBCDB76-2722-475A-9BB1-D69975C98F8F}" type="pres">
+      <dgm:prSet presAssocID="{DE406F45-E025-4955-BDA4-9CF6E913ACDB}" presName="text" presStyleLbl="fgAcc0" presStyleIdx="2" presStyleCnt="3">
+        <dgm:presLayoutVars>
+          <dgm:chPref val="3"/>
+        </dgm:presLayoutVars>
+      </dgm:prSet>
+      <dgm:spPr/>
+    </dgm:pt>
+    <dgm:pt modelId="{EA12B22C-898A-4EEA-B864-8964F37A79AB}" type="pres">
+      <dgm:prSet presAssocID="{DE406F45-E025-4955-BDA4-9CF6E913ACDB}" presName="hierChild2" presStyleCnt="0"/>
+      <dgm:spPr/>
+    </dgm:pt>
+  </dgm:ptLst>
+  <dgm:cxnLst>
+    <dgm:cxn modelId="{A390621A-0E58-4490-BF99-42AE481AE046}" srcId="{6E145231-CC98-4D7C-B1B9-4B0CBB7EBE63}" destId="{DE406F45-E025-4955-BDA4-9CF6E913ACDB}" srcOrd="2" destOrd="0" parTransId="{4C5C8B69-2A6F-4594-B8B1-7650AC852779}" sibTransId="{001F69E3-B720-410C-9607-C7F5BE141FA7}"/>
+    <dgm:cxn modelId="{362DA427-4EE7-4722-B2CE-728B241AE3A9}" type="presOf" srcId="{6E145231-CC98-4D7C-B1B9-4B0CBB7EBE63}" destId="{C0864616-AE78-472F-84C3-89DD73129D73}" srcOrd="0" destOrd="0" presId="urn:microsoft.com/office/officeart/2005/8/layout/hierarchy1"/>
+    <dgm:cxn modelId="{4485CA3B-75A1-4487-A3CF-AA95BD912F79}" srcId="{6E145231-CC98-4D7C-B1B9-4B0CBB7EBE63}" destId="{41AF34CD-FDDE-46CB-AFD2-23763E32C968}" srcOrd="1" destOrd="0" parTransId="{356DF782-7B12-40EC-8C77-9E6901C3F34A}" sibTransId="{A57E0104-C794-45D7-9D76-2BD21D3D6265}"/>
+    <dgm:cxn modelId="{9AADE565-14F9-41A7-9462-1F27BEA73306}" srcId="{6E145231-CC98-4D7C-B1B9-4B0CBB7EBE63}" destId="{30656417-0839-4C27-89E5-2E20D757048E}" srcOrd="0" destOrd="0" parTransId="{D022A3DD-B702-40F0-BD9C-30CF827E7C82}" sibTransId="{8DD4815F-CFE4-4008-A587-79D0D832CAC8}"/>
+    <dgm:cxn modelId="{BDD3137D-9E13-499D-AB46-B596D61D7B88}" type="presOf" srcId="{41AF34CD-FDDE-46CB-AFD2-23763E32C968}" destId="{C5DE896F-530E-46C1-8710-D689DA79B133}" srcOrd="0" destOrd="0" presId="urn:microsoft.com/office/officeart/2005/8/layout/hierarchy1"/>
+    <dgm:cxn modelId="{E27364A1-7F6C-4727-BFC1-94AE76833433}" type="presOf" srcId="{DE406F45-E025-4955-BDA4-9CF6E913ACDB}" destId="{1DBCDB76-2722-475A-9BB1-D69975C98F8F}" srcOrd="0" destOrd="0" presId="urn:microsoft.com/office/officeart/2005/8/layout/hierarchy1"/>
+    <dgm:cxn modelId="{8E2239C2-6409-4592-B034-F470B3ACB35B}" type="presOf" srcId="{30656417-0839-4C27-89E5-2E20D757048E}" destId="{54FE5C66-9237-4DED-9395-931E03F41CCE}" srcOrd="0" destOrd="0" presId="urn:microsoft.com/office/officeart/2005/8/layout/hierarchy1"/>
+    <dgm:cxn modelId="{BEE85F77-E8AC-44E7-9D05-E31DE08507F5}" type="presParOf" srcId="{C0864616-AE78-472F-84C3-89DD73129D73}" destId="{A26C0239-DCAA-4B94-A704-15B3164BB205}" srcOrd="0" destOrd="0" presId="urn:microsoft.com/office/officeart/2005/8/layout/hierarchy1"/>
+    <dgm:cxn modelId="{5615D0DB-0385-48A6-9777-7B61571E3BF8}" type="presParOf" srcId="{A26C0239-DCAA-4B94-A704-15B3164BB205}" destId="{1AB5D7B6-C1ED-4681-8C76-93EEA050F2FB}" srcOrd="0" destOrd="0" presId="urn:microsoft.com/office/officeart/2005/8/layout/hierarchy1"/>
+    <dgm:cxn modelId="{B87C3018-C01A-4AEA-8C95-DEC9A84BDCCA}" type="presParOf" srcId="{1AB5D7B6-C1ED-4681-8C76-93EEA050F2FB}" destId="{879B3568-7B0C-49E4-A8BC-6D73153CDE95}" srcOrd="0" destOrd="0" presId="urn:microsoft.com/office/officeart/2005/8/layout/hierarchy1"/>
+    <dgm:cxn modelId="{44A0DFDD-8423-4EC7-98B3-B7D82BD8CCF1}" type="presParOf" srcId="{1AB5D7B6-C1ED-4681-8C76-93EEA050F2FB}" destId="{54FE5C66-9237-4DED-9395-931E03F41CCE}" srcOrd="1" destOrd="0" presId="urn:microsoft.com/office/officeart/2005/8/layout/hierarchy1"/>
+    <dgm:cxn modelId="{9556E0B4-F625-4393-9834-C6067F4331D9}" type="presParOf" srcId="{A26C0239-DCAA-4B94-A704-15B3164BB205}" destId="{E945D780-56FA-41B5-A7E8-471403062226}" srcOrd="1" destOrd="0" presId="urn:microsoft.com/office/officeart/2005/8/layout/hierarchy1"/>
+    <dgm:cxn modelId="{D4BF5F99-60F9-40FC-BF74-9A7E75C3FA2D}" type="presParOf" srcId="{C0864616-AE78-472F-84C3-89DD73129D73}" destId="{8031C7BC-8E0B-4176-98E1-3C1A65E59249}" srcOrd="1" destOrd="0" presId="urn:microsoft.com/office/officeart/2005/8/layout/hierarchy1"/>
+    <dgm:cxn modelId="{ACE06408-6E49-45A8-AA7D-D5DF75E49E18}" type="presParOf" srcId="{8031C7BC-8E0B-4176-98E1-3C1A65E59249}" destId="{EDE964DA-5746-4361-AE06-9C15F5810A64}" srcOrd="0" destOrd="0" presId="urn:microsoft.com/office/officeart/2005/8/layout/hierarchy1"/>
+    <dgm:cxn modelId="{E01C858D-C154-46CA-858C-50BB82B66918}" type="presParOf" srcId="{EDE964DA-5746-4361-AE06-9C15F5810A64}" destId="{D98FC8AF-CC1D-446D-9FD2-F01D72E14CAC}" srcOrd="0" destOrd="0" presId="urn:microsoft.com/office/officeart/2005/8/layout/hierarchy1"/>
+    <dgm:cxn modelId="{88B18C07-EF8F-4249-8B2B-6460578F0CBD}" type="presParOf" srcId="{EDE964DA-5746-4361-AE06-9C15F5810A64}" destId="{C5DE896F-530E-46C1-8710-D689DA79B133}" srcOrd="1" destOrd="0" presId="urn:microsoft.com/office/officeart/2005/8/layout/hierarchy1"/>
+    <dgm:cxn modelId="{E7970875-6CDF-4388-80F9-753F31CB1ADC}" type="presParOf" srcId="{8031C7BC-8E0B-4176-98E1-3C1A65E59249}" destId="{F8993EA4-9114-4977-914C-45CA09124454}" srcOrd="1" destOrd="0" presId="urn:microsoft.com/office/officeart/2005/8/layout/hierarchy1"/>
+    <dgm:cxn modelId="{DB49FA4D-E0B8-4EE3-9BF3-56F64F821824}" type="presParOf" srcId="{C0864616-AE78-472F-84C3-89DD73129D73}" destId="{BA013AF2-CE5C-4B3F-904C-1A0FE92B1E95}" srcOrd="2" destOrd="0" presId="urn:microsoft.com/office/officeart/2005/8/layout/hierarchy1"/>
+    <dgm:cxn modelId="{B7AF1226-97C4-4BAA-8E51-3153ECC4FC58}" type="presParOf" srcId="{BA013AF2-CE5C-4B3F-904C-1A0FE92B1E95}" destId="{FC282A99-A36D-401B-8BCC-F5A8361CAFE9}" srcOrd="0" destOrd="0" presId="urn:microsoft.com/office/officeart/2005/8/layout/hierarchy1"/>
+    <dgm:cxn modelId="{AE517926-6BB5-422F-B865-CC88AFFB0309}" type="presParOf" srcId="{FC282A99-A36D-401B-8BCC-F5A8361CAFE9}" destId="{93398E2C-6038-4A51-B68C-83F5F9353E67}" srcOrd="0" destOrd="0" presId="urn:microsoft.com/office/officeart/2005/8/layout/hierarchy1"/>
+    <dgm:cxn modelId="{41697268-2BFE-4FE5-A7CC-C8B9594FFF70}" type="presParOf" srcId="{FC282A99-A36D-401B-8BCC-F5A8361CAFE9}" destId="{1DBCDB76-2722-475A-9BB1-D69975C98F8F}" srcOrd="1" destOrd="0" presId="urn:microsoft.com/office/officeart/2005/8/layout/hierarchy1"/>
+    <dgm:cxn modelId="{71A501E9-B34A-4A0E-A85C-C989F132ACAD}" type="presParOf" srcId="{BA013AF2-CE5C-4B3F-904C-1A0FE92B1E95}" destId="{EA12B22C-898A-4EEA-B864-8964F37A79AB}" srcOrd="1" destOrd="0" presId="urn:microsoft.com/office/officeart/2005/8/layout/hierarchy1"/>
+  </dgm:cxnLst>
+  <dgm:bg/>
+  <dgm:whole/>
+  <dgm:extLst>
+    <a:ext uri="http://schemas.microsoft.com/office/drawing/2008/diagram">
+      <dsp:dataModelExt xmlns:dsp="http://schemas.microsoft.com/office/drawing/2008/diagram" relId="rId7" minVer="http://schemas.openxmlformats.org/drawingml/2006/diagram"/>
+    </a:ext>
+  </dgm:extLst>
+</dgm:dataModel>
+</file>
+
+<file path=ppt/diagrams/drawing1.xml><?xml version="1.0" encoding="utf-8"?>
+<dsp:drawing xmlns:dgm="http://schemas.openxmlformats.org/drawingml/2006/diagram" xmlns:dsp="http://schemas.microsoft.com/office/drawing/2008/diagram" xmlns:a="http://schemas.openxmlformats.org/drawingml/2006/main">
+  <dsp:spTree>
+    <dsp:nvGrpSpPr>
+      <dsp:cNvPr id="0" name=""/>
+      <dsp:cNvGrpSpPr/>
+    </dsp:nvGrpSpPr>
+    <dsp:grpSpPr/>
+    <dsp:sp modelId="{879B3568-7B0C-49E4-A8BC-6D73153CDE95}">
+      <dsp:nvSpPr>
+        <dsp:cNvPr id="0" name=""/>
+        <dsp:cNvSpPr/>
+      </dsp:nvSpPr>
+      <dsp:spPr>
+        <a:xfrm>
+          <a:off x="0" y="529212"/>
+          <a:ext cx="1926201" cy="1223137"/>
+        </a:xfrm>
+        <a:prstGeom prst="roundRect">
+          <a:avLst>
+            <a:gd name="adj" fmla="val 10000"/>
+          </a:avLst>
+        </a:prstGeom>
+        <a:gradFill rotWithShape="0">
+          <a:gsLst>
+            <a:gs pos="0">
+              <a:schemeClr val="accent1">
+                <a:hueOff val="0"/>
+                <a:satOff val="0"/>
+                <a:lumOff val="0"/>
+                <a:alphaOff val="0"/>
+                <a:satMod val="103000"/>
+                <a:lumMod val="102000"/>
+                <a:tint val="94000"/>
+              </a:schemeClr>
+            </a:gs>
+            <a:gs pos="50000">
+              <a:schemeClr val="accent1">
+                <a:hueOff val="0"/>
+                <a:satOff val="0"/>
+                <a:lumOff val="0"/>
+                <a:alphaOff val="0"/>
+                <a:satMod val="110000"/>
+                <a:lumMod val="100000"/>
+                <a:shade val="100000"/>
+              </a:schemeClr>
+            </a:gs>
+            <a:gs pos="100000">
+              <a:schemeClr val="accent1">
+                <a:hueOff val="0"/>
+                <a:satOff val="0"/>
+                <a:lumOff val="0"/>
+                <a:alphaOff val="0"/>
+                <a:lumMod val="99000"/>
+                <a:satMod val="120000"/>
+                <a:shade val="78000"/>
+              </a:schemeClr>
+            </a:gs>
+          </a:gsLst>
+          <a:lin ang="5400000" scaled="0"/>
+        </a:gradFill>
+        <a:ln>
+          <a:noFill/>
+        </a:ln>
+        <a:effectLst>
+          <a:outerShdw blurRad="57150" dist="19050" dir="5400000" algn="ctr" rotWithShape="0">
+            <a:srgbClr val="000000">
+              <a:alpha val="63000"/>
+            </a:srgbClr>
+          </a:outerShdw>
+        </a:effectLst>
+      </dsp:spPr>
+      <dsp:style>
+        <a:lnRef idx="0">
+          <a:scrgbClr r="0" g="0" b="0"/>
+        </a:lnRef>
+        <a:fillRef idx="3">
+          <a:scrgbClr r="0" g="0" b="0"/>
+        </a:fillRef>
+        <a:effectRef idx="3">
+          <a:scrgbClr r="0" g="0" b="0"/>
+        </a:effectRef>
+        <a:fontRef idx="minor">
+          <a:schemeClr val="lt1"/>
+        </a:fontRef>
+      </dsp:style>
+    </dsp:sp>
+    <dsp:sp modelId="{54FE5C66-9237-4DED-9395-931E03F41CCE}">
+      <dsp:nvSpPr>
+        <dsp:cNvPr id="0" name=""/>
+        <dsp:cNvSpPr/>
+      </dsp:nvSpPr>
+      <dsp:spPr>
+        <a:xfrm>
+          <a:off x="214022" y="732533"/>
+          <a:ext cx="1926201" cy="1223137"/>
+        </a:xfrm>
+        <a:prstGeom prst="roundRect">
+          <a:avLst>
+            <a:gd name="adj" fmla="val 10000"/>
+          </a:avLst>
+        </a:prstGeom>
+        <a:solidFill>
+          <a:schemeClr val="lt1">
+            <a:alpha val="90000"/>
+            <a:hueOff val="0"/>
+            <a:satOff val="0"/>
+            <a:lumOff val="0"/>
+            <a:alphaOff val="0"/>
+          </a:schemeClr>
+        </a:solidFill>
+        <a:ln w="6350" cap="flat" cmpd="sng" algn="ctr">
+          <a:solidFill>
+            <a:schemeClr val="accent1">
+              <a:hueOff val="0"/>
+              <a:satOff val="0"/>
+              <a:lumOff val="0"/>
+              <a:alphaOff val="0"/>
+            </a:schemeClr>
+          </a:solidFill>
+          <a:prstDash val="solid"/>
+          <a:miter lim="800000"/>
+        </a:ln>
+        <a:effectLst/>
+      </dsp:spPr>
+      <dsp:style>
+        <a:lnRef idx="1">
+          <a:scrgbClr r="0" g="0" b="0"/>
+        </a:lnRef>
+        <a:fillRef idx="1">
+          <a:scrgbClr r="0" g="0" b="0"/>
+        </a:fillRef>
+        <a:effectRef idx="2">
+          <a:scrgbClr r="0" g="0" b="0"/>
+        </a:effectRef>
+        <a:fontRef idx="minor"/>
+      </dsp:style>
+      <dsp:txBody>
+        <a:bodyPr spcFirstLastPara="0" vert="horz" wrap="square" lIns="68580" tIns="68580" rIns="68580" bIns="68580" numCol="1" spcCol="1270" anchor="ctr" anchorCtr="0">
+          <a:noAutofit/>
+        </a:bodyPr>
+        <a:lstStyle/>
+        <a:p>
+          <a:pPr marL="0" lvl="0" indent="0" algn="ctr" defTabSz="800100">
+            <a:lnSpc>
+              <a:spcPct val="90000"/>
+            </a:lnSpc>
+            <a:spcBef>
+              <a:spcPct val="0"/>
+            </a:spcBef>
+            <a:spcAft>
+              <a:spcPct val="35000"/>
+            </a:spcAft>
+            <a:buNone/>
+          </a:pPr>
+          <a:r>
+            <a:rPr lang="en-US" sz="1800" kern="1200" dirty="0"/>
+            <a:t>Baran Budak </a:t>
+          </a:r>
+          <a:r>
+            <a:rPr lang="tr-TR" sz="1800" kern="1200" dirty="0"/>
+            <a:t> </a:t>
+          </a:r>
+          <a:r>
+            <a:rPr lang="en-US" sz="1800" kern="1200" dirty="0"/>
+            <a:t>15070001012</a:t>
+          </a:r>
+        </a:p>
+      </dsp:txBody>
+      <dsp:txXfrm>
+        <a:off x="249846" y="768357"/>
+        <a:ext cx="1854553" cy="1151489"/>
+      </dsp:txXfrm>
+    </dsp:sp>
+    <dsp:sp modelId="{D98FC8AF-CC1D-446D-9FD2-F01D72E14CAC}">
+      <dsp:nvSpPr>
+        <dsp:cNvPr id="0" name=""/>
+        <dsp:cNvSpPr/>
+      </dsp:nvSpPr>
+      <dsp:spPr>
+        <a:xfrm>
+          <a:off x="2354245" y="529212"/>
+          <a:ext cx="1926201" cy="1223137"/>
+        </a:xfrm>
+        <a:prstGeom prst="roundRect">
+          <a:avLst>
+            <a:gd name="adj" fmla="val 10000"/>
+          </a:avLst>
+        </a:prstGeom>
+        <a:gradFill rotWithShape="0">
+          <a:gsLst>
+            <a:gs pos="0">
+              <a:schemeClr val="accent1">
+                <a:hueOff val="0"/>
+                <a:satOff val="0"/>
+                <a:lumOff val="0"/>
+                <a:alphaOff val="0"/>
+                <a:satMod val="103000"/>
+                <a:lumMod val="102000"/>
+                <a:tint val="94000"/>
+              </a:schemeClr>
+            </a:gs>
+            <a:gs pos="50000">
+              <a:schemeClr val="accent1">
+                <a:hueOff val="0"/>
+                <a:satOff val="0"/>
+                <a:lumOff val="0"/>
+                <a:alphaOff val="0"/>
+                <a:satMod val="110000"/>
+                <a:lumMod val="100000"/>
+                <a:shade val="100000"/>
+              </a:schemeClr>
+            </a:gs>
+            <a:gs pos="100000">
+              <a:schemeClr val="accent1">
+                <a:hueOff val="0"/>
+                <a:satOff val="0"/>
+                <a:lumOff val="0"/>
+                <a:alphaOff val="0"/>
+                <a:lumMod val="99000"/>
+                <a:satMod val="120000"/>
+                <a:shade val="78000"/>
+              </a:schemeClr>
+            </a:gs>
+          </a:gsLst>
+          <a:lin ang="5400000" scaled="0"/>
+        </a:gradFill>
+        <a:ln>
+          <a:noFill/>
+        </a:ln>
+        <a:effectLst>
+          <a:outerShdw blurRad="57150" dist="19050" dir="5400000" algn="ctr" rotWithShape="0">
+            <a:srgbClr val="000000">
+              <a:alpha val="63000"/>
+            </a:srgbClr>
+          </a:outerShdw>
+        </a:effectLst>
+      </dsp:spPr>
+      <dsp:style>
+        <a:lnRef idx="0">
+          <a:scrgbClr r="0" g="0" b="0"/>
+        </a:lnRef>
+        <a:fillRef idx="3">
+          <a:scrgbClr r="0" g="0" b="0"/>
+        </a:fillRef>
+        <a:effectRef idx="3">
+          <a:scrgbClr r="0" g="0" b="0"/>
+        </a:effectRef>
+        <a:fontRef idx="minor">
+          <a:schemeClr val="lt1"/>
+        </a:fontRef>
+      </dsp:style>
+    </dsp:sp>
+    <dsp:sp modelId="{C5DE896F-530E-46C1-8710-D689DA79B133}">
+      <dsp:nvSpPr>
+        <dsp:cNvPr id="0" name=""/>
+        <dsp:cNvSpPr/>
+      </dsp:nvSpPr>
+      <dsp:spPr>
+        <a:xfrm>
+          <a:off x="2568268" y="732533"/>
+          <a:ext cx="1926201" cy="1223137"/>
+        </a:xfrm>
+        <a:prstGeom prst="roundRect">
+          <a:avLst>
+            <a:gd name="adj" fmla="val 10000"/>
+          </a:avLst>
+        </a:prstGeom>
+        <a:solidFill>
+          <a:schemeClr val="lt1">
+            <a:alpha val="90000"/>
+            <a:hueOff val="0"/>
+            <a:satOff val="0"/>
+            <a:lumOff val="0"/>
+            <a:alphaOff val="0"/>
+          </a:schemeClr>
+        </a:solidFill>
+        <a:ln w="6350" cap="flat" cmpd="sng" algn="ctr">
+          <a:solidFill>
+            <a:schemeClr val="accent1">
+              <a:hueOff val="0"/>
+              <a:satOff val="0"/>
+              <a:lumOff val="0"/>
+              <a:alphaOff val="0"/>
+            </a:schemeClr>
+          </a:solidFill>
+          <a:prstDash val="solid"/>
+          <a:miter lim="800000"/>
+        </a:ln>
+        <a:effectLst/>
+      </dsp:spPr>
+      <dsp:style>
+        <a:lnRef idx="1">
+          <a:scrgbClr r="0" g="0" b="0"/>
+        </a:lnRef>
+        <a:fillRef idx="1">
+          <a:scrgbClr r="0" g="0" b="0"/>
+        </a:fillRef>
+        <a:effectRef idx="2">
+          <a:scrgbClr r="0" g="0" b="0"/>
+        </a:effectRef>
+        <a:fontRef idx="minor"/>
+      </dsp:style>
+      <dsp:txBody>
+        <a:bodyPr spcFirstLastPara="0" vert="horz" wrap="square" lIns="68580" tIns="68580" rIns="68580" bIns="68580" numCol="1" spcCol="1270" anchor="ctr" anchorCtr="0">
+          <a:noAutofit/>
+        </a:bodyPr>
+        <a:lstStyle/>
+        <a:p>
+          <a:pPr marL="0" lvl="0" indent="0" algn="ctr" defTabSz="800100">
+            <a:lnSpc>
+              <a:spcPct val="90000"/>
+            </a:lnSpc>
+            <a:spcBef>
+              <a:spcPct val="0"/>
+            </a:spcBef>
+            <a:spcAft>
+              <a:spcPct val="35000"/>
+            </a:spcAft>
+            <a:buNone/>
+          </a:pPr>
+          <a:r>
+            <a:rPr lang="en-US" sz="1800" kern="1200" dirty="0"/>
+            <a:t>Cihanser </a:t>
+          </a:r>
+          <a:r>
+            <a:rPr lang="tr-TR" sz="1800" kern="1200" noProof="0" dirty="0" err="1"/>
+            <a:t>Çalışkan</a:t>
+          </a:r>
+          <a:r>
+            <a:rPr lang="tr-TR" sz="1800" kern="1200" noProof="0" dirty="0"/>
+            <a:t> </a:t>
+          </a:r>
+          <a:r>
+            <a:rPr lang="en-US" sz="1800" kern="1200" dirty="0"/>
+            <a:t>16070001020</a:t>
+          </a:r>
+        </a:p>
+      </dsp:txBody>
+      <dsp:txXfrm>
+        <a:off x="2604092" y="768357"/>
+        <a:ext cx="1854553" cy="1151489"/>
+      </dsp:txXfrm>
+    </dsp:sp>
+    <dsp:sp modelId="{93398E2C-6038-4A51-B68C-83F5F9353E67}">
+      <dsp:nvSpPr>
+        <dsp:cNvPr id="0" name=""/>
+        <dsp:cNvSpPr/>
+      </dsp:nvSpPr>
+      <dsp:spPr>
+        <a:xfrm>
+          <a:off x="4708491" y="529212"/>
+          <a:ext cx="1926201" cy="1223137"/>
+        </a:xfrm>
+        <a:prstGeom prst="roundRect">
+          <a:avLst>
+            <a:gd name="adj" fmla="val 10000"/>
+          </a:avLst>
+        </a:prstGeom>
+        <a:gradFill rotWithShape="0">
+          <a:gsLst>
+            <a:gs pos="0">
+              <a:schemeClr val="accent1">
+                <a:hueOff val="0"/>
+                <a:satOff val="0"/>
+                <a:lumOff val="0"/>
+                <a:alphaOff val="0"/>
+                <a:satMod val="103000"/>
+                <a:lumMod val="102000"/>
+                <a:tint val="94000"/>
+              </a:schemeClr>
+            </a:gs>
+            <a:gs pos="50000">
+              <a:schemeClr val="accent1">
+                <a:hueOff val="0"/>
+                <a:satOff val="0"/>
+                <a:lumOff val="0"/>
+                <a:alphaOff val="0"/>
+                <a:satMod val="110000"/>
+                <a:lumMod val="100000"/>
+                <a:shade val="100000"/>
+              </a:schemeClr>
+            </a:gs>
+            <a:gs pos="100000">
+              <a:schemeClr val="accent1">
+                <a:hueOff val="0"/>
+                <a:satOff val="0"/>
+                <a:lumOff val="0"/>
+                <a:alphaOff val="0"/>
+                <a:lumMod val="99000"/>
+                <a:satMod val="120000"/>
+                <a:shade val="78000"/>
+              </a:schemeClr>
+            </a:gs>
+          </a:gsLst>
+          <a:lin ang="5400000" scaled="0"/>
+        </a:gradFill>
+        <a:ln>
+          <a:noFill/>
+        </a:ln>
+        <a:effectLst>
+          <a:outerShdw blurRad="57150" dist="19050" dir="5400000" algn="ctr" rotWithShape="0">
+            <a:srgbClr val="000000">
+              <a:alpha val="63000"/>
+            </a:srgbClr>
+          </a:outerShdw>
+        </a:effectLst>
+      </dsp:spPr>
+      <dsp:style>
+        <a:lnRef idx="0">
+          <a:scrgbClr r="0" g="0" b="0"/>
+        </a:lnRef>
+        <a:fillRef idx="3">
+          <a:scrgbClr r="0" g="0" b="0"/>
+        </a:fillRef>
+        <a:effectRef idx="3">
+          <a:scrgbClr r="0" g="0" b="0"/>
+        </a:effectRef>
+        <a:fontRef idx="minor">
+          <a:schemeClr val="lt1"/>
+        </a:fontRef>
+      </dsp:style>
+    </dsp:sp>
+    <dsp:sp modelId="{1DBCDB76-2722-475A-9BB1-D69975C98F8F}">
+      <dsp:nvSpPr>
+        <dsp:cNvPr id="0" name=""/>
+        <dsp:cNvSpPr/>
+      </dsp:nvSpPr>
+      <dsp:spPr>
+        <a:xfrm>
+          <a:off x="4922513" y="732533"/>
+          <a:ext cx="1926201" cy="1223137"/>
+        </a:xfrm>
+        <a:prstGeom prst="roundRect">
+          <a:avLst>
+            <a:gd name="adj" fmla="val 10000"/>
+          </a:avLst>
+        </a:prstGeom>
+        <a:solidFill>
+          <a:schemeClr val="lt1">
+            <a:alpha val="90000"/>
+            <a:hueOff val="0"/>
+            <a:satOff val="0"/>
+            <a:lumOff val="0"/>
+            <a:alphaOff val="0"/>
+          </a:schemeClr>
+        </a:solidFill>
+        <a:ln w="6350" cap="flat" cmpd="sng" algn="ctr">
+          <a:solidFill>
+            <a:schemeClr val="accent1">
+              <a:hueOff val="0"/>
+              <a:satOff val="0"/>
+              <a:lumOff val="0"/>
+              <a:alphaOff val="0"/>
+            </a:schemeClr>
+          </a:solidFill>
+          <a:prstDash val="solid"/>
+          <a:miter lim="800000"/>
+        </a:ln>
+        <a:effectLst/>
+      </dsp:spPr>
+      <dsp:style>
+        <a:lnRef idx="1">
+          <a:scrgbClr r="0" g="0" b="0"/>
+        </a:lnRef>
+        <a:fillRef idx="1">
+          <a:scrgbClr r="0" g="0" b="0"/>
+        </a:fillRef>
+        <a:effectRef idx="2">
+          <a:scrgbClr r="0" g="0" b="0"/>
+        </a:effectRef>
+        <a:fontRef idx="minor"/>
+      </dsp:style>
+      <dsp:txBody>
+        <a:bodyPr spcFirstLastPara="0" vert="horz" wrap="square" lIns="68580" tIns="68580" rIns="68580" bIns="68580" numCol="1" spcCol="1270" anchor="ctr" anchorCtr="0">
+          <a:noAutofit/>
+        </a:bodyPr>
+        <a:lstStyle/>
+        <a:p>
+          <a:pPr marL="0" lvl="0" indent="0" algn="ctr" defTabSz="800100">
+            <a:lnSpc>
+              <a:spcPct val="90000"/>
+            </a:lnSpc>
+            <a:spcBef>
+              <a:spcPct val="0"/>
+            </a:spcBef>
+            <a:spcAft>
+              <a:spcPct val="35000"/>
+            </a:spcAft>
+            <a:buNone/>
+          </a:pPr>
+          <a:r>
+            <a:rPr lang="en-US" sz="1800" kern="1200" dirty="0" err="1"/>
+            <a:t>İsmail</a:t>
+          </a:r>
+          <a:r>
+            <a:rPr lang="en-US" sz="1800" kern="1200" dirty="0"/>
+            <a:t> </a:t>
+          </a:r>
+          <a:r>
+            <a:rPr lang="en-US" sz="1800" kern="1200" dirty="0" err="1"/>
+            <a:t>Mekan</a:t>
+          </a:r>
+          <a:r>
+            <a:rPr lang="en-US" sz="1800" kern="1200" dirty="0"/>
+            <a:t> 15070001048</a:t>
+          </a:r>
+        </a:p>
+      </dsp:txBody>
+      <dsp:txXfrm>
+        <a:off x="4958337" y="768357"/>
+        <a:ext cx="1854553" cy="1151489"/>
+      </dsp:txXfrm>
+    </dsp:sp>
+  </dsp:spTree>
+</dsp:drawing>
+</file>
+
+<file path=ppt/diagrams/layout1.xml><?xml version="1.0" encoding="utf-8"?>
+<dgm:layoutDef xmlns:dgm="http://schemas.openxmlformats.org/drawingml/2006/diagram" xmlns:a="http://schemas.openxmlformats.org/drawingml/2006/main" uniqueId="urn:microsoft.com/office/officeart/2005/8/layout/hierarchy1">
+  <dgm:title val=""/>
+  <dgm:desc val=""/>
+  <dgm:catLst>
+    <dgm:cat type="hierarchy" pri="2000"/>
+  </dgm:catLst>
+  <dgm:sampData>
+    <dgm:dataModel>
+      <dgm:ptLst>
+        <dgm:pt modelId="0" type="doc"/>
+        <dgm:pt modelId="1">
+          <dgm:prSet phldr="1"/>
+        </dgm:pt>
+        <dgm:pt modelId="2">
+          <dgm:prSet phldr="1"/>
+        </dgm:pt>
+        <dgm:pt modelId="21">
+          <dgm:prSet phldr="1"/>
+        </dgm:pt>
+        <dgm:pt modelId="22">
+          <dgm:prSet phldr="1"/>
+        </dgm:pt>
+        <dgm:pt modelId="3">
+          <dgm:prSet phldr="1"/>
+        </dgm:pt>
+        <dgm:pt modelId="31">
+          <dgm:prSet phldr="1"/>
+        </dgm:pt>
+      </dgm:ptLst>
+      <dgm:cxnLst>
+        <dgm:cxn modelId="4" srcId="0" destId="1" srcOrd="0" destOrd="0"/>
+        <dgm:cxn modelId="5" srcId="1" destId="2" srcOrd="0" destOrd="0"/>
+        <dgm:cxn modelId="6" srcId="1" destId="3" srcOrd="1" destOrd="0"/>
+        <dgm:cxn modelId="23" srcId="2" destId="21" srcOrd="0" destOrd="0"/>
+        <dgm:cxn modelId="24" srcId="2" destId="22" srcOrd="1" destOrd="0"/>
+        <dgm:cxn modelId="33" srcId="3" destId="31" srcOrd="0" destOrd="0"/>
+      </dgm:cxnLst>
+      <dgm:bg/>
+      <dgm:whole/>
+    </dgm:dataModel>
+  </dgm:sampData>
+  <dgm:styleData>
+    <dgm:dataModel>
+      <dgm:ptLst>
+        <dgm:pt modelId="0" type="doc"/>
+        <dgm:pt modelId="1"/>
+        <dgm:pt modelId="11"/>
+        <dgm:pt modelId="12"/>
+      </dgm:ptLst>
+      <dgm:cxnLst>
+        <dgm:cxn modelId="2" srcId="0" destId="1" srcOrd="0" destOrd="0"/>
+        <dgm:cxn modelId="13" srcId="1" destId="11" srcOrd="0" destOrd="0"/>
+        <dgm:cxn modelId="14" srcId="1" destId="12" srcOrd="1" destOrd="0"/>
+      </dgm:cxnLst>
+      <dgm:bg/>
+      <dgm:whole/>
+    </dgm:dataModel>
+  </dgm:styleData>
+  <dgm:clrData>
+    <dgm:dataModel>
+      <dgm:ptLst>
+        <dgm:pt modelId="0" type="doc"/>
+        <dgm:pt modelId="1"/>
+        <dgm:pt modelId="2"/>
+        <dgm:pt modelId="21"/>
+        <dgm:pt modelId="211"/>
+        <dgm:pt modelId="3"/>
+        <dgm:pt modelId="31"/>
+        <dgm:pt modelId="311"/>
+      </dgm:ptLst>
+      <dgm:cxnLst>
+        <dgm:cxn modelId="4" srcId="0" destId="1" srcOrd="0" destOrd="0"/>
+        <dgm:cxn modelId="5" srcId="1" destId="2" srcOrd="0" destOrd="0"/>
+        <dgm:cxn modelId="6" srcId="1" destId="3" srcOrd="1" destOrd="0"/>
+        <dgm:cxn modelId="23" srcId="2" destId="21" srcOrd="0" destOrd="0"/>
+        <dgm:cxn modelId="24" srcId="21" destId="211" srcOrd="0" destOrd="0"/>
+        <dgm:cxn modelId="33" srcId="3" destId="31" srcOrd="0" destOrd="0"/>
+        <dgm:cxn modelId="34" srcId="31" destId="311" srcOrd="0" destOrd="0"/>
+      </dgm:cxnLst>
+      <dgm:bg/>
+      <dgm:whole/>
+    </dgm:dataModel>
+  </dgm:clrData>
+  <dgm:layoutNode name="hierChild1">
+    <dgm:varLst>
+      <dgm:chPref val="1"/>
+      <dgm:dir/>
+      <dgm:animOne val="branch"/>
+      <dgm:animLvl val="lvl"/>
+      <dgm:resizeHandles/>
+    </dgm:varLst>
+    <dgm:choose name="Name0">
+      <dgm:if name="Name1" func="var" arg="dir" op="equ" val="norm">
+        <dgm:alg type="hierChild">
+          <dgm:param type="linDir" val="fromL"/>
+        </dgm:alg>
+      </dgm:if>
+      <dgm:else name="Name2">
+        <dgm:alg type="hierChild">
+          <dgm:param type="linDir" val="fromR"/>
+        </dgm:alg>
+      </dgm:else>
+    </dgm:choose>
+    <dgm:shape xmlns:r="http://schemas.openxmlformats.org/officeDocument/2006/relationships" r:blip="">
+      <dgm:adjLst/>
+    </dgm:shape>
+    <dgm:presOf/>
+    <dgm:constrLst>
+      <dgm:constr type="primFontSz" for="des" ptType="node" op="equ" val="65"/>
+      <dgm:constr type="w" for="des" forName="composite" refType="w"/>
+      <dgm:constr type="h" for="des" forName="composite" refType="w" refFor="des" refForName="composite" fact="0.667"/>
+      <dgm:constr type="w" for="des" forName="composite2" refType="w" refFor="des" refForName="composite"/>
+      <dgm:constr type="h" for="des" forName="composite2" refType="h" refFor="des" refForName="composite"/>
+      <dgm:constr type="w" for="des" forName="composite3" refType="w" refFor="des" refForName="composite"/>
+      <dgm:constr type="h" for="des" forName="composite3" refType="h" refFor="des" refForName="composite"/>
+      <dgm:constr type="w" for="des" forName="composite4" refType="w" refFor="des" refForName="composite"/>
+      <dgm:constr type="h" for="des" forName="composite4" refType="h" refFor="des" refForName="composite"/>
+      <dgm:constr type="w" for="des" forName="composite5" refType="w" refFor="des" refForName="composite"/>
+      <dgm:constr type="h" for="des" forName="composite5" refType="h" refFor="des" refForName="composite"/>
+      <dgm:constr type="sibSp" refType="w" refFor="des" refForName="composite" fact="0.1"/>
+      <dgm:constr type="sibSp" for="des" forName="hierChild2" refType="sibSp"/>
+      <dgm:constr type="sibSp" for="des" forName="hierChild3" refType="sibSp"/>
+      <dgm:constr type="sibSp" for="des" forName="hierChild4" refType="sibSp"/>
+      <dgm:constr type="sibSp" for="des" forName="hierChild5" refType="sibSp"/>
+      <dgm:constr type="sibSp" for="des" forName="hierChild6" refType="sibSp"/>
+      <dgm:constr type="sp" for="des" forName="hierRoot1" refType="h" refFor="des" refForName="composite" fact="0.25"/>
+      <dgm:constr type="sp" for="des" forName="hierRoot2" refType="sp" refFor="des" refForName="hierRoot1"/>
+      <dgm:constr type="sp" for="des" forName="hierRoot3" refType="sp" refFor="des" refForName="hierRoot1"/>
+      <dgm:constr type="sp" for="des" forName="hierRoot4" refType="sp" refFor="des" refForName="hierRoot1"/>
+      <dgm:constr type="sp" for="des" forName="hierRoot5" refType="sp" refFor="des" refForName="hierRoot1"/>
+    </dgm:constrLst>
+    <dgm:ruleLst/>
+    <dgm:forEach name="Name3" axis="ch">
+      <dgm:forEach name="Name4" axis="self" ptType="node">
+        <dgm:layoutNode name="hierRoot1">
+          <dgm:alg type="hierRoot"/>
+          <dgm:shape xmlns:r="http://schemas.openxmlformats.org/officeDocument/2006/relationships" r:blip="">
+            <dgm:adjLst/>
+          </dgm:shape>
+          <dgm:presOf/>
+          <dgm:constrLst>
+            <dgm:constr type="bendDist" for="des" ptType="parTrans" refType="sp" fact="0.5"/>
+          </dgm:constrLst>
+          <dgm:ruleLst/>
+          <dgm:layoutNode name="composite">
+            <dgm:alg type="composite"/>
+            <dgm:shape xmlns:r="http://schemas.openxmlformats.org/officeDocument/2006/relationships" r:blip="">
+              <dgm:adjLst/>
+            </dgm:shape>
+            <dgm:presOf/>
+            <dgm:constrLst>
+              <dgm:constr type="w" for="ch" forName="background" refType="w" fact="0.9"/>
+              <dgm:constr type="h" for="ch" forName="background" refType="w" refFor="ch" refForName="background" fact="0.635"/>
+              <dgm:constr type="t" for="ch" forName="background"/>
+              <dgm:constr type="l" for="ch" forName="background"/>
+              <dgm:constr type="w" for="ch" forName="text" refType="w" fact="0.9"/>
+              <dgm:constr type="h" for="ch" forName="text" refType="w" refFor="ch" refForName="text" fact="0.635"/>
+              <dgm:constr type="t" for="ch" forName="text" refType="w" fact="0.095"/>
+              <dgm:constr type="l" for="ch" forName="text" refType="w" fact="0.1"/>
+            </dgm:constrLst>
+            <dgm:ruleLst/>
+            <dgm:layoutNode name="background" styleLbl="node0" moveWith="text">
+              <dgm:alg type="sp"/>
+              <dgm:shape xmlns:r="http://schemas.openxmlformats.org/officeDocument/2006/relationships" type="roundRect" r:blip="">
+                <dgm:adjLst>
+                  <dgm:adj idx="1" val="0.1"/>
+                </dgm:adjLst>
+              </dgm:shape>
+              <dgm:presOf/>
+              <dgm:constrLst/>
+              <dgm:ruleLst/>
+            </dgm:layoutNode>
+            <dgm:layoutNode name="text" styleLbl="fgAcc0">
+              <dgm:varLst>
+                <dgm:chPref val="3"/>
+              </dgm:varLst>
+              <dgm:alg type="tx"/>
+              <dgm:shape xmlns:r="http://schemas.openxmlformats.org/officeDocument/2006/relationships" type="roundRect" r:blip="">
+                <dgm:adjLst>
+                  <dgm:adj idx="1" val="0.1"/>
+                </dgm:adjLst>
+              </dgm:shape>
+              <dgm:presOf axis="self"/>
+              <dgm:constrLst>
+                <dgm:constr type="tMarg" refType="primFontSz" fact="0.3"/>
+                <dgm:constr type="bMarg" refType="primFontSz" fact="0.3"/>
+                <dgm:constr type="lMarg" refType="primFontSz" fact="0.3"/>
+                <dgm:constr type="rMarg" refType="primFontSz" fact="0.3"/>
+              </dgm:constrLst>
+              <dgm:ruleLst>
+                <dgm:rule type="primFontSz" val="5" fact="NaN" max="NaN"/>
+              </dgm:ruleLst>
+            </dgm:layoutNode>
+          </dgm:layoutNode>
+          <dgm:layoutNode name="hierChild2">
+            <dgm:choose name="Name5">
+              <dgm:if name="Name6" func="var" arg="dir" op="equ" val="norm">
+                <dgm:alg type="hierChild">
+                  <dgm:param type="linDir" val="fromL"/>
+                </dgm:alg>
+              </dgm:if>
+              <dgm:else name="Name7">
+                <dgm:alg type="hierChild">
+                  <dgm:param type="linDir" val="fromR"/>
+                </dgm:alg>
+              </dgm:else>
+            </dgm:choose>
+            <dgm:shape xmlns:r="http://schemas.openxmlformats.org/officeDocument/2006/relationships" r:blip="">
+              <dgm:adjLst/>
+            </dgm:shape>
+            <dgm:presOf/>
+            <dgm:constrLst/>
+            <dgm:ruleLst/>
+            <dgm:forEach name="Name8" axis="ch">
+              <dgm:forEach name="Name9" axis="self" ptType="parTrans" cnt="1">
+                <dgm:layoutNode name="Name10">
+                  <dgm:alg type="conn">
+                    <dgm:param type="dim" val="1D"/>
+                    <dgm:param type="endSty" val="noArr"/>
+                    <dgm:param type="connRout" val="bend"/>
+                    <dgm:param type="bendPt" val="end"/>
+                    <dgm:param type="begPts" val="bCtr"/>
+                    <dgm:param type="endPts" val="tCtr"/>
+                    <dgm:param type="srcNode" val="background"/>
+                    <dgm:param type="dstNode" val="background2"/>
+                  </dgm:alg>
+                  <dgm:shape xmlns:r="http://schemas.openxmlformats.org/officeDocument/2006/relationships" type="conn" r:blip="" zOrderOff="-999">
+                    <dgm:adjLst/>
+                  </dgm:shape>
+                  <dgm:presOf axis="self"/>
+                  <dgm:constrLst>
+                    <dgm:constr type="begPad"/>
+                    <dgm:constr type="endPad"/>
+                  </dgm:constrLst>
+                  <dgm:ruleLst/>
+                </dgm:layoutNode>
+              </dgm:forEach>
+              <dgm:forEach name="Name11" axis="self" ptType="node">
+                <dgm:layoutNode name="hierRoot2">
+                  <dgm:alg type="hierRoot"/>
+                  <dgm:shape xmlns:r="http://schemas.openxmlformats.org/officeDocument/2006/relationships" r:blip="">
+                    <dgm:adjLst/>
+                  </dgm:shape>
+                  <dgm:presOf/>
+                  <dgm:constrLst>
+                    <dgm:constr type="bendDist" for="des" ptType="parTrans" refType="sp" fact="0.5"/>
+                  </dgm:constrLst>
+                  <dgm:ruleLst/>
+                  <dgm:layoutNode name="composite2">
+                    <dgm:alg type="composite"/>
+                    <dgm:shape xmlns:r="http://schemas.openxmlformats.org/officeDocument/2006/relationships" r:blip="">
+                      <dgm:adjLst/>
+                    </dgm:shape>
+                    <dgm:presOf/>
+                    <dgm:constrLst>
+                      <dgm:constr type="w" for="ch" forName="background2" refType="w" fact="0.9"/>
+                      <dgm:constr type="h" for="ch" forName="background2" refType="w" refFor="ch" refForName="background2" fact="0.635"/>
+                      <dgm:constr type="t" for="ch" forName="background2"/>
+                      <dgm:constr type="l" for="ch" forName="background2"/>
+                      <dgm:constr type="w" for="ch" forName="text2" refType="w" fact="0.9"/>
+                      <dgm:constr type="h" for="ch" forName="text2" refType="w" refFor="ch" refForName="text2" fact="0.635"/>
+                      <dgm:constr type="t" for="ch" forName="text2" refType="w" fact="0.095"/>
+                      <dgm:constr type="l" for="ch" forName="text2" refType="w" fact="0.1"/>
+                    </dgm:constrLst>
+                    <dgm:ruleLst/>
+                    <dgm:layoutNode name="background2" moveWith="text2">
+                      <dgm:alg type="sp"/>
+                      <dgm:shape xmlns:r="http://schemas.openxmlformats.org/officeDocument/2006/relationships" type="roundRect" r:blip="">
+                        <dgm:adjLst>
+                          <dgm:adj idx="1" val="0.1"/>
+                        </dgm:adjLst>
+                      </dgm:shape>
+                      <dgm:presOf/>
+                      <dgm:constrLst/>
+                      <dgm:ruleLst/>
+                    </dgm:layoutNode>
+                    <dgm:layoutNode name="text2" styleLbl="fgAcc2">
+                      <dgm:varLst>
+                        <dgm:chPref val="3"/>
+                      </dgm:varLst>
+                      <dgm:alg type="tx"/>
+                      <dgm:shape xmlns:r="http://schemas.openxmlformats.org/officeDocument/2006/relationships" type="roundRect" r:blip="">
+                        <dgm:adjLst>
+                          <dgm:adj idx="1" val="0.1"/>
+                        </dgm:adjLst>
+                      </dgm:shape>
+                      <dgm:presOf axis="self"/>
+                      <dgm:constrLst>
+                        <dgm:constr type="tMarg" refType="primFontSz" fact="0.3"/>
+                        <dgm:constr type="bMarg" refType="primFontSz" fact="0.3"/>
+                        <dgm:constr type="lMarg" refType="primFontSz" fact="0.3"/>
+                        <dgm:constr type="rMarg" refType="primFontSz" fact="0.3"/>
+                      </dgm:constrLst>
+                      <dgm:ruleLst>
+                        <dgm:rule type="primFontSz" val="5" fact="NaN" max="NaN"/>
+                      </dgm:ruleLst>
+                    </dgm:layoutNode>
+                  </dgm:layoutNode>
+                  <dgm:layoutNode name="hierChild3">
+                    <dgm:choose name="Name12">
+                      <dgm:if name="Name13" func="var" arg="dir" op="equ" val="norm">
+                        <dgm:alg type="hierChild">
+                          <dgm:param type="linDir" val="fromL"/>
+                        </dgm:alg>
+                      </dgm:if>
+                      <dgm:else name="Name14">
+                        <dgm:alg type="hierChild">
+                          <dgm:param type="linDir" val="fromR"/>
+                        </dgm:alg>
+                      </dgm:else>
+                    </dgm:choose>
+                    <dgm:shape xmlns:r="http://schemas.openxmlformats.org/officeDocument/2006/relationships" r:blip="">
+                      <dgm:adjLst/>
+                    </dgm:shape>
+                    <dgm:presOf/>
+                    <dgm:constrLst/>
+                    <dgm:ruleLst/>
+                    <dgm:forEach name="Name15" axis="ch">
+                      <dgm:forEach name="Name16" axis="self" ptType="parTrans" cnt="1">
+                        <dgm:layoutNode name="Name17">
+                          <dgm:alg type="conn">
+                            <dgm:param type="dim" val="1D"/>
+                            <dgm:param type="endSty" val="noArr"/>
+                            <dgm:param type="connRout" val="bend"/>
+                            <dgm:param type="bendPt" val="end"/>
+                            <dgm:param type="begPts" val="bCtr"/>
+                            <dgm:param type="endPts" val="tCtr"/>
+                            <dgm:param type="srcNode" val="background2"/>
+                            <dgm:param type="dstNode" val="background3"/>
+                          </dgm:alg>
+                          <dgm:shape xmlns:r="http://schemas.openxmlformats.org/officeDocument/2006/relationships" type="conn" r:blip="" zOrderOff="-999">
+                            <dgm:adjLst/>
+                          </dgm:shape>
+                          <dgm:presOf axis="self"/>
+                          <dgm:constrLst>
+                            <dgm:constr type="begPad"/>
+                            <dgm:constr type="endPad"/>
+                          </dgm:constrLst>
+                          <dgm:ruleLst/>
+                        </dgm:layoutNode>
+                      </dgm:forEach>
+                      <dgm:forEach name="Name18" axis="self" ptType="node">
+                        <dgm:layoutNode name="hierRoot3">
+                          <dgm:alg type="hierRoot"/>
+                          <dgm:shape xmlns:r="http://schemas.openxmlformats.org/officeDocument/2006/relationships" r:blip="">
+                            <dgm:adjLst/>
+                          </dgm:shape>
+                          <dgm:presOf/>
+                          <dgm:constrLst>
+                            <dgm:constr type="bendDist" for="des" ptType="parTrans" refType="sp" fact="0.5"/>
+                          </dgm:constrLst>
+                          <dgm:ruleLst/>
+                          <dgm:layoutNode name="composite3">
+                            <dgm:alg type="composite"/>
+                            <dgm:shape xmlns:r="http://schemas.openxmlformats.org/officeDocument/2006/relationships" r:blip="">
+                              <dgm:adjLst/>
+                            </dgm:shape>
+                            <dgm:presOf/>
+                            <dgm:constrLst>
+                              <dgm:constr type="w" for="ch" forName="background3" refType="w" fact="0.9"/>
+                              <dgm:constr type="h" for="ch" forName="background3" refType="w" refFor="ch" refForName="background3" fact="0.635"/>
+                              <dgm:constr type="t" for="ch" forName="background3"/>
+                              <dgm:constr type="l" for="ch" forName="background3"/>
+                              <dgm:constr type="w" for="ch" forName="text3" refType="w" fact="0.9"/>
+                              <dgm:constr type="h" for="ch" forName="text3" refType="w" refFor="ch" refForName="text3" fact="0.635"/>
+                              <dgm:constr type="t" for="ch" forName="text3" refType="w" fact="0.095"/>
+                              <dgm:constr type="l" for="ch" forName="text3" refType="w" fact="0.1"/>
+                            </dgm:constrLst>
+                            <dgm:ruleLst/>
+                            <dgm:layoutNode name="background3" moveWith="text3">
+                              <dgm:alg type="sp"/>
+                              <dgm:shape xmlns:r="http://schemas.openxmlformats.org/officeDocument/2006/relationships" type="roundRect" r:blip="">
+                                <dgm:adjLst>
+                                  <dgm:adj idx="1" val="0.1"/>
+                                </dgm:adjLst>
+                              </dgm:shape>
+                              <dgm:presOf/>
+                              <dgm:constrLst/>
+                              <dgm:ruleLst/>
+                            </dgm:layoutNode>
+                            <dgm:layoutNode name="text3" styleLbl="fgAcc3">
+                              <dgm:varLst>
+                                <dgm:chPref val="3"/>
+                              </dgm:varLst>
+                              <dgm:alg type="tx"/>
+                              <dgm:shape xmlns:r="http://schemas.openxmlformats.org/officeDocument/2006/relationships" type="roundRect" r:blip="">
+                                <dgm:adjLst>
+                                  <dgm:adj idx="1" val="0.1"/>
+                                </dgm:adjLst>
+                              </dgm:shape>
+                              <dgm:presOf axis="self"/>
+                              <dgm:constrLst>
+                                <dgm:constr type="tMarg" refType="primFontSz" fact="0.3"/>
+                                <dgm:constr type="bMarg" refType="primFontSz" fact="0.3"/>
+                                <dgm:constr type="lMarg" refType="primFontSz" fact="0.3"/>
+                                <dgm:constr type="rMarg" refType="primFontSz" fact="0.3"/>
+                              </dgm:constrLst>
+                              <dgm:ruleLst>
+                                <dgm:rule type="primFontSz" val="5" fact="NaN" max="NaN"/>
+                              </dgm:ruleLst>
+                            </dgm:layoutNode>
+                          </dgm:layoutNode>
+                          <dgm:layoutNode name="hierChild4">
+                            <dgm:choose name="Name19">
+                              <dgm:if name="Name20" func="var" arg="dir" op="equ" val="norm">
+                                <dgm:alg type="hierChild">
+                                  <dgm:param type="linDir" val="fromL"/>
+                                </dgm:alg>
+                              </dgm:if>
+                              <dgm:else name="Name21">
+                                <dgm:alg type="hierChild">
+                                  <dgm:param type="linDir" val="fromR"/>
+                                </dgm:alg>
+                              </dgm:else>
+                            </dgm:choose>
+                            <dgm:shape xmlns:r="http://schemas.openxmlformats.org/officeDocument/2006/relationships" r:blip="">
+                              <dgm:adjLst/>
+                            </dgm:shape>
+                            <dgm:presOf/>
+                            <dgm:constrLst/>
+                            <dgm:ruleLst/>
+                            <dgm:forEach name="repeat" axis="ch">
+                              <dgm:forEach name="Name22" axis="self" ptType="parTrans" cnt="1">
+                                <dgm:layoutNode name="Name23">
+                                  <dgm:choose name="Name24">
+                                    <dgm:if name="Name25" axis="self" func="depth" op="lte" val="4">
+                                      <dgm:alg type="conn">
+                                        <dgm:param type="dim" val="1D"/>
+                                        <dgm:param type="endSty" val="noArr"/>
+                                        <dgm:param type="connRout" val="bend"/>
+                                        <dgm:param type="bendPt" val="end"/>
+                                        <dgm:param type="begPts" val="bCtr"/>
+                                        <dgm:param type="endPts" val="tCtr"/>
+                                        <dgm:param type="srcNode" val="background3"/>
+                                        <dgm:param type="dstNode" val="background4"/>
+                                      </dgm:alg>
+                                    </dgm:if>
+                                    <dgm:else name="Name26">
+                                      <dgm:alg type="conn">
+                                        <dgm:param type="dim" val="1D"/>
+                                        <dgm:param type="endSty" val="noArr"/>
+                                        <dgm:param type="connRout" val="bend"/>
+                                        <dgm:param type="bendPt" val="end"/>
+                                        <dgm:param type="begPts" val="bCtr"/>
+                                        <dgm:param type="endPts" val="tCtr"/>
+                                        <dgm:param type="srcNode" val="background4"/>
+                                        <dgm:param type="dstNode" val="background4"/>
+                                      </dgm:alg>
+                                    </dgm:else>
+                                  </dgm:choose>
+                                  <dgm:shape xmlns:r="http://schemas.openxmlformats.org/officeDocument/2006/relationships" type="conn" r:blip="" zOrderOff="-999">
+                                    <dgm:adjLst/>
+                                  </dgm:shape>
+                                  <dgm:presOf axis="self"/>
+                                  <dgm:constrLst>
+                                    <dgm:constr type="begPad"/>
+                                    <dgm:constr type="endPad"/>
+                                  </dgm:constrLst>
+                                  <dgm:ruleLst/>
+                                </dgm:layoutNode>
+                              </dgm:forEach>
+                              <dgm:forEach name="Name27" axis="self" ptType="node">
+                                <dgm:layoutNode name="hierRoot4">
+                                  <dgm:alg type="hierRoot"/>
+                                  <dgm:shape xmlns:r="http://schemas.openxmlformats.org/officeDocument/2006/relationships" r:blip="">
+                                    <dgm:adjLst/>
+                                  </dgm:shape>
+                                  <dgm:presOf/>
+                                  <dgm:constrLst>
+                                    <dgm:constr type="bendDist" for="des" ptType="parTrans" refType="sp" fact="0.5"/>
+                                  </dgm:constrLst>
+                                  <dgm:ruleLst/>
+                                  <dgm:layoutNode name="composite4">
+                                    <dgm:alg type="composite"/>
+                                    <dgm:shape xmlns:r="http://schemas.openxmlformats.org/officeDocument/2006/relationships" r:blip="">
+                                      <dgm:adjLst/>
+                                    </dgm:shape>
+                                    <dgm:presOf/>
+                                    <dgm:constrLst>
+                                      <dgm:constr type="w" for="ch" forName="background4" refType="w" fact="0.9"/>
+                                      <dgm:constr type="h" for="ch" forName="background4" refType="w" refFor="ch" refForName="background4" fact="0.635"/>
+                                      <dgm:constr type="t" for="ch" forName="background4"/>
+                                      <dgm:constr type="l" for="ch" forName="background4"/>
+                                      <dgm:constr type="w" for="ch" forName="text4" refType="w" fact="0.9"/>
+                                      <dgm:constr type="h" for="ch" forName="text4" refType="w" refFor="ch" refForName="text4" fact="0.635"/>
+                                      <dgm:constr type="t" for="ch" forName="text4" refType="w" fact="0.095"/>
+                                      <dgm:constr type="l" for="ch" forName="text4" refType="w" fact="0.1"/>
+                                    </dgm:constrLst>
+                                    <dgm:ruleLst/>
+                                    <dgm:layoutNode name="background4" moveWith="text4">
+                                      <dgm:alg type="sp"/>
+                                      <dgm:shape xmlns:r="http://schemas.openxmlformats.org/officeDocument/2006/relationships" type="roundRect" r:blip="">
+                                        <dgm:adjLst>
+                                          <dgm:adj idx="1" val="0.1"/>
+                                        </dgm:adjLst>
+                                      </dgm:shape>
+                                      <dgm:presOf/>
+                                      <dgm:constrLst/>
+                                      <dgm:ruleLst/>
+                                    </dgm:layoutNode>
+                                    <dgm:layoutNode name="text4" styleLbl="fgAcc4">
+                                      <dgm:varLst>
+                                        <dgm:chPref val="3"/>
+                                      </dgm:varLst>
+                                      <dgm:alg type="tx"/>
+                                      <dgm:shape xmlns:r="http://schemas.openxmlformats.org/officeDocument/2006/relationships" type="roundRect" r:blip="">
+                                        <dgm:adjLst>
+                                          <dgm:adj idx="1" val="0.1"/>
+                                        </dgm:adjLst>
+                                      </dgm:shape>
+                                      <dgm:presOf axis="self"/>
+                                      <dgm:constrLst>
+                                        <dgm:constr type="tMarg" refType="primFontSz" fact="0.3"/>
+                                        <dgm:constr type="bMarg" refType="primFontSz" fact="0.3"/>
+                                        <dgm:constr type="lMarg" refType="primFontSz" fact="0.3"/>
+                                        <dgm:constr type="rMarg" refType="primFontSz" fact="0.3"/>
+                                      </dgm:constrLst>
+                                      <dgm:ruleLst>
+                                        <dgm:rule type="primFontSz" val="5" fact="NaN" max="NaN"/>
+                                      </dgm:ruleLst>
+                                    </dgm:layoutNode>
+                                  </dgm:layoutNode>
+                                  <dgm:layoutNode name="hierChild5">
+                                    <dgm:choose name="Name28">
+                                      <dgm:if name="Name29" func="var" arg="dir" op="equ" val="norm">
+                                        <dgm:alg type="hierChild">
+                                          <dgm:param type="linDir" val="fromL"/>
+                                        </dgm:alg>
+                                      </dgm:if>
+                                      <dgm:else name="Name30">
+                                        <dgm:alg type="hierChild">
+                                          <dgm:param type="linDir" val="fromR"/>
+                                        </dgm:alg>
+                                      </dgm:else>
+                                    </dgm:choose>
+                                    <dgm:shape xmlns:r="http://schemas.openxmlformats.org/officeDocument/2006/relationships" r:blip="">
+                                      <dgm:adjLst/>
+                                    </dgm:shape>
+                                    <dgm:presOf/>
+                                    <dgm:constrLst/>
+                                    <dgm:ruleLst/>
+                                    <dgm:forEach name="Name31" ref="repeat"/>
+                                  </dgm:layoutNode>
+                                </dgm:layoutNode>
+                              </dgm:forEach>
+                            </dgm:forEach>
+                          </dgm:layoutNode>
+                        </dgm:layoutNode>
+                      </dgm:forEach>
+                    </dgm:forEach>
+                  </dgm:layoutNode>
+                </dgm:layoutNode>
+              </dgm:forEach>
+            </dgm:forEach>
+          </dgm:layoutNode>
+        </dgm:layoutNode>
+      </dgm:forEach>
+    </dgm:forEach>
+  </dgm:layoutNode>
+</dgm:layoutDef>
+</file>
+
+<file path=ppt/diagrams/quickStyle1.xml><?xml version="1.0" encoding="utf-8"?>
+<dgm:styleDef xmlns:dgm="http://schemas.openxmlformats.org/drawingml/2006/diagram" xmlns:a="http://schemas.openxmlformats.org/drawingml/2006/main" uniqueId="urn:microsoft.com/office/officeart/2005/8/quickstyle/simple5">
+  <dgm:title val=""/>
+  <dgm:desc val=""/>
+  <dgm:catLst>
+    <dgm:cat type="simple" pri="10500"/>
+  </dgm:catLst>
+  <dgm:scene3d>
+    <a:camera prst="orthographicFront"/>
+    <a:lightRig rig="threePt" dir="t"/>
+  </dgm:scene3d>
+  <dgm:styleLbl name="node0">
+    <dgm:scene3d>
+      <a:camera prst="orthographicFront"/>
+      <a:lightRig rig="threePt" dir="t"/>
+    </dgm:scene3d>
+    <dgm:sp3d/>
+    <dgm:txPr/>
+    <dgm:style>
+      <a:lnRef idx="0">
+        <a:scrgbClr r="0" g="0" b="0"/>
+      </a:lnRef>
+      <a:fillRef idx="3">
+        <a:scrgbClr r="0" g="0" b="0"/>
+      </a:fillRef>
+      <a:effectRef idx="3">
+        <a:scrgbClr r="0" g="0" b="0"/>
+      </a:effectRef>
+      <a:fontRef idx="minor">
+        <a:schemeClr val="lt1"/>
+      </a:fontRef>
+    </dgm:style>
+  </dgm:styleLbl>
+  <dgm:styleLbl name="lnNode1">
+    <dgm:scene3d>
+      <a:camera prst="orthographicFront"/>
+      <a:lightRig rig="threePt" dir="t"/>
+    </dgm:scene3d>
+    <dgm:sp3d/>
+    <dgm:txPr/>
+    <dgm:style>
+      <a:lnRef idx="0">
+        <a:scrgbClr r="0" g="0" b="0"/>
+      </a:lnRef>
+      <a:fillRef idx="3">
+        <a:scrgbClr r="0" g="0" b="0"/>
+      </a:fillRef>
+      <a:effectRef idx="3">
+        <a:scrgbClr r="0" g="0" b="0"/>
+      </a:effectRef>
+      <a:fontRef idx="minor">
+        <a:schemeClr val="lt1"/>
+      </a:fontRef>
+    </dgm:style>
+  </dgm:styleLbl>
+  <dgm:styleLbl name="vennNode1">
+    <dgm:scene3d>
+      <a:camera prst="orthographicFront"/>
+      <a:lightRig rig="threePt" dir="t"/>
+    </dgm:scene3d>
+    <dgm:sp3d/>
+    <dgm:txPr/>
+    <dgm:style>
+      <a:lnRef idx="0">
+        <a:scrgbClr r="0" g="0" b="0"/>
+      </a:lnRef>
+      <a:fillRef idx="3">
+        <a:scrgbClr r="0" g="0" b="0"/>
+      </a:fillRef>
+      <a:effectRef idx="3">
+        <a:scrgbClr r="0" g="0" b="0"/>
+      </a:effectRef>
+      <a:fontRef idx="minor">
+        <a:schemeClr val="tx1"/>
+      </a:fontRef>
+    </dgm:style>
+  </dgm:styleLbl>
+  <dgm:styleLbl name="alignNode1">
+    <dgm:scene3d>
+      <a:camera prst="orthographicFront"/>
+      <a:lightRig rig="threePt" dir="t"/>
+    </dgm:scene3d>
+    <dgm:sp3d/>
+    <dgm:txPr/>
+    <dgm:style>
+      <a:lnRef idx="1">
+        <a:scrgbClr r="0" g="0" b="0"/>
+      </a:lnRef>
+      <a:fillRef idx="3">
+        <a:scrgbClr r="0" g="0" b="0"/>
+      </a:fillRef>
+      <a:effectRef idx="3">
+        <a:scrgbClr r="0" g="0" b="0"/>
+      </a:effectRef>
+      <a:fontRef idx="minor">
+        <a:schemeClr val="lt1"/>
+      </a:fontRef>
+    </dgm:style>
+  </dgm:styleLbl>
+  <dgm:styleLbl name="node1">
+    <dgm:scene3d>
+      <a:camera prst="orthographicFront"/>
+      <a:lightRig rig="threePt" dir="t"/>
+    </dgm:scene3d>
+    <dgm:sp3d/>
+    <dgm:txPr/>
+    <dgm:style>
+      <a:lnRef idx="0">
+        <a:scrgbClr r="0" g="0" b="0"/>
+      </a:lnRef>
+      <a:fillRef idx="3">
+        <a:scrgbClr r="0" g="0" b="0"/>
+      </a:fillRef>
+      <a:effectRef idx="3">
+        <a:scrgbClr r="0" g="0" b="0"/>
+      </a:effectRef>
+      <a:fontRef idx="minor">
+        <a:schemeClr val="lt1"/>
+      </a:fontRef>
+    </dgm:style>
+  </dgm:styleLbl>
+  <dgm:styleLbl name="node2">
+    <dgm:scene3d>
+      <a:camera prst="orthographicFront"/>
+      <a:lightRig rig="threePt" dir="t"/>
+    </dgm:scene3d>
+    <dgm:sp3d/>
+    <dgm:txPr/>
+    <dgm:style>
+      <a:lnRef idx="0">
+        <a:scrgbClr r="0" g="0" b="0"/>
+      </a:lnRef>
+      <a:fillRef idx="3">
+        <a:scrgbClr r="0" g="0" b="0"/>
+      </a:fillRef>
+      <a:effectRef idx="3">
+        <a:scrgbClr r="0" g="0" b="0"/>
+      </a:effectRef>
+      <a:fontRef idx="minor">
+        <a:schemeClr val="lt1"/>
+      </a:fontRef>
+    </dgm:style>
+  </dgm:styleLbl>
+  <dgm:styleLbl name="node3">
+    <dgm:scene3d>
+      <a:camera prst="orthographicFront"/>
+      <a:lightRig rig="threePt" dir="t"/>
+    </dgm:scene3d>
+    <dgm:sp3d/>
+    <dgm:txPr/>
+    <dgm:style>
+      <a:lnRef idx="0">
+        <a:scrgbClr r="0" g="0" b="0"/>
+      </a:lnRef>
+      <a:fillRef idx="3">
+        <a:scrgbClr r="0" g="0" b="0"/>
+      </a:fillRef>
+      <a:effectRef idx="3">
+        <a:scrgbClr r="0" g="0" b="0"/>
+      </a:effectRef>
+      <a:fontRef idx="minor">
+        <a:schemeClr val="lt1"/>
+      </a:fontRef>
+    </dgm:style>
+  </dgm:styleLbl>
+  <dgm:styleLbl name="node4">
+    <dgm:scene3d>
+      <a:camera prst="orthographicFront"/>
+      <a:lightRig rig="threePt" dir="t"/>
+    </dgm:scene3d>
+    <dgm:sp3d/>
+    <dgm:txPr/>
+    <dgm:style>
+      <a:lnRef idx="0">
+        <a:scrgbClr r="0" g="0" b="0"/>
+      </a:lnRef>
+      <a:fillRef idx="3">
+        <a:scrgbClr r="0" g="0" b="0"/>
+      </a:fillRef>
+      <a:effectRef idx="3">
+        <a:scrgbClr r="0" g="0" b="0"/>
+      </a:effectRef>
+      <a:fontRef idx="minor">
+        <a:schemeClr val="lt1"/>
+      </a:fontRef>
+    </dgm:style>
+  </dgm:styleLbl>
+  <dgm:styleLbl name="fgImgPlace1">
+    <dgm:scene3d>
+      <a:camera prst="orthographicFront"/>
+      <a:lightRig rig="threePt" dir="t"/>
+    </dgm:scene3d>
+    <dgm:sp3d/>
+    <dgm:txPr/>
+    <dgm:style>
+      <a:lnRef idx="0">
+        <a:scrgbClr r="0" g="0" b="0"/>
+      </a:lnRef>
+      <a:fillRef idx="1">
+        <a:scrgbClr r="0" g="0" b="0"/>
+      </a:fillRef>
+      <a:effectRef idx="3">
+        <a:scrgbClr r="0" g="0" b="0"/>
+      </a:effectRef>
+      <a:fontRef idx="minor"/>
+    </dgm:style>
+  </dgm:styleLbl>
+  <dgm:styleLbl name="alignImgPlace1">
+    <dgm:scene3d>
+      <a:camera prst="orthographicFront"/>
+      <a:lightRig rig="threePt" dir="t"/>
+    </dgm:scene3d>
+    <dgm:sp3d/>
+    <dgm:txPr/>
+    <dgm:style>
+      <a:lnRef idx="0">
+        <a:scrgbClr r="0" g="0" b="0"/>
+      </a:lnRef>
+      <a:fillRef idx="1">
+        <a:scrgbClr r="0" g="0" b="0"/>
+      </a:fillRef>
+      <a:effectRef idx="3">
+        <a:scrgbClr r="0" g="0" b="0"/>
+      </a:effectRef>
+      <a:fontRef idx="minor"/>
+    </dgm:style>
+  </dgm:styleLbl>
+  <dgm:styleLbl name="bgImgPlace1">
+    <dgm:scene3d>
+      <a:camera prst="orthographicFront"/>
+      <a:lightRig rig="threePt" dir="t"/>
+    </dgm:scene3d>
+    <dgm:sp3d/>
+    <dgm:txPr/>
+    <dgm:style>
+      <a:lnRef idx="0">
+        <a:scrgbClr r="0" g="0" b="0"/>
+      </a:lnRef>
+      <a:fillRef idx="1">
+        <a:scrgbClr r="0" g="0" b="0"/>
+      </a:fillRef>
+      <a:effectRef idx="3">
+        <a:scrgbClr r="0" g="0" b="0"/>
+      </a:effectRef>
+      <a:fontRef idx="minor"/>
+    </dgm:style>
+  </dgm:styleLbl>
+  <dgm:styleLbl name="sibTrans2D1">
+    <dgm:scene3d>
+      <a:camera prst="orthographicFront"/>
+      <a:lightRig rig="threePt" dir="t"/>
+    </dgm:scene3d>
+    <dgm:sp3d/>
+    <dgm:txPr/>
+    <dgm:style>
+      <a:lnRef idx="0">
+        <a:scrgbClr r="0" g="0" b="0"/>
+      </a:lnRef>
+      <a:fillRef idx="3">
+        <a:scrgbClr r="0" g="0" b="0"/>
+      </a:fillRef>
+      <a:effectRef idx="3">
+        <a:scrgbClr r="0" g="0" b="0"/>
+      </a:effectRef>
+      <a:fontRef idx="minor">
+        <a:schemeClr val="lt1"/>
+      </a:fontRef>
+    </dgm:style>
+  </dgm:styleLbl>
+  <dgm:styleLbl name="fgSibTrans2D1">
+    <dgm:scene3d>
+      <a:camera prst="orthographicFront"/>
+      <a:lightRig rig="threePt" dir="t"/>
+    </dgm:scene3d>
+    <dgm:sp3d/>
+    <dgm:txPr/>
+    <dgm:style>
+      <a:lnRef idx="0">
+        <a:scrgbClr r="0" g="0" b="0"/>
+      </a:lnRef>
+      <a:fillRef idx="3">
+        <a:scrgbClr r="0" g="0" b="0"/>
+      </a:fillRef>
+      <a:effectRef idx="3">
+        <a:scrgbClr r="0" g="0" b="0"/>
+      </a:effectRef>
+      <a:fontRef idx="minor">
+        <a:schemeClr val="lt1"/>
+      </a:fontRef>
+    </dgm:style>
+  </dgm:styleLbl>
+  <dgm:styleLbl name="bgSibTrans2D1">
+    <dgm:scene3d>
+      <a:camera prst="orthographicFront"/>
+      <a:lightRig rig="threePt" dir="t"/>
+    </dgm:scene3d>
+    <dgm:sp3d/>
+    <dgm:txPr/>
+    <dgm:style>
+      <a:lnRef idx="0">
+        <a:scrgbClr r="0" g="0" b="0"/>
+      </a:lnRef>
+      <a:fillRef idx="3">
+        <a:scrgbClr r="0" g="0" b="0"/>
+      </a:fillRef>
+      <a:effectRef idx="3">
+        <a:scrgbClr r="0" g="0" b="0"/>
+      </a:effectRef>
+      <a:fontRef idx="minor">
+        <a:schemeClr val="lt1"/>
+      </a:fontRef>
+    </dgm:style>
+  </dgm:styleLbl>
+  <dgm:styleLbl name="sibTrans1D1">
+    <dgm:scene3d>
+      <a:camera prst="orthographicFront"/>
+      <a:lightRig rig="threePt" dir="t"/>
+    </dgm:scene3d>
+    <dgm:sp3d/>
+    <dgm:txPr/>
+    <dgm:style>
+      <a:lnRef idx="1">
+        <a:scrgbClr r="0" g="0" b="0"/>
+      </a:lnRef>
+      <a:fillRef idx="0">
+        <a:scrgbClr r="0" g="0" b="0"/>
+      </a:fillRef>
+      <a:effectRef idx="0">
+        <a:scrgbClr r="0" g="0" b="0"/>
+      </a:effectRef>
+      <a:fontRef idx="minor"/>
+    </dgm:style>
+  </dgm:styleLbl>
+  <dgm:styleLbl name="callout">
+    <dgm:scene3d>
+      <a:camera prst="orthographicFront"/>
+      <a:lightRig rig="threePt" dir="t"/>
+    </dgm:scene3d>
+    <dgm:sp3d/>
+    <dgm:txPr/>
+    <dgm:style>
+      <a:lnRef idx="1">
+        <a:scrgbClr r="0" g="0" b="0"/>
+      </a:lnRef>
+      <a:fillRef idx="0">
+        <a:scrgbClr r="0" g="0" b="0"/>
+      </a:fillRef>
+      <a:effectRef idx="1">
+        <a:scrgbClr r="0" g="0" b="0"/>
+      </a:effectRef>
+      <a:fontRef idx="minor"/>
+    </dgm:style>
+  </dgm:styleLbl>
+  <dgm:styleLbl name="asst0">
+    <dgm:scene3d>
+      <a:camera prst="orthographicFront"/>
+      <a:lightRig rig="threePt" dir="t"/>
+    </dgm:scene3d>
+    <dgm:sp3d/>
+    <dgm:txPr/>
+    <dgm:style>
+      <a:lnRef idx="0">
+        <a:scrgbClr r="0" g="0" b="0"/>
+      </a:lnRef>
+      <a:fillRef idx="3">
+        <a:scrgbClr r="0" g="0" b="0"/>
+      </a:fillRef>
+      <a:effectRef idx="3">
+        <a:scrgbClr r="0" g="0" b="0"/>
+      </a:effectRef>
+      <a:fontRef idx="minor">
+        <a:schemeClr val="lt1"/>
+      </a:fontRef>
+    </dgm:style>
+  </dgm:styleLbl>
+  <dgm:styleLbl name="asst1">
+    <dgm:scene3d>
+      <a:camera prst="orthographicFront"/>
+      <a:lightRig rig="threePt" dir="t"/>
+    </dgm:scene3d>
+    <dgm:sp3d/>
+    <dgm:txPr/>
+    <dgm:style>
+      <a:lnRef idx="0">
+        <a:scrgbClr r="0" g="0" b="0"/>
+      </a:lnRef>
+      <a:fillRef idx="3">
+        <a:scrgbClr r="0" g="0" b="0"/>
+      </a:fillRef>
+      <a:effectRef idx="3">
+        <a:scrgbClr r="0" g="0" b="0"/>
+      </a:effectRef>
+      <a:fontRef idx="minor">
+        <a:schemeClr val="lt1"/>
+      </a:fontRef>
+    </dgm:style>
+  </dgm:styleLbl>
+  <dgm:styleLbl name="asst2">
+    <dgm:scene3d>
+      <a:camera prst="orthographicFront"/>
+      <a:lightRig rig="threePt" dir="t"/>
+    </dgm:scene3d>
+    <dgm:sp3d/>
+    <dgm:txPr/>
+    <dgm:style>
+      <a:lnRef idx="0">
+        <a:scrgbClr r="0" g="0" b="0"/>
+      </a:lnRef>
+      <a:fillRef idx="3">
+        <a:scrgbClr r="0" g="0" b="0"/>
+      </a:fillRef>
+      <a:effectRef idx="3">
+        <a:scrgbClr r="0" g="0" b="0"/>
+      </a:effectRef>
+      <a:fontRef idx="minor">
+        <a:schemeClr val="lt1"/>
+      </a:fontRef>
+    </dgm:style>
+  </dgm:styleLbl>
+  <dgm:styleLbl name="asst3">
+    <dgm:scene3d>
+      <a:camera prst="orthographicFront"/>
+      <a:lightRig rig="threePt" dir="t"/>
+    </dgm:scene3d>
+    <dgm:sp3d/>
+    <dgm:txPr/>
+    <dgm:style>
+      <a:lnRef idx="0">
+        <a:scrgbClr r="0" g="0" b="0"/>
+      </a:lnRef>
+      <a:fillRef idx="3">
+        <a:scrgbClr r="0" g="0" b="0"/>
+      </a:fillRef>
+      <a:effectRef idx="3">
+        <a:scrgbClr r="0" g="0" b="0"/>
+      </a:effectRef>
+      <a:fontRef idx="minor">
+        <a:schemeClr val="lt1"/>
+      </a:fontRef>
+    </dgm:style>
+  </dgm:styleLbl>
+  <dgm:styleLbl name="asst4">
+    <dgm:scene3d>
+      <a:camera prst="orthographicFront"/>
+      <a:lightRig rig="threePt" dir="t"/>
+    </dgm:scene3d>
+    <dgm:sp3d/>
+    <dgm:txPr/>
+    <dgm:style>
+      <a:lnRef idx="0">
+        <a:scrgbClr r="0" g="0" b="0"/>
+      </a:lnRef>
+      <a:fillRef idx="3">
+        <a:scrgbClr r="0" g="0" b="0"/>
+      </a:fillRef>
+      <a:effectRef idx="3">
+        <a:scrgbClr r="0" g="0" b="0"/>
+      </a:effectRef>
+      <a:fontRef idx="minor">
+        <a:schemeClr val="lt1"/>
+      </a:fontRef>
+    </dgm:style>
+  </dgm:styleLbl>
+  <dgm:styleLbl name="parChTrans2D1">
+    <dgm:scene3d>
+      <a:camera prst="orthographicFront"/>
+      <a:lightRig rig="threePt" dir="t"/>
+    </dgm:scene3d>
+    <dgm:sp3d/>
+    <dgm:txPr/>
+    <dgm:style>
+      <a:lnRef idx="0">
+        <a:scrgbClr r="0" g="0" b="0"/>
+      </a:lnRef>
+      <a:fillRef idx="3">
+        <a:scrgbClr r="0" g="0" b="0"/>
+      </a:fillRef>
+      <a:effectRef idx="3">
+        <a:scrgbClr r="0" g="0" b="0"/>
+      </a:effectRef>
+      <a:fontRef idx="minor">
+        <a:schemeClr val="lt1"/>
+      </a:fontRef>
+    </dgm:style>
+  </dgm:styleLbl>
+  <dgm:styleLbl name="parChTrans2D2">
+    <dgm:scene3d>
+      <a:camera prst="orthographicFront"/>
+      <a:lightRig rig="threePt" dir="t"/>
+    </dgm:scene3d>
+    <dgm:sp3d/>
+    <dgm:txPr/>
+    <dgm:style>
+      <a:lnRef idx="0">
+        <a:scrgbClr r="0" g="0" b="0"/>
+      </a:lnRef>
+      <a:fillRef idx="3">
+        <a:scrgbClr r="0" g="0" b="0"/>
+      </a:fillRef>
+      <a:effectRef idx="3">
+        <a:scrgbClr r="0" g="0" b="0"/>
+      </a:effectRef>
+      <a:fontRef idx="minor">
+        <a:schemeClr val="lt1"/>
+      </a:fontRef>
+    </dgm:style>
+  </dgm:styleLbl>
+  <dgm:styleLbl name="parChTrans2D3">
+    <dgm:scene3d>
+      <a:camera prst="orthographicFront"/>
+      <a:lightRig rig="threePt" dir="t"/>
+    </dgm:scene3d>
+    <dgm:sp3d/>
+    <dgm:txPr/>
+    <dgm:style>
+      <a:lnRef idx="0">
+        <a:scrgbClr r="0" g="0" b="0"/>
+      </a:lnRef>
+      <a:fillRef idx="3">
+        <a:scrgbClr r="0" g="0" b="0"/>
+      </a:fillRef>
+      <a:effectRef idx="3">
+        <a:scrgbClr r="0" g="0" b="0"/>
+      </a:effectRef>
+      <a:fontRef idx="minor">
+        <a:schemeClr val="lt1"/>
+      </a:fontRef>
+    </dgm:style>
+  </dgm:styleLbl>
+  <dgm:styleLbl name="parChTrans2D4">
+    <dgm:scene3d>
+      <a:camera prst="orthographicFront"/>
+      <a:lightRig rig="threePt" dir="t"/>
+    </dgm:scene3d>
+    <dgm:sp3d/>
+    <dgm:txPr/>
+    <dgm:style>
+      <a:lnRef idx="0">
+        <a:scrgbClr r="0" g="0" b="0"/>
+      </a:lnRef>
+      <a:fillRef idx="3">
+        <a:scrgbClr r="0" g="0" b="0"/>
+      </a:fillRef>
+      <a:effectRef idx="3">
+        <a:scrgbClr r="0" g="0" b="0"/>
+      </a:effectRef>
+      <a:fontRef idx="minor">
+        <a:schemeClr val="lt1"/>
+      </a:fontRef>
+    </dgm:style>
+  </dgm:styleLbl>
+  <dgm:styleLbl name="parChTrans1D1">
+    <dgm:scene3d>
+      <a:camera prst="orthographicFront"/>
+      <a:lightRig rig="threePt" dir="t"/>
+    </dgm:scene3d>
+    <dgm:sp3d/>
+    <dgm:txPr/>
+    <dgm:style>
+      <a:lnRef idx="2">
+        <a:scrgbClr r="0" g="0" b="0"/>
+      </a:lnRef>
+      <a:fillRef idx="0">
+        <a:scrgbClr r="0" g="0" b="0"/>
+      </a:fillRef>
+      <a:effectRef idx="0">
+        <a:scrgbClr r="0" g="0" b="0"/>
+      </a:effectRef>
+      <a:fontRef idx="minor"/>
+    </dgm:style>
+  </dgm:styleLbl>
+  <dgm:styleLbl name="parChTrans1D2">
+    <dgm:scene3d>
+      <a:camera prst="orthographicFront"/>
+      <a:lightRig rig="threePt" dir="t"/>
+    </dgm:scene3d>
+    <dgm:sp3d/>
+    <dgm:txPr/>
+    <dgm:style>
+      <a:lnRef idx="2">
+        <a:scrgbClr r="0" g="0" b="0"/>
+      </a:lnRef>
+      <a:fillRef idx="0">
+        <a:scrgbClr r="0" g="0" b="0"/>
+      </a:fillRef>
+      <a:effectRef idx="0">
+        <a:scrgbClr r="0" g="0" b="0"/>
+      </a:effectRef>
+      <a:fontRef idx="minor"/>
+    </dgm:style>
+  </dgm:styleLbl>
+  <dgm:styleLbl name="parChTrans1D3">
+    <dgm:scene3d>
+      <a:camera prst="orthographicFront"/>
+      <a:lightRig rig="threePt" dir="t"/>
+    </dgm:scene3d>
+    <dgm:sp3d/>
+    <dgm:txPr/>
+    <dgm:style>
+      <a:lnRef idx="2">
+        <a:scrgbClr r="0" g="0" b="0"/>
+      </a:lnRef>
+      <a:fillRef idx="0">
+        <a:scrgbClr r="0" g="0" b="0"/>
+      </a:fillRef>
+      <a:effectRef idx="0">
+        <a:scrgbClr r="0" g="0" b="0"/>
+      </a:effectRef>
+      <a:fontRef idx="minor"/>
+    </dgm:style>
+  </dgm:styleLbl>
+  <dgm:styleLbl name="parChTrans1D4">
+    <dgm:scene3d>
+      <a:camera prst="orthographicFront"/>
+      <a:lightRig rig="threePt" dir="t"/>
+    </dgm:scene3d>
+    <dgm:sp3d/>
+    <dgm:txPr/>
+    <dgm:style>
+      <a:lnRef idx="2">
+        <a:scrgbClr r="0" g="0" b="0"/>
+      </a:lnRef>
+      <a:fillRef idx="0">
+        <a:scrgbClr r="0" g="0" b="0"/>
+      </a:fillRef>
+      <a:effectRef idx="0">
+        <a:scrgbClr r="0" g="0" b="0"/>
+      </a:effectRef>
+      <a:fontRef idx="minor"/>
+    </dgm:style>
+  </dgm:styleLbl>
+  <dgm:styleLbl name="fgAcc1">
+    <dgm:scene3d>
+      <a:camera prst="orthographicFront"/>
+      <a:lightRig rig="threePt" dir="t"/>
+    </dgm:scene3d>
+    <dgm:sp3d/>
+    <dgm:txPr/>
+    <dgm:style>
+      <a:lnRef idx="1">
+        <a:scrgbClr r="0" g="0" b="0"/>
+      </a:lnRef>
+      <a:fillRef idx="1">
+        <a:scrgbClr r="0" g="0" b="0"/>
+      </a:fillRef>
+      <a:effectRef idx="2">
+        <a:scrgbClr r="0" g="0" b="0"/>
+      </a:effectRef>
+      <a:fontRef idx="minor"/>
+    </dgm:style>
+  </dgm:styleLbl>
+  <dgm:styleLbl name="conFgAcc1">
+    <dgm:scene3d>
+      <a:camera prst="orthographicFront"/>
+      <a:lightRig rig="threePt" dir="t"/>
+    </dgm:scene3d>
+    <dgm:sp3d/>
+    <dgm:txPr/>
+    <dgm:style>
+      <a:lnRef idx="1">
+        <a:scrgbClr r="0" g="0" b="0"/>
+      </a:lnRef>
+      <a:fillRef idx="1">
+        <a:scrgbClr r="0" g="0" b="0"/>
+      </a:fillRef>
+      <a:effectRef idx="2">
+        <a:scrgbClr r="0" g="0" b="0"/>
+      </a:effectRef>
+      <a:fontRef idx="minor"/>
+    </dgm:style>
+  </dgm:styleLbl>
+  <dgm:styleLbl name="alignAcc1">
+    <dgm:scene3d>
+      <a:camera prst="orthographicFront"/>
+      <a:lightRig rig="threePt" dir="t"/>
+    </dgm:scene3d>
+    <dgm:sp3d/>
+    <dgm:txPr/>
+    <dgm:style>
+      <a:lnRef idx="1">
+        <a:scrgbClr r="0" g="0" b="0"/>
+      </a:lnRef>
+      <a:fillRef idx="1">
+        <a:scrgbClr r="0" g="0" b="0"/>
+      </a:fillRef>
+      <a:effectRef idx="2">
+        <a:scrgbClr r="0" g="0" b="0"/>
+      </a:effectRef>
+      <a:fontRef idx="minor"/>
+    </dgm:style>
+  </dgm:styleLbl>
+  <dgm:styleLbl name="trAlignAcc1">
+    <dgm:scene3d>
+      <a:camera prst="orthographicFront"/>
+      <a:lightRig rig="threePt" dir="t"/>
+    </dgm:scene3d>
+    <dgm:sp3d/>
+    <dgm:txPr/>
+    <dgm:style>
+      <a:lnRef idx="1">
+        <a:scrgbClr r="0" g="0" b="0"/>
+      </a:lnRef>
+      <a:fillRef idx="1">
+        <a:scrgbClr r="0" g="0" b="0"/>
+      </a:fillRef>
+      <a:effectRef idx="0">
+        <a:scrgbClr r="0" g="0" b="0"/>
+      </a:effectRef>
+      <a:fontRef idx="minor"/>
+    </dgm:style>
+  </dgm:styleLbl>
+  <dgm:styleLbl name="bgAcc1">
+    <dgm:scene3d>
+      <a:camera prst="orthographicFront"/>
+      <a:lightRig rig="threePt" dir="t"/>
+    </dgm:scene3d>
+    <dgm:sp3d/>
+    <dgm:txPr/>
+    <dgm:style>
+      <a:lnRef idx="1">
+        <a:scrgbClr r="0" g="0" b="0"/>
+      </a:lnRef>
+      <a:fillRef idx="1">
+        <a:scrgbClr r="0" g="0" b="0"/>
+      </a:fillRef>
+      <a:effectRef idx="2">
+        <a:scrgbClr r="0" g="0" b="0"/>
+      </a:effectRef>
+      <a:fontRef idx="minor"/>
+    </dgm:style>
+  </dgm:styleLbl>
+  <dgm:styleLbl name="solidFgAcc1">
+    <dgm:scene3d>
+      <a:camera prst="orthographicFront"/>
+      <a:lightRig rig="threePt" dir="t"/>
+    </dgm:scene3d>
+    <dgm:sp3d/>
+    <dgm:txPr/>
+    <dgm:style>
+      <a:lnRef idx="1">
+        <a:scrgbClr r="0" g="0" b="0"/>
+      </a:lnRef>
+      <a:fillRef idx="1">
+        <a:scrgbClr r="0" g="0" b="0"/>
+      </a:fillRef>
+      <a:effectRef idx="2">
+        <a:scrgbClr r="0" g="0" b="0"/>
+      </a:effectRef>
+      <a:fontRef idx="minor"/>
+    </dgm:style>
+  </dgm:styleLbl>
+  <dgm:styleLbl name="solidAlignAcc1">
+    <dgm:scene3d>
+      <a:camera prst="orthographicFront"/>
+      <a:lightRig rig="threePt" dir="t"/>
+    </dgm:scene3d>
+    <dgm:sp3d/>
+    <dgm:txPr/>
+    <dgm:style>
+      <a:lnRef idx="1">
+        <a:scrgbClr r="0" g="0" b="0"/>
+      </a:lnRef>
+      <a:fillRef idx="1">
+        <a:scrgbClr r="0" g="0" b="0"/>
+      </a:fillRef>
+      <a:effectRef idx="3">
+        <a:scrgbClr r="0" g="0" b="0"/>
+      </a:effectRef>
+      <a:fontRef idx="minor"/>
+    </dgm:style>
+  </dgm:styleLbl>
+  <dgm:styleLbl name="solidBgAcc1">
+    <dgm:scene3d>
+      <a:camera prst="orthographicFront"/>
+      <a:lightRig rig="threePt" dir="t"/>
+    </dgm:scene3d>
+    <dgm:sp3d/>
+    <dgm:txPr/>
+    <dgm:style>
+      <a:lnRef idx="1">
+        <a:scrgbClr r="0" g="0" b="0"/>
+      </a:lnRef>
+      <a:fillRef idx="1">
+        <a:scrgbClr r="0" g="0" b="0"/>
+      </a:fillRef>
+      <a:effectRef idx="3">
+        <a:scrgbClr r="0" g="0" b="0"/>
+      </a:effectRef>
+      <a:fontRef idx="minor"/>
+    </dgm:style>
+  </dgm:styleLbl>
+  <dgm:styleLbl name="fgAccFollowNode1">
+    <dgm:scene3d>
+      <a:camera prst="orthographicFront"/>
+      <a:lightRig rig="threePt" dir="t"/>
+    </dgm:scene3d>
+    <dgm:sp3d/>
+    <dgm:txPr/>
+    <dgm:style>
+      <a:lnRef idx="1">
+        <a:scrgbClr r="0" g="0" b="0"/>
+      </a:lnRef>
+      <a:fillRef idx="1">
+        <a:scrgbClr r="0" g="0" b="0"/>
+      </a:fillRef>
+      <a:effectRef idx="2">
+        <a:scrgbClr r="0" g="0" b="0"/>
+      </a:effectRef>
+      <a:fontRef idx="minor"/>
+    </dgm:style>
+  </dgm:styleLbl>
+  <dgm:styleLbl name="alignAccFollowNode1">
+    <dgm:scene3d>
+      <a:camera prst="orthographicFront"/>
+      <a:lightRig rig="threePt" dir="t"/>
+    </dgm:scene3d>
+    <dgm:sp3d/>
+    <dgm:txPr/>
+    <dgm:style>
+      <a:lnRef idx="1">
+        <a:scrgbClr r="0" g="0" b="0"/>
+      </a:lnRef>
+      <a:fillRef idx="1">
+        <a:scrgbClr r="0" g="0" b="0"/>
+      </a:fillRef>
+      <a:effectRef idx="2">
+        <a:scrgbClr r="0" g="0" b="0"/>
+      </a:effectRef>
+      <a:fontRef idx="minor"/>
+    </dgm:style>
+  </dgm:styleLbl>
+  <dgm:styleLbl name="bgAccFollowNode1">
+    <dgm:scene3d>
+      <a:camera prst="orthographicFront"/>
+      <a:lightRig rig="threePt" dir="t"/>
+    </dgm:scene3d>
+    <dgm:sp3d/>
+    <dgm:txPr/>
+    <dgm:style>
+      <a:lnRef idx="1">
+        <a:scrgbClr r="0" g="0" b="0"/>
+      </a:lnRef>
+      <a:fillRef idx="1">
+        <a:scrgbClr r="0" g="0" b="0"/>
+      </a:fillRef>
+      <a:effectRef idx="2">
+        <a:scrgbClr r="0" g="0" b="0"/>
+      </a:effectRef>
+      <a:fontRef idx="minor"/>
+    </dgm:style>
+  </dgm:styleLbl>
+  <dgm:styleLbl name="fgAcc0">
+    <dgm:scene3d>
+      <a:camera prst="orthographicFront"/>
+      <a:lightRig rig="threePt" dir="t"/>
+    </dgm:scene3d>
+    <dgm:sp3d/>
+    <dgm:txPr/>
+    <dgm:style>
+      <a:lnRef idx="1">
+        <a:scrgbClr r="0" g="0" b="0"/>
+      </a:lnRef>
+      <a:fillRef idx="1">
+        <a:scrgbClr r="0" g="0" b="0"/>
+      </a:fillRef>
+      <a:effectRef idx="2">
+        <a:scrgbClr r="0" g="0" b="0"/>
+      </a:effectRef>
+      <a:fontRef idx="minor"/>
+    </dgm:style>
+  </dgm:styleLbl>
+  <dgm:styleLbl name="fgAcc2">
+    <dgm:scene3d>
+      <a:camera prst="orthographicFront"/>
+      <a:lightRig rig="threePt" dir="t"/>
+    </dgm:scene3d>
+    <dgm:sp3d/>
+    <dgm:txPr/>
+    <dgm:style>
+      <a:lnRef idx="1">
+        <a:scrgbClr r="0" g="0" b="0"/>
+      </a:lnRef>
+      <a:fillRef idx="1">
+        <a:scrgbClr r="0" g="0" b="0"/>
+      </a:fillRef>
+      <a:effectRef idx="2">
+        <a:scrgbClr r="0" g="0" b="0"/>
+      </a:effectRef>
+      <a:fontRef idx="minor"/>
+    </dgm:style>
+  </dgm:styleLbl>
+  <dgm:styleLbl name="fgAcc3">
+    <dgm:scene3d>
+      <a:camera prst="orthographicFront"/>
+      <a:lightRig rig="threePt" dir="t"/>
+    </dgm:scene3d>
+    <dgm:sp3d/>
+    <dgm:txPr/>
+    <dgm:style>
+      <a:lnRef idx="1">
+        <a:scrgbClr r="0" g="0" b="0"/>
+      </a:lnRef>
+      <a:fillRef idx="1">
+        <a:scrgbClr r="0" g="0" b="0"/>
+      </a:fillRef>
+      <a:effectRef idx="2">
+        <a:scrgbClr r="0" g="0" b="0"/>
+      </a:effectRef>
+      <a:fontRef idx="minor"/>
+    </dgm:style>
+  </dgm:styleLbl>
+  <dgm:styleLbl name="fgAcc4">
+    <dgm:scene3d>
+      <a:camera prst="orthographicFront"/>
+      <a:lightRig rig="threePt" dir="t"/>
+    </dgm:scene3d>
+    <dgm:sp3d/>
+    <dgm:txPr/>
+    <dgm:style>
+      <a:lnRef idx="1">
+        <a:scrgbClr r="0" g="0" b="0"/>
+      </a:lnRef>
+      <a:fillRef idx="1">
+        <a:scrgbClr r="0" g="0" b="0"/>
+      </a:fillRef>
+      <a:effectRef idx="2">
+        <a:scrgbClr r="0" g="0" b="0"/>
+      </a:effectRef>
+      <a:fontRef idx="minor"/>
+    </dgm:style>
+  </dgm:styleLbl>
+  <dgm:styleLbl name="bgShp">
+    <dgm:scene3d>
+      <a:camera prst="orthographicFront"/>
+      <a:lightRig rig="threePt" dir="t"/>
+    </dgm:scene3d>
+    <dgm:sp3d/>
+    <dgm:txPr/>
+    <dgm:style>
+      <a:lnRef idx="0">
+        <a:scrgbClr r="0" g="0" b="0"/>
+      </a:lnRef>
+      <a:fillRef idx="1">
+        <a:scrgbClr r="0" g="0" b="0"/>
+      </a:fillRef>
+      <a:effectRef idx="2">
+        <a:scrgbClr r="0" g="0" b="0"/>
+      </a:effectRef>
+      <a:fontRef idx="minor"/>
+    </dgm:style>
+  </dgm:styleLbl>
+  <dgm:styleLbl name="dkBgShp">
+    <dgm:scene3d>
+      <a:camera prst="orthographicFront"/>
+      <a:lightRig rig="threePt" dir="t"/>
+    </dgm:scene3d>
+    <dgm:sp3d/>
+    <dgm:txPr/>
+    <dgm:style>
+      <a:lnRef idx="0">
+        <a:scrgbClr r="0" g="0" b="0"/>
+      </a:lnRef>
+      <a:fillRef idx="1">
+        <a:scrgbClr r="0" g="0" b="0"/>
+      </a:fillRef>
+      <a:effectRef idx="3">
+        <a:scrgbClr r="0" g="0" b="0"/>
+      </a:effectRef>
+      <a:fontRef idx="minor"/>
+    </dgm:style>
+  </dgm:styleLbl>
+  <dgm:styleLbl name="trBgShp">
+    <dgm:scene3d>
+      <a:camera prst="orthographicFront"/>
+      <a:lightRig rig="threePt" dir="t"/>
+    </dgm:scene3d>
+    <dgm:sp3d/>
+    <dgm:txPr/>
+    <dgm:style>
+      <a:lnRef idx="0">
+        <a:scrgbClr r="0" g="0" b="0"/>
+      </a:lnRef>
+      <a:fillRef idx="1">
+        <a:scrgbClr r="0" g="0" b="0"/>
+      </a:fillRef>
+      <a:effectRef idx="0">
+        <a:scrgbClr r="0" g="0" b="0"/>
+      </a:effectRef>
+      <a:fontRef idx="minor"/>
+    </dgm:style>
+  </dgm:styleLbl>
+  <dgm:styleLbl name="fgShp">
+    <dgm:scene3d>
+      <a:camera prst="orthographicFront"/>
+      <a:lightRig rig="threePt" dir="t"/>
+    </dgm:scene3d>
+    <dgm:sp3d/>
+    <dgm:txPr/>
+    <dgm:style>
+      <a:lnRef idx="0">
+        <a:scrgbClr r="0" g="0" b="0"/>
+      </a:lnRef>
+      <a:fillRef idx="3">
+        <a:scrgbClr r="0" g="0" b="0"/>
+      </a:fillRef>
+      <a:effectRef idx="3">
+        <a:scrgbClr r="0" g="0" b="0"/>
+      </a:effectRef>
+      <a:fontRef idx="minor"/>
+    </dgm:style>
+  </dgm:styleLbl>
+  <dgm:styleLbl name="revTx">
+    <dgm:scene3d>
+      <a:camera prst="orthographicFront"/>
+      <a:lightRig rig="threePt" dir="t"/>
+    </dgm:scene3d>
+    <dgm:sp3d/>
+    <dgm:txPr/>
+    <dgm:style>
+      <a:lnRef idx="0">
+        <a:scrgbClr r="0" g="0" b="0"/>
+      </a:lnRef>
+      <a:fillRef idx="0">
+        <a:scrgbClr r="0" g="0" b="0"/>
+      </a:fillRef>
+      <a:effectRef idx="0">
+        <a:scrgbClr r="0" g="0" b="0"/>
+      </a:effectRef>
+      <a:fontRef idx="minor"/>
+    </dgm:style>
+  </dgm:styleLbl>
+</dgm:styleDef>
+</file>
+
 <file path=ppt/slideLayouts/slideLayout1.xml><?xml version="1.0" encoding="utf-8"?>
 <p:sldLayout xmlns:a="http://schemas.openxmlformats.org/drawingml/2006/main" xmlns:r="http://schemas.openxmlformats.org/officeDocument/2006/relationships" xmlns:p="http://schemas.openxmlformats.org/presentationml/2006/main" type="title" preserve="1">
   <p:cSld name="Title Slide">
@@ -269,7 +3576,7 @@
           <a:p>
             <a:fld id="{D7EE5B6A-E6A7-4CF6-8E18-CD9BC4991183}" type="datetimeFigureOut">
               <a:rPr lang="en-US" smtClean="0"/>
-              <a:t>5/20/2020</a:t>
+              <a:t>5/22/2020</a:t>
             </a:fld>
             <a:endParaRPr lang="en-US"/>
           </a:p>
@@ -467,7 +3774,7 @@
           <a:p>
             <a:fld id="{D7EE5B6A-E6A7-4CF6-8E18-CD9BC4991183}" type="datetimeFigureOut">
               <a:rPr lang="en-US" smtClean="0"/>
-              <a:t>5/20/2020</a:t>
+              <a:t>5/22/2020</a:t>
             </a:fld>
             <a:endParaRPr lang="en-US"/>
           </a:p>
@@ -675,7 +3982,7 @@
           <a:p>
             <a:fld id="{D7EE5B6A-E6A7-4CF6-8E18-CD9BC4991183}" type="datetimeFigureOut">
               <a:rPr lang="en-US" smtClean="0"/>
-              <a:t>5/20/2020</a:t>
+              <a:t>5/22/2020</a:t>
             </a:fld>
             <a:endParaRPr lang="en-US"/>
           </a:p>
@@ -873,7 +4180,7 @@
           <a:p>
             <a:fld id="{D7EE5B6A-E6A7-4CF6-8E18-CD9BC4991183}" type="datetimeFigureOut">
               <a:rPr lang="en-US" smtClean="0"/>
-              <a:t>5/20/2020</a:t>
+              <a:t>5/22/2020</a:t>
             </a:fld>
             <a:endParaRPr lang="en-US"/>
           </a:p>
@@ -1148,7 +4455,7 @@
           <a:p>
             <a:fld id="{D7EE5B6A-E6A7-4CF6-8E18-CD9BC4991183}" type="datetimeFigureOut">
               <a:rPr lang="en-US" smtClean="0"/>
-              <a:t>5/20/2020</a:t>
+              <a:t>5/22/2020</a:t>
             </a:fld>
             <a:endParaRPr lang="en-US"/>
           </a:p>
@@ -1413,7 +4720,7 @@
           <a:p>
             <a:fld id="{D7EE5B6A-E6A7-4CF6-8E18-CD9BC4991183}" type="datetimeFigureOut">
               <a:rPr lang="en-US" smtClean="0"/>
-              <a:t>5/20/2020</a:t>
+              <a:t>5/22/2020</a:t>
             </a:fld>
             <a:endParaRPr lang="en-US"/>
           </a:p>
@@ -1825,7 +5132,7 @@
           <a:p>
             <a:fld id="{D7EE5B6A-E6A7-4CF6-8E18-CD9BC4991183}" type="datetimeFigureOut">
               <a:rPr lang="en-US" smtClean="0"/>
-              <a:t>5/20/2020</a:t>
+              <a:t>5/22/2020</a:t>
             </a:fld>
             <a:endParaRPr lang="en-US"/>
           </a:p>
@@ -1966,7 +5273,7 @@
           <a:p>
             <a:fld id="{D7EE5B6A-E6A7-4CF6-8E18-CD9BC4991183}" type="datetimeFigureOut">
               <a:rPr lang="en-US" smtClean="0"/>
-              <a:t>5/20/2020</a:t>
+              <a:t>5/22/2020</a:t>
             </a:fld>
             <a:endParaRPr lang="en-US"/>
           </a:p>
@@ -2079,7 +5386,7 @@
           <a:p>
             <a:fld id="{D7EE5B6A-E6A7-4CF6-8E18-CD9BC4991183}" type="datetimeFigureOut">
               <a:rPr lang="en-US" smtClean="0"/>
-              <a:t>5/20/2020</a:t>
+              <a:t>5/22/2020</a:t>
             </a:fld>
             <a:endParaRPr lang="en-US"/>
           </a:p>
@@ -2390,7 +5697,7 @@
           <a:p>
             <a:fld id="{D7EE5B6A-E6A7-4CF6-8E18-CD9BC4991183}" type="datetimeFigureOut">
               <a:rPr lang="en-US" smtClean="0"/>
-              <a:t>5/20/2020</a:t>
+              <a:t>5/22/2020</a:t>
             </a:fld>
             <a:endParaRPr lang="en-US"/>
           </a:p>
@@ -2678,7 +5985,7 @@
           <a:p>
             <a:fld id="{D7EE5B6A-E6A7-4CF6-8E18-CD9BC4991183}" type="datetimeFigureOut">
               <a:rPr lang="en-US" smtClean="0"/>
-              <a:t>5/20/2020</a:t>
+              <a:t>5/22/2020</a:t>
             </a:fld>
             <a:endParaRPr lang="en-US"/>
           </a:p>
@@ -2919,7 +6226,7 @@
           <a:p>
             <a:fld id="{D7EE5B6A-E6A7-4CF6-8E18-CD9BC4991183}" type="datetimeFigureOut">
               <a:rPr lang="en-US" smtClean="0"/>
-              <a:t>5/20/2020</a:t>
+              <a:t>5/22/2020</a:t>
             </a:fld>
             <a:endParaRPr lang="en-US"/>
           </a:p>
@@ -3565,19 +6872,19 @@
         </p:nvSpPr>
         <p:spPr>
           <a:xfrm>
-            <a:off x="4966817" y="2385238"/>
-            <a:ext cx="2258361" cy="1398972"/>
+            <a:off x="4851469" y="2729514"/>
+            <a:ext cx="2489060" cy="1398972"/>
           </a:xfrm>
         </p:spPr>
         <p:txBody>
           <a:bodyPr>
-            <a:normAutofit/>
+            <a:noAutofit/>
           </a:bodyPr>
           <a:lstStyle/>
           <a:p>
             <a:pPr algn="ctr"/>
             <a:r>
-              <a:rPr lang="tr-TR" sz="7200" dirty="0">
+              <a:rPr lang="tr-TR" sz="8000" dirty="0">
                 <a:solidFill>
                   <a:srgbClr val="FFFFFF"/>
                 </a:solidFill>
@@ -3586,7 +6893,7 @@
               </a:rPr>
               <a:t>POF</a:t>
             </a:r>
-            <a:endParaRPr lang="en-US" sz="7200" dirty="0">
+            <a:endParaRPr lang="en-US" sz="8000" dirty="0">
               <a:solidFill>
                 <a:srgbClr val="FFFFFF"/>
               </a:solidFill>
@@ -3614,8 +6921,8 @@
         </p:nvSpPr>
         <p:spPr>
           <a:xfrm>
-            <a:off x="3908472" y="4117854"/>
-            <a:ext cx="4375053" cy="594823"/>
+            <a:off x="3949502" y="4128486"/>
+            <a:ext cx="4292993" cy="594823"/>
           </a:xfrm>
         </p:spPr>
         <p:txBody>
@@ -3628,9 +6935,11 @@
               <a:buNone/>
             </a:pPr>
             <a:r>
-              <a:rPr lang="tr-TR" sz="2400" dirty="0" err="1">
-                <a:solidFill>
-                  <a:schemeClr val="tx2"/>
+              <a:rPr lang="en-US" sz="2400" dirty="0">
+                <a:solidFill>
+                  <a:schemeClr val="tx1">
+                    <a:lumMod val="75000"/>
+                  </a:schemeClr>
                 </a:solidFill>
                 <a:latin typeface="Arial" panose="020B0604020202020204" pitchFamily="34" charset="0"/>
                 <a:cs typeface="Arial" panose="020B0604020202020204" pitchFamily="34" charset="0"/>
@@ -3640,7 +6949,9 @@
             <a:r>
               <a:rPr lang="tr-TR" sz="2400" dirty="0">
                 <a:solidFill>
-                  <a:schemeClr val="tx2"/>
+                  <a:schemeClr val="tx1">
+                    <a:lumMod val="75000"/>
+                  </a:schemeClr>
                 </a:solidFill>
                 <a:latin typeface="Arial" panose="020B0604020202020204" pitchFamily="34" charset="0"/>
                 <a:cs typeface="Arial" panose="020B0604020202020204" pitchFamily="34" charset="0"/>
@@ -3648,9 +6959,11 @@
               <a:t> </a:t>
             </a:r>
             <a:r>
-              <a:rPr lang="tr-TR" sz="2400" dirty="0" err="1">
-                <a:solidFill>
-                  <a:schemeClr val="tx2"/>
+              <a:rPr lang="en-US" sz="2400" dirty="0">
+                <a:solidFill>
+                  <a:schemeClr val="tx1">
+                    <a:lumMod val="75000"/>
+                  </a:schemeClr>
                 </a:solidFill>
                 <a:latin typeface="Arial" panose="020B0604020202020204" pitchFamily="34" charset="0"/>
                 <a:cs typeface="Arial" panose="020B0604020202020204" pitchFamily="34" charset="0"/>
@@ -3660,7 +6973,9 @@
             <a:r>
               <a:rPr lang="tr-TR" sz="2400" dirty="0">
                 <a:solidFill>
-                  <a:schemeClr val="tx2"/>
+                  <a:schemeClr val="tx1">
+                    <a:lumMod val="75000"/>
+                  </a:schemeClr>
                 </a:solidFill>
                 <a:latin typeface="Arial" panose="020B0604020202020204" pitchFamily="34" charset="0"/>
                 <a:cs typeface="Arial" panose="020B0604020202020204" pitchFamily="34" charset="0"/>
@@ -3668,27 +6983,24 @@
               <a:t> </a:t>
             </a:r>
             <a:r>
-              <a:rPr lang="tr-TR" sz="2400" dirty="0" err="1">
-                <a:solidFill>
-                  <a:schemeClr val="tx2"/>
+              <a:rPr lang="en-US" sz="2400" dirty="0">
+                <a:solidFill>
+                  <a:schemeClr val="tx1">
+                    <a:lumMod val="75000"/>
+                  </a:schemeClr>
                 </a:solidFill>
                 <a:latin typeface="Arial" panose="020B0604020202020204" pitchFamily="34" charset="0"/>
                 <a:cs typeface="Arial" panose="020B0604020202020204" pitchFamily="34" charset="0"/>
               </a:rPr>
               <a:t>Fluids</a:t>
             </a:r>
+          </a:p>
+          <a:p>
             <a:endParaRPr lang="en-US" sz="2400" dirty="0">
               <a:solidFill>
-                <a:schemeClr val="tx2"/>
-              </a:solidFill>
-              <a:latin typeface="Arial" panose="020B0604020202020204" pitchFamily="34" charset="0"/>
-              <a:cs typeface="Arial" panose="020B0604020202020204" pitchFamily="34" charset="0"/>
-            </a:endParaRPr>
-          </a:p>
-          <a:p>
-            <a:endParaRPr lang="en-US" sz="2400" dirty="0">
-              <a:solidFill>
-                <a:srgbClr val="FFFFFF"/>
+                <a:schemeClr val="tx1">
+                  <a:lumMod val="75000"/>
+                </a:schemeClr>
               </a:solidFill>
             </a:endParaRPr>
           </a:p>
@@ -3988,13 +7300,13 @@
         </p:nvSpPr>
         <p:spPr>
           <a:xfrm>
-            <a:off x="5898875" y="492369"/>
-            <a:ext cx="5286767" cy="3401842"/>
+            <a:off x="6082111" y="934229"/>
+            <a:ext cx="5857027" cy="2194561"/>
           </a:xfrm>
         </p:spPr>
         <p:txBody>
           <a:bodyPr anchor="ctr">
-            <a:normAutofit/>
+            <a:noAutofit/>
           </a:bodyPr>
           <a:lstStyle/>
           <a:p>
@@ -4007,135 +7319,218 @@
               </a:spcAft>
             </a:pPr>
             <a:r>
-              <a:rPr lang="en-GB" sz="1800" dirty="0">
+              <a:rPr lang="tr-TR" sz="2400" dirty="0">
                 <a:effectLst/>
                 <a:latin typeface="Times New Roman" panose="02020603050405020304" pitchFamily="18" charset="0"/>
                 <a:ea typeface="Calibri" panose="020F0502020204030204" pitchFamily="34" charset="0"/>
                 <a:cs typeface="Times New Roman" panose="02020603050405020304" pitchFamily="18" charset="0"/>
               </a:rPr>
-              <a:t>The surplus of particles in a simulation can be a computational hardship for the computer. We implement various methods to get better results by doing research. POF project concentrates on solving computational difficulty problems by increasing performance and efficiency. POF makes easier to simulate with higher quantities of particles or getting better results with the same number of particles by using the hash algorithm and surface particle recognition algorithm.</a:t>
-            </a:r>
-            <a:endParaRPr lang="en-US" sz="1800" dirty="0">
-              <a:effectLst/>
-              <a:latin typeface="Times New Roman" panose="02020603050405020304" pitchFamily="18" charset="0"/>
-              <a:ea typeface="Calibri" panose="020F0502020204030204" pitchFamily="34" charset="0"/>
-              <a:cs typeface="Times New Roman" panose="02020603050405020304" pitchFamily="18" charset="0"/>
-            </a:endParaRPr>
-          </a:p>
-        </p:txBody>
-      </p:sp>
-      <p:sp>
-        <p:nvSpPr>
-          <p:cNvPr id="4" name="TextBox 3">
-            <a:extLst>
-              <a:ext uri="{FF2B5EF4-FFF2-40B4-BE49-F238E27FC236}">
-                <a16:creationId xmlns:a16="http://schemas.microsoft.com/office/drawing/2014/main" id="{DCB59CC2-F960-4D36-AF65-56E598EEBF92}"/>
-              </a:ext>
-            </a:extLst>
-          </p:cNvPr>
-          <p:cNvSpPr txBox="1"/>
-          <p:nvPr/>
-        </p:nvSpPr>
-        <p:spPr>
-          <a:xfrm>
-            <a:off x="6082111" y="5042118"/>
-            <a:ext cx="6109888" cy="1815882"/>
-          </a:xfrm>
-          <a:prstGeom prst="rect">
-            <a:avLst/>
-          </a:prstGeom>
-          <a:noFill/>
-        </p:spPr>
-        <p:txBody>
-          <a:bodyPr wrap="square" rtlCol="0">
-            <a:spAutoFit/>
-          </a:bodyPr>
-          <a:lstStyle/>
-          <a:p>
-            <a:r>
-              <a:rPr lang="tr-TR" sz="1400" b="1" dirty="0" err="1">
-                <a:latin typeface="Times New Roman" panose="02020603050405020304" pitchFamily="18" charset="0"/>
-                <a:cs typeface="Times New Roman" panose="02020603050405020304" pitchFamily="18" charset="0"/>
-              </a:rPr>
-              <a:t>References</a:t>
-            </a:r>
-            <a:endParaRPr lang="tr-TR" sz="1400" b="1" dirty="0">
-              <a:latin typeface="Times New Roman" panose="02020603050405020304" pitchFamily="18" charset="0"/>
-              <a:cs typeface="Times New Roman" panose="02020603050405020304" pitchFamily="18" charset="0"/>
-            </a:endParaRPr>
-          </a:p>
-          <a:p>
-            <a:endParaRPr lang="tr-TR" sz="1400" dirty="0">
-              <a:latin typeface="Times New Roman" panose="02020603050405020304" pitchFamily="18" charset="0"/>
-              <a:cs typeface="Times New Roman" panose="02020603050405020304" pitchFamily="18" charset="0"/>
-            </a:endParaRPr>
-          </a:p>
-          <a:p>
-            <a:r>
-              <a:rPr lang="en-US" sz="1400" dirty="0">
-                <a:latin typeface="Times New Roman" panose="02020603050405020304" pitchFamily="18" charset="0"/>
-                <a:cs typeface="Times New Roman" panose="02020603050405020304" pitchFamily="18" charset="0"/>
-              </a:rPr>
-              <a:t>1-) [AIA12] Akinci, G., </a:t>
-            </a:r>
-            <a:r>
-              <a:rPr lang="en-US" sz="1400" dirty="0" err="1">
-                <a:latin typeface="Times New Roman" panose="02020603050405020304" pitchFamily="18" charset="0"/>
-                <a:cs typeface="Times New Roman" panose="02020603050405020304" pitchFamily="18" charset="0"/>
-              </a:rPr>
-              <a:t>Ihmsen</a:t>
-            </a:r>
-            <a:r>
-              <a:rPr lang="en-US" sz="1400" dirty="0">
-                <a:latin typeface="Times New Roman" panose="02020603050405020304" pitchFamily="18" charset="0"/>
-                <a:cs typeface="Times New Roman" panose="02020603050405020304" pitchFamily="18" charset="0"/>
-              </a:rPr>
-              <a:t>, M., Akinci, N. and </a:t>
-            </a:r>
-            <a:r>
-              <a:rPr lang="en-US" sz="1400" dirty="0" err="1">
-                <a:latin typeface="Times New Roman" panose="02020603050405020304" pitchFamily="18" charset="0"/>
-                <a:cs typeface="Times New Roman" panose="02020603050405020304" pitchFamily="18" charset="0"/>
-              </a:rPr>
-              <a:t>Teschner</a:t>
-            </a:r>
-            <a:r>
-              <a:rPr lang="en-US" sz="1400" dirty="0">
-                <a:latin typeface="Times New Roman" panose="02020603050405020304" pitchFamily="18" charset="0"/>
-                <a:cs typeface="Times New Roman" panose="02020603050405020304" pitchFamily="18" charset="0"/>
-              </a:rPr>
-              <a:t>, M. (2012). Parallel Surface Reconstruction for Particle‐Based Fluids. Computer Graphics Forum, 31, 1797-1809.</a:t>
-            </a:r>
-            <a:endParaRPr lang="tr-TR" sz="1400" dirty="0">
-              <a:latin typeface="Times New Roman" panose="02020603050405020304" pitchFamily="18" charset="0"/>
-              <a:cs typeface="Times New Roman" panose="02020603050405020304" pitchFamily="18" charset="0"/>
-            </a:endParaRPr>
-          </a:p>
-          <a:p>
-            <a:r>
-              <a:rPr lang="tr-TR" sz="1400" dirty="0">
-                <a:latin typeface="Times New Roman" panose="02020603050405020304" pitchFamily="18" charset="0"/>
-                <a:cs typeface="Times New Roman" panose="02020603050405020304" pitchFamily="18" charset="0"/>
-              </a:rPr>
-              <a:t>2</a:t>
-            </a:r>
-            <a:r>
-              <a:rPr lang="en-US" sz="1400" dirty="0">
-                <a:latin typeface="Times New Roman" panose="02020603050405020304" pitchFamily="18" charset="0"/>
-                <a:cs typeface="Times New Roman" panose="02020603050405020304" pitchFamily="18" charset="0"/>
-              </a:rPr>
-              <a:t>-) ZB05] Zhu, Y., &amp; Bridson, R. (2005). Animating sand as a fluid. (New York, NY, USA, 2005) ACM Trans. Graph., 24, 965-972.</a:t>
-            </a:r>
-            <a:endParaRPr lang="tr-TR" sz="1400" dirty="0">
-              <a:latin typeface="Times New Roman" panose="02020603050405020304" pitchFamily="18" charset="0"/>
-              <a:cs typeface="Times New Roman" panose="02020603050405020304" pitchFamily="18" charset="0"/>
-            </a:endParaRPr>
-          </a:p>
-          <a:p>
-            <a:endParaRPr lang="en-US" sz="1400" dirty="0">
-              <a:latin typeface="Times New Roman" panose="02020603050405020304" pitchFamily="18" charset="0"/>
-              <a:cs typeface="Times New Roman" panose="02020603050405020304" pitchFamily="18" charset="0"/>
-            </a:endParaRPr>
+              <a:t>P</a:t>
+            </a:r>
+            <a:r>
+              <a:rPr lang="en-US" sz="2400" dirty="0" err="1">
+                <a:effectLst/>
+                <a:latin typeface="Times New Roman" panose="02020603050405020304" pitchFamily="18" charset="0"/>
+                <a:ea typeface="Calibri" panose="020F0502020204030204" pitchFamily="34" charset="0"/>
+                <a:cs typeface="Times New Roman" panose="02020603050405020304" pitchFamily="18" charset="0"/>
+              </a:rPr>
+              <a:t>repared</a:t>
+            </a:r>
+            <a:r>
+              <a:rPr lang="en-US" sz="2400" dirty="0">
+                <a:effectLst/>
+                <a:latin typeface="Times New Roman" panose="02020603050405020304" pitchFamily="18" charset="0"/>
+                <a:ea typeface="Calibri" panose="020F0502020204030204" pitchFamily="34" charset="0"/>
+                <a:cs typeface="Times New Roman" panose="02020603050405020304" pitchFamily="18" charset="0"/>
+              </a:rPr>
+              <a:t> a test environment </a:t>
+            </a:r>
+            <a:r>
+              <a:rPr lang="tr-TR" sz="2400" dirty="0" err="1">
+                <a:effectLst/>
+                <a:latin typeface="Times New Roman" panose="02020603050405020304" pitchFamily="18" charset="0"/>
+                <a:ea typeface="Calibri" panose="020F0502020204030204" pitchFamily="34" charset="0"/>
+                <a:cs typeface="Times New Roman" panose="02020603050405020304" pitchFamily="18" charset="0"/>
+              </a:rPr>
+              <a:t>for</a:t>
+            </a:r>
+            <a:r>
+              <a:rPr lang="en-US" sz="2400" dirty="0">
+                <a:effectLst/>
+                <a:latin typeface="Times New Roman" panose="02020603050405020304" pitchFamily="18" charset="0"/>
+                <a:ea typeface="Calibri" panose="020F0502020204030204" pitchFamily="34" charset="0"/>
+                <a:cs typeface="Times New Roman" panose="02020603050405020304" pitchFamily="18" charset="0"/>
+              </a:rPr>
+              <a:t> other algorithms</a:t>
+            </a:r>
+            <a:r>
+              <a:rPr lang="tr-TR" sz="2400" dirty="0">
+                <a:latin typeface="Times New Roman" panose="02020603050405020304" pitchFamily="18" charset="0"/>
+                <a:ea typeface="Calibri" panose="020F0502020204030204" pitchFamily="34" charset="0"/>
+                <a:cs typeface="Times New Roman" panose="02020603050405020304" pitchFamily="18" charset="0"/>
+              </a:rPr>
+              <a:t> </a:t>
+            </a:r>
+            <a:r>
+              <a:rPr lang="tr-TR" sz="2400" dirty="0" err="1">
+                <a:latin typeface="Times New Roman" panose="02020603050405020304" pitchFamily="18" charset="0"/>
+                <a:ea typeface="Calibri" panose="020F0502020204030204" pitchFamily="34" charset="0"/>
+                <a:cs typeface="Times New Roman" panose="02020603050405020304" pitchFamily="18" charset="0"/>
+              </a:rPr>
+              <a:t>to</a:t>
+            </a:r>
+            <a:r>
+              <a:rPr lang="tr-TR" sz="2400" dirty="0">
+                <a:latin typeface="Times New Roman" panose="02020603050405020304" pitchFamily="18" charset="0"/>
+                <a:ea typeface="Calibri" panose="020F0502020204030204" pitchFamily="34" charset="0"/>
+                <a:cs typeface="Times New Roman" panose="02020603050405020304" pitchFamily="18" charset="0"/>
+              </a:rPr>
+              <a:t> </a:t>
+            </a:r>
+            <a:r>
+              <a:rPr lang="tr-TR" sz="2400" dirty="0" err="1">
+                <a:latin typeface="Times New Roman" panose="02020603050405020304" pitchFamily="18" charset="0"/>
+                <a:ea typeface="Calibri" panose="020F0502020204030204" pitchFamily="34" charset="0"/>
+                <a:cs typeface="Times New Roman" panose="02020603050405020304" pitchFamily="18" charset="0"/>
+              </a:rPr>
+              <a:t>compare</a:t>
+            </a:r>
+            <a:r>
+              <a:rPr lang="tr-TR" sz="2400" dirty="0">
+                <a:effectLst/>
+                <a:latin typeface="Times New Roman" panose="02020603050405020304" pitchFamily="18" charset="0"/>
+                <a:ea typeface="Calibri" panose="020F0502020204030204" pitchFamily="34" charset="0"/>
+                <a:cs typeface="Times New Roman" panose="02020603050405020304" pitchFamily="18" charset="0"/>
+              </a:rPr>
+              <a:t>.</a:t>
+            </a:r>
+          </a:p>
+          <a:p>
+            <a:pPr>
+              <a:lnSpc>
+                <a:spcPct val="107000"/>
+              </a:lnSpc>
+              <a:spcAft>
+                <a:spcPts val="800"/>
+              </a:spcAft>
+            </a:pPr>
+            <a:r>
+              <a:rPr lang="tr-TR" sz="2400" dirty="0" err="1">
+                <a:effectLst/>
+                <a:latin typeface="Times New Roman" panose="02020603050405020304" pitchFamily="18" charset="0"/>
+                <a:ea typeface="Calibri" panose="020F0502020204030204" pitchFamily="34" charset="0"/>
+                <a:cs typeface="Times New Roman" panose="02020603050405020304" pitchFamily="18" charset="0"/>
+              </a:rPr>
+              <a:t>Implemented</a:t>
+            </a:r>
+            <a:r>
+              <a:rPr lang="tr-TR" sz="2400" dirty="0">
+                <a:effectLst/>
+                <a:latin typeface="Times New Roman" panose="02020603050405020304" pitchFamily="18" charset="0"/>
+                <a:ea typeface="Calibri" panose="020F0502020204030204" pitchFamily="34" charset="0"/>
+                <a:cs typeface="Times New Roman" panose="02020603050405020304" pitchFamily="18" charset="0"/>
+              </a:rPr>
+              <a:t> v</a:t>
+            </a:r>
+            <a:r>
+              <a:rPr lang="en-US" sz="2400" dirty="0" err="1">
+                <a:effectLst/>
+                <a:latin typeface="Times New Roman" panose="02020603050405020304" pitchFamily="18" charset="0"/>
+                <a:ea typeface="Calibri" panose="020F0502020204030204" pitchFamily="34" charset="0"/>
+                <a:cs typeface="Times New Roman" panose="02020603050405020304" pitchFamily="18" charset="0"/>
+              </a:rPr>
+              <a:t>arious</a:t>
+            </a:r>
+            <a:r>
+              <a:rPr lang="en-US" sz="2400" dirty="0">
+                <a:effectLst/>
+                <a:latin typeface="Times New Roman" panose="02020603050405020304" pitchFamily="18" charset="0"/>
+                <a:ea typeface="Calibri" panose="020F0502020204030204" pitchFamily="34" charset="0"/>
+                <a:cs typeface="Times New Roman" panose="02020603050405020304" pitchFamily="18" charset="0"/>
+              </a:rPr>
+              <a:t> methods </a:t>
+            </a:r>
+            <a:r>
+              <a:rPr lang="tr-TR" sz="2400" dirty="0">
+                <a:effectLst/>
+                <a:latin typeface="Times New Roman" panose="02020603050405020304" pitchFamily="18" charset="0"/>
+                <a:ea typeface="Calibri" panose="020F0502020204030204" pitchFamily="34" charset="0"/>
+                <a:cs typeface="Times New Roman" panose="02020603050405020304" pitchFamily="18" charset="0"/>
+              </a:rPr>
+              <a:t>: Hash </a:t>
+            </a:r>
+            <a:r>
+              <a:rPr lang="tr-TR" sz="2400" dirty="0" err="1">
+                <a:effectLst/>
+                <a:latin typeface="Times New Roman" panose="02020603050405020304" pitchFamily="18" charset="0"/>
+                <a:ea typeface="Calibri" panose="020F0502020204030204" pitchFamily="34" charset="0"/>
+                <a:cs typeface="Times New Roman" panose="02020603050405020304" pitchFamily="18" charset="0"/>
+              </a:rPr>
+              <a:t>algorithm</a:t>
+            </a:r>
+            <a:r>
+              <a:rPr lang="tr-TR" sz="2400" dirty="0">
+                <a:effectLst/>
+                <a:latin typeface="Times New Roman" panose="02020603050405020304" pitchFamily="18" charset="0"/>
+                <a:ea typeface="Calibri" panose="020F0502020204030204" pitchFamily="34" charset="0"/>
+                <a:cs typeface="Times New Roman" panose="02020603050405020304" pitchFamily="18" charset="0"/>
+              </a:rPr>
+              <a:t>, </a:t>
+            </a:r>
+            <a:r>
+              <a:rPr lang="tr-TR" sz="2400" dirty="0" err="1">
+                <a:effectLst/>
+                <a:latin typeface="Times New Roman" panose="02020603050405020304" pitchFamily="18" charset="0"/>
+                <a:ea typeface="Calibri" panose="020F0502020204030204" pitchFamily="34" charset="0"/>
+                <a:cs typeface="Times New Roman" panose="02020603050405020304" pitchFamily="18" charset="0"/>
+              </a:rPr>
+              <a:t>Surface</a:t>
+            </a:r>
+            <a:r>
+              <a:rPr lang="tr-TR" sz="2400" dirty="0">
+                <a:effectLst/>
+                <a:latin typeface="Times New Roman" panose="02020603050405020304" pitchFamily="18" charset="0"/>
+                <a:ea typeface="Calibri" panose="020F0502020204030204" pitchFamily="34" charset="0"/>
+                <a:cs typeface="Times New Roman" panose="02020603050405020304" pitchFamily="18" charset="0"/>
+              </a:rPr>
+              <a:t> </a:t>
+            </a:r>
+            <a:r>
+              <a:rPr lang="tr-TR" sz="2400" dirty="0" err="1">
+                <a:effectLst/>
+                <a:latin typeface="Times New Roman" panose="02020603050405020304" pitchFamily="18" charset="0"/>
+                <a:ea typeface="Calibri" panose="020F0502020204030204" pitchFamily="34" charset="0"/>
+                <a:cs typeface="Times New Roman" panose="02020603050405020304" pitchFamily="18" charset="0"/>
+              </a:rPr>
+              <a:t>Recognition</a:t>
+            </a:r>
+            <a:r>
+              <a:rPr lang="tr-TR" sz="2400" dirty="0">
+                <a:effectLst/>
+                <a:latin typeface="Times New Roman" panose="02020603050405020304" pitchFamily="18" charset="0"/>
+                <a:ea typeface="Calibri" panose="020F0502020204030204" pitchFamily="34" charset="0"/>
+                <a:cs typeface="Times New Roman" panose="02020603050405020304" pitchFamily="18" charset="0"/>
+              </a:rPr>
+              <a:t> </a:t>
+            </a:r>
+            <a:r>
+              <a:rPr lang="tr-TR" sz="2400" dirty="0" err="1">
+                <a:effectLst/>
+                <a:latin typeface="Times New Roman" panose="02020603050405020304" pitchFamily="18" charset="0"/>
+                <a:ea typeface="Calibri" panose="020F0502020204030204" pitchFamily="34" charset="0"/>
+                <a:cs typeface="Times New Roman" panose="02020603050405020304" pitchFamily="18" charset="0"/>
+              </a:rPr>
+              <a:t>algorithm</a:t>
+            </a:r>
+            <a:r>
+              <a:rPr lang="tr-TR" sz="2400" dirty="0">
+                <a:effectLst/>
+                <a:latin typeface="Times New Roman" panose="02020603050405020304" pitchFamily="18" charset="0"/>
+                <a:ea typeface="Calibri" panose="020F0502020204030204" pitchFamily="34" charset="0"/>
+                <a:cs typeface="Times New Roman" panose="02020603050405020304" pitchFamily="18" charset="0"/>
+              </a:rPr>
+              <a:t>.</a:t>
+            </a:r>
           </a:p>
         </p:txBody>
       </p:sp>
@@ -4177,12 +7572,12 @@
           <a:chExt cx="0" cy="0"/>
         </a:xfrm>
       </p:grpSpPr>
-      <p:sp useBgFill="1">
+      <p:sp>
         <p:nvSpPr>
-          <p:cNvPr id="8" name="Rectangle 7">
-            <a:extLst>
-              <a:ext uri="{FF2B5EF4-FFF2-40B4-BE49-F238E27FC236}">
-                <a16:creationId xmlns:a16="http://schemas.microsoft.com/office/drawing/2014/main" id="{DAF1966E-FD40-4A4A-B61B-C4DF7FA05F06}"/>
+          <p:cNvPr id="34" name="Rectangle 33">
+            <a:extLst>
+              <a:ext uri="{FF2B5EF4-FFF2-40B4-BE49-F238E27FC236}">
+                <a16:creationId xmlns:a16="http://schemas.microsoft.com/office/drawing/2014/main" id="{81AEB8A9-B768-4E30-BA55-D919E6687343}"/>
               </a:ext>
               <a:ext uri="{C183D7F6-B498-43B3-948B-1728B52AA6E4}">
                 <adec:decorative xmlns:adec="http://schemas.microsoft.com/office/drawing/2017/decorative" val="1"/>
@@ -4202,85 +7597,18 @@
         </p:nvSpPr>
         <p:spPr>
           <a:xfrm>
-            <a:off x="0" y="0"/>
-            <a:ext cx="12192000" cy="6858000"/>
+            <a:off x="-10001" y="-2"/>
+            <a:ext cx="4069936" cy="6858002"/>
           </a:xfrm>
           <a:prstGeom prst="rect">
             <a:avLst/>
           </a:prstGeom>
+          <a:solidFill>
+            <a:schemeClr val="accent1"/>
+          </a:solidFill>
           <a:ln>
             <a:noFill/>
           </a:ln>
-        </p:spPr>
-        <p:style>
-          <a:lnRef idx="2">
-            <a:schemeClr val="accent1">
-              <a:shade val="50000"/>
-            </a:schemeClr>
-          </a:lnRef>
-          <a:fillRef idx="1">
-            <a:schemeClr val="accent1"/>
-          </a:fillRef>
-          <a:effectRef idx="0">
-            <a:schemeClr val="accent1"/>
-          </a:effectRef>
-          <a:fontRef idx="minor">
-            <a:schemeClr val="lt1"/>
-          </a:fontRef>
-        </p:style>
-        <p:txBody>
-          <a:bodyPr rtlCol="0" anchor="ctr"/>
-          <a:lstStyle/>
-          <a:p>
-            <a:pPr algn="ctr"/>
-            <a:endParaRPr lang="en-US"/>
-          </a:p>
-        </p:txBody>
-      </p:sp>
-      <p:sp useBgFill="1">
-        <p:nvSpPr>
-          <p:cNvPr id="10" name="Rectangle 9">
-            <a:extLst>
-              <a:ext uri="{FF2B5EF4-FFF2-40B4-BE49-F238E27FC236}">
-                <a16:creationId xmlns:a16="http://schemas.microsoft.com/office/drawing/2014/main" id="{047BFA19-D45E-416B-A404-7AF2F3F27017}"/>
-              </a:ext>
-              <a:ext uri="{C183D7F6-B498-43B3-948B-1728B52AA6E4}">
-                <adec:decorative xmlns:adec="http://schemas.microsoft.com/office/drawing/2017/decorative" val="1"/>
-              </a:ext>
-            </a:extLst>
-          </p:cNvPr>
-          <p:cNvSpPr>
-            <a:spLocks noGrp="1" noRot="1" noChangeAspect="1" noMove="1" noResize="1" noEditPoints="1" noAdjustHandles="1" noChangeArrowheads="1" noChangeShapeType="1" noTextEdit="1"/>
-          </p:cNvSpPr>
-          <p:nvPr>
-            <p:extLst>
-              <p:ext uri="{386F3935-93C4-4BCD-93E2-E3B085C9AB24}">
-                <p16:designElem xmlns:p16="http://schemas.microsoft.com/office/powerpoint/2015/main" val="1"/>
-              </p:ext>
-            </p:extLst>
-          </p:nvPr>
-        </p:nvSpPr>
-        <p:spPr>
-          <a:xfrm>
-            <a:off x="558209" y="0"/>
-            <a:ext cx="11167447" cy="2018806"/>
-          </a:xfrm>
-          <a:prstGeom prst="rect">
-            <a:avLst/>
-          </a:prstGeom>
-          <a:ln w="9525">
-            <a:solidFill>
-              <a:srgbClr val="E1E1E1"/>
-            </a:solidFill>
-          </a:ln>
-          <a:effectLst>
-            <a:outerShdw blurRad="50800" dist="38100" dir="2700000" algn="tl" rotWithShape="0">
-              <a:schemeClr val="bg1">
-                <a:lumMod val="85000"/>
-                <a:alpha val="50000"/>
-              </a:schemeClr>
-            </a:outerShdw>
-          </a:effectLst>
         </p:spPr>
         <p:style>
           <a:lnRef idx="2">
@@ -4336,96 +7664,6 @@
           </a:p>
         </p:txBody>
       </p:sp>
-      <p:sp useBgFill="1">
-        <p:nvSpPr>
-          <p:cNvPr id="12" name="Rectangle 11">
-            <a:extLst>
-              <a:ext uri="{FF2B5EF4-FFF2-40B4-BE49-F238E27FC236}">
-                <a16:creationId xmlns:a16="http://schemas.microsoft.com/office/drawing/2014/main" id="{8E0105E7-23DB-4CF2-8258-FF47C7620F6E}"/>
-              </a:ext>
-              <a:ext uri="{C183D7F6-B498-43B3-948B-1728B52AA6E4}">
-                <adec:decorative xmlns:adec="http://schemas.microsoft.com/office/drawing/2017/decorative" val="1"/>
-              </a:ext>
-            </a:extLst>
-          </p:cNvPr>
-          <p:cNvSpPr>
-            <a:spLocks noGrp="1" noRot="1" noChangeAspect="1" noMove="1" noResize="1" noEditPoints="1" noAdjustHandles="1" noChangeArrowheads="1" noChangeShapeType="1" noTextEdit="1"/>
-          </p:cNvSpPr>
-          <p:nvPr>
-            <p:extLst>
-              <p:ext uri="{386F3935-93C4-4BCD-93E2-E3B085C9AB24}">
-                <p16:designElem xmlns:p16="http://schemas.microsoft.com/office/powerpoint/2015/main" val="1"/>
-              </p:ext>
-            </p:extLst>
-          </p:nvPr>
-        </p:nvSpPr>
-        <p:spPr>
-          <a:xfrm>
-            <a:off x="566928" y="0"/>
-            <a:ext cx="11155680" cy="2011680"/>
-          </a:xfrm>
-          <a:prstGeom prst="rect">
-            <a:avLst/>
-          </a:prstGeom>
-          <a:ln w="9525">
-            <a:noFill/>
-          </a:ln>
-          <a:effectLst/>
-        </p:spPr>
-        <p:style>
-          <a:lnRef idx="2">
-            <a:schemeClr val="accent1">
-              <a:shade val="50000"/>
-            </a:schemeClr>
-          </a:lnRef>
-          <a:fillRef idx="1">
-            <a:schemeClr val="accent1"/>
-          </a:fillRef>
-          <a:effectRef idx="0">
-            <a:schemeClr val="accent1"/>
-          </a:effectRef>
-          <a:fontRef idx="minor">
-            <a:schemeClr val="lt1"/>
-          </a:fontRef>
-        </p:style>
-        <p:txBody>
-          <a:bodyPr rtlCol="0" anchor="ctr"/>
-          <a:lstStyle/>
-          <a:p>
-            <a:pPr marL="0" marR="0" lvl="0" indent="0" algn="ctr" defTabSz="914400" rtl="0" eaLnBrk="1" fontAlgn="auto" latinLnBrk="0" hangingPunct="1">
-              <a:lnSpc>
-                <a:spcPct val="100000"/>
-              </a:lnSpc>
-              <a:spcBef>
-                <a:spcPts val="0"/>
-              </a:spcBef>
-              <a:spcAft>
-                <a:spcPts val="0"/>
-              </a:spcAft>
-              <a:buClrTx/>
-              <a:buSzTx/>
-              <a:buFontTx/>
-              <a:buNone/>
-              <a:tabLst/>
-              <a:defRPr/>
-            </a:pPr>
-            <a:endParaRPr kumimoji="0" lang="en-US" sz="1800" b="0" i="0" u="none" strike="noStrike" kern="1200" cap="none" spc="0" normalizeH="0" baseline="0" noProof="0">
-              <a:ln>
-                <a:noFill/>
-              </a:ln>
-              <a:solidFill>
-                <a:prstClr val="white"/>
-              </a:solidFill>
-              <a:effectLst/>
-              <a:uLnTx/>
-              <a:uFillTx/>
-              <a:latin typeface="Calibri" panose="020F0502020204030204"/>
-              <a:ea typeface="+mn-ea"/>
-              <a:cs typeface="+mn-cs"/>
-            </a:endParaRPr>
-          </a:p>
-        </p:txBody>
-      </p:sp>
       <p:sp>
         <p:nvSpPr>
           <p:cNvPr id="2" name="Title 1">
@@ -4444,264 +7682,115 @@
         </p:nvSpPr>
         <p:spPr>
           <a:xfrm>
-            <a:off x="1115568" y="548640"/>
-            <a:ext cx="10168128" cy="1179576"/>
+            <a:off x="643467" y="640080"/>
+            <a:ext cx="3096427" cy="5613236"/>
           </a:xfrm>
         </p:spPr>
         <p:txBody>
-          <a:bodyPr>
+          <a:bodyPr anchor="ctr">
             <a:normAutofit/>
           </a:bodyPr>
           <a:lstStyle/>
           <a:p>
             <a:pPr algn="ctr"/>
             <a:r>
-              <a:rPr lang="tr-TR" sz="4000" dirty="0">
+              <a:rPr lang="tr-TR" sz="4100" dirty="0">
+                <a:solidFill>
+                  <a:srgbClr val="FFFFFF"/>
+                </a:solidFill>
                 <a:latin typeface="Arial" panose="020B0604020202020204" pitchFamily="34" charset="0"/>
                 <a:cs typeface="Arial" panose="020B0604020202020204" pitchFamily="34" charset="0"/>
               </a:rPr>
               <a:t>THANK YOU FOR LISTENING </a:t>
             </a:r>
             <a:r>
-              <a:rPr lang="tr-TR" sz="4000" dirty="0">
+              <a:rPr lang="tr-TR" sz="4100" dirty="0">
+                <a:solidFill>
+                  <a:srgbClr val="FFFFFF"/>
+                </a:solidFill>
                 <a:latin typeface="Arial" panose="020B0604020202020204" pitchFamily="34" charset="0"/>
                 <a:cs typeface="Arial" panose="020B0604020202020204" pitchFamily="34" charset="0"/>
                 <a:sym typeface="Wingdings" panose="05000000000000000000" pitchFamily="2" charset="2"/>
               </a:rPr>
               <a:t></a:t>
             </a:r>
-            <a:endParaRPr lang="en-US" sz="4000" dirty="0">
+            <a:endParaRPr lang="en-US" sz="4100" dirty="0">
+              <a:solidFill>
+                <a:srgbClr val="FFFFFF"/>
+              </a:solidFill>
               <a:latin typeface="Arial" panose="020B0604020202020204" pitchFamily="34" charset="0"/>
               <a:cs typeface="Arial" panose="020B0604020202020204" pitchFamily="34" charset="0"/>
             </a:endParaRPr>
           </a:p>
         </p:txBody>
       </p:sp>
-      <p:sp>
-        <p:nvSpPr>
-          <p:cNvPr id="14" name="Rectangle 13">
-            <a:extLst>
-              <a:ext uri="{FF2B5EF4-FFF2-40B4-BE49-F238E27FC236}">
-                <a16:creationId xmlns:a16="http://schemas.microsoft.com/office/drawing/2014/main" id="{074B4F7D-14B2-478B-8BF5-01E4E0C5D263}"/>
-              </a:ext>
-              <a:ext uri="{C183D7F6-B498-43B3-948B-1728B52AA6E4}">
-                <adec:decorative xmlns:adec="http://schemas.microsoft.com/office/drawing/2017/decorative" val="1"/>
-              </a:ext>
-            </a:extLst>
-          </p:cNvPr>
-          <p:cNvSpPr>
-            <a:spLocks noGrp="1" noRot="1" noChangeAspect="1" noMove="1" noResize="1" noEditPoints="1" noAdjustHandles="1" noChangeArrowheads="1" noChangeShapeType="1" noTextEdit="1"/>
-          </p:cNvSpPr>
-          <p:nvPr>
-            <p:extLst>
-              <p:ext uri="{386F3935-93C4-4BCD-93E2-E3B085C9AB24}">
-                <p16:designElem xmlns:p16="http://schemas.microsoft.com/office/powerpoint/2015/main" val="1"/>
-              </p:ext>
-            </p:extLst>
-          </p:nvPr>
-        </p:nvSpPr>
+      <p:pic>
+        <p:nvPicPr>
+          <p:cNvPr id="7" name="Picture 6" descr="A picture containing drawing&#10;&#10;Description automatically generated">
+            <a:extLst>
+              <a:ext uri="{FF2B5EF4-FFF2-40B4-BE49-F238E27FC236}">
+                <a16:creationId xmlns:a16="http://schemas.microsoft.com/office/drawing/2014/main" id="{E289EAF9-4713-485A-8269-F46DA8B3F921}"/>
+              </a:ext>
+            </a:extLst>
+          </p:cNvPr>
+          <p:cNvPicPr>
+            <a:picLocks noChangeAspect="1"/>
+          </p:cNvPicPr>
+          <p:nvPr/>
+        </p:nvPicPr>
+        <p:blipFill>
+          <a:blip r:embed="rId2">
+            <a:extLst>
+              <a:ext uri="{28A0092B-C50C-407E-A947-70E740481C1C}">
+                <a14:useLocalDpi xmlns:a14="http://schemas.microsoft.com/office/drawing/2010/main" val="0"/>
+              </a:ext>
+            </a:extLst>
+          </a:blip>
+          <a:stretch>
+            <a:fillRect/>
+          </a:stretch>
+        </p:blipFill>
         <p:spPr>
           <a:xfrm>
-            <a:off x="498834" y="758952"/>
-            <a:ext cx="128016" cy="704088"/>
+            <a:off x="4654297" y="3501610"/>
+            <a:ext cx="6894236" cy="2378511"/>
           </a:xfrm>
           <a:prstGeom prst="rect">
             <a:avLst/>
           </a:prstGeom>
-          <a:solidFill>
-            <a:schemeClr val="accent2"/>
-          </a:solidFill>
-          <a:ln>
-            <a:noFill/>
-          </a:ln>
         </p:spPr>
-        <p:style>
-          <a:lnRef idx="2">
-            <a:schemeClr val="accent1">
-              <a:shade val="50000"/>
-            </a:schemeClr>
-          </a:lnRef>
-          <a:fillRef idx="1">
-            <a:schemeClr val="accent1"/>
-          </a:fillRef>
-          <a:effectRef idx="0">
-            <a:schemeClr val="accent1"/>
-          </a:effectRef>
-          <a:fontRef idx="minor">
-            <a:schemeClr val="lt1"/>
-          </a:fontRef>
-        </p:style>
-        <p:txBody>
-          <a:bodyPr rtlCol="0" anchor="ctr"/>
-          <a:lstStyle/>
-          <a:p>
-            <a:pPr algn="ctr"/>
-            <a:endParaRPr lang="en-US">
-              <a:solidFill>
-                <a:prstClr val="white"/>
-              </a:solidFill>
-              <a:latin typeface="Calibri" panose="020F0502020204030204"/>
-            </a:endParaRPr>
-          </a:p>
-        </p:txBody>
-      </p:sp>
-      <p:sp>
-        <p:nvSpPr>
-          <p:cNvPr id="3" name="Content Placeholder 2">
-            <a:extLst>
-              <a:ext uri="{FF2B5EF4-FFF2-40B4-BE49-F238E27FC236}">
-                <a16:creationId xmlns:a16="http://schemas.microsoft.com/office/drawing/2014/main" id="{C1376414-6E71-49FC-A54C-87327D60E72B}"/>
-              </a:ext>
-            </a:extLst>
-          </p:cNvPr>
-          <p:cNvSpPr>
-            <a:spLocks noGrp="1"/>
-          </p:cNvSpPr>
+      </p:pic>
+      <p:graphicFrame>
+        <p:nvGraphicFramePr>
+          <p:cNvPr id="16" name="Content Placeholder 2">
+            <a:extLst>
+              <a:ext uri="{FF2B5EF4-FFF2-40B4-BE49-F238E27FC236}">
+                <a16:creationId xmlns:a16="http://schemas.microsoft.com/office/drawing/2014/main" id="{81076D98-31C9-4DFB-ACA9-20ED52724C52}"/>
+              </a:ext>
+            </a:extLst>
+          </p:cNvPr>
+          <p:cNvGraphicFramePr>
+            <a:graphicFrameLocks noGrp="1"/>
+          </p:cNvGraphicFramePr>
           <p:nvPr>
             <p:ph idx="1"/>
+            <p:extLst>
+              <p:ext uri="{D42A27DB-BD31-4B8C-83A1-F6EECF244321}">
+                <p14:modId xmlns:p14="http://schemas.microsoft.com/office/powerpoint/2010/main" val="3424752027"/>
+              </p:ext>
+            </p:extLst>
           </p:nvPr>
-        </p:nvSpPr>
-        <p:spPr>
-          <a:xfrm>
-            <a:off x="3080824" y="2756690"/>
-            <a:ext cx="5459671" cy="3363425"/>
-          </a:xfrm>
-        </p:spPr>
-        <p:txBody>
-          <a:bodyPr>
-            <a:normAutofit/>
-          </a:bodyPr>
-          <a:lstStyle/>
-          <a:p>
-            <a:endParaRPr lang="tr-TR" sz="2200" dirty="0">
-              <a:latin typeface="Times New Roman" panose="02020603050405020304" pitchFamily="18" charset="0"/>
-              <a:cs typeface="Times New Roman" panose="02020603050405020304" pitchFamily="18" charset="0"/>
-            </a:endParaRPr>
-          </a:p>
-          <a:p>
-            <a:endParaRPr lang="tr-TR" sz="2200" dirty="0">
-              <a:latin typeface="Times New Roman" panose="02020603050405020304" pitchFamily="18" charset="0"/>
-              <a:cs typeface="Times New Roman" panose="02020603050405020304" pitchFamily="18" charset="0"/>
-            </a:endParaRPr>
-          </a:p>
-          <a:p>
-            <a:endParaRPr lang="tr-TR" sz="2200" dirty="0">
-              <a:latin typeface="Times New Roman" panose="02020603050405020304" pitchFamily="18" charset="0"/>
-              <a:cs typeface="Times New Roman" panose="02020603050405020304" pitchFamily="18" charset="0"/>
-            </a:endParaRPr>
-          </a:p>
-          <a:p>
-            <a:pPr algn="ctr"/>
-            <a:r>
-              <a:rPr lang="en-US" sz="2200" dirty="0">
-                <a:latin typeface="Times New Roman" panose="02020603050405020304" pitchFamily="18" charset="0"/>
-                <a:cs typeface="Times New Roman" panose="02020603050405020304" pitchFamily="18" charset="0"/>
-              </a:rPr>
-              <a:t>Baran Budak </a:t>
-            </a:r>
-            <a:r>
-              <a:rPr lang="tr-TR" sz="2200" dirty="0">
-                <a:latin typeface="Times New Roman" panose="02020603050405020304" pitchFamily="18" charset="0"/>
-                <a:cs typeface="Times New Roman" panose="02020603050405020304" pitchFamily="18" charset="0"/>
-              </a:rPr>
-              <a:t> 	</a:t>
-            </a:r>
-            <a:r>
-              <a:rPr lang="en-US" sz="2200" dirty="0">
-                <a:latin typeface="Times New Roman" panose="02020603050405020304" pitchFamily="18" charset="0"/>
-                <a:cs typeface="Times New Roman" panose="02020603050405020304" pitchFamily="18" charset="0"/>
-              </a:rPr>
-              <a:t>15070001012</a:t>
-            </a:r>
-          </a:p>
-          <a:p>
-            <a:pPr algn="ctr"/>
-            <a:r>
-              <a:rPr lang="en-US" sz="2200" dirty="0">
-                <a:latin typeface="Times New Roman" panose="02020603050405020304" pitchFamily="18" charset="0"/>
-                <a:cs typeface="Times New Roman" panose="02020603050405020304" pitchFamily="18" charset="0"/>
-              </a:rPr>
-              <a:t>Cihanser </a:t>
-            </a:r>
-            <a:r>
-              <a:rPr lang="en-US" sz="2200" dirty="0" err="1">
-                <a:latin typeface="Times New Roman" panose="02020603050405020304" pitchFamily="18" charset="0"/>
-                <a:cs typeface="Times New Roman" panose="02020603050405020304" pitchFamily="18" charset="0"/>
-              </a:rPr>
-              <a:t>Çalışkan</a:t>
-            </a:r>
-            <a:r>
-              <a:rPr lang="en-US" sz="2200" dirty="0">
-                <a:latin typeface="Times New Roman" panose="02020603050405020304" pitchFamily="18" charset="0"/>
-                <a:cs typeface="Times New Roman" panose="02020603050405020304" pitchFamily="18" charset="0"/>
-              </a:rPr>
-              <a:t> </a:t>
-            </a:r>
-            <a:r>
-              <a:rPr lang="tr-TR" sz="2200" dirty="0">
-                <a:latin typeface="Times New Roman" panose="02020603050405020304" pitchFamily="18" charset="0"/>
-                <a:cs typeface="Times New Roman" panose="02020603050405020304" pitchFamily="18" charset="0"/>
-              </a:rPr>
-              <a:t>	</a:t>
-            </a:r>
-            <a:r>
-              <a:rPr lang="en-US" sz="2200" dirty="0">
-                <a:latin typeface="Times New Roman" panose="02020603050405020304" pitchFamily="18" charset="0"/>
-                <a:cs typeface="Times New Roman" panose="02020603050405020304" pitchFamily="18" charset="0"/>
-              </a:rPr>
-              <a:t>16070001020</a:t>
-            </a:r>
-          </a:p>
-          <a:p>
-            <a:pPr algn="ctr"/>
-            <a:r>
-              <a:rPr lang="en-US" sz="2200" dirty="0" err="1">
-                <a:latin typeface="Times New Roman" panose="02020603050405020304" pitchFamily="18" charset="0"/>
-                <a:cs typeface="Times New Roman" panose="02020603050405020304" pitchFamily="18" charset="0"/>
-              </a:rPr>
-              <a:t>İsmail</a:t>
-            </a:r>
-            <a:r>
-              <a:rPr lang="en-US" sz="2200" dirty="0">
-                <a:latin typeface="Times New Roman" panose="02020603050405020304" pitchFamily="18" charset="0"/>
-                <a:cs typeface="Times New Roman" panose="02020603050405020304" pitchFamily="18" charset="0"/>
-              </a:rPr>
-              <a:t> </a:t>
-            </a:r>
-            <a:r>
-              <a:rPr lang="en-US" sz="2200" dirty="0" err="1">
-                <a:latin typeface="Times New Roman" panose="02020603050405020304" pitchFamily="18" charset="0"/>
-                <a:cs typeface="Times New Roman" panose="02020603050405020304" pitchFamily="18" charset="0"/>
-              </a:rPr>
-              <a:t>Mekan</a:t>
-            </a:r>
-            <a:r>
-              <a:rPr lang="en-US" sz="2200" dirty="0">
-                <a:latin typeface="Times New Roman" panose="02020603050405020304" pitchFamily="18" charset="0"/>
-                <a:cs typeface="Times New Roman" panose="02020603050405020304" pitchFamily="18" charset="0"/>
-              </a:rPr>
-              <a:t> </a:t>
-            </a:r>
-            <a:r>
-              <a:rPr lang="tr-TR" sz="2200" dirty="0">
-                <a:latin typeface="Times New Roman" panose="02020603050405020304" pitchFamily="18" charset="0"/>
-                <a:cs typeface="Times New Roman" panose="02020603050405020304" pitchFamily="18" charset="0"/>
-              </a:rPr>
-              <a:t>	</a:t>
-            </a:r>
-            <a:r>
-              <a:rPr lang="en-US" sz="2200" dirty="0">
-                <a:latin typeface="Times New Roman" panose="02020603050405020304" pitchFamily="18" charset="0"/>
-                <a:cs typeface="Times New Roman" panose="02020603050405020304" pitchFamily="18" charset="0"/>
-              </a:rPr>
-              <a:t>15070001048</a:t>
-            </a:r>
-          </a:p>
-          <a:p>
-            <a:endParaRPr lang="en-US" sz="2200" dirty="0"/>
-          </a:p>
-        </p:txBody>
-      </p:sp>
+        </p:nvGraphicFramePr>
+        <p:xfrm>
+          <a:off x="4699818" y="640082"/>
+          <a:ext cx="6848715" cy="2484884"/>
+        </p:xfrm>
+        <a:graphic>
+          <a:graphicData uri="http://schemas.openxmlformats.org/drawingml/2006/diagram">
+            <dgm:relIds xmlns:dgm="http://schemas.openxmlformats.org/drawingml/2006/diagram" xmlns:r="http://schemas.openxmlformats.org/officeDocument/2006/relationships" r:dm="rId3" r:lo="rId4" r:qs="rId5" r:cs="rId6"/>
+          </a:graphicData>
+        </a:graphic>
+      </p:graphicFrame>
     </p:spTree>
     <p:extLst>
       <p:ext uri="{BB962C8B-B14F-4D97-AF65-F5344CB8AC3E}">
@@ -4888,8 +7977,8 @@
         </p:nvSpPr>
         <p:spPr>
           <a:xfrm>
-            <a:off x="1012874" y="826680"/>
-            <a:ext cx="9999900" cy="1325563"/>
+            <a:off x="1179226" y="946246"/>
+            <a:ext cx="4019075" cy="861443"/>
           </a:xfrm>
         </p:spPr>
         <p:txBody>
@@ -4900,14 +7989,24 @@
           <a:p>
             <a:pPr algn="ctr"/>
             <a:r>
-              <a:rPr lang="tr-TR" sz="4800" dirty="0">
+              <a:rPr lang="tr-TR" sz="4800" dirty="0" err="1">
                 <a:solidFill>
                   <a:srgbClr val="FFFFFF"/>
                 </a:solidFill>
                 <a:latin typeface="Arial" panose="020B0604020202020204" pitchFamily="34" charset="0"/>
                 <a:cs typeface="Arial" panose="020B0604020202020204" pitchFamily="34" charset="0"/>
               </a:rPr>
-              <a:t>Problem 			                 Solution</a:t>
+              <a:t>What</a:t>
+            </a:r>
+            <a:r>
+              <a:rPr lang="tr-TR" sz="4800" dirty="0">
+                <a:solidFill>
+                  <a:srgbClr val="FFFFFF"/>
+                </a:solidFill>
+                <a:latin typeface="Arial" panose="020B0604020202020204" pitchFamily="34" charset="0"/>
+                <a:cs typeface="Arial" panose="020B0604020202020204" pitchFamily="34" charset="0"/>
+              </a:rPr>
+              <a:t> is POF?</a:t>
             </a:r>
             <a:endParaRPr lang="en-US" sz="4800" dirty="0">
               <a:solidFill>
@@ -4937,8 +8036,8 @@
         </p:nvSpPr>
         <p:spPr>
           <a:xfrm>
-            <a:off x="1179227" y="2978923"/>
-            <a:ext cx="4485364" cy="2693976"/>
+            <a:off x="1179226" y="2978923"/>
+            <a:ext cx="9173641" cy="2693976"/>
           </a:xfrm>
         </p:spPr>
         <p:txBody>
@@ -4947,40 +8046,67 @@
           </a:bodyPr>
           <a:lstStyle/>
           <a:p>
-            <a:pPr marL="0" indent="0">
-              <a:buNone/>
-            </a:pPr>
-            <a:r>
-              <a:rPr lang="en-GB" sz="1800" dirty="0">
+            <a:r>
+              <a:rPr lang="tr-TR" sz="2400" dirty="0">
                 <a:solidFill>
                   <a:srgbClr val="000000"/>
                 </a:solidFill>
                 <a:latin typeface="Times New Roman" panose="02020603050405020304" pitchFamily="18" charset="0"/>
                 <a:cs typeface="Times New Roman" panose="02020603050405020304" pitchFamily="18" charset="0"/>
               </a:rPr>
-              <a:t>There are millions of particles in a small number of liquids. Simulation control particles by physics-based calculations to obtain fluid behaviours. Simulation having difficulties in calculations dependent on a surplus of particles and time and memory complexity increases indirectly.</a:t>
-            </a:r>
-            <a:r>
-              <a:rPr lang="tr-TR" sz="1800" dirty="0">
+              <a:t>POF: </a:t>
+            </a:r>
+            <a:r>
+              <a:rPr lang="tr-TR" sz="2400" dirty="0" err="1">
                 <a:solidFill>
                   <a:srgbClr val="000000"/>
                 </a:solidFill>
                 <a:latin typeface="Times New Roman" panose="02020603050405020304" pitchFamily="18" charset="0"/>
                 <a:cs typeface="Times New Roman" panose="02020603050405020304" pitchFamily="18" charset="0"/>
               </a:rPr>
+              <a:t>Performance</a:t>
+            </a:r>
+            <a:r>
+              <a:rPr lang="tr-TR" sz="2400" dirty="0">
+                <a:solidFill>
+                  <a:srgbClr val="000000"/>
+                </a:solidFill>
+                <a:latin typeface="Times New Roman" panose="02020603050405020304" pitchFamily="18" charset="0"/>
+                <a:cs typeface="Times New Roman" panose="02020603050405020304" pitchFamily="18" charset="0"/>
+              </a:rPr>
               <a:t> </a:t>
             </a:r>
             <a:r>
-              <a:rPr lang="en-GB" sz="1800" dirty="0">
+              <a:rPr lang="tr-TR" sz="2400" dirty="0" err="1">
                 <a:solidFill>
                   <a:srgbClr val="000000"/>
                 </a:solidFill>
                 <a:latin typeface="Times New Roman" panose="02020603050405020304" pitchFamily="18" charset="0"/>
                 <a:cs typeface="Times New Roman" panose="02020603050405020304" pitchFamily="18" charset="0"/>
               </a:rPr>
-              <a:t>Visualizing millions of particles on a scene are a tedious job. </a:t>
-            </a:r>
-            <a:endParaRPr lang="tr-TR" sz="1800" dirty="0">
+              <a:t>Optimized</a:t>
+            </a:r>
+            <a:r>
+              <a:rPr lang="tr-TR" sz="2400" dirty="0">
+                <a:solidFill>
+                  <a:srgbClr val="000000"/>
+                </a:solidFill>
+                <a:latin typeface="Times New Roman" panose="02020603050405020304" pitchFamily="18" charset="0"/>
+                <a:cs typeface="Times New Roman" panose="02020603050405020304" pitchFamily="18" charset="0"/>
+              </a:rPr>
+              <a:t> </a:t>
+            </a:r>
+            <a:r>
+              <a:rPr lang="tr-TR" sz="2400" dirty="0" err="1">
+                <a:solidFill>
+                  <a:srgbClr val="000000"/>
+                </a:solidFill>
+                <a:latin typeface="Times New Roman" panose="02020603050405020304" pitchFamily="18" charset="0"/>
+                <a:cs typeface="Times New Roman" panose="02020603050405020304" pitchFamily="18" charset="0"/>
+              </a:rPr>
+              <a:t>Fluids</a:t>
+            </a:r>
+            <a:endParaRPr lang="tr-TR" sz="2400" dirty="0">
               <a:solidFill>
                 <a:srgbClr val="000000"/>
               </a:solidFill>
@@ -4989,78 +8115,135 @@
             </a:endParaRPr>
           </a:p>
           <a:p>
-            <a:endParaRPr lang="en-GB" sz="1800" dirty="0">
-              <a:solidFill>
-                <a:srgbClr val="000000"/>
-              </a:solidFill>
-              <a:latin typeface="Times New Roman" panose="02020603050405020304" pitchFamily="18" charset="0"/>
-              <a:cs typeface="Times New Roman" panose="02020603050405020304" pitchFamily="18" charset="0"/>
-            </a:endParaRPr>
-          </a:p>
-        </p:txBody>
-      </p:sp>
-      <p:sp>
-        <p:nvSpPr>
-          <p:cNvPr id="4" name="TextBox 3">
-            <a:extLst>
-              <a:ext uri="{FF2B5EF4-FFF2-40B4-BE49-F238E27FC236}">
-                <a16:creationId xmlns:a16="http://schemas.microsoft.com/office/drawing/2014/main" id="{95259AE5-2E8A-4330-A4BD-2FBDDF6F61E9}"/>
-              </a:ext>
-            </a:extLst>
-          </p:cNvPr>
-          <p:cNvSpPr txBox="1"/>
-          <p:nvPr/>
-        </p:nvSpPr>
-        <p:spPr>
-          <a:xfrm>
-            <a:off x="6527409" y="2978923"/>
-            <a:ext cx="4485365" cy="2031325"/>
-          </a:xfrm>
-          <a:prstGeom prst="rect">
-            <a:avLst/>
-          </a:prstGeom>
-          <a:noFill/>
-        </p:spPr>
-        <p:txBody>
-          <a:bodyPr wrap="square" rtlCol="0">
-            <a:spAutoFit/>
-          </a:bodyPr>
-          <a:lstStyle/>
-          <a:p>
-            <a:r>
-              <a:rPr lang="en-US" dirty="0">
-                <a:latin typeface="Times New Roman" panose="02020603050405020304" pitchFamily="18" charset="0"/>
-                <a:cs typeface="Times New Roman" panose="02020603050405020304" pitchFamily="18" charset="0"/>
-              </a:rPr>
-              <a:t>The main goal of the project is researching ways of enhancing the performance and efficiency of particle-based fluid simulation.</a:t>
-            </a:r>
-          </a:p>
-          <a:p>
-            <a:r>
-              <a:rPr lang="en-US" dirty="0">
-                <a:latin typeface="Times New Roman" panose="02020603050405020304" pitchFamily="18" charset="0"/>
-                <a:cs typeface="Times New Roman" panose="02020603050405020304" pitchFamily="18" charset="0"/>
-              </a:rPr>
-              <a:t>We aim to achieve these goals by reaching particles faster, storing particles in special structures and applying another visualization method into the POF system.</a:t>
-            </a:r>
-            <a:r>
-              <a:rPr lang="tr-TR" dirty="0">
+            <a:r>
+              <a:rPr lang="tr-TR" sz="2400" dirty="0" err="1">
+                <a:solidFill>
+                  <a:srgbClr val="000000"/>
+                </a:solidFill>
+                <a:latin typeface="Times New Roman" panose="02020603050405020304" pitchFamily="18" charset="0"/>
+                <a:cs typeface="Times New Roman" panose="02020603050405020304" pitchFamily="18" charset="0"/>
+              </a:rPr>
+              <a:t>What</a:t>
+            </a:r>
+            <a:r>
+              <a:rPr lang="tr-TR" sz="2400" dirty="0">
+                <a:solidFill>
+                  <a:srgbClr val="000000"/>
+                </a:solidFill>
+                <a:latin typeface="Times New Roman" panose="02020603050405020304" pitchFamily="18" charset="0"/>
+                <a:cs typeface="Times New Roman" panose="02020603050405020304" pitchFamily="18" charset="0"/>
+              </a:rPr>
+              <a:t> is NVIDIA </a:t>
+            </a:r>
+            <a:r>
+              <a:rPr lang="tr-TR" sz="2400" dirty="0" err="1">
+                <a:solidFill>
+                  <a:srgbClr val="000000"/>
+                </a:solidFill>
+                <a:latin typeface="Times New Roman" panose="02020603050405020304" pitchFamily="18" charset="0"/>
+                <a:cs typeface="Times New Roman" panose="02020603050405020304" pitchFamily="18" charset="0"/>
+              </a:rPr>
+              <a:t>Flex</a:t>
+            </a:r>
+            <a:r>
+              <a:rPr lang="tr-TR" sz="2400" dirty="0">
+                <a:solidFill>
+                  <a:srgbClr val="000000"/>
+                </a:solidFill>
+                <a:latin typeface="Times New Roman" panose="02020603050405020304" pitchFamily="18" charset="0"/>
+                <a:cs typeface="Times New Roman" panose="02020603050405020304" pitchFamily="18" charset="0"/>
+              </a:rPr>
+              <a:t>?</a:t>
+            </a:r>
+          </a:p>
+          <a:p>
+            <a:r>
+              <a:rPr lang="tr-TR" sz="2400" dirty="0" err="1">
+                <a:solidFill>
+                  <a:srgbClr val="000000"/>
+                </a:solidFill>
+                <a:latin typeface="Times New Roman" panose="02020603050405020304" pitchFamily="18" charset="0"/>
+                <a:cs typeface="Times New Roman" panose="02020603050405020304" pitchFamily="18" charset="0"/>
+              </a:rPr>
+              <a:t>What</a:t>
+            </a:r>
+            <a:r>
+              <a:rPr lang="tr-TR" sz="2400" dirty="0">
+                <a:solidFill>
+                  <a:srgbClr val="000000"/>
+                </a:solidFill>
+                <a:latin typeface="Times New Roman" panose="02020603050405020304" pitchFamily="18" charset="0"/>
+                <a:cs typeface="Times New Roman" panose="02020603050405020304" pitchFamily="18" charset="0"/>
+              </a:rPr>
+              <a:t> is </a:t>
+            </a:r>
+            <a:r>
+              <a:rPr lang="tr-TR" sz="2400" dirty="0" err="1">
+                <a:solidFill>
+                  <a:srgbClr val="000000"/>
+                </a:solidFill>
+                <a:latin typeface="Times New Roman" panose="02020603050405020304" pitchFamily="18" charset="0"/>
+                <a:cs typeface="Times New Roman" panose="02020603050405020304" pitchFamily="18" charset="0"/>
+              </a:rPr>
+              <a:t>the</a:t>
+            </a:r>
+            <a:r>
+              <a:rPr lang="tr-TR" sz="2400" dirty="0">
+                <a:solidFill>
+                  <a:srgbClr val="000000"/>
+                </a:solidFill>
                 <a:latin typeface="Times New Roman" panose="02020603050405020304" pitchFamily="18" charset="0"/>
                 <a:cs typeface="Times New Roman" panose="02020603050405020304" pitchFamily="18" charset="0"/>
               </a:rPr>
               <a:t> </a:t>
             </a:r>
-            <a:endParaRPr lang="en-US" dirty="0">
-              <a:latin typeface="Times New Roman" panose="02020603050405020304" pitchFamily="18" charset="0"/>
-              <a:cs typeface="Times New Roman" panose="02020603050405020304" pitchFamily="18" charset="0"/>
-            </a:endParaRPr>
+            <a:r>
+              <a:rPr lang="tr-TR" sz="2400" dirty="0" err="1">
+                <a:solidFill>
+                  <a:srgbClr val="000000"/>
+                </a:solidFill>
+                <a:latin typeface="Times New Roman" panose="02020603050405020304" pitchFamily="18" charset="0"/>
+                <a:cs typeface="Times New Roman" panose="02020603050405020304" pitchFamily="18" charset="0"/>
+              </a:rPr>
+              <a:t>task</a:t>
+            </a:r>
+            <a:r>
+              <a:rPr lang="tr-TR" sz="2400" dirty="0">
+                <a:solidFill>
+                  <a:srgbClr val="000000"/>
+                </a:solidFill>
+                <a:latin typeface="Times New Roman" panose="02020603050405020304" pitchFamily="18" charset="0"/>
+                <a:cs typeface="Times New Roman" panose="02020603050405020304" pitchFamily="18" charset="0"/>
+              </a:rPr>
+              <a:t> of </a:t>
+            </a:r>
+            <a:r>
+              <a:rPr lang="tr-TR" sz="2400" dirty="0" err="1">
+                <a:solidFill>
+                  <a:srgbClr val="000000"/>
+                </a:solidFill>
+                <a:latin typeface="Times New Roman" panose="02020603050405020304" pitchFamily="18" charset="0"/>
+                <a:cs typeface="Times New Roman" panose="02020603050405020304" pitchFamily="18" charset="0"/>
+              </a:rPr>
+              <a:t>Flex</a:t>
+            </a:r>
+            <a:r>
+              <a:rPr lang="tr-TR" sz="2400" dirty="0">
+                <a:solidFill>
+                  <a:srgbClr val="000000"/>
+                </a:solidFill>
+                <a:latin typeface="Times New Roman" panose="02020603050405020304" pitchFamily="18" charset="0"/>
+                <a:cs typeface="Times New Roman" panose="02020603050405020304" pitchFamily="18" charset="0"/>
+              </a:rPr>
+              <a:t>?</a:t>
+            </a:r>
           </a:p>
         </p:txBody>
       </p:sp>
     </p:spTree>
     <p:extLst>
       <p:ext uri="{BB962C8B-B14F-4D97-AF65-F5344CB8AC3E}">
-        <p14:creationId xmlns:p14="http://schemas.microsoft.com/office/powerpoint/2010/main" val="3737415056"/>
+        <p14:creationId xmlns:p14="http://schemas.microsoft.com/office/powerpoint/2010/main" val="2775552651"/>
       </p:ext>
     </p:extLst>
   </p:cSld>
@@ -5316,7 +8499,7 @@
         </p:nvSpPr>
         <p:spPr>
           <a:xfrm>
-            <a:off x="955828" y="2136312"/>
+            <a:off x="1036278" y="1957055"/>
             <a:ext cx="2139064" cy="1450950"/>
           </a:xfrm>
         </p:spPr>
@@ -5427,25 +8610,86 @@
         </p:nvSpPr>
         <p:spPr>
           <a:xfrm>
-            <a:off x="6049049" y="518526"/>
-            <a:ext cx="5438101" cy="2527261"/>
+            <a:off x="5796305" y="521754"/>
+            <a:ext cx="5741547" cy="2330580"/>
           </a:xfrm>
         </p:spPr>
         <p:txBody>
           <a:bodyPr anchor="ctr">
-            <a:normAutofit/>
+            <a:noAutofit/>
           </a:bodyPr>
           <a:lstStyle/>
           <a:p>
             <a:r>
-              <a:rPr lang="en-US" sz="1800" dirty="0">
+              <a:rPr lang="en-US" sz="2400" dirty="0">
                 <a:solidFill>
                   <a:srgbClr val="000000"/>
                 </a:solidFill>
                 <a:latin typeface="Times New Roman" panose="02020603050405020304" pitchFamily="18" charset="0"/>
                 <a:cs typeface="Times New Roman" panose="02020603050405020304" pitchFamily="18" charset="0"/>
               </a:rPr>
-              <a:t>The POF project based on researching particle-based fluid simulation and improving the performance of the particle-based fluid simulation. Increasing the effectiveness and performance of a particle-based fluid simulation is a primary aim. These goals achieved by implementing algorithms to the POF system such as using special structures to detect and store particles.</a:t>
+              <a:t>Integrating particle-based fluid simulation into the</a:t>
+            </a:r>
+            <a:r>
+              <a:rPr lang="tr-TR" sz="2400" dirty="0">
+                <a:solidFill>
+                  <a:srgbClr val="000000"/>
+                </a:solidFill>
+                <a:latin typeface="Times New Roman" panose="02020603050405020304" pitchFamily="18" charset="0"/>
+                <a:cs typeface="Times New Roman" panose="02020603050405020304" pitchFamily="18" charset="0"/>
+              </a:rPr>
+              <a:t> </a:t>
+            </a:r>
+            <a:r>
+              <a:rPr lang="en-US" sz="2400" dirty="0">
+                <a:solidFill>
+                  <a:srgbClr val="000000"/>
+                </a:solidFill>
+                <a:latin typeface="Times New Roman" panose="02020603050405020304" pitchFamily="18" charset="0"/>
+                <a:cs typeface="Times New Roman" panose="02020603050405020304" pitchFamily="18" charset="0"/>
+              </a:rPr>
+              <a:t>Unity platform</a:t>
+            </a:r>
+            <a:r>
+              <a:rPr lang="tr-TR" sz="2400" dirty="0">
+                <a:solidFill>
+                  <a:srgbClr val="000000"/>
+                </a:solidFill>
+                <a:latin typeface="Times New Roman" panose="02020603050405020304" pitchFamily="18" charset="0"/>
+                <a:cs typeface="Times New Roman" panose="02020603050405020304" pitchFamily="18" charset="0"/>
+              </a:rPr>
+              <a:t>.</a:t>
+            </a:r>
+          </a:p>
+          <a:p>
+            <a:r>
+              <a:rPr lang="en-US" sz="2400" dirty="0">
+                <a:solidFill>
+                  <a:srgbClr val="000000"/>
+                </a:solidFill>
+                <a:latin typeface="Times New Roman" panose="02020603050405020304" pitchFamily="18" charset="0"/>
+                <a:cs typeface="Times New Roman" panose="02020603050405020304" pitchFamily="18" charset="0"/>
+              </a:rPr>
+              <a:t>Leaving a ready system for other people using the algorithms we have integrated.</a:t>
+            </a:r>
+            <a:endParaRPr lang="tr-TR" sz="2400" dirty="0">
+              <a:solidFill>
+                <a:srgbClr val="000000"/>
+              </a:solidFill>
+              <a:latin typeface="Times New Roman" panose="02020603050405020304" pitchFamily="18" charset="0"/>
+              <a:cs typeface="Times New Roman" panose="02020603050405020304" pitchFamily="18" charset="0"/>
+            </a:endParaRPr>
+          </a:p>
+          <a:p>
+            <a:r>
+              <a:rPr lang="en-US" sz="2400" dirty="0">
+                <a:solidFill>
+                  <a:srgbClr val="000000"/>
+                </a:solidFill>
+                <a:latin typeface="Times New Roman" panose="02020603050405020304" pitchFamily="18" charset="0"/>
+                <a:cs typeface="Times New Roman" panose="02020603050405020304" pitchFamily="18" charset="0"/>
+              </a:rPr>
+              <a:t>Determining an evaluation platform to test algorithms with test results.</a:t>
             </a:r>
           </a:p>
         </p:txBody>
@@ -5944,7 +9188,7 @@
         </p:nvSpPr>
         <p:spPr>
           <a:xfrm>
-            <a:off x="0" y="2293032"/>
+            <a:off x="140677" y="2520340"/>
             <a:ext cx="4473525" cy="1817319"/>
           </a:xfrm>
         </p:spPr>
@@ -5964,94 +9208,6 @@
               </a:rPr>
               <a:t>Objectives</a:t>
             </a:r>
-          </a:p>
-        </p:txBody>
-      </p:sp>
-      <p:sp>
-        <p:nvSpPr>
-          <p:cNvPr id="3" name="Content Placeholder 2">
-            <a:extLst>
-              <a:ext uri="{FF2B5EF4-FFF2-40B4-BE49-F238E27FC236}">
-                <a16:creationId xmlns:a16="http://schemas.microsoft.com/office/drawing/2014/main" id="{183C1693-FBD7-43A3-8446-BEDFEAB330F7}"/>
-              </a:ext>
-            </a:extLst>
-          </p:cNvPr>
-          <p:cNvSpPr>
-            <a:spLocks noGrp="1"/>
-          </p:cNvSpPr>
-          <p:nvPr>
-            <p:ph idx="1"/>
-          </p:nvPr>
-        </p:nvSpPr>
-        <p:spPr>
-          <a:xfrm>
-            <a:off x="5754860" y="342641"/>
-            <a:ext cx="5980952" cy="3490072"/>
-          </a:xfrm>
-        </p:spPr>
-        <p:txBody>
-          <a:bodyPr anchor="ctr">
-            <a:normAutofit/>
-          </a:bodyPr>
-          <a:lstStyle/>
-          <a:p>
-            <a:pPr>
-              <a:lnSpc>
-                <a:spcPct val="107000"/>
-              </a:lnSpc>
-              <a:spcAft>
-                <a:spcPts val="800"/>
-              </a:spcAft>
-            </a:pPr>
-            <a:r>
-              <a:rPr lang="en-GB" sz="1800" dirty="0">
-                <a:effectLst/>
-                <a:latin typeface="Times New Roman" panose="02020603050405020304" pitchFamily="18" charset="0"/>
-                <a:ea typeface="Calibri" panose="020F0502020204030204" pitchFamily="34" charset="0"/>
-                <a:cs typeface="Times New Roman" panose="02020603050405020304" pitchFamily="18" charset="0"/>
-              </a:rPr>
-              <a:t>The project main objective is making research and implementing the methods in the research papers on particle-based fluid simulations. The implementation of these algorithms consists of two main parts in the POF system: Hash system and surface recognition.</a:t>
-            </a:r>
-            <a:endParaRPr lang="en-US" sz="1800" dirty="0">
-              <a:effectLst/>
-              <a:latin typeface="Times New Roman" panose="02020603050405020304" pitchFamily="18" charset="0"/>
-              <a:ea typeface="Calibri" panose="020F0502020204030204" pitchFamily="34" charset="0"/>
-              <a:cs typeface="Times New Roman" panose="02020603050405020304" pitchFamily="18" charset="0"/>
-            </a:endParaRPr>
-          </a:p>
-          <a:p>
-            <a:pPr>
-              <a:lnSpc>
-                <a:spcPct val="107000"/>
-              </a:lnSpc>
-              <a:spcAft>
-                <a:spcPts val="800"/>
-              </a:spcAft>
-            </a:pPr>
-            <a:r>
-              <a:rPr lang="en-GB" sz="1800" dirty="0">
-                <a:effectLst/>
-                <a:latin typeface="Times New Roman" panose="02020603050405020304" pitchFamily="18" charset="0"/>
-                <a:ea typeface="Calibri" panose="020F0502020204030204" pitchFamily="34" charset="0"/>
-                <a:cs typeface="Times New Roman" panose="02020603050405020304" pitchFamily="18" charset="0"/>
-              </a:rPr>
-              <a:t>In conclusion, the POF project objective is making research and implement to obtain better performance on finding particles and recognizing surface particles on particle-based fluid simulations.</a:t>
-            </a:r>
-            <a:endParaRPr lang="en-US" sz="1800" dirty="0">
-              <a:effectLst/>
-              <a:latin typeface="Times New Roman" panose="02020603050405020304" pitchFamily="18" charset="0"/>
-              <a:ea typeface="Calibri" panose="020F0502020204030204" pitchFamily="34" charset="0"/>
-              <a:cs typeface="Times New Roman" panose="02020603050405020304" pitchFamily="18" charset="0"/>
-            </a:endParaRPr>
-          </a:p>
-          <a:p>
-            <a:endParaRPr lang="en-US" sz="2400" dirty="0">
-              <a:solidFill>
-                <a:srgbClr val="000000"/>
-              </a:solidFill>
-              <a:latin typeface="Times New Roman" panose="02020603050405020304" pitchFamily="18" charset="0"/>
-              <a:cs typeface="Times New Roman" panose="02020603050405020304" pitchFamily="18" charset="0"/>
-            </a:endParaRPr>
           </a:p>
         </p:txBody>
       </p:sp>
@@ -6131,7 +9287,7 @@
                 <a:latin typeface="Times New Roman" panose="02020603050405020304" pitchFamily="18" charset="0"/>
                 <a:cs typeface="Times New Roman" panose="02020603050405020304" pitchFamily="18" charset="0"/>
               </a:rPr>
-              <a:t> 2: </a:t>
+              <a:t> 3: </a:t>
             </a:r>
             <a:r>
               <a:rPr lang="tr-TR" sz="1400" dirty="0">
@@ -6151,6 +9307,247 @@
               <a:latin typeface="Times New Roman" panose="02020603050405020304" pitchFamily="18" charset="0"/>
               <a:cs typeface="Times New Roman" panose="02020603050405020304" pitchFamily="18" charset="0"/>
             </a:endParaRPr>
+          </a:p>
+        </p:txBody>
+      </p:sp>
+      <p:sp>
+        <p:nvSpPr>
+          <p:cNvPr id="9" name="Content Placeholder 2">
+            <a:extLst>
+              <a:ext uri="{FF2B5EF4-FFF2-40B4-BE49-F238E27FC236}">
+                <a16:creationId xmlns:a16="http://schemas.microsoft.com/office/drawing/2014/main" id="{2B719787-D4E3-40DC-AC50-FA03694E0E49}"/>
+              </a:ext>
+            </a:extLst>
+          </p:cNvPr>
+          <p:cNvSpPr txBox="1">
+            <a:spLocks/>
+          </p:cNvSpPr>
+          <p:nvPr/>
+        </p:nvSpPr>
+        <p:spPr>
+          <a:xfrm>
+            <a:off x="6082110" y="30175"/>
+            <a:ext cx="5243909" cy="3615939"/>
+          </a:xfrm>
+          <a:prstGeom prst="rect">
+            <a:avLst/>
+          </a:prstGeom>
+        </p:spPr>
+        <p:txBody>
+          <a:bodyPr vert="horz" lIns="91440" tIns="45720" rIns="91440" bIns="45720" rtlCol="0" anchor="ctr">
+            <a:noAutofit/>
+          </a:bodyPr>
+          <a:lstStyle>
+            <a:lvl1pPr marL="228600" indent="-228600" algn="l" defTabSz="914400" rtl="0" eaLnBrk="1" latinLnBrk="0" hangingPunct="1">
+              <a:lnSpc>
+                <a:spcPct val="90000"/>
+              </a:lnSpc>
+              <a:spcBef>
+                <a:spcPts val="1000"/>
+              </a:spcBef>
+              <a:buFont typeface="Arial" panose="020B0604020202020204" pitchFamily="34" charset="0"/>
+              <a:buChar char="•"/>
+              <a:defRPr sz="2800" kern="1200">
+                <a:solidFill>
+                  <a:schemeClr val="tx1"/>
+                </a:solidFill>
+                <a:latin typeface="+mn-lt"/>
+                <a:ea typeface="+mn-ea"/>
+                <a:cs typeface="+mn-cs"/>
+              </a:defRPr>
+            </a:lvl1pPr>
+            <a:lvl2pPr marL="685800" indent="-228600" algn="l" defTabSz="914400" rtl="0" eaLnBrk="1" latinLnBrk="0" hangingPunct="1">
+              <a:lnSpc>
+                <a:spcPct val="90000"/>
+              </a:lnSpc>
+              <a:spcBef>
+                <a:spcPts val="500"/>
+              </a:spcBef>
+              <a:buFont typeface="Arial" panose="020B0604020202020204" pitchFamily="34" charset="0"/>
+              <a:buChar char="•"/>
+              <a:defRPr sz="2400" kern="1200">
+                <a:solidFill>
+                  <a:schemeClr val="tx1"/>
+                </a:solidFill>
+                <a:latin typeface="+mn-lt"/>
+                <a:ea typeface="+mn-ea"/>
+                <a:cs typeface="+mn-cs"/>
+              </a:defRPr>
+            </a:lvl2pPr>
+            <a:lvl3pPr marL="1143000" indent="-228600" algn="l" defTabSz="914400" rtl="0" eaLnBrk="1" latinLnBrk="0" hangingPunct="1">
+              <a:lnSpc>
+                <a:spcPct val="90000"/>
+              </a:lnSpc>
+              <a:spcBef>
+                <a:spcPts val="500"/>
+              </a:spcBef>
+              <a:buFont typeface="Arial" panose="020B0604020202020204" pitchFamily="34" charset="0"/>
+              <a:buChar char="•"/>
+              <a:defRPr sz="2000" kern="1200">
+                <a:solidFill>
+                  <a:schemeClr val="tx1"/>
+                </a:solidFill>
+                <a:latin typeface="+mn-lt"/>
+                <a:ea typeface="+mn-ea"/>
+                <a:cs typeface="+mn-cs"/>
+              </a:defRPr>
+            </a:lvl3pPr>
+            <a:lvl4pPr marL="1600200" indent="-228600" algn="l" defTabSz="914400" rtl="0" eaLnBrk="1" latinLnBrk="0" hangingPunct="1">
+              <a:lnSpc>
+                <a:spcPct val="90000"/>
+              </a:lnSpc>
+              <a:spcBef>
+                <a:spcPts val="500"/>
+              </a:spcBef>
+              <a:buFont typeface="Arial" panose="020B0604020202020204" pitchFamily="34" charset="0"/>
+              <a:buChar char="•"/>
+              <a:defRPr sz="1800" kern="1200">
+                <a:solidFill>
+                  <a:schemeClr val="tx1"/>
+                </a:solidFill>
+                <a:latin typeface="+mn-lt"/>
+                <a:ea typeface="+mn-ea"/>
+                <a:cs typeface="+mn-cs"/>
+              </a:defRPr>
+            </a:lvl4pPr>
+            <a:lvl5pPr marL="2057400" indent="-228600" algn="l" defTabSz="914400" rtl="0" eaLnBrk="1" latinLnBrk="0" hangingPunct="1">
+              <a:lnSpc>
+                <a:spcPct val="90000"/>
+              </a:lnSpc>
+              <a:spcBef>
+                <a:spcPts val="500"/>
+              </a:spcBef>
+              <a:buFont typeface="Arial" panose="020B0604020202020204" pitchFamily="34" charset="0"/>
+              <a:buChar char="•"/>
+              <a:defRPr sz="1800" kern="1200">
+                <a:solidFill>
+                  <a:schemeClr val="tx1"/>
+                </a:solidFill>
+                <a:latin typeface="+mn-lt"/>
+                <a:ea typeface="+mn-ea"/>
+                <a:cs typeface="+mn-cs"/>
+              </a:defRPr>
+            </a:lvl5pPr>
+            <a:lvl6pPr marL="2514600" indent="-228600" algn="l" defTabSz="914400" rtl="0" eaLnBrk="1" latinLnBrk="0" hangingPunct="1">
+              <a:lnSpc>
+                <a:spcPct val="90000"/>
+              </a:lnSpc>
+              <a:spcBef>
+                <a:spcPts val="500"/>
+              </a:spcBef>
+              <a:buFont typeface="Arial" panose="020B0604020202020204" pitchFamily="34" charset="0"/>
+              <a:buChar char="•"/>
+              <a:defRPr sz="1800" kern="1200">
+                <a:solidFill>
+                  <a:schemeClr val="tx1"/>
+                </a:solidFill>
+                <a:latin typeface="+mn-lt"/>
+                <a:ea typeface="+mn-ea"/>
+                <a:cs typeface="+mn-cs"/>
+              </a:defRPr>
+            </a:lvl6pPr>
+            <a:lvl7pPr marL="2971800" indent="-228600" algn="l" defTabSz="914400" rtl="0" eaLnBrk="1" latinLnBrk="0" hangingPunct="1">
+              <a:lnSpc>
+                <a:spcPct val="90000"/>
+              </a:lnSpc>
+              <a:spcBef>
+                <a:spcPts val="500"/>
+              </a:spcBef>
+              <a:buFont typeface="Arial" panose="020B0604020202020204" pitchFamily="34" charset="0"/>
+              <a:buChar char="•"/>
+              <a:defRPr sz="1800" kern="1200">
+                <a:solidFill>
+                  <a:schemeClr val="tx1"/>
+                </a:solidFill>
+                <a:latin typeface="+mn-lt"/>
+                <a:ea typeface="+mn-ea"/>
+                <a:cs typeface="+mn-cs"/>
+              </a:defRPr>
+            </a:lvl7pPr>
+            <a:lvl8pPr marL="3429000" indent="-228600" algn="l" defTabSz="914400" rtl="0" eaLnBrk="1" latinLnBrk="0" hangingPunct="1">
+              <a:lnSpc>
+                <a:spcPct val="90000"/>
+              </a:lnSpc>
+              <a:spcBef>
+                <a:spcPts val="500"/>
+              </a:spcBef>
+              <a:buFont typeface="Arial" panose="020B0604020202020204" pitchFamily="34" charset="0"/>
+              <a:buChar char="•"/>
+              <a:defRPr sz="1800" kern="1200">
+                <a:solidFill>
+                  <a:schemeClr val="tx1"/>
+                </a:solidFill>
+                <a:latin typeface="+mn-lt"/>
+                <a:ea typeface="+mn-ea"/>
+                <a:cs typeface="+mn-cs"/>
+              </a:defRPr>
+            </a:lvl8pPr>
+            <a:lvl9pPr marL="3886200" indent="-228600" algn="l" defTabSz="914400" rtl="0" eaLnBrk="1" latinLnBrk="0" hangingPunct="1">
+              <a:lnSpc>
+                <a:spcPct val="90000"/>
+              </a:lnSpc>
+              <a:spcBef>
+                <a:spcPts val="500"/>
+              </a:spcBef>
+              <a:buFont typeface="Arial" panose="020B0604020202020204" pitchFamily="34" charset="0"/>
+              <a:buChar char="•"/>
+              <a:defRPr sz="1800" kern="1200">
+                <a:solidFill>
+                  <a:schemeClr val="tx1"/>
+                </a:solidFill>
+                <a:latin typeface="+mn-lt"/>
+                <a:ea typeface="+mn-ea"/>
+                <a:cs typeface="+mn-cs"/>
+              </a:defRPr>
+            </a:lvl9pPr>
+          </a:lstStyle>
+          <a:p>
+            <a:r>
+              <a:rPr lang="en-US" sz="2400" dirty="0">
+                <a:solidFill>
+                  <a:srgbClr val="000000"/>
+                </a:solidFill>
+                <a:latin typeface="Times New Roman" panose="02020603050405020304" pitchFamily="18" charset="0"/>
+                <a:cs typeface="Times New Roman" panose="02020603050405020304" pitchFamily="18" charset="0"/>
+              </a:rPr>
+              <a:t>Using particle-based fluid simulation through the Unity.</a:t>
+            </a:r>
+          </a:p>
+          <a:p>
+            <a:r>
+              <a:rPr lang="en-US" sz="2400" dirty="0">
+                <a:solidFill>
+                  <a:srgbClr val="000000"/>
+                </a:solidFill>
+                <a:latin typeface="Times New Roman" panose="02020603050405020304" pitchFamily="18" charset="0"/>
+                <a:cs typeface="Times New Roman" panose="02020603050405020304" pitchFamily="18" charset="0"/>
+              </a:rPr>
+              <a:t>Recognizing surface particles mathematically.</a:t>
+            </a:r>
+          </a:p>
+          <a:p>
+            <a:r>
+              <a:rPr lang="en-US" sz="2400" dirty="0">
+                <a:solidFill>
+                  <a:srgbClr val="000000"/>
+                </a:solidFill>
+                <a:latin typeface="Times New Roman" panose="02020603050405020304" pitchFamily="18" charset="0"/>
+                <a:cs typeface="Times New Roman" panose="02020603050405020304" pitchFamily="18" charset="0"/>
+              </a:rPr>
+              <a:t>Creating stable test environment for users.</a:t>
+            </a:r>
+          </a:p>
+          <a:p>
+            <a:r>
+              <a:rPr lang="en-US" sz="2400" dirty="0">
+                <a:solidFill>
+                  <a:srgbClr val="000000"/>
+                </a:solidFill>
+                <a:latin typeface="Times New Roman" panose="02020603050405020304" pitchFamily="18" charset="0"/>
+                <a:cs typeface="Times New Roman" panose="02020603050405020304" pitchFamily="18" charset="0"/>
+              </a:rPr>
+              <a:t>Establishing a system to comparing algorithms.</a:t>
+            </a:r>
           </a:p>
         </p:txBody>
       </p:sp>
@@ -6469,18 +9866,18 @@
         </p:nvSpPr>
         <p:spPr>
           <a:xfrm>
-            <a:off x="182881" y="689317"/>
-            <a:ext cx="5092504" cy="1275703"/>
+            <a:off x="449845" y="731520"/>
+            <a:ext cx="5261316" cy="1275703"/>
           </a:xfrm>
         </p:spPr>
         <p:txBody>
           <a:bodyPr>
-            <a:normAutofit/>
+            <a:noAutofit/>
           </a:bodyPr>
           <a:lstStyle/>
           <a:p>
             <a:r>
-              <a:rPr lang="tr-TR" sz="4000" dirty="0">
+              <a:rPr lang="tr-TR" dirty="0">
                 <a:solidFill>
                   <a:srgbClr val="FFFFFF"/>
                 </a:solidFill>
@@ -6489,7 +9886,7 @@
               </a:rPr>
               <a:t>IMPLEMENTATİON</a:t>
             </a:r>
-            <a:endParaRPr lang="en-US" sz="4000" dirty="0">
+            <a:endParaRPr lang="en-US" dirty="0">
               <a:solidFill>
                 <a:srgbClr val="FFFFFF"/>
               </a:solidFill>
@@ -6517,8 +9914,8 @@
         </p:nvSpPr>
         <p:spPr>
           <a:xfrm>
-            <a:off x="182881" y="1849013"/>
-            <a:ext cx="4906574" cy="2329092"/>
+            <a:off x="449845" y="2069859"/>
+            <a:ext cx="3552253" cy="1025591"/>
           </a:xfrm>
         </p:spPr>
         <p:txBody>
@@ -6527,56 +9924,88 @@
           </a:bodyPr>
           <a:lstStyle/>
           <a:p>
-            <a:r>
-              <a:rPr lang="en-US" sz="1800" dirty="0">
+            <a:pPr marL="0" indent="0">
+              <a:buNone/>
+            </a:pPr>
+            <a:r>
+              <a:rPr lang="tr-TR" sz="2400" dirty="0">
                 <a:solidFill>
                   <a:srgbClr val="FFFFFF"/>
                 </a:solidFill>
                 <a:latin typeface="Times New Roman" panose="02020603050405020304" pitchFamily="18" charset="0"/>
                 <a:cs typeface="Times New Roman" panose="02020603050405020304" pitchFamily="18" charset="0"/>
               </a:rPr>
-              <a:t>The implementation is of three main parts: First implementation Hasher benefits to the POF by accessing particles easier. The second implementation is surface recognition which is an algorithm used from </a:t>
-            </a:r>
-            <a:r>
-              <a:rPr lang="tr-TR" sz="1800" dirty="0">
+              <a:t>1-) Hash </a:t>
+            </a:r>
+            <a:r>
+              <a:rPr lang="tr-TR" sz="2400" dirty="0" err="1">
                 <a:solidFill>
                   <a:srgbClr val="FFFFFF"/>
                 </a:solidFill>
                 <a:latin typeface="Times New Roman" panose="02020603050405020304" pitchFamily="18" charset="0"/>
                 <a:cs typeface="Times New Roman" panose="02020603050405020304" pitchFamily="18" charset="0"/>
               </a:rPr>
-              <a:t>Akıncı</a:t>
-            </a:r>
-            <a:r>
-              <a:rPr lang="en-US" sz="1800" dirty="0">
+              <a:t>System</a:t>
+            </a:r>
+            <a:endParaRPr lang="tr-TR" sz="2400" dirty="0">
+              <a:solidFill>
+                <a:srgbClr val="FFFFFF"/>
+              </a:solidFill>
+              <a:latin typeface="Times New Roman" panose="02020603050405020304" pitchFamily="18" charset="0"/>
+              <a:cs typeface="Times New Roman" panose="02020603050405020304" pitchFamily="18" charset="0"/>
+            </a:endParaRPr>
+          </a:p>
+          <a:p>
+            <a:pPr marL="0" indent="0">
+              <a:buNone/>
+            </a:pPr>
+            <a:r>
+              <a:rPr lang="tr-TR" sz="2400" dirty="0">
                 <a:solidFill>
                   <a:srgbClr val="FFFFFF"/>
                 </a:solidFill>
                 <a:latin typeface="Times New Roman" panose="02020603050405020304" pitchFamily="18" charset="0"/>
                 <a:cs typeface="Times New Roman" panose="02020603050405020304" pitchFamily="18" charset="0"/>
               </a:rPr>
-              <a:t>, G. et al. (2012) [1] to draw vertices of surface particles. The third implementation is written by Zhu, Y. et al. [</a:t>
-            </a:r>
-            <a:r>
-              <a:rPr lang="tr-TR" sz="1800" dirty="0">
+              <a:t>2-) </a:t>
+            </a:r>
+            <a:r>
+              <a:rPr lang="tr-TR" sz="2400" dirty="0" err="1">
                 <a:solidFill>
                   <a:srgbClr val="FFFFFF"/>
                 </a:solidFill>
                 <a:latin typeface="Times New Roman" panose="02020603050405020304" pitchFamily="18" charset="0"/>
                 <a:cs typeface="Times New Roman" panose="02020603050405020304" pitchFamily="18" charset="0"/>
               </a:rPr>
-              <a:t>2</a:t>
-            </a:r>
-            <a:r>
-              <a:rPr lang="en-US" sz="1800" dirty="0">
+              <a:t>Surface</a:t>
+            </a:r>
+            <a:r>
+              <a:rPr lang="tr-TR" sz="2400" dirty="0">
                 <a:solidFill>
                   <a:srgbClr val="FFFFFF"/>
                 </a:solidFill>
                 <a:latin typeface="Times New Roman" panose="02020603050405020304" pitchFamily="18" charset="0"/>
                 <a:cs typeface="Times New Roman" panose="02020603050405020304" pitchFamily="18" charset="0"/>
               </a:rPr>
-              <a:t>], offers an alternative way to simulate liquids.</a:t>
-            </a:r>
+              <a:t> </a:t>
+            </a:r>
+            <a:r>
+              <a:rPr lang="tr-TR" sz="2400" dirty="0" err="1">
+                <a:solidFill>
+                  <a:srgbClr val="FFFFFF"/>
+                </a:solidFill>
+                <a:latin typeface="Times New Roman" panose="02020603050405020304" pitchFamily="18" charset="0"/>
+                <a:cs typeface="Times New Roman" panose="02020603050405020304" pitchFamily="18" charset="0"/>
+              </a:rPr>
+              <a:t>Recognition</a:t>
+            </a:r>
+            <a:endParaRPr lang="tr-TR" sz="2400" dirty="0">
+              <a:solidFill>
+                <a:srgbClr val="FFFFFF"/>
+              </a:solidFill>
+              <a:latin typeface="Times New Roman" panose="02020603050405020304" pitchFamily="18" charset="0"/>
+              <a:cs typeface="Times New Roman" panose="02020603050405020304" pitchFamily="18" charset="0"/>
+            </a:endParaRPr>
           </a:p>
         </p:txBody>
       </p:sp>
@@ -6671,8 +10100,8 @@
         </p:blipFill>
         <p:spPr>
           <a:xfrm>
-            <a:off x="449845" y="4205540"/>
-            <a:ext cx="2846832" cy="2013613"/>
+            <a:off x="449845" y="3782548"/>
+            <a:ext cx="3243906" cy="2294470"/>
           </a:xfrm>
           <a:prstGeom prst="rect">
             <a:avLst/>
@@ -6904,665 +10333,6 @@
 </file>
 
 <file path=ppt/slides/slide6.xml><?xml version="1.0" encoding="utf-8"?>
-<p:sld xmlns:a="http://schemas.openxmlformats.org/drawingml/2006/main" xmlns:r="http://schemas.openxmlformats.org/officeDocument/2006/relationships" xmlns:p="http://schemas.openxmlformats.org/presentationml/2006/main">
-  <p:cSld>
-    <p:bg>
-      <p:bgPr>
-        <a:solidFill>
-          <a:schemeClr val="bg1"/>
-        </a:solidFill>
-        <a:effectLst/>
-      </p:bgPr>
-    </p:bg>
-    <p:spTree>
-      <p:nvGrpSpPr>
-        <p:cNvPr id="1" name=""/>
-        <p:cNvGrpSpPr/>
-        <p:nvPr/>
-      </p:nvGrpSpPr>
-      <p:grpSpPr>
-        <a:xfrm>
-          <a:off x="0" y="0"/>
-          <a:ext cx="0" cy="0"/>
-          <a:chOff x="0" y="0"/>
-          <a:chExt cx="0" cy="0"/>
-        </a:xfrm>
-      </p:grpSpPr>
-      <p:sp>
-        <p:nvSpPr>
-          <p:cNvPr id="8" name="Rectangle 7">
-            <a:extLst>
-              <a:ext uri="{FF2B5EF4-FFF2-40B4-BE49-F238E27FC236}">
-                <a16:creationId xmlns:a16="http://schemas.microsoft.com/office/drawing/2014/main" id="{07027C52-EAEF-417D-B99C-DBFD6D1345AE}"/>
-              </a:ext>
-              <a:ext uri="{C183D7F6-B498-43B3-948B-1728B52AA6E4}">
-                <adec:decorative xmlns:adec="http://schemas.microsoft.com/office/drawing/2017/decorative" val="1"/>
-              </a:ext>
-            </a:extLst>
-          </p:cNvPr>
-          <p:cNvSpPr>
-            <a:spLocks noGrp="1" noRot="1" noChangeAspect="1" noMove="1" noResize="1" noEditPoints="1" noAdjustHandles="1" noChangeArrowheads="1" noChangeShapeType="1" noTextEdit="1"/>
-          </p:cNvSpPr>
-          <p:nvPr>
-            <p:extLst>
-              <p:ext uri="{386F3935-93C4-4BCD-93E2-E3B085C9AB24}">
-                <p16:designElem xmlns:p16="http://schemas.microsoft.com/office/powerpoint/2015/main" val="1"/>
-              </p:ext>
-            </p:extLst>
-          </p:nvPr>
-        </p:nvSpPr>
-        <p:spPr>
-          <a:xfrm>
-            <a:off x="279400" y="0"/>
-            <a:ext cx="11912600" cy="6858000"/>
-          </a:xfrm>
-          <a:prstGeom prst="rect">
-            <a:avLst/>
-          </a:prstGeom>
-          <a:gradFill>
-            <a:gsLst>
-              <a:gs pos="0">
-                <a:schemeClr val="accent1">
-                  <a:lumMod val="90000"/>
-                </a:schemeClr>
-              </a:gs>
-              <a:gs pos="25000">
-                <a:schemeClr val="accent1">
-                  <a:lumMod val="90000"/>
-                </a:schemeClr>
-              </a:gs>
-              <a:gs pos="94000">
-                <a:schemeClr val="bg2">
-                  <a:lumMod val="25000"/>
-                </a:schemeClr>
-              </a:gs>
-              <a:gs pos="100000">
-                <a:schemeClr val="bg2">
-                  <a:lumMod val="25000"/>
-                </a:schemeClr>
-              </a:gs>
-            </a:gsLst>
-            <a:lin ang="4200000" scaled="0"/>
-          </a:gradFill>
-          <a:ln>
-            <a:noFill/>
-          </a:ln>
-        </p:spPr>
-        <p:style>
-          <a:lnRef idx="2">
-            <a:schemeClr val="accent1">
-              <a:shade val="50000"/>
-            </a:schemeClr>
-          </a:lnRef>
-          <a:fillRef idx="1">
-            <a:schemeClr val="accent1"/>
-          </a:fillRef>
-          <a:effectRef idx="0">
-            <a:schemeClr val="accent1"/>
-          </a:effectRef>
-          <a:fontRef idx="minor">
-            <a:schemeClr val="lt1"/>
-          </a:fontRef>
-        </p:style>
-        <p:txBody>
-          <a:bodyPr rtlCol="0" anchor="ctr"/>
-          <a:lstStyle/>
-          <a:p>
-            <a:pPr marL="0" marR="0" lvl="0" indent="0" algn="ctr" defTabSz="914400" rtl="0" eaLnBrk="1" fontAlgn="auto" latinLnBrk="0" hangingPunct="1">
-              <a:lnSpc>
-                <a:spcPct val="100000"/>
-              </a:lnSpc>
-              <a:spcBef>
-                <a:spcPts val="0"/>
-              </a:spcBef>
-              <a:spcAft>
-                <a:spcPts val="0"/>
-              </a:spcAft>
-              <a:buClrTx/>
-              <a:buSzTx/>
-              <a:buFontTx/>
-              <a:buNone/>
-              <a:tabLst/>
-              <a:defRPr/>
-            </a:pPr>
-            <a:endParaRPr kumimoji="0" lang="en-US" sz="1800" b="0" i="0" u="none" strike="noStrike" kern="1200" cap="none" spc="0" normalizeH="0" baseline="0" noProof="0">
-              <a:ln>
-                <a:noFill/>
-              </a:ln>
-              <a:solidFill>
-                <a:prstClr val="white"/>
-              </a:solidFill>
-              <a:effectLst/>
-              <a:uLnTx/>
-              <a:uFillTx/>
-              <a:latin typeface="Calibri" panose="020F0502020204030204"/>
-              <a:ea typeface="+mn-ea"/>
-              <a:cs typeface="+mn-cs"/>
-            </a:endParaRPr>
-          </a:p>
-        </p:txBody>
-      </p:sp>
-      <p:pic>
-        <p:nvPicPr>
-          <p:cNvPr id="10" name="Picture 9">
-            <a:extLst>
-              <a:ext uri="{FF2B5EF4-FFF2-40B4-BE49-F238E27FC236}">
-                <a16:creationId xmlns:a16="http://schemas.microsoft.com/office/drawing/2014/main" id="{F0977BDD-F21B-4E52-8FAE-69AA18080BDB}"/>
-              </a:ext>
-              <a:ext uri="{C183D7F6-B498-43B3-948B-1728B52AA6E4}">
-                <adec:decorative xmlns:adec="http://schemas.microsoft.com/office/drawing/2017/decorative" val="1"/>
-              </a:ext>
-            </a:extLst>
-          </p:cNvPr>
-          <p:cNvPicPr>
-            <a:picLocks noGrp="1" noRot="1" noChangeAspect="1" noMove="1" noResize="1" noEditPoints="1" noAdjustHandles="1" noChangeArrowheads="1" noChangeShapeType="1" noCrop="1"/>
-          </p:cNvPicPr>
-          <p:nvPr>
-            <p:extLst>
-              <p:ext uri="{386F3935-93C4-4BCD-93E2-E3B085C9AB24}">
-                <p16:designElem xmlns:p16="http://schemas.microsoft.com/office/powerpoint/2015/main" val="1"/>
-              </p:ext>
-            </p:extLst>
-          </p:nvPr>
-        </p:nvPicPr>
-        <p:blipFill rotWithShape="1">
-          <a:blip r:embed="rId2">
-            <a:extLst>
-              <a:ext uri="{28A0092B-C50C-407E-A947-70E740481C1C}">
-                <a14:useLocalDpi xmlns:a14="http://schemas.microsoft.com/office/drawing/2010/main" val="0"/>
-              </a:ext>
-            </a:extLst>
-          </a:blip>
-          <a:srcRect l="49933" t="3964" b="3964"/>
-          <a:stretch/>
-        </p:blipFill>
-        <p:spPr>
-          <a:xfrm flipH="1">
-            <a:off x="5562194" y="1"/>
-            <a:ext cx="6629806" cy="6857999"/>
-          </a:xfrm>
-          <a:custGeom>
-            <a:avLst/>
-            <a:gdLst>
-              <a:gd name="connsiteX0" fmla="*/ 0 w 7554138"/>
-              <a:gd name="connsiteY0" fmla="*/ 0 h 6857999"/>
-              <a:gd name="connsiteX1" fmla="*/ 7554138 w 7554138"/>
-              <a:gd name="connsiteY1" fmla="*/ 0 h 6857999"/>
-              <a:gd name="connsiteX2" fmla="*/ 7554138 w 7554138"/>
-              <a:gd name="connsiteY2" fmla="*/ 6857999 h 6857999"/>
-              <a:gd name="connsiteX3" fmla="*/ 0 w 7554138"/>
-              <a:gd name="connsiteY3" fmla="*/ 6857999 h 6857999"/>
-            </a:gdLst>
-            <a:ahLst/>
-            <a:cxnLst>
-              <a:cxn ang="0">
-                <a:pos x="connsiteX0" y="connsiteY0"/>
-              </a:cxn>
-              <a:cxn ang="0">
-                <a:pos x="connsiteX1" y="connsiteY1"/>
-              </a:cxn>
-              <a:cxn ang="0">
-                <a:pos x="connsiteX2" y="connsiteY2"/>
-              </a:cxn>
-              <a:cxn ang="0">
-                <a:pos x="connsiteX3" y="connsiteY3"/>
-              </a:cxn>
-            </a:cxnLst>
-            <a:rect l="l" t="t" r="r" b="b"/>
-            <a:pathLst>
-              <a:path w="7554138" h="6857999">
-                <a:moveTo>
-                  <a:pt x="0" y="0"/>
-                </a:moveTo>
-                <a:lnTo>
-                  <a:pt x="7554138" y="0"/>
-                </a:lnTo>
-                <a:lnTo>
-                  <a:pt x="7554138" y="6857999"/>
-                </a:lnTo>
-                <a:lnTo>
-                  <a:pt x="0" y="6857999"/>
-                </a:lnTo>
-                <a:close/>
-              </a:path>
-            </a:pathLst>
-          </a:custGeom>
-        </p:spPr>
-      </p:pic>
-      <p:sp>
-        <p:nvSpPr>
-          <p:cNvPr id="12" name="Rectangle 11">
-            <a:extLst>
-              <a:ext uri="{FF2B5EF4-FFF2-40B4-BE49-F238E27FC236}">
-                <a16:creationId xmlns:a16="http://schemas.microsoft.com/office/drawing/2014/main" id="{9FF39A25-DBCE-442D-A2E3-C0FE33129BC6}"/>
-              </a:ext>
-              <a:ext uri="{C183D7F6-B498-43B3-948B-1728B52AA6E4}">
-                <adec:decorative xmlns:adec="http://schemas.microsoft.com/office/drawing/2017/decorative" val="1"/>
-              </a:ext>
-            </a:extLst>
-          </p:cNvPr>
-          <p:cNvSpPr>
-            <a:spLocks noGrp="1" noRot="1" noChangeAspect="1" noMove="1" noResize="1" noEditPoints="1" noAdjustHandles="1" noChangeArrowheads="1" noChangeShapeType="1" noTextEdit="1"/>
-          </p:cNvSpPr>
-          <p:nvPr>
-            <p:extLst>
-              <p:ext uri="{386F3935-93C4-4BCD-93E2-E3B085C9AB24}">
-                <p16:designElem xmlns:p16="http://schemas.microsoft.com/office/powerpoint/2015/main" val="1"/>
-              </p:ext>
-            </p:extLst>
-          </p:nvPr>
-        </p:nvSpPr>
-        <p:spPr>
-          <a:xfrm>
-            <a:off x="0" y="0"/>
-            <a:ext cx="5900738" cy="6858000"/>
-          </a:xfrm>
-          <a:prstGeom prst="rect">
-            <a:avLst/>
-          </a:prstGeom>
-          <a:solidFill>
-            <a:srgbClr val="FFFFFF"/>
-          </a:solidFill>
-          <a:ln>
-            <a:noFill/>
-          </a:ln>
-        </p:spPr>
-        <p:style>
-          <a:lnRef idx="2">
-            <a:schemeClr val="accent1">
-              <a:shade val="50000"/>
-            </a:schemeClr>
-          </a:lnRef>
-          <a:fillRef idx="1">
-            <a:schemeClr val="accent1"/>
-          </a:fillRef>
-          <a:effectRef idx="0">
-            <a:schemeClr val="accent1"/>
-          </a:effectRef>
-          <a:fontRef idx="minor">
-            <a:schemeClr val="lt1"/>
-          </a:fontRef>
-        </p:style>
-        <p:txBody>
-          <a:bodyPr rtlCol="0" anchor="ctr"/>
-          <a:lstStyle/>
-          <a:p>
-            <a:pPr algn="ctr"/>
-            <a:endParaRPr lang="en-US"/>
-          </a:p>
-        </p:txBody>
-      </p:sp>
-      <p:sp>
-        <p:nvSpPr>
-          <p:cNvPr id="2" name="Title 1">
-            <a:extLst>
-              <a:ext uri="{FF2B5EF4-FFF2-40B4-BE49-F238E27FC236}">
-                <a16:creationId xmlns:a16="http://schemas.microsoft.com/office/drawing/2014/main" id="{97A56CAB-E3CE-4D1F-B4FD-FFDF44039E9D}"/>
-              </a:ext>
-            </a:extLst>
-          </p:cNvPr>
-          <p:cNvSpPr>
-            <a:spLocks noGrp="1"/>
-          </p:cNvSpPr>
-          <p:nvPr>
-            <p:ph type="title"/>
-          </p:nvPr>
-        </p:nvSpPr>
-        <p:spPr>
-          <a:xfrm>
-            <a:off x="279400" y="365760"/>
-            <a:ext cx="4764383" cy="993793"/>
-          </a:xfrm>
-        </p:spPr>
-        <p:txBody>
-          <a:bodyPr vert="horz" lIns="91440" tIns="45720" rIns="91440" bIns="45720" rtlCol="0" anchor="ctr">
-            <a:normAutofit/>
-          </a:bodyPr>
-          <a:lstStyle/>
-          <a:p>
-            <a:r>
-              <a:rPr lang="tr-TR" sz="4800" dirty="0">
-                <a:solidFill>
-                  <a:srgbClr val="000000"/>
-                </a:solidFill>
-                <a:latin typeface="Arial" panose="020B0604020202020204" pitchFamily="34" charset="0"/>
-                <a:cs typeface="Arial" panose="020B0604020202020204" pitchFamily="34" charset="0"/>
-              </a:rPr>
-              <a:t>HASH SYSTEM</a:t>
-            </a:r>
-            <a:endParaRPr lang="en-US" sz="4800" kern="1200" dirty="0">
-              <a:solidFill>
-                <a:srgbClr val="000000"/>
-              </a:solidFill>
-              <a:latin typeface="Arial" panose="020B0604020202020204" pitchFamily="34" charset="0"/>
-              <a:cs typeface="Arial" panose="020B0604020202020204" pitchFamily="34" charset="0"/>
-            </a:endParaRPr>
-          </a:p>
-        </p:txBody>
-      </p:sp>
-      <p:sp>
-        <p:nvSpPr>
-          <p:cNvPr id="4" name="TextBox 3">
-            <a:extLst>
-              <a:ext uri="{FF2B5EF4-FFF2-40B4-BE49-F238E27FC236}">
-                <a16:creationId xmlns:a16="http://schemas.microsoft.com/office/drawing/2014/main" id="{88628D12-09CA-40D2-8D8C-8BC1351AC0C0}"/>
-              </a:ext>
-            </a:extLst>
-          </p:cNvPr>
-          <p:cNvSpPr txBox="1"/>
-          <p:nvPr/>
-        </p:nvSpPr>
-        <p:spPr>
-          <a:xfrm>
-            <a:off x="279400" y="1674674"/>
-            <a:ext cx="4764383" cy="2031325"/>
-          </a:xfrm>
-          <a:prstGeom prst="rect">
-            <a:avLst/>
-          </a:prstGeom>
-          <a:noFill/>
-        </p:spPr>
-        <p:txBody>
-          <a:bodyPr wrap="square" rtlCol="0">
-            <a:spAutoFit/>
-          </a:bodyPr>
-          <a:lstStyle/>
-          <a:p>
-            <a:r>
-              <a:rPr lang="en-US" dirty="0"/>
-              <a:t>Hash</a:t>
-            </a:r>
-            <a:r>
-              <a:rPr lang="tr-TR" dirty="0"/>
-              <a:t> </a:t>
-            </a:r>
-            <a:r>
-              <a:rPr lang="en-US" dirty="0"/>
-              <a:t>system is a method to mapping particles in a three-dimensional space converted to the one-dimensional hash table that allows very fast access on particles in the 3-dimensional space domain. Hash system analyses particles position data and finds particles faster through a special function.</a:t>
-            </a:r>
-          </a:p>
-        </p:txBody>
-      </p:sp>
-      <p:pic>
-        <p:nvPicPr>
-          <p:cNvPr id="5" name="Picture 4">
-            <a:extLst>
-              <a:ext uri="{FF2B5EF4-FFF2-40B4-BE49-F238E27FC236}">
-                <a16:creationId xmlns:a16="http://schemas.microsoft.com/office/drawing/2014/main" id="{A954ED5F-F3F3-43F2-9575-214CB3747CE5}"/>
-              </a:ext>
-            </a:extLst>
-          </p:cNvPr>
-          <p:cNvPicPr>
-            <a:picLocks noChangeAspect="1"/>
-          </p:cNvPicPr>
-          <p:nvPr/>
-        </p:nvPicPr>
-        <p:blipFill>
-          <a:blip r:embed="rId3">
-            <a:extLst>
-              <a:ext uri="{28A0092B-C50C-407E-A947-70E740481C1C}">
-                <a14:useLocalDpi xmlns:a14="http://schemas.microsoft.com/office/drawing/2010/main" val="0"/>
-              </a:ext>
-            </a:extLst>
-          </a:blip>
-          <a:stretch>
-            <a:fillRect/>
-          </a:stretch>
-        </p:blipFill>
-        <p:spPr>
-          <a:xfrm>
-            <a:off x="7197469" y="239546"/>
-            <a:ext cx="4715131" cy="3189454"/>
-          </a:xfrm>
-          <a:prstGeom prst="rect">
-            <a:avLst/>
-          </a:prstGeom>
-        </p:spPr>
-      </p:pic>
-      <p:pic>
-        <p:nvPicPr>
-          <p:cNvPr id="11" name="Picture 10" descr="A pile of snow&#10;&#10;Description automatically generated">
-            <a:extLst>
-              <a:ext uri="{FF2B5EF4-FFF2-40B4-BE49-F238E27FC236}">
-                <a16:creationId xmlns:a16="http://schemas.microsoft.com/office/drawing/2014/main" id="{652A76AB-D08A-452E-8FC1-44A3BC7491D9}"/>
-              </a:ext>
-            </a:extLst>
-          </p:cNvPr>
-          <p:cNvPicPr>
-            <a:picLocks noChangeAspect="1"/>
-          </p:cNvPicPr>
-          <p:nvPr/>
-        </p:nvPicPr>
-        <p:blipFill>
-          <a:blip r:embed="rId4">
-            <a:extLst>
-              <a:ext uri="{28A0092B-C50C-407E-A947-70E740481C1C}">
-                <a14:useLocalDpi xmlns:a14="http://schemas.microsoft.com/office/drawing/2010/main" val="0"/>
-              </a:ext>
-            </a:extLst>
-          </a:blip>
-          <a:stretch>
-            <a:fillRect/>
-          </a:stretch>
-        </p:blipFill>
-        <p:spPr>
-          <a:xfrm>
-            <a:off x="317780" y="3734932"/>
-            <a:ext cx="5265177" cy="2757308"/>
-          </a:xfrm>
-          <a:prstGeom prst="rect">
-            <a:avLst/>
-          </a:prstGeom>
-        </p:spPr>
-      </p:pic>
-      <p:sp>
-        <p:nvSpPr>
-          <p:cNvPr id="13" name="TextBox 12">
-            <a:extLst>
-              <a:ext uri="{FF2B5EF4-FFF2-40B4-BE49-F238E27FC236}">
-                <a16:creationId xmlns:a16="http://schemas.microsoft.com/office/drawing/2014/main" id="{29FDFD56-94B9-4077-B55D-3F8AEA0C9A76}"/>
-              </a:ext>
-            </a:extLst>
-          </p:cNvPr>
-          <p:cNvSpPr txBox="1"/>
-          <p:nvPr/>
-        </p:nvSpPr>
-        <p:spPr>
-          <a:xfrm>
-            <a:off x="8934638" y="3705999"/>
-            <a:ext cx="2195274" cy="307777"/>
-          </a:xfrm>
-          <a:prstGeom prst="rect">
-            <a:avLst/>
-          </a:prstGeom>
-          <a:noFill/>
-        </p:spPr>
-        <p:txBody>
-          <a:bodyPr wrap="square" rtlCol="0">
-            <a:spAutoFit/>
-          </a:bodyPr>
-          <a:lstStyle/>
-          <a:p>
-            <a:r>
-              <a:rPr lang="en-US" sz="1400" b="1" dirty="0">
-                <a:solidFill>
-                  <a:schemeClr val="bg1"/>
-                </a:solidFill>
-                <a:latin typeface="Times New Roman" panose="02020603050405020304" pitchFamily="18" charset="0"/>
-                <a:cs typeface="Times New Roman" panose="02020603050405020304" pitchFamily="18" charset="0"/>
-              </a:rPr>
-              <a:t>Fig</a:t>
-            </a:r>
-            <a:r>
-              <a:rPr lang="tr-TR" sz="1400" b="1" dirty="0">
-                <a:solidFill>
-                  <a:schemeClr val="bg1"/>
-                </a:solidFill>
-                <a:latin typeface="Times New Roman" panose="02020603050405020304" pitchFamily="18" charset="0"/>
-                <a:cs typeface="Times New Roman" panose="02020603050405020304" pitchFamily="18" charset="0"/>
-              </a:rPr>
-              <a:t> 7: </a:t>
-            </a:r>
-            <a:r>
-              <a:rPr lang="tr-TR" sz="1400" dirty="0">
-                <a:solidFill>
-                  <a:schemeClr val="bg1"/>
-                </a:solidFill>
-                <a:latin typeface="Times New Roman" panose="02020603050405020304" pitchFamily="18" charset="0"/>
-                <a:cs typeface="Times New Roman" panose="02020603050405020304" pitchFamily="18" charset="0"/>
-              </a:rPr>
-              <a:t>Hash </a:t>
-            </a:r>
-            <a:r>
-              <a:rPr lang="en-US" sz="1400" dirty="0">
-                <a:solidFill>
-                  <a:schemeClr val="bg1"/>
-                </a:solidFill>
-                <a:latin typeface="Times New Roman" panose="02020603050405020304" pitchFamily="18" charset="0"/>
-                <a:cs typeface="Times New Roman" panose="02020603050405020304" pitchFamily="18" charset="0"/>
-              </a:rPr>
-              <a:t>System</a:t>
-            </a:r>
-            <a:r>
-              <a:rPr lang="tr-TR" sz="1400" dirty="0">
-                <a:solidFill>
-                  <a:schemeClr val="bg1"/>
-                </a:solidFill>
-                <a:latin typeface="Times New Roman" panose="02020603050405020304" pitchFamily="18" charset="0"/>
-                <a:cs typeface="Times New Roman" panose="02020603050405020304" pitchFamily="18" charset="0"/>
-              </a:rPr>
-              <a:t>-4</a:t>
-            </a:r>
-            <a:endParaRPr lang="en-US" sz="1400" dirty="0">
-              <a:solidFill>
-                <a:schemeClr val="bg1"/>
-              </a:solidFill>
-              <a:latin typeface="Times New Roman" panose="02020603050405020304" pitchFamily="18" charset="0"/>
-              <a:cs typeface="Times New Roman" panose="02020603050405020304" pitchFamily="18" charset="0"/>
-            </a:endParaRPr>
-          </a:p>
-        </p:txBody>
-      </p:sp>
-      <p:sp>
-        <p:nvSpPr>
-          <p:cNvPr id="14" name="TextBox 13">
-            <a:extLst>
-              <a:ext uri="{FF2B5EF4-FFF2-40B4-BE49-F238E27FC236}">
-                <a16:creationId xmlns:a16="http://schemas.microsoft.com/office/drawing/2014/main" id="{D32AC941-E814-4F56-AD7B-3C0851100D41}"/>
-              </a:ext>
-            </a:extLst>
-          </p:cNvPr>
-          <p:cNvSpPr txBox="1"/>
-          <p:nvPr/>
-        </p:nvSpPr>
-        <p:spPr>
-          <a:xfrm>
-            <a:off x="1430657" y="6521173"/>
-            <a:ext cx="2195274" cy="307777"/>
-          </a:xfrm>
-          <a:prstGeom prst="rect">
-            <a:avLst/>
-          </a:prstGeom>
-          <a:noFill/>
-        </p:spPr>
-        <p:txBody>
-          <a:bodyPr wrap="square" rtlCol="0">
-            <a:spAutoFit/>
-          </a:bodyPr>
-          <a:lstStyle/>
-          <a:p>
-            <a:r>
-              <a:rPr lang="en-US" sz="1400" b="1" dirty="0">
-                <a:solidFill>
-                  <a:schemeClr val="tx1">
-                    <a:lumMod val="95000"/>
-                    <a:lumOff val="5000"/>
-                  </a:schemeClr>
-                </a:solidFill>
-                <a:latin typeface="Times New Roman" panose="02020603050405020304" pitchFamily="18" charset="0"/>
-                <a:cs typeface="Times New Roman" panose="02020603050405020304" pitchFamily="18" charset="0"/>
-              </a:rPr>
-              <a:t>Fig</a:t>
-            </a:r>
-            <a:r>
-              <a:rPr lang="tr-TR" sz="1400" b="1" dirty="0">
-                <a:solidFill>
-                  <a:schemeClr val="tx1">
-                    <a:lumMod val="95000"/>
-                    <a:lumOff val="5000"/>
-                  </a:schemeClr>
-                </a:solidFill>
-                <a:latin typeface="Times New Roman" panose="02020603050405020304" pitchFamily="18" charset="0"/>
-                <a:cs typeface="Times New Roman" panose="02020603050405020304" pitchFamily="18" charset="0"/>
-              </a:rPr>
-              <a:t> 6: </a:t>
-            </a:r>
-            <a:r>
-              <a:rPr lang="tr-TR" sz="1400" dirty="0">
-                <a:solidFill>
-                  <a:schemeClr val="tx1">
-                    <a:lumMod val="95000"/>
-                    <a:lumOff val="5000"/>
-                  </a:schemeClr>
-                </a:solidFill>
-                <a:latin typeface="Times New Roman" panose="02020603050405020304" pitchFamily="18" charset="0"/>
-                <a:cs typeface="Times New Roman" panose="02020603050405020304" pitchFamily="18" charset="0"/>
-              </a:rPr>
-              <a:t>Hash </a:t>
-            </a:r>
-            <a:r>
-              <a:rPr lang="en-US" sz="1400" dirty="0">
-                <a:solidFill>
-                  <a:schemeClr val="tx1">
-                    <a:lumMod val="95000"/>
-                    <a:lumOff val="5000"/>
-                  </a:schemeClr>
-                </a:solidFill>
-                <a:latin typeface="Times New Roman" panose="02020603050405020304" pitchFamily="18" charset="0"/>
-                <a:cs typeface="Times New Roman" panose="02020603050405020304" pitchFamily="18" charset="0"/>
-              </a:rPr>
-              <a:t>System</a:t>
-            </a:r>
-            <a:r>
-              <a:rPr lang="tr-TR" sz="1400" dirty="0">
-                <a:solidFill>
-                  <a:schemeClr val="tx1">
-                    <a:lumMod val="95000"/>
-                    <a:lumOff val="5000"/>
-                  </a:schemeClr>
-                </a:solidFill>
-                <a:latin typeface="Times New Roman" panose="02020603050405020304" pitchFamily="18" charset="0"/>
-                <a:cs typeface="Times New Roman" panose="02020603050405020304" pitchFamily="18" charset="0"/>
-              </a:rPr>
-              <a:t>-3</a:t>
-            </a:r>
-            <a:endParaRPr lang="en-US" sz="1400" dirty="0">
-              <a:solidFill>
-                <a:schemeClr val="tx1">
-                  <a:lumMod val="95000"/>
-                  <a:lumOff val="5000"/>
-                </a:schemeClr>
-              </a:solidFill>
-              <a:latin typeface="Times New Roman" panose="02020603050405020304" pitchFamily="18" charset="0"/>
-              <a:cs typeface="Times New Roman" panose="02020603050405020304" pitchFamily="18" charset="0"/>
-            </a:endParaRPr>
-          </a:p>
-        </p:txBody>
-      </p:sp>
-    </p:spTree>
-    <p:extLst>
-      <p:ext uri="{BB962C8B-B14F-4D97-AF65-F5344CB8AC3E}">
-        <p14:creationId xmlns:p14="http://schemas.microsoft.com/office/powerpoint/2010/main" val="3815151697"/>
-      </p:ext>
-    </p:extLst>
-  </p:cSld>
-  <p:clrMapOvr>
-    <a:masterClrMapping/>
-  </p:clrMapOvr>
-</p:sld>
-</file>
-
-<file path=ppt/slides/slide7.xml><?xml version="1.0" encoding="utf-8"?>
 <p:sld xmlns:a="http://schemas.openxmlformats.org/drawingml/2006/main" xmlns:r="http://schemas.openxmlformats.org/officeDocument/2006/relationships" xmlns:p="http://schemas.openxmlformats.org/presentationml/2006/main">
   <p:cSld>
     <p:bg>
@@ -7777,23 +10547,45 @@
         </p:nvSpPr>
         <p:spPr>
           <a:xfrm>
-            <a:off x="958744" y="546888"/>
-            <a:ext cx="4139745" cy="1244397"/>
+            <a:off x="958744" y="351807"/>
+            <a:ext cx="4588870" cy="1244397"/>
           </a:xfrm>
         </p:spPr>
         <p:txBody>
           <a:bodyPr vert="horz" lIns="91440" tIns="45720" rIns="91440" bIns="45720" rtlCol="0" anchor="ctr">
-            <a:normAutofit/>
+            <a:normAutofit fontScale="90000"/>
           </a:bodyPr>
           <a:lstStyle/>
           <a:p>
             <a:r>
+              <a:rPr lang="en-US" sz="5300" dirty="0">
+                <a:solidFill>
+                  <a:srgbClr val="FFFFFF"/>
+                </a:solidFill>
+                <a:latin typeface="Arial" panose="020B0604020202020204" pitchFamily="34" charset="0"/>
+                <a:cs typeface="Arial" panose="020B0604020202020204" pitchFamily="34" charset="0"/>
+              </a:rPr>
+              <a:t>HASH</a:t>
+            </a:r>
+            <a:r>
               <a:rPr lang="en-US" sz="4800" dirty="0">
                 <a:solidFill>
                   <a:srgbClr val="FFFFFF"/>
                 </a:solidFill>
-              </a:rPr>
-              <a:t>HASH SYSTEM</a:t>
+                <a:latin typeface="Arial" panose="020B0604020202020204" pitchFamily="34" charset="0"/>
+                <a:cs typeface="Arial" panose="020B0604020202020204" pitchFamily="34" charset="0"/>
+              </a:rPr>
+              <a:t> </a:t>
+            </a:r>
+            <a:r>
+              <a:rPr lang="en-US" sz="5300" dirty="0">
+                <a:solidFill>
+                  <a:srgbClr val="FFFFFF"/>
+                </a:solidFill>
+                <a:latin typeface="Arial" panose="020B0604020202020204" pitchFamily="34" charset="0"/>
+                <a:cs typeface="Arial" panose="020B0604020202020204" pitchFamily="34" charset="0"/>
+              </a:rPr>
+              <a:t>SYSTEM</a:t>
             </a:r>
           </a:p>
         </p:txBody>
@@ -7812,8 +10604,8 @@
         </p:nvSpPr>
         <p:spPr>
           <a:xfrm>
-            <a:off x="6355641" y="338328"/>
-            <a:ext cx="5029200" cy="1773936"/>
+            <a:off x="6819875" y="734288"/>
+            <a:ext cx="5166360" cy="1977529"/>
           </a:xfrm>
           <a:prstGeom prst="rect">
             <a:avLst/>
@@ -7836,13 +10628,78 @@
               <a:buChar char="•"/>
             </a:pPr>
             <a:r>
-              <a:rPr lang="en-US" dirty="0">
+              <a:rPr lang="en-US" sz="2400" dirty="0">
                 <a:solidFill>
                   <a:srgbClr val="FFFFFF"/>
                 </a:solidFill>
-              </a:rPr>
-              <a:t>Hash system is a method to mapping particles in a three-dimensional space converted to the one-dimensional hash table that allows very fast access on particles in the 3-dimensional space domain. Hash system analyses particles position data and finds particles faster through a special function.</a:t>
-            </a:r>
+                <a:latin typeface="Times New Roman" panose="02020603050405020304" pitchFamily="18" charset="0"/>
+                <a:cs typeface="Times New Roman" panose="02020603050405020304" pitchFamily="18" charset="0"/>
+              </a:rPr>
+              <a:t>What is Hash system?</a:t>
+            </a:r>
+          </a:p>
+          <a:p>
+            <a:pPr indent="-228600">
+              <a:lnSpc>
+                <a:spcPct val="90000"/>
+              </a:lnSpc>
+              <a:spcAft>
+                <a:spcPts val="600"/>
+              </a:spcAft>
+              <a:buFont typeface="Arial" panose="020B0604020202020204" pitchFamily="34" charset="0"/>
+              <a:buChar char="•"/>
+            </a:pPr>
+            <a:r>
+              <a:rPr lang="en-US" sz="2400" dirty="0">
+                <a:solidFill>
+                  <a:srgbClr val="FFFFFF"/>
+                </a:solidFill>
+                <a:latin typeface="Times New Roman" panose="02020603050405020304" pitchFamily="18" charset="0"/>
+                <a:cs typeface="Times New Roman" panose="02020603050405020304" pitchFamily="18" charset="0"/>
+              </a:rPr>
+              <a:t>What are the benefits of Hash system?</a:t>
+            </a:r>
+          </a:p>
+          <a:p>
+            <a:pPr indent="-228600">
+              <a:lnSpc>
+                <a:spcPct val="90000"/>
+              </a:lnSpc>
+              <a:spcAft>
+                <a:spcPts val="600"/>
+              </a:spcAft>
+              <a:buFont typeface="Arial" panose="020B0604020202020204" pitchFamily="34" charset="0"/>
+              <a:buChar char="•"/>
+            </a:pPr>
+            <a:r>
+              <a:rPr lang="en-US" sz="2400" dirty="0">
+                <a:solidFill>
+                  <a:srgbClr val="FFFFFF"/>
+                </a:solidFill>
+                <a:latin typeface="Times New Roman" panose="02020603050405020304" pitchFamily="18" charset="0"/>
+                <a:cs typeface="Times New Roman" panose="02020603050405020304" pitchFamily="18" charset="0"/>
+              </a:rPr>
+              <a:t>How we implemented Hash system?</a:t>
+            </a:r>
+          </a:p>
+          <a:p>
+            <a:pPr indent="-228600">
+              <a:lnSpc>
+                <a:spcPct val="90000"/>
+              </a:lnSpc>
+              <a:spcAft>
+                <a:spcPts val="600"/>
+              </a:spcAft>
+              <a:buFont typeface="Arial" panose="020B0604020202020204" pitchFamily="34" charset="0"/>
+              <a:buChar char="•"/>
+            </a:pPr>
+            <a:endParaRPr lang="en-US" dirty="0">
+              <a:solidFill>
+                <a:srgbClr val="FFFFFF"/>
+              </a:solidFill>
+              <a:latin typeface="Times New Roman" panose="02020603050405020304" pitchFamily="18" charset="0"/>
+              <a:cs typeface="Times New Roman" panose="02020603050405020304" pitchFamily="18" charset="0"/>
+            </a:endParaRPr>
           </a:p>
         </p:txBody>
       </p:sp>
@@ -7911,10 +10768,10 @@
       </p:sp>
       <p:pic>
         <p:nvPicPr>
-          <p:cNvPr id="5" name="Picture 4">
-            <a:extLst>
-              <a:ext uri="{FF2B5EF4-FFF2-40B4-BE49-F238E27FC236}">
-                <a16:creationId xmlns:a16="http://schemas.microsoft.com/office/drawing/2014/main" id="{A954ED5F-F3F3-43F2-9575-214CB3747CE5}"/>
+          <p:cNvPr id="11" name="Picture 10" descr="A pile of snow&#10;&#10;Description automatically generated">
+            <a:extLst>
+              <a:ext uri="{FF2B5EF4-FFF2-40B4-BE49-F238E27FC236}">
+                <a16:creationId xmlns:a16="http://schemas.microsoft.com/office/drawing/2014/main" id="{652A76AB-D08A-452E-8FC1-44A3BC7491D9}"/>
               </a:ext>
             </a:extLst>
           </p:cNvPr>
@@ -7937,44 +10794,8 @@
         </p:blipFill>
         <p:spPr>
           <a:xfrm>
-            <a:off x="958744" y="3032449"/>
-            <a:ext cx="4588870" cy="3108960"/>
-          </a:xfrm>
-          <a:prstGeom prst="rect">
-            <a:avLst/>
-          </a:prstGeom>
-        </p:spPr>
-      </p:pic>
-      <p:pic>
-        <p:nvPicPr>
-          <p:cNvPr id="11" name="Picture 10" descr="A pile of snow&#10;&#10;Description automatically generated">
-            <a:extLst>
-              <a:ext uri="{FF2B5EF4-FFF2-40B4-BE49-F238E27FC236}">
-                <a16:creationId xmlns:a16="http://schemas.microsoft.com/office/drawing/2014/main" id="{652A76AB-D08A-452E-8FC1-44A3BC7491D9}"/>
-              </a:ext>
-            </a:extLst>
-          </p:cNvPr>
-          <p:cNvPicPr>
-            <a:picLocks noChangeAspect="1"/>
-          </p:cNvPicPr>
-          <p:nvPr/>
-        </p:nvPicPr>
-        <p:blipFill>
-          <a:blip r:embed="rId4">
-            <a:extLst>
-              <a:ext uri="{28A0092B-C50C-407E-A947-70E740481C1C}">
-                <a14:useLocalDpi xmlns:a14="http://schemas.microsoft.com/office/drawing/2010/main" val="0"/>
-              </a:ext>
-            </a:extLst>
-          </a:blip>
-          <a:stretch>
-            <a:fillRect/>
-          </a:stretch>
-        </p:blipFill>
-        <p:spPr>
-          <a:xfrm>
-            <a:off x="6355641" y="3237217"/>
-            <a:ext cx="5166360" cy="2699423"/>
+            <a:off x="7278867" y="2889845"/>
+            <a:ext cx="4811715" cy="2514121"/>
           </a:xfrm>
           <a:prstGeom prst="rect">
             <a:avLst/>
@@ -7995,7 +10816,7 @@
         </p:nvSpPr>
         <p:spPr>
           <a:xfrm>
-            <a:off x="1994537" y="6134852"/>
+            <a:off x="2155542" y="6044061"/>
             <a:ext cx="2195274" cy="307777"/>
           </a:xfrm>
           <a:prstGeom prst="rect">
@@ -8072,7 +10893,7 @@
                 <a:latin typeface="Times New Roman" panose="02020603050405020304" pitchFamily="18" charset="0"/>
                 <a:cs typeface="Times New Roman" panose="02020603050405020304" pitchFamily="18" charset="0"/>
               </a:rPr>
-              <a:t>-3</a:t>
+              <a:t> in 2D</a:t>
             </a:r>
             <a:endParaRPr lang="en-US" sz="1400" dirty="0">
               <a:solidFill>
@@ -8101,8 +10922,8 @@
         </p:nvSpPr>
         <p:spPr>
           <a:xfrm>
-            <a:off x="8138994" y="6141408"/>
-            <a:ext cx="2195274" cy="307777"/>
+            <a:off x="9151868" y="5506952"/>
+            <a:ext cx="1849067" cy="307777"/>
           </a:xfrm>
           <a:prstGeom prst="rect">
             <a:avLst/>
@@ -8193,6 +11014,42 @@
           </a:p>
         </p:txBody>
       </p:sp>
+      <p:pic>
+        <p:nvPicPr>
+          <p:cNvPr id="12" name="Picture 11" descr="A screenshot of a cell phone&#10;&#10;Description automatically generated">
+            <a:extLst>
+              <a:ext uri="{FF2B5EF4-FFF2-40B4-BE49-F238E27FC236}">
+                <a16:creationId xmlns:a16="http://schemas.microsoft.com/office/drawing/2014/main" id="{6DEADC77-33DB-4527-99DB-97D15E30137A}"/>
+              </a:ext>
+            </a:extLst>
+          </p:cNvPr>
+          <p:cNvPicPr>
+            <a:picLocks noChangeAspect="1"/>
+          </p:cNvPicPr>
+          <p:nvPr/>
+        </p:nvPicPr>
+        <p:blipFill>
+          <a:blip r:embed="rId4">
+            <a:extLst>
+              <a:ext uri="{28A0092B-C50C-407E-A947-70E740481C1C}">
+                <a14:useLocalDpi xmlns:a14="http://schemas.microsoft.com/office/drawing/2010/main" val="0"/>
+              </a:ext>
+            </a:extLst>
+          </a:blip>
+          <a:stretch>
+            <a:fillRect/>
+          </a:stretch>
+        </p:blipFill>
+        <p:spPr>
+          <a:xfrm>
+            <a:off x="205765" y="2548489"/>
+            <a:ext cx="6974732" cy="3495572"/>
+          </a:xfrm>
+          <a:prstGeom prst="rect">
+            <a:avLst/>
+          </a:prstGeom>
+        </p:spPr>
+      </p:pic>
     </p:spTree>
     <p:extLst>
       <p:ext uri="{BB962C8B-B14F-4D97-AF65-F5344CB8AC3E}">
@@ -8206,7 +11063,7 @@
 </p:sld>
 </file>
 
-<file path=ppt/slides/slide8.xml><?xml version="1.0" encoding="utf-8"?>
+<file path=ppt/slides/slide7.xml><?xml version="1.0" encoding="utf-8"?>
 <p:sld xmlns:a="http://schemas.openxmlformats.org/drawingml/2006/main" xmlns:r="http://schemas.openxmlformats.org/officeDocument/2006/relationships" xmlns:p="http://schemas.openxmlformats.org/presentationml/2006/main">
   <p:cSld>
     <p:bg>
@@ -8478,13 +11335,13 @@
         </p:nvSpPr>
         <p:spPr>
           <a:xfrm>
-            <a:off x="381379" y="64275"/>
-            <a:ext cx="6781421" cy="1271820"/>
+            <a:off x="422031" y="149874"/>
+            <a:ext cx="7557444" cy="1271820"/>
           </a:xfrm>
         </p:spPr>
         <p:txBody>
           <a:bodyPr vert="horz" lIns="91440" tIns="45720" rIns="91440" bIns="45720" rtlCol="0" anchor="ctr">
-            <a:normAutofit fontScale="90000"/>
+            <a:noAutofit/>
           </a:bodyPr>
           <a:lstStyle/>
           <a:p>
@@ -8522,8 +11379,8 @@
         </p:nvSpPr>
         <p:spPr>
           <a:xfrm>
-            <a:off x="422031" y="1336095"/>
-            <a:ext cx="5247249" cy="2585323"/>
+            <a:off x="422033" y="1939155"/>
+            <a:ext cx="5136295" cy="1938992"/>
           </a:xfrm>
           <a:prstGeom prst="rect">
             <a:avLst/>
@@ -8536,1055 +11393,141 @@
           </a:bodyPr>
           <a:lstStyle/>
           <a:p>
-            <a:r>
-              <a:rPr lang="en-US" dirty="0"/>
-              <a:t>Surface recognition algorithm detects surface particles and the other necessary data about a particle.  Surface recognition finds surface particles by calculating the weight value in a ranged area. </a:t>
-            </a:r>
-          </a:p>
-          <a:p>
-            <a:r>
-              <a:rPr lang="en-US" dirty="0"/>
-              <a:t>Focusing on finding surface particles is necessary for the drawing part in the POF system.  Because of the surface recognition component, the POF system works more efficiently and better performance obtained.</a:t>
-            </a:r>
-          </a:p>
-          <a:p>
-            <a:endParaRPr lang="en-US" dirty="0"/>
-          </a:p>
-        </p:txBody>
-      </p:sp>
-      <p:sp>
-        <p:nvSpPr>
-          <p:cNvPr id="9" name="Title 1">
-            <a:extLst>
-              <a:ext uri="{FF2B5EF4-FFF2-40B4-BE49-F238E27FC236}">
-                <a16:creationId xmlns:a16="http://schemas.microsoft.com/office/drawing/2014/main" id="{9FB5D0FC-A6A0-4F67-8397-9F191AA6A9BB}"/>
-              </a:ext>
-            </a:extLst>
-          </p:cNvPr>
-          <p:cNvSpPr txBox="1">
-            <a:spLocks/>
-          </p:cNvSpPr>
-          <p:nvPr/>
-        </p:nvSpPr>
-        <p:spPr>
-          <a:xfrm>
-            <a:off x="513119" y="4555277"/>
-            <a:ext cx="5581357" cy="684468"/>
-          </a:xfrm>
-          <a:prstGeom prst="rect">
-            <a:avLst/>
-          </a:prstGeom>
-        </p:spPr>
-        <p:txBody>
-          <a:bodyPr vert="horz" lIns="91440" tIns="45720" rIns="91440" bIns="45720" rtlCol="0" anchor="ctr">
-            <a:normAutofit/>
-          </a:bodyPr>
-          <a:lstStyle>
-            <a:lvl1pPr algn="l" defTabSz="914400" rtl="0" eaLnBrk="1" latinLnBrk="0" hangingPunct="1">
-              <a:lnSpc>
-                <a:spcPct val="90000"/>
-              </a:lnSpc>
-              <a:spcBef>
-                <a:spcPct val="0"/>
-              </a:spcBef>
-              <a:buNone/>
-              <a:defRPr sz="4400" kern="1200">
-                <a:solidFill>
-                  <a:schemeClr val="tx1"/>
-                </a:solidFill>
-                <a:latin typeface="+mj-lt"/>
-                <a:ea typeface="+mj-ea"/>
-                <a:cs typeface="+mj-cs"/>
-              </a:defRPr>
-            </a:lvl1pPr>
-          </a:lstStyle>
-          <a:p>
-            <a:r>
-              <a:rPr lang="tr-TR" sz="1600" dirty="0">
-                <a:solidFill>
-                  <a:schemeClr val="bg1"/>
-                </a:solidFill>
-                <a:latin typeface="Arial" panose="020B0604020202020204" pitchFamily="34" charset="0"/>
-                <a:cs typeface="Arial" panose="020B0604020202020204" pitchFamily="34" charset="0"/>
-              </a:rPr>
-              <a:t>Mathematical </a:t>
-            </a:r>
-            <a:r>
-              <a:rPr lang="tr-TR" sz="1600" dirty="0" err="1">
-                <a:solidFill>
-                  <a:schemeClr val="bg1"/>
-                </a:solidFill>
-                <a:latin typeface="Arial" panose="020B0604020202020204" pitchFamily="34" charset="0"/>
-                <a:cs typeface="Arial" panose="020B0604020202020204" pitchFamily="34" charset="0"/>
-              </a:rPr>
-              <a:t>Expressions</a:t>
-            </a:r>
-            <a:r>
-              <a:rPr lang="tr-TR" sz="1600" dirty="0">
-                <a:solidFill>
-                  <a:schemeClr val="bg1"/>
-                </a:solidFill>
-                <a:latin typeface="Arial" panose="020B0604020202020204" pitchFamily="34" charset="0"/>
-                <a:cs typeface="Arial" panose="020B0604020202020204" pitchFamily="34" charset="0"/>
-              </a:rPr>
-              <a:t> of </a:t>
-            </a:r>
-            <a:r>
-              <a:rPr lang="tr-TR" sz="1600" dirty="0" err="1">
-                <a:solidFill>
-                  <a:schemeClr val="bg1"/>
-                </a:solidFill>
-                <a:latin typeface="Arial" panose="020B0604020202020204" pitchFamily="34" charset="0"/>
-                <a:cs typeface="Arial" panose="020B0604020202020204" pitchFamily="34" charset="0"/>
-              </a:rPr>
-              <a:t>Surface</a:t>
-            </a:r>
-            <a:r>
-              <a:rPr lang="tr-TR" sz="1600" dirty="0">
-                <a:solidFill>
-                  <a:schemeClr val="bg1"/>
-                </a:solidFill>
-                <a:latin typeface="Arial" panose="020B0604020202020204" pitchFamily="34" charset="0"/>
-                <a:cs typeface="Arial" panose="020B0604020202020204" pitchFamily="34" charset="0"/>
+            <a:pPr marL="285750" indent="-285750">
+              <a:buFont typeface="Arial" panose="020B0604020202020204" pitchFamily="34" charset="0"/>
+              <a:buChar char="•"/>
+            </a:pPr>
+            <a:r>
+              <a:rPr lang="tr-TR" sz="2400" dirty="0" err="1">
+                <a:latin typeface="Times New Roman" panose="02020603050405020304" pitchFamily="18" charset="0"/>
+                <a:cs typeface="Times New Roman" panose="02020603050405020304" pitchFamily="18" charset="0"/>
+              </a:rPr>
+              <a:t>What</a:t>
+            </a:r>
+            <a:r>
+              <a:rPr lang="tr-TR" sz="2400" dirty="0">
+                <a:latin typeface="Times New Roman" panose="02020603050405020304" pitchFamily="18" charset="0"/>
+                <a:cs typeface="Times New Roman" panose="02020603050405020304" pitchFamily="18" charset="0"/>
+              </a:rPr>
+              <a:t> is </a:t>
+            </a:r>
+            <a:r>
+              <a:rPr lang="tr-TR" sz="2400" dirty="0" err="1">
+                <a:latin typeface="Times New Roman" panose="02020603050405020304" pitchFamily="18" charset="0"/>
+                <a:cs typeface="Times New Roman" panose="02020603050405020304" pitchFamily="18" charset="0"/>
+              </a:rPr>
+              <a:t>surface</a:t>
+            </a:r>
+            <a:r>
+              <a:rPr lang="tr-TR" sz="2400" dirty="0">
+                <a:latin typeface="Times New Roman" panose="02020603050405020304" pitchFamily="18" charset="0"/>
+                <a:cs typeface="Times New Roman" panose="02020603050405020304" pitchFamily="18" charset="0"/>
+              </a:rPr>
+              <a:t>?</a:t>
+            </a:r>
+          </a:p>
+          <a:p>
+            <a:pPr marL="285750" indent="-285750">
+              <a:buFont typeface="Arial" panose="020B0604020202020204" pitchFamily="34" charset="0"/>
+              <a:buChar char="•"/>
+            </a:pPr>
+            <a:r>
+              <a:rPr lang="tr-TR" sz="2400" dirty="0">
+                <a:latin typeface="Times New Roman" panose="02020603050405020304" pitchFamily="18" charset="0"/>
+                <a:cs typeface="Times New Roman" panose="02020603050405020304" pitchFamily="18" charset="0"/>
+              </a:rPr>
+              <a:t>W</a:t>
+            </a:r>
+            <a:r>
+              <a:rPr lang="en-US" sz="2400" dirty="0">
+                <a:latin typeface="Times New Roman" panose="02020603050405020304" pitchFamily="18" charset="0"/>
+                <a:cs typeface="Times New Roman" panose="02020603050405020304" pitchFamily="18" charset="0"/>
+              </a:rPr>
+              <a:t>hat are the benefits of </a:t>
+            </a:r>
+            <a:r>
+              <a:rPr lang="tr-TR" sz="2400" dirty="0" err="1">
+                <a:latin typeface="Times New Roman" panose="02020603050405020304" pitchFamily="18" charset="0"/>
+                <a:cs typeface="Times New Roman" panose="02020603050405020304" pitchFamily="18" charset="0"/>
+              </a:rPr>
+              <a:t>the</a:t>
+            </a:r>
+            <a:r>
+              <a:rPr lang="tr-TR" sz="2400" dirty="0">
+                <a:latin typeface="Times New Roman" panose="02020603050405020304" pitchFamily="18" charset="0"/>
+                <a:cs typeface="Times New Roman" panose="02020603050405020304" pitchFamily="18" charset="0"/>
               </a:rPr>
               <a:t> </a:t>
             </a:r>
             <a:r>
-              <a:rPr lang="tr-TR" sz="1600" dirty="0" err="1">
-                <a:solidFill>
-                  <a:schemeClr val="bg1"/>
-                </a:solidFill>
-                <a:latin typeface="Arial" panose="020B0604020202020204" pitchFamily="34" charset="0"/>
-                <a:cs typeface="Arial" panose="020B0604020202020204" pitchFamily="34" charset="0"/>
-              </a:rPr>
-              <a:t>Recognition</a:t>
-            </a:r>
-            <a:r>
-              <a:rPr lang="tr-TR" sz="1600" dirty="0">
-                <a:solidFill>
-                  <a:schemeClr val="bg1"/>
-                </a:solidFill>
-                <a:latin typeface="Arial" panose="020B0604020202020204" pitchFamily="34" charset="0"/>
-                <a:cs typeface="Arial" panose="020B0604020202020204" pitchFamily="34" charset="0"/>
+              <a:rPr lang="en-US" sz="2400" dirty="0">
+                <a:latin typeface="Times New Roman" panose="02020603050405020304" pitchFamily="18" charset="0"/>
+                <a:cs typeface="Times New Roman" panose="02020603050405020304" pitchFamily="18" charset="0"/>
+              </a:rPr>
+              <a:t>surface</a:t>
+            </a:r>
+            <a:r>
+              <a:rPr lang="tr-TR" sz="2400" dirty="0">
+                <a:latin typeface="Times New Roman" panose="02020603050405020304" pitchFamily="18" charset="0"/>
+                <a:cs typeface="Times New Roman" panose="02020603050405020304" pitchFamily="18" charset="0"/>
               </a:rPr>
               <a:t> </a:t>
             </a:r>
             <a:r>
-              <a:rPr lang="tr-TR" sz="1600" dirty="0" err="1">
-                <a:solidFill>
-                  <a:schemeClr val="bg1"/>
-                </a:solidFill>
-                <a:latin typeface="Arial" panose="020B0604020202020204" pitchFamily="34" charset="0"/>
-                <a:cs typeface="Arial" panose="020B0604020202020204" pitchFamily="34" charset="0"/>
-              </a:rPr>
-              <a:t>System</a:t>
-            </a:r>
-            <a:endParaRPr lang="en-US" sz="1600" dirty="0">
-              <a:solidFill>
-                <a:schemeClr val="bg1"/>
-              </a:solidFill>
-              <a:latin typeface="Arial" panose="020B0604020202020204" pitchFamily="34" charset="0"/>
-              <a:cs typeface="Arial" panose="020B0604020202020204" pitchFamily="34" charset="0"/>
-            </a:endParaRPr>
-          </a:p>
-        </p:txBody>
-      </p:sp>
-      <mc:AlternateContent xmlns:mc="http://schemas.openxmlformats.org/markup-compatibility/2006">
-        <mc:Choice xmlns:a14="http://schemas.microsoft.com/office/drawing/2010/main" Requires="a14">
-          <p:sp>
-            <p:nvSpPr>
-              <p:cNvPr id="6" name="TextBox 5">
-                <a:extLst>
-                  <a:ext uri="{FF2B5EF4-FFF2-40B4-BE49-F238E27FC236}">
-                    <a16:creationId xmlns:a16="http://schemas.microsoft.com/office/drawing/2014/main" id="{F6E40293-A912-4ECE-B1FC-340556585C94}"/>
-                  </a:ext>
-                </a:extLst>
-              </p:cNvPr>
-              <p:cNvSpPr txBox="1"/>
-              <p:nvPr/>
-            </p:nvSpPr>
-            <p:spPr>
-              <a:xfrm>
-                <a:off x="699074" y="5153914"/>
-                <a:ext cx="3587261" cy="778098"/>
-              </a:xfrm>
-              <a:prstGeom prst="rect">
-                <a:avLst/>
-              </a:prstGeom>
-              <a:noFill/>
-            </p:spPr>
-            <p:txBody>
-              <a:bodyPr wrap="square" rtlCol="0">
-                <a:spAutoFit/>
-              </a:bodyPr>
-              <a:lstStyle/>
-              <a:p>
-                <a:pPr/>
-                <a14:m>
-                  <m:oMathPara xmlns:m="http://schemas.openxmlformats.org/officeDocument/2006/math">
-                    <m:oMathParaPr>
-                      <m:jc m:val="centerGroup"/>
-                    </m:oMathParaPr>
-                    <m:oMath xmlns:m="http://schemas.openxmlformats.org/officeDocument/2006/math">
-                      <m:acc>
-                        <m:accPr>
-                          <m:chr m:val="̅"/>
-                          <m:ctrlPr>
-                            <a:rPr lang="en-US" i="1" smtClean="0">
-                              <a:solidFill>
-                                <a:schemeClr val="bg1">
-                                  <a:lumMod val="95000"/>
-                                </a:schemeClr>
-                              </a:solidFill>
-                              <a:latin typeface="Cambria Math" panose="02040503050406030204" pitchFamily="18" charset="0"/>
-                            </a:rPr>
-                          </m:ctrlPr>
-                        </m:accPr>
-                        <m:e>
-                          <m:r>
-                            <a:rPr lang="en-GB" i="1">
-                              <a:solidFill>
-                                <a:schemeClr val="bg1">
-                                  <a:lumMod val="95000"/>
-                                </a:schemeClr>
-                              </a:solidFill>
-                              <a:latin typeface="Cambria Math" panose="02040503050406030204" pitchFamily="18" charset="0"/>
-                            </a:rPr>
-                            <m:t>𝑥</m:t>
-                          </m:r>
-                        </m:e>
-                      </m:acc>
-                      <m:r>
-                        <a:rPr lang="en-GB" i="1">
-                          <a:solidFill>
-                            <a:schemeClr val="bg1">
-                              <a:lumMod val="95000"/>
-                            </a:schemeClr>
-                          </a:solidFill>
-                          <a:latin typeface="Cambria Math" panose="02040503050406030204" pitchFamily="18" charset="0"/>
-                        </a:rPr>
-                        <m:t>= </m:t>
-                      </m:r>
-                      <m:f>
-                        <m:fPr>
-                          <m:ctrlPr>
-                            <a:rPr lang="en-US" i="1">
-                              <a:solidFill>
-                                <a:schemeClr val="bg1">
-                                  <a:lumMod val="95000"/>
-                                </a:schemeClr>
-                              </a:solidFill>
-                              <a:latin typeface="Cambria Math" panose="02040503050406030204" pitchFamily="18" charset="0"/>
-                            </a:rPr>
-                          </m:ctrlPr>
-                        </m:fPr>
-                        <m:num>
-                          <m:sSub>
-                            <m:sSubPr>
-                              <m:ctrlPr>
-                                <a:rPr lang="en-US" i="1">
-                                  <a:solidFill>
-                                    <a:schemeClr val="bg1">
-                                      <a:lumMod val="95000"/>
-                                    </a:schemeClr>
-                                  </a:solidFill>
-                                  <a:latin typeface="Cambria Math" panose="02040503050406030204" pitchFamily="18" charset="0"/>
-                                </a:rPr>
-                              </m:ctrlPr>
-                            </m:sSubPr>
-                            <m:e>
-                              <m:r>
-                                <a:rPr lang="en-GB" i="1">
-                                  <a:solidFill>
-                                    <a:schemeClr val="bg1">
-                                      <a:lumMod val="95000"/>
-                                    </a:schemeClr>
-                                  </a:solidFill>
-                                  <a:latin typeface="Cambria Math" panose="02040503050406030204" pitchFamily="18" charset="0"/>
-                                </a:rPr>
-                                <m:t>𝛴</m:t>
-                              </m:r>
-                            </m:e>
-                            <m:sub>
-                              <m:r>
-                                <a:rPr lang="en-GB" i="1">
-                                  <a:solidFill>
-                                    <a:schemeClr val="bg1">
-                                      <a:lumMod val="95000"/>
-                                    </a:schemeClr>
-                                  </a:solidFill>
-                                  <a:latin typeface="Cambria Math" panose="02040503050406030204" pitchFamily="18" charset="0"/>
-                                </a:rPr>
-                                <m:t>𝑗</m:t>
-                              </m:r>
-                            </m:sub>
-                          </m:sSub>
-                          <m:sSub>
-                            <m:sSubPr>
-                              <m:ctrlPr>
-                                <a:rPr lang="en-US" i="1">
-                                  <a:solidFill>
-                                    <a:schemeClr val="bg1">
-                                      <a:lumMod val="95000"/>
-                                    </a:schemeClr>
-                                  </a:solidFill>
-                                  <a:latin typeface="Cambria Math" panose="02040503050406030204" pitchFamily="18" charset="0"/>
-                                </a:rPr>
-                              </m:ctrlPr>
-                            </m:sSubPr>
-                            <m:e>
-                              <m:r>
-                                <a:rPr lang="en-GB" i="1">
-                                  <a:solidFill>
-                                    <a:schemeClr val="bg1">
-                                      <a:lumMod val="95000"/>
-                                    </a:schemeClr>
-                                  </a:solidFill>
-                                  <a:latin typeface="Cambria Math" panose="02040503050406030204" pitchFamily="18" charset="0"/>
-                                </a:rPr>
-                                <m:t>𝑥</m:t>
-                              </m:r>
-                            </m:e>
-                            <m:sub>
-                              <m:r>
-                                <a:rPr lang="en-GB" i="1">
-                                  <a:solidFill>
-                                    <a:schemeClr val="bg1">
-                                      <a:lumMod val="95000"/>
-                                    </a:schemeClr>
-                                  </a:solidFill>
-                                  <a:latin typeface="Cambria Math" panose="02040503050406030204" pitchFamily="18" charset="0"/>
-                                </a:rPr>
-                                <m:t>𝑗</m:t>
-                              </m:r>
-                            </m:sub>
-                          </m:sSub>
-                          <m:r>
-                            <a:rPr lang="en-GB" i="1">
-                              <a:solidFill>
-                                <a:schemeClr val="bg1">
-                                  <a:lumMod val="95000"/>
-                                </a:schemeClr>
-                              </a:solidFill>
-                              <a:latin typeface="Cambria Math" panose="02040503050406030204" pitchFamily="18" charset="0"/>
-                            </a:rPr>
-                            <m:t>𝑘</m:t>
-                          </m:r>
-                          <m:d>
-                            <m:dPr>
-                              <m:ctrlPr>
-                                <a:rPr lang="en-US" i="1">
-                                  <a:solidFill>
-                                    <a:schemeClr val="bg1">
-                                      <a:lumMod val="95000"/>
-                                    </a:schemeClr>
-                                  </a:solidFill>
-                                  <a:latin typeface="Cambria Math" panose="02040503050406030204" pitchFamily="18" charset="0"/>
-                                </a:rPr>
-                              </m:ctrlPr>
-                            </m:dPr>
-                            <m:e>
-                              <m:d>
-                                <m:dPr>
-                                  <m:begChr m:val="|"/>
-                                  <m:endChr m:val="|"/>
-                                  <m:ctrlPr>
-                                    <a:rPr lang="en-US" i="1">
-                                      <a:solidFill>
-                                        <a:schemeClr val="bg1">
-                                          <a:lumMod val="95000"/>
-                                        </a:schemeClr>
-                                      </a:solidFill>
-                                      <a:latin typeface="Cambria Math" panose="02040503050406030204" pitchFamily="18" charset="0"/>
-                                    </a:rPr>
-                                  </m:ctrlPr>
-                                </m:dPr>
-                                <m:e>
-                                  <m:r>
-                                    <a:rPr lang="en-GB" i="1">
-                                      <a:solidFill>
-                                        <a:schemeClr val="bg1">
-                                          <a:lumMod val="95000"/>
-                                        </a:schemeClr>
-                                      </a:solidFill>
-                                      <a:latin typeface="Cambria Math" panose="02040503050406030204" pitchFamily="18" charset="0"/>
-                                    </a:rPr>
-                                    <m:t>𝑥</m:t>
-                                  </m:r>
-                                  <m:r>
-                                    <a:rPr lang="en-GB" i="1">
-                                      <a:solidFill>
-                                        <a:schemeClr val="bg1">
-                                          <a:lumMod val="95000"/>
-                                        </a:schemeClr>
-                                      </a:solidFill>
-                                      <a:latin typeface="Cambria Math" panose="02040503050406030204" pitchFamily="18" charset="0"/>
-                                    </a:rPr>
-                                    <m:t>−</m:t>
-                                  </m:r>
-                                  <m:sSub>
-                                    <m:sSubPr>
-                                      <m:ctrlPr>
-                                        <a:rPr lang="en-US" i="1">
-                                          <a:solidFill>
-                                            <a:schemeClr val="bg1">
-                                              <a:lumMod val="95000"/>
-                                            </a:schemeClr>
-                                          </a:solidFill>
-                                          <a:latin typeface="Cambria Math" panose="02040503050406030204" pitchFamily="18" charset="0"/>
-                                        </a:rPr>
-                                      </m:ctrlPr>
-                                    </m:sSubPr>
-                                    <m:e>
-                                      <m:r>
-                                        <a:rPr lang="en-GB" i="1">
-                                          <a:solidFill>
-                                            <a:schemeClr val="bg1">
-                                              <a:lumMod val="95000"/>
-                                            </a:schemeClr>
-                                          </a:solidFill>
-                                          <a:latin typeface="Cambria Math" panose="02040503050406030204" pitchFamily="18" charset="0"/>
-                                        </a:rPr>
-                                        <m:t>𝑥</m:t>
-                                      </m:r>
-                                    </m:e>
-                                    <m:sub>
-                                      <m:r>
-                                        <a:rPr lang="en-GB" i="1">
-                                          <a:solidFill>
-                                            <a:schemeClr val="bg1">
-                                              <a:lumMod val="95000"/>
-                                            </a:schemeClr>
-                                          </a:solidFill>
-                                          <a:latin typeface="Cambria Math" panose="02040503050406030204" pitchFamily="18" charset="0"/>
-                                        </a:rPr>
-                                        <m:t>𝑗</m:t>
-                                      </m:r>
-                                    </m:sub>
-                                  </m:sSub>
-                                </m:e>
-                              </m:d>
-                              <m:r>
-                                <a:rPr lang="en-GB" i="1">
-                                  <a:solidFill>
-                                    <a:schemeClr val="bg1">
-                                      <a:lumMod val="95000"/>
-                                    </a:schemeClr>
-                                  </a:solidFill>
-                                  <a:latin typeface="Cambria Math" panose="02040503050406030204" pitchFamily="18" charset="0"/>
-                                </a:rPr>
-                                <m:t>∕</m:t>
-                              </m:r>
-                              <m:r>
-                                <a:rPr lang="en-GB" i="1">
-                                  <a:solidFill>
-                                    <a:schemeClr val="bg1">
-                                      <a:lumMod val="95000"/>
-                                    </a:schemeClr>
-                                  </a:solidFill>
-                                  <a:latin typeface="Cambria Math" panose="02040503050406030204" pitchFamily="18" charset="0"/>
-                                </a:rPr>
-                                <m:t>𝑅</m:t>
-                              </m:r>
-                            </m:e>
-                          </m:d>
-                        </m:num>
-                        <m:den>
-                          <m:sSub>
-                            <m:sSubPr>
-                              <m:ctrlPr>
-                                <a:rPr lang="en-US" i="1">
-                                  <a:solidFill>
-                                    <a:schemeClr val="bg1">
-                                      <a:lumMod val="95000"/>
-                                    </a:schemeClr>
-                                  </a:solidFill>
-                                  <a:latin typeface="Cambria Math" panose="02040503050406030204" pitchFamily="18" charset="0"/>
-                                </a:rPr>
-                              </m:ctrlPr>
-                            </m:sSubPr>
-                            <m:e>
-                              <m:r>
-                                <a:rPr lang="en-GB" i="1">
-                                  <a:solidFill>
-                                    <a:schemeClr val="bg1">
-                                      <a:lumMod val="95000"/>
-                                    </a:schemeClr>
-                                  </a:solidFill>
-                                  <a:latin typeface="Cambria Math" panose="02040503050406030204" pitchFamily="18" charset="0"/>
-                                </a:rPr>
-                                <m:t>𝛴</m:t>
-                              </m:r>
-                            </m:e>
-                            <m:sub>
-                              <m:r>
-                                <a:rPr lang="en-GB" i="1">
-                                  <a:solidFill>
-                                    <a:schemeClr val="bg1">
-                                      <a:lumMod val="95000"/>
-                                    </a:schemeClr>
-                                  </a:solidFill>
-                                  <a:latin typeface="Cambria Math" panose="02040503050406030204" pitchFamily="18" charset="0"/>
-                                </a:rPr>
-                                <m:t>𝑗</m:t>
-                              </m:r>
-                            </m:sub>
-                          </m:sSub>
-                          <m:r>
-                            <a:rPr lang="en-GB" i="1">
-                              <a:solidFill>
-                                <a:schemeClr val="bg1">
-                                  <a:lumMod val="95000"/>
-                                </a:schemeClr>
-                              </a:solidFill>
-                              <a:latin typeface="Cambria Math" panose="02040503050406030204" pitchFamily="18" charset="0"/>
-                            </a:rPr>
-                            <m:t>𝑘</m:t>
-                          </m:r>
-                          <m:d>
-                            <m:dPr>
-                              <m:ctrlPr>
-                                <a:rPr lang="en-US" i="1">
-                                  <a:solidFill>
-                                    <a:schemeClr val="bg1">
-                                      <a:lumMod val="95000"/>
-                                    </a:schemeClr>
-                                  </a:solidFill>
-                                  <a:latin typeface="Cambria Math" panose="02040503050406030204" pitchFamily="18" charset="0"/>
-                                </a:rPr>
-                              </m:ctrlPr>
-                            </m:dPr>
-                            <m:e>
-                              <m:d>
-                                <m:dPr>
-                                  <m:begChr m:val="|"/>
-                                  <m:endChr m:val="|"/>
-                                  <m:ctrlPr>
-                                    <a:rPr lang="en-US" i="1">
-                                      <a:solidFill>
-                                        <a:schemeClr val="bg1">
-                                          <a:lumMod val="95000"/>
-                                        </a:schemeClr>
-                                      </a:solidFill>
-                                      <a:latin typeface="Cambria Math" panose="02040503050406030204" pitchFamily="18" charset="0"/>
-                                    </a:rPr>
-                                  </m:ctrlPr>
-                                </m:dPr>
-                                <m:e>
-                                  <m:r>
-                                    <a:rPr lang="en-GB" i="1">
-                                      <a:solidFill>
-                                        <a:schemeClr val="bg1">
-                                          <a:lumMod val="95000"/>
-                                        </a:schemeClr>
-                                      </a:solidFill>
-                                      <a:latin typeface="Cambria Math" panose="02040503050406030204" pitchFamily="18" charset="0"/>
-                                    </a:rPr>
-                                    <m:t>𝑥</m:t>
-                                  </m:r>
-                                  <m:r>
-                                    <a:rPr lang="en-GB" i="1">
-                                      <a:solidFill>
-                                        <a:schemeClr val="bg1">
-                                          <a:lumMod val="95000"/>
-                                        </a:schemeClr>
-                                      </a:solidFill>
-                                      <a:latin typeface="Cambria Math" panose="02040503050406030204" pitchFamily="18" charset="0"/>
-                                    </a:rPr>
-                                    <m:t>−</m:t>
-                                  </m:r>
-                                  <m:sSub>
-                                    <m:sSubPr>
-                                      <m:ctrlPr>
-                                        <a:rPr lang="en-US" i="1">
-                                          <a:solidFill>
-                                            <a:schemeClr val="bg1">
-                                              <a:lumMod val="95000"/>
-                                            </a:schemeClr>
-                                          </a:solidFill>
-                                          <a:latin typeface="Cambria Math" panose="02040503050406030204" pitchFamily="18" charset="0"/>
-                                        </a:rPr>
-                                      </m:ctrlPr>
-                                    </m:sSubPr>
-                                    <m:e>
-                                      <m:r>
-                                        <a:rPr lang="en-GB" i="1">
-                                          <a:solidFill>
-                                            <a:schemeClr val="bg1">
-                                              <a:lumMod val="95000"/>
-                                            </a:schemeClr>
-                                          </a:solidFill>
-                                          <a:latin typeface="Cambria Math" panose="02040503050406030204" pitchFamily="18" charset="0"/>
-                                        </a:rPr>
-                                        <m:t>𝑥</m:t>
-                                      </m:r>
-                                    </m:e>
-                                    <m:sub>
-                                      <m:r>
-                                        <a:rPr lang="en-GB" i="1">
-                                          <a:solidFill>
-                                            <a:schemeClr val="bg1">
-                                              <a:lumMod val="95000"/>
-                                            </a:schemeClr>
-                                          </a:solidFill>
-                                          <a:latin typeface="Cambria Math" panose="02040503050406030204" pitchFamily="18" charset="0"/>
-                                        </a:rPr>
-                                        <m:t>𝑗</m:t>
-                                      </m:r>
-                                    </m:sub>
-                                  </m:sSub>
-                                </m:e>
-                              </m:d>
-                              <m:r>
-                                <a:rPr lang="en-GB" i="1">
-                                  <a:solidFill>
-                                    <a:schemeClr val="bg1">
-                                      <a:lumMod val="95000"/>
-                                    </a:schemeClr>
-                                  </a:solidFill>
-                                  <a:latin typeface="Cambria Math" panose="02040503050406030204" pitchFamily="18" charset="0"/>
-                                </a:rPr>
-                                <m:t>∕</m:t>
-                              </m:r>
-                              <m:r>
-                                <a:rPr lang="en-GB" i="1">
-                                  <a:solidFill>
-                                    <a:schemeClr val="bg1">
-                                      <a:lumMod val="95000"/>
-                                    </a:schemeClr>
-                                  </a:solidFill>
-                                  <a:latin typeface="Cambria Math" panose="02040503050406030204" pitchFamily="18" charset="0"/>
-                                </a:rPr>
-                                <m:t>𝑅</m:t>
-                              </m:r>
-                            </m:e>
-                          </m:d>
-                        </m:den>
-                      </m:f>
-                    </m:oMath>
-                  </m:oMathPara>
-                </a14:m>
-                <a:endParaRPr lang="en-US" dirty="0">
-                  <a:solidFill>
-                    <a:schemeClr val="bg1">
-                      <a:lumMod val="95000"/>
-                    </a:schemeClr>
-                  </a:solidFill>
-                </a:endParaRPr>
-              </a:p>
-            </p:txBody>
-          </p:sp>
-        </mc:Choice>
-        <mc:Fallback>
-          <p:sp>
-            <p:nvSpPr>
-              <p:cNvPr id="6" name="TextBox 5">
-                <a:extLst>
-                  <a:ext uri="{FF2B5EF4-FFF2-40B4-BE49-F238E27FC236}">
-                    <a16:creationId xmlns:a16="http://schemas.microsoft.com/office/drawing/2014/main" id="{F6E40293-A912-4ECE-B1FC-340556585C94}"/>
-                  </a:ext>
-                </a:extLst>
-              </p:cNvPr>
-              <p:cNvSpPr txBox="1">
-                <a:spLocks noRot="1" noChangeAspect="1" noMove="1" noResize="1" noEditPoints="1" noAdjustHandles="1" noChangeArrowheads="1" noChangeShapeType="1" noTextEdit="1"/>
-              </p:cNvSpPr>
-              <p:nvPr/>
-            </p:nvSpPr>
-            <p:spPr>
-              <a:xfrm>
-                <a:off x="699074" y="5153914"/>
-                <a:ext cx="3587261" cy="778098"/>
-              </a:xfrm>
-              <a:prstGeom prst="rect">
-                <a:avLst/>
-              </a:prstGeom>
-              <a:blipFill>
-                <a:blip r:embed="rId3"/>
-                <a:stretch>
-                  <a:fillRect/>
-                </a:stretch>
-              </a:blipFill>
-            </p:spPr>
-            <p:txBody>
-              <a:bodyPr/>
-              <a:lstStyle/>
-              <a:p>
-                <a:r>
-                  <a:rPr lang="en-US">
-                    <a:noFill/>
-                  </a:rPr>
-                  <a:t> </a:t>
-                </a:r>
-              </a:p>
-            </p:txBody>
-          </p:sp>
-        </mc:Fallback>
-      </mc:AlternateContent>
-      <mc:AlternateContent xmlns:mc="http://schemas.openxmlformats.org/markup-compatibility/2006">
-        <mc:Choice xmlns:a14="http://schemas.microsoft.com/office/drawing/2010/main" Requires="a14">
-          <p:sp>
-            <p:nvSpPr>
-              <p:cNvPr id="7" name="TextBox 6">
-                <a:extLst>
-                  <a:ext uri="{FF2B5EF4-FFF2-40B4-BE49-F238E27FC236}">
-                    <a16:creationId xmlns:a16="http://schemas.microsoft.com/office/drawing/2014/main" id="{B5862C11-BCDD-4AA6-818A-B0113526C3A1}"/>
-                  </a:ext>
-                </a:extLst>
-              </p:cNvPr>
-              <p:cNvSpPr txBox="1"/>
-              <p:nvPr/>
-            </p:nvSpPr>
-            <p:spPr>
-              <a:xfrm>
-                <a:off x="1240679" y="6155375"/>
-                <a:ext cx="2504050" cy="639983"/>
-              </a:xfrm>
-              <a:prstGeom prst="rect">
-                <a:avLst/>
-              </a:prstGeom>
-              <a:noFill/>
-            </p:spPr>
-            <p:txBody>
-              <a:bodyPr wrap="square" rtlCol="0">
-                <a:spAutoFit/>
-              </a:bodyPr>
-              <a:lstStyle/>
-              <a:p>
-                <a14:m>
-                  <m:oMath xmlns:m="http://schemas.openxmlformats.org/officeDocument/2006/math">
-                    <m:r>
-                      <a:rPr lang="en-GB" sz="1800" i="1" smtClean="0">
-                        <a:solidFill>
-                          <a:schemeClr val="bg1"/>
-                        </a:solidFill>
-                        <a:effectLst/>
-                        <a:latin typeface="Cambria Math" panose="02040503050406030204" pitchFamily="18" charset="0"/>
-                        <a:ea typeface="Calibri" panose="020F0502020204030204" pitchFamily="34" charset="0"/>
-                        <a:cs typeface="Times New Roman" panose="02020603050405020304" pitchFamily="18" charset="0"/>
-                      </a:rPr>
-                      <m:t>𝜙</m:t>
-                    </m:r>
-                    <m:d>
-                      <m:dPr>
-                        <m:ctrlPr>
-                          <a:rPr lang="en-US" sz="1800" i="1">
-                            <a:solidFill>
-                              <a:schemeClr val="bg1"/>
-                            </a:solidFill>
-                            <a:effectLst/>
-                            <a:latin typeface="Cambria Math" panose="02040503050406030204" pitchFamily="18" charset="0"/>
-                            <a:cs typeface="Times New Roman" panose="02020603050405020304" pitchFamily="18" charset="0"/>
-                          </a:rPr>
-                        </m:ctrlPr>
-                      </m:dPr>
-                      <m:e>
-                        <m:r>
-                          <a:rPr lang="en-GB" sz="1800" i="1">
-                            <a:solidFill>
-                              <a:schemeClr val="bg1"/>
-                            </a:solidFill>
-                            <a:effectLst/>
-                            <a:latin typeface="Cambria Math" panose="02040503050406030204" pitchFamily="18" charset="0"/>
-                            <a:ea typeface="Calibri" panose="020F0502020204030204" pitchFamily="34" charset="0"/>
-                            <a:cs typeface="Times New Roman" panose="02020603050405020304" pitchFamily="18" charset="0"/>
-                          </a:rPr>
-                          <m:t>𝑥</m:t>
-                        </m:r>
-                      </m:e>
-                    </m:d>
-                    <m:r>
-                      <a:rPr lang="en-GB" sz="1800" i="1">
-                        <a:solidFill>
-                          <a:schemeClr val="bg1"/>
-                        </a:solidFill>
-                        <a:effectLst/>
-                        <a:latin typeface="Cambria Math" panose="02040503050406030204" pitchFamily="18" charset="0"/>
-                        <a:ea typeface="Calibri" panose="020F0502020204030204" pitchFamily="34" charset="0"/>
-                        <a:cs typeface="Times New Roman" panose="02020603050405020304" pitchFamily="18" charset="0"/>
-                      </a:rPr>
-                      <m:t>=</m:t>
-                    </m:r>
-                    <m:d>
-                      <m:dPr>
-                        <m:begChr m:val="|"/>
-                        <m:endChr m:val="|"/>
-                        <m:ctrlPr>
-                          <a:rPr lang="en-US" sz="1800" i="1">
-                            <a:solidFill>
-                              <a:schemeClr val="bg1"/>
-                            </a:solidFill>
-                            <a:effectLst/>
-                            <a:latin typeface="Cambria Math" panose="02040503050406030204" pitchFamily="18" charset="0"/>
-                            <a:cs typeface="Times New Roman" panose="02020603050405020304" pitchFamily="18" charset="0"/>
-                          </a:rPr>
-                        </m:ctrlPr>
-                      </m:dPr>
-                      <m:e>
-                        <m:r>
-                          <a:rPr lang="en-GB" sz="1800" i="1">
-                            <a:solidFill>
-                              <a:schemeClr val="bg1"/>
-                            </a:solidFill>
-                            <a:effectLst/>
-                            <a:latin typeface="Cambria Math" panose="02040503050406030204" pitchFamily="18" charset="0"/>
-                            <a:ea typeface="Calibri" panose="020F0502020204030204" pitchFamily="34" charset="0"/>
-                            <a:cs typeface="Times New Roman" panose="02020603050405020304" pitchFamily="18" charset="0"/>
-                          </a:rPr>
-                          <m:t>𝑥</m:t>
-                        </m:r>
-                        <m:r>
-                          <a:rPr lang="en-GB" sz="1800" i="1">
-                            <a:solidFill>
-                              <a:schemeClr val="bg1"/>
-                            </a:solidFill>
-                            <a:effectLst/>
-                            <a:latin typeface="Cambria Math" panose="02040503050406030204" pitchFamily="18" charset="0"/>
-                            <a:ea typeface="Calibri" panose="020F0502020204030204" pitchFamily="34" charset="0"/>
-                            <a:cs typeface="Times New Roman" panose="02020603050405020304" pitchFamily="18" charset="0"/>
-                          </a:rPr>
-                          <m:t>−</m:t>
-                        </m:r>
-                        <m:acc>
-                          <m:accPr>
-                            <m:chr m:val="̅"/>
-                            <m:ctrlPr>
-                              <a:rPr lang="en-US" sz="1800" i="1">
-                                <a:solidFill>
-                                  <a:schemeClr val="bg1"/>
-                                </a:solidFill>
-                                <a:effectLst/>
-                                <a:latin typeface="Cambria Math" panose="02040503050406030204" pitchFamily="18" charset="0"/>
-                                <a:cs typeface="Times New Roman" panose="02020603050405020304" pitchFamily="18" charset="0"/>
-                              </a:rPr>
-                            </m:ctrlPr>
-                          </m:accPr>
-                          <m:e>
-                            <m:r>
-                              <a:rPr lang="en-GB" sz="1800" i="1">
-                                <a:solidFill>
-                                  <a:schemeClr val="bg1"/>
-                                </a:solidFill>
-                                <a:effectLst/>
-                                <a:latin typeface="Cambria Math" panose="02040503050406030204" pitchFamily="18" charset="0"/>
-                                <a:ea typeface="Calibri" panose="020F0502020204030204" pitchFamily="34" charset="0"/>
-                                <a:cs typeface="Times New Roman" panose="02020603050405020304" pitchFamily="18" charset="0"/>
-                              </a:rPr>
-                              <m:t>𝑥</m:t>
-                            </m:r>
-                          </m:e>
-                        </m:acc>
-                      </m:e>
-                    </m:d>
-                    <m:r>
-                      <a:rPr lang="en-GB" sz="1800" i="1">
-                        <a:solidFill>
-                          <a:schemeClr val="bg1"/>
-                        </a:solidFill>
-                        <a:effectLst/>
-                        <a:latin typeface="Cambria Math" panose="02040503050406030204" pitchFamily="18" charset="0"/>
-                        <a:ea typeface="Calibri" panose="020F0502020204030204" pitchFamily="34" charset="0"/>
-                        <a:cs typeface="Times New Roman" panose="02020603050405020304" pitchFamily="18" charset="0"/>
-                      </a:rPr>
-                      <m:t>−</m:t>
-                    </m:r>
-                    <m:acc>
-                      <m:accPr>
-                        <m:chr m:val="̅"/>
-                        <m:ctrlPr>
-                          <a:rPr lang="en-US" sz="1800" i="1">
-                            <a:solidFill>
-                              <a:schemeClr val="bg1"/>
-                            </a:solidFill>
-                            <a:effectLst/>
-                            <a:latin typeface="Cambria Math" panose="02040503050406030204" pitchFamily="18" charset="0"/>
-                            <a:cs typeface="Times New Roman" panose="02020603050405020304" pitchFamily="18" charset="0"/>
-                          </a:rPr>
-                        </m:ctrlPr>
-                      </m:accPr>
-                      <m:e>
-                        <m:r>
-                          <a:rPr lang="en-GB" sz="1800" i="1">
-                            <a:solidFill>
-                              <a:schemeClr val="bg1"/>
-                            </a:solidFill>
-                            <a:effectLst/>
-                            <a:latin typeface="Cambria Math" panose="02040503050406030204" pitchFamily="18" charset="0"/>
-                            <a:ea typeface="Calibri" panose="020F0502020204030204" pitchFamily="34" charset="0"/>
-                            <a:cs typeface="Times New Roman" panose="02020603050405020304" pitchFamily="18" charset="0"/>
-                          </a:rPr>
-                          <m:t>𝑟</m:t>
-                        </m:r>
-                      </m:e>
-                    </m:acc>
-                    <m:r>
-                      <a:rPr lang="en-GB" sz="1800" i="1">
-                        <a:solidFill>
-                          <a:schemeClr val="bg1"/>
-                        </a:solidFill>
-                        <a:effectLst/>
-                        <a:latin typeface="Cambria Math" panose="02040503050406030204" pitchFamily="18" charset="0"/>
-                        <a:ea typeface="Calibri" panose="020F0502020204030204" pitchFamily="34" charset="0"/>
-                        <a:cs typeface="Times New Roman" panose="02020603050405020304" pitchFamily="18" charset="0"/>
-                      </a:rPr>
-                      <m:t>𝑓</m:t>
-                    </m:r>
-                  </m:oMath>
-                </a14:m>
-                <a:r>
-                  <a:rPr lang="en-GB" sz="1800" dirty="0">
-                    <a:solidFill>
-                      <a:schemeClr val="bg1"/>
-                    </a:solidFill>
-                    <a:effectLst/>
-                    <a:latin typeface="Times New Roman" panose="02020603050405020304" pitchFamily="18" charset="0"/>
-                    <a:ea typeface="Times New Roman" panose="02020603050405020304" pitchFamily="18" charset="0"/>
-                  </a:rPr>
-                  <a:t>	</a:t>
-                </a:r>
-                <a:endParaRPr lang="en-US" dirty="0">
-                  <a:solidFill>
-                    <a:schemeClr val="bg1"/>
-                  </a:solidFill>
-                </a:endParaRPr>
-              </a:p>
-            </p:txBody>
-          </p:sp>
-        </mc:Choice>
-        <mc:Fallback>
-          <p:sp>
-            <p:nvSpPr>
-              <p:cNvPr id="7" name="TextBox 6">
-                <a:extLst>
-                  <a:ext uri="{FF2B5EF4-FFF2-40B4-BE49-F238E27FC236}">
-                    <a16:creationId xmlns:a16="http://schemas.microsoft.com/office/drawing/2014/main" id="{B5862C11-BCDD-4AA6-818A-B0113526C3A1}"/>
-                  </a:ext>
-                </a:extLst>
-              </p:cNvPr>
-              <p:cNvSpPr txBox="1">
-                <a:spLocks noRot="1" noChangeAspect="1" noMove="1" noResize="1" noEditPoints="1" noAdjustHandles="1" noChangeArrowheads="1" noChangeShapeType="1" noTextEdit="1"/>
-              </p:cNvSpPr>
-              <p:nvPr/>
-            </p:nvSpPr>
-            <p:spPr>
-              <a:xfrm>
-                <a:off x="1240679" y="6155375"/>
-                <a:ext cx="2504050" cy="639983"/>
-              </a:xfrm>
-              <a:prstGeom prst="rect">
-                <a:avLst/>
-              </a:prstGeom>
-              <a:blipFill>
-                <a:blip r:embed="rId4"/>
-                <a:stretch>
-                  <a:fillRect l="-732"/>
-                </a:stretch>
-              </a:blipFill>
-            </p:spPr>
-            <p:txBody>
-              <a:bodyPr/>
-              <a:lstStyle/>
-              <a:p>
-                <a:r>
-                  <a:rPr lang="en-US">
-                    <a:noFill/>
-                  </a:rPr>
-                  <a:t> </a:t>
-                </a:r>
-              </a:p>
-            </p:txBody>
-          </p:sp>
-        </mc:Fallback>
-      </mc:AlternateContent>
-      <p:sp>
-        <p:nvSpPr>
-          <p:cNvPr id="4" name="TextBox 3">
-            <a:extLst>
-              <a:ext uri="{FF2B5EF4-FFF2-40B4-BE49-F238E27FC236}">
-                <a16:creationId xmlns:a16="http://schemas.microsoft.com/office/drawing/2014/main" id="{593D6C20-14F9-40FF-BE2C-187878DBC0A1}"/>
-              </a:ext>
-            </a:extLst>
-          </p:cNvPr>
-          <p:cNvSpPr txBox="1"/>
-          <p:nvPr/>
-        </p:nvSpPr>
-        <p:spPr>
-          <a:xfrm>
-            <a:off x="513119" y="5359325"/>
-            <a:ext cx="497879" cy="369332"/>
-          </a:xfrm>
-          <a:prstGeom prst="rect">
-            <a:avLst/>
-          </a:prstGeom>
-          <a:noFill/>
-        </p:spPr>
-        <p:txBody>
-          <a:bodyPr wrap="square" rtlCol="0">
-            <a:spAutoFit/>
-          </a:bodyPr>
-          <a:lstStyle/>
-          <a:p>
-            <a:r>
-              <a:rPr lang="tr-TR" dirty="0">
-                <a:solidFill>
-                  <a:schemeClr val="bg1"/>
-                </a:solidFill>
-                <a:latin typeface="Times New Roman" panose="02020603050405020304" pitchFamily="18" charset="0"/>
-                <a:cs typeface="Times New Roman" panose="02020603050405020304" pitchFamily="18" charset="0"/>
-              </a:rPr>
-              <a:t>1-)</a:t>
-            </a:r>
-            <a:endParaRPr lang="en-US" dirty="0">
-              <a:solidFill>
-                <a:schemeClr val="bg1"/>
-              </a:solidFill>
+              <a:rPr lang="tr-TR" sz="2400" dirty="0" err="1">
+                <a:latin typeface="Times New Roman" panose="02020603050405020304" pitchFamily="18" charset="0"/>
+                <a:cs typeface="Times New Roman" panose="02020603050405020304" pitchFamily="18" charset="0"/>
+              </a:rPr>
+              <a:t>recognition</a:t>
+            </a:r>
+            <a:r>
+              <a:rPr lang="en-US" sz="2400" dirty="0">
+                <a:latin typeface="Times New Roman" panose="02020603050405020304" pitchFamily="18" charset="0"/>
+                <a:cs typeface="Times New Roman" panose="02020603050405020304" pitchFamily="18" charset="0"/>
+              </a:rPr>
+              <a:t> algorithm</a:t>
+            </a:r>
+            <a:r>
+              <a:rPr lang="tr-TR" sz="2400" dirty="0">
+                <a:latin typeface="Times New Roman" panose="02020603050405020304" pitchFamily="18" charset="0"/>
+                <a:cs typeface="Times New Roman" panose="02020603050405020304" pitchFamily="18" charset="0"/>
+              </a:rPr>
+              <a:t>?</a:t>
+            </a:r>
+          </a:p>
+          <a:p>
+            <a:pPr marL="285750" indent="-285750">
+              <a:buFont typeface="Arial" panose="020B0604020202020204" pitchFamily="34" charset="0"/>
+              <a:buChar char="•"/>
+            </a:pPr>
+            <a:r>
+              <a:rPr lang="tr-TR" sz="2400" dirty="0">
+                <a:latin typeface="Times New Roman" panose="02020603050405020304" pitchFamily="18" charset="0"/>
+                <a:cs typeface="Times New Roman" panose="02020603050405020304" pitchFamily="18" charset="0"/>
+              </a:rPr>
+              <a:t>H</a:t>
+            </a:r>
+            <a:r>
+              <a:rPr lang="en-US" sz="2400" dirty="0">
+                <a:latin typeface="Times New Roman" panose="02020603050405020304" pitchFamily="18" charset="0"/>
+                <a:cs typeface="Times New Roman" panose="02020603050405020304" pitchFamily="18" charset="0"/>
+              </a:rPr>
+              <a:t>ow we find surface</a:t>
+            </a:r>
+            <a:r>
+              <a:rPr lang="tr-TR" sz="2400" dirty="0">
+                <a:latin typeface="Times New Roman" panose="02020603050405020304" pitchFamily="18" charset="0"/>
+                <a:cs typeface="Times New Roman" panose="02020603050405020304" pitchFamily="18" charset="0"/>
+              </a:rPr>
+              <a:t>?</a:t>
+            </a:r>
+            <a:endParaRPr lang="en-US" sz="2400" dirty="0">
               <a:latin typeface="Times New Roman" panose="02020603050405020304" pitchFamily="18" charset="0"/>
               <a:cs typeface="Times New Roman" panose="02020603050405020304" pitchFamily="18" charset="0"/>
             </a:endParaRPr>
           </a:p>
-        </p:txBody>
-      </p:sp>
-      <p:sp>
-        <p:nvSpPr>
-          <p:cNvPr id="11" name="TextBox 10">
-            <a:extLst>
-              <a:ext uri="{FF2B5EF4-FFF2-40B4-BE49-F238E27FC236}">
-                <a16:creationId xmlns:a16="http://schemas.microsoft.com/office/drawing/2014/main" id="{CA335CE9-0578-440F-9D24-EA96775F0C83}"/>
-              </a:ext>
-            </a:extLst>
-          </p:cNvPr>
-          <p:cNvSpPr txBox="1"/>
-          <p:nvPr/>
-        </p:nvSpPr>
-        <p:spPr>
-          <a:xfrm>
-            <a:off x="513119" y="6106035"/>
-            <a:ext cx="497879" cy="369332"/>
-          </a:xfrm>
-          <a:prstGeom prst="rect">
-            <a:avLst/>
-          </a:prstGeom>
-          <a:noFill/>
-        </p:spPr>
-        <p:txBody>
-          <a:bodyPr wrap="square" rtlCol="0">
-            <a:spAutoFit/>
-          </a:bodyPr>
-          <a:lstStyle/>
-          <a:p>
-            <a:r>
-              <a:rPr lang="tr-TR" dirty="0">
-                <a:solidFill>
-                  <a:schemeClr val="bg1"/>
-                </a:solidFill>
-                <a:latin typeface="Times New Roman" panose="02020603050405020304" pitchFamily="18" charset="0"/>
-                <a:cs typeface="Times New Roman" panose="02020603050405020304" pitchFamily="18" charset="0"/>
-              </a:rPr>
-              <a:t>2-)</a:t>
-            </a:r>
-            <a:endParaRPr lang="en-US" dirty="0">
-              <a:solidFill>
-                <a:schemeClr val="bg1"/>
-              </a:solidFill>
+          <a:p>
+            <a:endParaRPr lang="en-US" sz="2400" dirty="0">
               <a:latin typeface="Times New Roman" panose="02020603050405020304" pitchFamily="18" charset="0"/>
               <a:cs typeface="Times New Roman" panose="02020603050405020304" pitchFamily="18" charset="0"/>
             </a:endParaRPr>
@@ -9606,7 +11549,7 @@
           <p:nvPr/>
         </p:nvPicPr>
         <p:blipFill>
-          <a:blip r:embed="rId5">
+          <a:blip r:embed="rId3">
             <a:extLst>
               <a:ext uri="{28A0092B-C50C-407E-A947-70E740481C1C}">
                 <a14:useLocalDpi xmlns:a14="http://schemas.microsoft.com/office/drawing/2010/main" val="0"/>
@@ -9619,8 +11562,8 @@
         </p:blipFill>
         <p:spPr>
           <a:xfrm>
-            <a:off x="7269895" y="1301365"/>
-            <a:ext cx="4500074" cy="2975573"/>
+            <a:off x="6633673" y="1619250"/>
+            <a:ext cx="5258731" cy="3477218"/>
           </a:xfrm>
           <a:prstGeom prst="rect">
             <a:avLst/>
@@ -9641,7 +11584,7 @@
         </p:nvSpPr>
         <p:spPr>
           <a:xfrm>
-            <a:off x="7162801" y="4247500"/>
+            <a:off x="6756108" y="5140135"/>
             <a:ext cx="5136296" cy="307777"/>
           </a:xfrm>
           <a:prstGeom prst="rect">
@@ -9658,10 +11601,7 @@
             <a:r>
               <a:rPr lang="en-US" sz="1400" b="1" dirty="0">
                 <a:solidFill>
-                  <a:schemeClr val="tx1">
-                    <a:lumMod val="95000"/>
-                    <a:lumOff val="5000"/>
-                  </a:schemeClr>
+                  <a:schemeClr val="bg1"/>
                 </a:solidFill>
                 <a:latin typeface="Times New Roman" panose="02020603050405020304" pitchFamily="18" charset="0"/>
                 <a:cs typeface="Times New Roman" panose="02020603050405020304" pitchFamily="18" charset="0"/>
@@ -9671,10 +11611,7 @@
             <a:r>
               <a:rPr lang="tr-TR" sz="1400" b="1" dirty="0">
                 <a:solidFill>
-                  <a:schemeClr val="tx1">
-                    <a:lumMod val="95000"/>
-                    <a:lumOff val="5000"/>
-                  </a:schemeClr>
+                  <a:schemeClr val="bg1"/>
                 </a:solidFill>
                 <a:latin typeface="Times New Roman" panose="02020603050405020304" pitchFamily="18" charset="0"/>
                 <a:cs typeface="Times New Roman" panose="02020603050405020304" pitchFamily="18" charset="0"/>
@@ -9684,10 +11621,7 @@
             <a:r>
               <a:rPr lang="tr-TR" sz="1400" dirty="0">
                 <a:solidFill>
-                  <a:schemeClr val="tx1">
-                    <a:lumMod val="95000"/>
-                    <a:lumOff val="5000"/>
-                  </a:schemeClr>
+                  <a:schemeClr val="bg1"/>
                 </a:solidFill>
                 <a:latin typeface="Times New Roman" panose="02020603050405020304" pitchFamily="18" charset="0"/>
                 <a:cs typeface="Times New Roman" panose="02020603050405020304" pitchFamily="18" charset="0"/>
@@ -9697,10 +11631,7 @@
             <a:r>
               <a:rPr lang="tr-TR" sz="1400" dirty="0" err="1">
                 <a:solidFill>
-                  <a:schemeClr val="tx1">
-                    <a:lumMod val="95000"/>
-                    <a:lumOff val="5000"/>
-                  </a:schemeClr>
+                  <a:schemeClr val="bg1"/>
                 </a:solidFill>
                 <a:latin typeface="Times New Roman" panose="02020603050405020304" pitchFamily="18" charset="0"/>
                 <a:cs typeface="Times New Roman" panose="02020603050405020304" pitchFamily="18" charset="0"/>
@@ -9710,10 +11641,7 @@
             <a:r>
               <a:rPr lang="tr-TR" sz="1400" dirty="0">
                 <a:solidFill>
-                  <a:schemeClr val="tx1">
-                    <a:lumMod val="95000"/>
-                    <a:lumOff val="5000"/>
-                  </a:schemeClr>
+                  <a:schemeClr val="bg1"/>
                 </a:solidFill>
                 <a:latin typeface="Times New Roman" panose="02020603050405020304" pitchFamily="18" charset="0"/>
                 <a:cs typeface="Times New Roman" panose="02020603050405020304" pitchFamily="18" charset="0"/>
@@ -9723,10 +11651,7 @@
             <a:r>
               <a:rPr lang="tr-TR" sz="1400" dirty="0" err="1">
                 <a:solidFill>
-                  <a:schemeClr val="tx1">
-                    <a:lumMod val="95000"/>
-                    <a:lumOff val="5000"/>
-                  </a:schemeClr>
+                  <a:schemeClr val="bg1"/>
                 </a:solidFill>
                 <a:latin typeface="Times New Roman" panose="02020603050405020304" pitchFamily="18" charset="0"/>
                 <a:cs typeface="Times New Roman" panose="02020603050405020304" pitchFamily="18" charset="0"/>
@@ -9736,10 +11661,7 @@
             <a:r>
               <a:rPr lang="tr-TR" sz="1400" dirty="0">
                 <a:solidFill>
-                  <a:schemeClr val="tx1">
-                    <a:lumMod val="95000"/>
-                    <a:lumOff val="5000"/>
-                  </a:schemeClr>
+                  <a:schemeClr val="bg1"/>
                 </a:solidFill>
                 <a:latin typeface="Times New Roman" panose="02020603050405020304" pitchFamily="18" charset="0"/>
                 <a:cs typeface="Times New Roman" panose="02020603050405020304" pitchFamily="18" charset="0"/>
@@ -9749,10 +11671,7 @@
             <a:r>
               <a:rPr lang="tr-TR" sz="1400" dirty="0" err="1">
                 <a:solidFill>
-                  <a:schemeClr val="tx1">
-                    <a:lumMod val="95000"/>
-                    <a:lumOff val="5000"/>
-                  </a:schemeClr>
+                  <a:schemeClr val="bg1"/>
                 </a:solidFill>
                 <a:latin typeface="Times New Roman" panose="02020603050405020304" pitchFamily="18" charset="0"/>
                 <a:cs typeface="Times New Roman" panose="02020603050405020304" pitchFamily="18" charset="0"/>
@@ -9762,10 +11681,7 @@
             <a:r>
               <a:rPr lang="tr-TR" sz="1400" dirty="0">
                 <a:solidFill>
-                  <a:schemeClr val="tx1">
-                    <a:lumMod val="95000"/>
-                    <a:lumOff val="5000"/>
-                  </a:schemeClr>
+                  <a:schemeClr val="bg1"/>
                 </a:solidFill>
                 <a:latin typeface="Times New Roman" panose="02020603050405020304" pitchFamily="18" charset="0"/>
                 <a:cs typeface="Times New Roman" panose="02020603050405020304" pitchFamily="18" charset="0"/>
@@ -9775,10 +11691,7 @@
             <a:r>
               <a:rPr lang="tr-TR" sz="1400" dirty="0" err="1">
                 <a:solidFill>
-                  <a:schemeClr val="tx1">
-                    <a:lumMod val="95000"/>
-                    <a:lumOff val="5000"/>
-                  </a:schemeClr>
+                  <a:schemeClr val="bg1"/>
                 </a:solidFill>
                 <a:latin typeface="Times New Roman" panose="02020603050405020304" pitchFamily="18" charset="0"/>
                 <a:cs typeface="Times New Roman" panose="02020603050405020304" pitchFamily="18" charset="0"/>
@@ -9788,10 +11701,7 @@
             <a:r>
               <a:rPr lang="tr-TR" sz="1400" dirty="0">
                 <a:solidFill>
-                  <a:schemeClr val="tx1">
-                    <a:lumMod val="95000"/>
-                    <a:lumOff val="5000"/>
-                  </a:schemeClr>
+                  <a:schemeClr val="bg1"/>
                 </a:solidFill>
                 <a:latin typeface="Times New Roman" panose="02020603050405020304" pitchFamily="18" charset="0"/>
                 <a:cs typeface="Times New Roman" panose="02020603050405020304" pitchFamily="18" charset="0"/>
@@ -9801,10 +11711,7 @@
             <a:r>
               <a:rPr lang="tr-TR" sz="1400" dirty="0" err="1">
                 <a:solidFill>
-                  <a:schemeClr val="tx1">
-                    <a:lumMod val="95000"/>
-                    <a:lumOff val="5000"/>
-                  </a:schemeClr>
+                  <a:schemeClr val="bg1"/>
                 </a:solidFill>
                 <a:latin typeface="Times New Roman" panose="02020603050405020304" pitchFamily="18" charset="0"/>
                 <a:cs typeface="Times New Roman" panose="02020603050405020304" pitchFamily="18" charset="0"/>
@@ -9813,10 +11720,7 @@
             </a:r>
             <a:endParaRPr lang="en-US" sz="1400" dirty="0">
               <a:solidFill>
-                <a:schemeClr val="tx1">
-                  <a:lumMod val="95000"/>
-                  <a:lumOff val="5000"/>
-                </a:schemeClr>
+                <a:schemeClr val="bg1"/>
               </a:solidFill>
               <a:latin typeface="Times New Roman" panose="02020603050405020304" pitchFamily="18" charset="0"/>
               <a:cs typeface="Times New Roman" panose="02020603050405020304" pitchFamily="18" charset="0"/>
@@ -9837,7 +11741,7 @@
 </p:sld>
 </file>
 
-<file path=ppt/slides/slide9.xml><?xml version="1.0" encoding="utf-8"?>
+<file path=ppt/slides/slide8.xml><?xml version="1.0" encoding="utf-8"?>
 <p:sld xmlns:a="http://schemas.openxmlformats.org/drawingml/2006/main" xmlns:r="http://schemas.openxmlformats.org/officeDocument/2006/relationships" xmlns:p="http://schemas.openxmlformats.org/presentationml/2006/main">
   <p:cSld>
     <p:bg>
@@ -10109,8 +12013,8 @@
         </p:nvSpPr>
         <p:spPr>
           <a:xfrm>
-            <a:off x="311220" y="5421108"/>
-            <a:ext cx="8892741" cy="982634"/>
+            <a:off x="311221" y="5421108"/>
+            <a:ext cx="5343992" cy="982634"/>
           </a:xfrm>
         </p:spPr>
         <p:txBody>
@@ -10120,7 +12024,7 @@
           <a:lstStyle/>
           <a:p>
             <a:r>
-              <a:rPr lang="en-US" sz="6000" kern="1200" dirty="0">
+              <a:rPr lang="en-US" sz="4800" kern="1200" dirty="0">
                 <a:solidFill>
                   <a:schemeClr val="bg1"/>
                 </a:solidFill>
@@ -10129,6 +12033,23 @@
               </a:rPr>
               <a:t>TEST RESULTS</a:t>
             </a:r>
+            <a:r>
+              <a:rPr lang="tr-TR" sz="4800" dirty="0">
+                <a:solidFill>
+                  <a:schemeClr val="bg1"/>
+                </a:solidFill>
+                <a:latin typeface="Arial" panose="020B0604020202020204" pitchFamily="34" charset="0"/>
+                <a:cs typeface="Arial" panose="020B0604020202020204" pitchFamily="34" charset="0"/>
+              </a:rPr>
+              <a:t> 1</a:t>
+            </a:r>
+            <a:endParaRPr lang="en-US" sz="4800" kern="1200" dirty="0">
+              <a:solidFill>
+                <a:schemeClr val="bg1"/>
+              </a:solidFill>
+              <a:latin typeface="Arial" panose="020B0604020202020204" pitchFamily="34" charset="0"/>
+              <a:cs typeface="Arial" panose="020B0604020202020204" pitchFamily="34" charset="0"/>
+            </a:endParaRPr>
           </a:p>
         </p:txBody>
       </p:sp>
@@ -10274,7 +12195,7 @@
         </p:nvSpPr>
         <p:spPr>
           <a:xfrm>
-            <a:off x="1937681" y="4249959"/>
+            <a:off x="1925011" y="4223319"/>
             <a:ext cx="2195274" cy="307777"/>
           </a:xfrm>
           <a:prstGeom prst="rect">
@@ -10325,20 +12246,7 @@
                 <a:latin typeface="Times New Roman" panose="02020603050405020304" pitchFamily="18" charset="0"/>
                 <a:cs typeface="Times New Roman" panose="02020603050405020304" pitchFamily="18" charset="0"/>
               </a:rPr>
-              <a:t>Test </a:t>
-            </a:r>
-            <a:r>
-              <a:rPr lang="tr-TR" sz="1400" dirty="0" err="1">
-                <a:solidFill>
-                  <a:schemeClr val="tx1">
-                    <a:lumMod val="95000"/>
-                    <a:lumOff val="5000"/>
-                  </a:schemeClr>
-                </a:solidFill>
-                <a:latin typeface="Times New Roman" panose="02020603050405020304" pitchFamily="18" charset="0"/>
-                <a:cs typeface="Times New Roman" panose="02020603050405020304" pitchFamily="18" charset="0"/>
-              </a:rPr>
-              <a:t>Scene</a:t>
+              <a:t>Test Scene-1</a:t>
             </a:r>
             <a:endParaRPr lang="en-US" sz="1400" dirty="0">
               <a:solidFill>
@@ -10353,10 +12261,860 @@
           </a:p>
         </p:txBody>
       </p:sp>
+      <p:sp>
+        <p:nvSpPr>
+          <p:cNvPr id="11" name="TextBox 10">
+            <a:extLst>
+              <a:ext uri="{FF2B5EF4-FFF2-40B4-BE49-F238E27FC236}">
+                <a16:creationId xmlns:a16="http://schemas.microsoft.com/office/drawing/2014/main" id="{623E1762-9626-4B95-B07E-8EE39E054811}"/>
+              </a:ext>
+            </a:extLst>
+          </p:cNvPr>
+          <p:cNvSpPr txBox="1"/>
+          <p:nvPr/>
+        </p:nvSpPr>
+        <p:spPr>
+          <a:xfrm>
+            <a:off x="7323728" y="4193366"/>
+            <a:ext cx="4446241" cy="307777"/>
+          </a:xfrm>
+          <a:prstGeom prst="rect">
+            <a:avLst/>
+          </a:prstGeom>
+          <a:noFill/>
+        </p:spPr>
+        <p:txBody>
+          <a:bodyPr wrap="square" rtlCol="0">
+            <a:spAutoFit/>
+          </a:bodyPr>
+          <a:lstStyle/>
+          <a:p>
+            <a:r>
+              <a:rPr lang="en-US" sz="1400" b="1" dirty="0">
+                <a:solidFill>
+                  <a:schemeClr val="tx1">
+                    <a:lumMod val="95000"/>
+                    <a:lumOff val="5000"/>
+                  </a:schemeClr>
+                </a:solidFill>
+                <a:latin typeface="Times New Roman" panose="02020603050405020304" pitchFamily="18" charset="0"/>
+                <a:cs typeface="Times New Roman" panose="02020603050405020304" pitchFamily="18" charset="0"/>
+              </a:rPr>
+              <a:t>Fig</a:t>
+            </a:r>
+            <a:r>
+              <a:rPr lang="tr-TR" sz="1400" b="1" dirty="0">
+                <a:solidFill>
+                  <a:schemeClr val="tx1">
+                    <a:lumMod val="95000"/>
+                    <a:lumOff val="5000"/>
+                  </a:schemeClr>
+                </a:solidFill>
+                <a:latin typeface="Times New Roman" panose="02020603050405020304" pitchFamily="18" charset="0"/>
+                <a:cs typeface="Times New Roman" panose="02020603050405020304" pitchFamily="18" charset="0"/>
+              </a:rPr>
+              <a:t> 10: </a:t>
+            </a:r>
+            <a:r>
+              <a:rPr lang="tr-TR" sz="1400" b="1" dirty="0" err="1">
+                <a:solidFill>
+                  <a:schemeClr val="tx1">
+                    <a:lumMod val="95000"/>
+                    <a:lumOff val="5000"/>
+                  </a:schemeClr>
+                </a:solidFill>
+                <a:latin typeface="Times New Roman" panose="02020603050405020304" pitchFamily="18" charset="0"/>
+                <a:cs typeface="Times New Roman" panose="02020603050405020304" pitchFamily="18" charset="0"/>
+              </a:rPr>
+              <a:t>S</a:t>
+            </a:r>
+            <a:r>
+              <a:rPr lang="tr-TR" sz="1400" dirty="0" err="1">
+                <a:solidFill>
+                  <a:schemeClr val="tx1">
+                    <a:lumMod val="95000"/>
+                    <a:lumOff val="5000"/>
+                  </a:schemeClr>
+                </a:solidFill>
+                <a:latin typeface="Times New Roman" panose="02020603050405020304" pitchFamily="18" charset="0"/>
+                <a:cs typeface="Times New Roman" panose="02020603050405020304" pitchFamily="18" charset="0"/>
+              </a:rPr>
+              <a:t>urface</a:t>
+            </a:r>
+            <a:r>
+              <a:rPr lang="tr-TR" sz="1400" dirty="0">
+                <a:solidFill>
+                  <a:schemeClr val="tx1">
+                    <a:lumMod val="95000"/>
+                    <a:lumOff val="5000"/>
+                  </a:schemeClr>
+                </a:solidFill>
+                <a:latin typeface="Times New Roman" panose="02020603050405020304" pitchFamily="18" charset="0"/>
+                <a:cs typeface="Times New Roman" panose="02020603050405020304" pitchFamily="18" charset="0"/>
+              </a:rPr>
+              <a:t> </a:t>
+            </a:r>
+            <a:r>
+              <a:rPr lang="tr-TR" sz="1400" dirty="0" err="1">
+                <a:solidFill>
+                  <a:schemeClr val="tx1">
+                    <a:lumMod val="95000"/>
+                    <a:lumOff val="5000"/>
+                  </a:schemeClr>
+                </a:solidFill>
+                <a:latin typeface="Times New Roman" panose="02020603050405020304" pitchFamily="18" charset="0"/>
+                <a:cs typeface="Times New Roman" panose="02020603050405020304" pitchFamily="18" charset="0"/>
+              </a:rPr>
+              <a:t>Recognition</a:t>
+            </a:r>
+            <a:r>
+              <a:rPr lang="tr-TR" sz="1400" dirty="0">
+                <a:solidFill>
+                  <a:schemeClr val="tx1">
+                    <a:lumMod val="95000"/>
+                    <a:lumOff val="5000"/>
+                  </a:schemeClr>
+                </a:solidFill>
+                <a:latin typeface="Times New Roman" panose="02020603050405020304" pitchFamily="18" charset="0"/>
+                <a:cs typeface="Times New Roman" panose="02020603050405020304" pitchFamily="18" charset="0"/>
+              </a:rPr>
+              <a:t> Chart as Time-Frame</a:t>
+            </a:r>
+            <a:endParaRPr lang="en-US" sz="1400" dirty="0">
+              <a:solidFill>
+                <a:schemeClr val="tx1">
+                  <a:lumMod val="95000"/>
+                  <a:lumOff val="5000"/>
+                </a:schemeClr>
+              </a:solidFill>
+              <a:latin typeface="Times New Roman" panose="02020603050405020304" pitchFamily="18" charset="0"/>
+              <a:cs typeface="Times New Roman" panose="02020603050405020304" pitchFamily="18" charset="0"/>
+            </a:endParaRPr>
+          </a:p>
+        </p:txBody>
+      </p:sp>
     </p:spTree>
     <p:extLst>
       <p:ext uri="{BB962C8B-B14F-4D97-AF65-F5344CB8AC3E}">
         <p14:creationId xmlns:p14="http://schemas.microsoft.com/office/powerpoint/2010/main" val="1078617069"/>
+      </p:ext>
+    </p:extLst>
+  </p:cSld>
+  <p:clrMapOvr>
+    <a:masterClrMapping/>
+  </p:clrMapOvr>
+</p:sld>
+</file>
+
+<file path=ppt/slides/slide9.xml><?xml version="1.0" encoding="utf-8"?>
+<p:sld xmlns:a="http://schemas.openxmlformats.org/drawingml/2006/main" xmlns:r="http://schemas.openxmlformats.org/officeDocument/2006/relationships" xmlns:p="http://schemas.openxmlformats.org/presentationml/2006/main">
+  <p:cSld>
+    <p:bg>
+      <p:bgPr>
+        <a:solidFill>
+          <a:schemeClr val="bg1"/>
+        </a:solidFill>
+        <a:effectLst/>
+      </p:bgPr>
+    </p:bg>
+    <p:spTree>
+      <p:nvGrpSpPr>
+        <p:cNvPr id="1" name=""/>
+        <p:cNvGrpSpPr/>
+        <p:nvPr/>
+      </p:nvGrpSpPr>
+      <p:grpSpPr>
+        <a:xfrm>
+          <a:off x="0" y="0"/>
+          <a:ext cx="0" cy="0"/>
+          <a:chOff x="0" y="0"/>
+          <a:chExt cx="0" cy="0"/>
+        </a:xfrm>
+      </p:grpSpPr>
+      <p:sp>
+        <p:nvSpPr>
+          <p:cNvPr id="8" name="Rectangle 7">
+            <a:extLst>
+              <a:ext uri="{FF2B5EF4-FFF2-40B4-BE49-F238E27FC236}">
+                <a16:creationId xmlns:a16="http://schemas.microsoft.com/office/drawing/2014/main" id="{86197D16-FE75-4A0E-A0C9-28C0F04A43DF}"/>
+              </a:ext>
+              <a:ext uri="{C183D7F6-B498-43B3-948B-1728B52AA6E4}">
+                <adec:decorative xmlns:adec="http://schemas.microsoft.com/office/drawing/2017/decorative" val="1"/>
+              </a:ext>
+            </a:extLst>
+          </p:cNvPr>
+          <p:cNvSpPr>
+            <a:spLocks noGrp="1" noRot="1" noChangeAspect="1" noMove="1" noResize="1" noEditPoints="1" noAdjustHandles="1" noChangeArrowheads="1" noChangeShapeType="1" noTextEdit="1"/>
+          </p:cNvSpPr>
+          <p:nvPr>
+            <p:extLst>
+              <p:ext uri="{386F3935-93C4-4BCD-93E2-E3B085C9AB24}">
+                <p16:designElem xmlns:p16="http://schemas.microsoft.com/office/powerpoint/2015/main" val="1"/>
+              </p:ext>
+            </p:extLst>
+          </p:nvPr>
+        </p:nvSpPr>
+        <p:spPr>
+          <a:xfrm>
+            <a:off x="0" y="609599"/>
+            <a:ext cx="12192000" cy="6248400"/>
+          </a:xfrm>
+          <a:prstGeom prst="rect">
+            <a:avLst/>
+          </a:prstGeom>
+          <a:gradFill>
+            <a:gsLst>
+              <a:gs pos="0">
+                <a:schemeClr val="accent1"/>
+              </a:gs>
+              <a:gs pos="25000">
+                <a:schemeClr val="accent1"/>
+              </a:gs>
+              <a:gs pos="94000">
+                <a:schemeClr val="accent5"/>
+              </a:gs>
+              <a:gs pos="100000">
+                <a:schemeClr val="accent5"/>
+              </a:gs>
+            </a:gsLst>
+            <a:lin ang="4200000" scaled="0"/>
+          </a:gradFill>
+          <a:ln>
+            <a:noFill/>
+          </a:ln>
+        </p:spPr>
+        <p:style>
+          <a:lnRef idx="2">
+            <a:schemeClr val="accent1">
+              <a:shade val="50000"/>
+            </a:schemeClr>
+          </a:lnRef>
+          <a:fillRef idx="1">
+            <a:schemeClr val="accent1"/>
+          </a:fillRef>
+          <a:effectRef idx="0">
+            <a:schemeClr val="accent1"/>
+          </a:effectRef>
+          <a:fontRef idx="minor">
+            <a:schemeClr val="lt1"/>
+          </a:fontRef>
+        </p:style>
+        <p:txBody>
+          <a:bodyPr rtlCol="0" anchor="ctr"/>
+          <a:lstStyle/>
+          <a:p>
+            <a:pPr algn="ctr"/>
+            <a:endParaRPr lang="en-US"/>
+          </a:p>
+        </p:txBody>
+      </p:sp>
+      <p:pic>
+        <p:nvPicPr>
+          <p:cNvPr id="10" name="Picture 9">
+            <a:extLst>
+              <a:ext uri="{FF2B5EF4-FFF2-40B4-BE49-F238E27FC236}">
+                <a16:creationId xmlns:a16="http://schemas.microsoft.com/office/drawing/2014/main" id="{FA8FCEC6-4B30-4FF2-8B32-504BEAEA3A16}"/>
+              </a:ext>
+              <a:ext uri="{C183D7F6-B498-43B3-948B-1728B52AA6E4}">
+                <adec:decorative xmlns:adec="http://schemas.microsoft.com/office/drawing/2017/decorative" val="1"/>
+              </a:ext>
+            </a:extLst>
+          </p:cNvPr>
+          <p:cNvPicPr>
+            <a:picLocks noGrp="1" noRot="1" noChangeAspect="1" noMove="1" noResize="1" noEditPoints="1" noAdjustHandles="1" noChangeArrowheads="1" noChangeShapeType="1" noCrop="1"/>
+          </p:cNvPicPr>
+          <p:nvPr>
+            <p:extLst>
+              <p:ext uri="{386F3935-93C4-4BCD-93E2-E3B085C9AB24}">
+                <p16:designElem xmlns:p16="http://schemas.microsoft.com/office/powerpoint/2015/main" val="1"/>
+              </p:ext>
+            </p:extLst>
+          </p:nvPr>
+        </p:nvPicPr>
+        <p:blipFill>
+          <a:blip r:embed="rId2">
+            <a:extLst>
+              <a:ext uri="{28A0092B-C50C-407E-A947-70E740481C1C}">
+                <a14:useLocalDpi xmlns:a14="http://schemas.microsoft.com/office/drawing/2010/main" val="0"/>
+              </a:ext>
+            </a:extLst>
+          </a:blip>
+          <a:srcRect t="45716" b="9820"/>
+          <a:stretch>
+            <a:fillRect/>
+          </a:stretch>
+        </p:blipFill>
+        <p:spPr>
+          <a:xfrm flipV="1">
+            <a:off x="0" y="2374533"/>
+            <a:ext cx="12192000" cy="3049325"/>
+          </a:xfrm>
+          <a:custGeom>
+            <a:avLst/>
+            <a:gdLst>
+              <a:gd name="connsiteX0" fmla="*/ 0 w 12192000"/>
+              <a:gd name="connsiteY0" fmla="*/ 0 h 3049325"/>
+              <a:gd name="connsiteX1" fmla="*/ 12192000 w 12192000"/>
+              <a:gd name="connsiteY1" fmla="*/ 0 h 3049325"/>
+              <a:gd name="connsiteX2" fmla="*/ 12192000 w 12192000"/>
+              <a:gd name="connsiteY2" fmla="*/ 3049325 h 3049325"/>
+              <a:gd name="connsiteX3" fmla="*/ 0 w 12192000"/>
+              <a:gd name="connsiteY3" fmla="*/ 3049325 h 3049325"/>
+            </a:gdLst>
+            <a:ahLst/>
+            <a:cxnLst>
+              <a:cxn ang="0">
+                <a:pos x="connsiteX0" y="connsiteY0"/>
+              </a:cxn>
+              <a:cxn ang="0">
+                <a:pos x="connsiteX1" y="connsiteY1"/>
+              </a:cxn>
+              <a:cxn ang="0">
+                <a:pos x="connsiteX2" y="connsiteY2"/>
+              </a:cxn>
+              <a:cxn ang="0">
+                <a:pos x="connsiteX3" y="connsiteY3"/>
+              </a:cxn>
+            </a:cxnLst>
+            <a:rect l="l" t="t" r="r" b="b"/>
+            <a:pathLst>
+              <a:path w="12192000" h="3049325">
+                <a:moveTo>
+                  <a:pt x="0" y="0"/>
+                </a:moveTo>
+                <a:lnTo>
+                  <a:pt x="12192000" y="0"/>
+                </a:lnTo>
+                <a:lnTo>
+                  <a:pt x="12192000" y="3049325"/>
+                </a:lnTo>
+                <a:lnTo>
+                  <a:pt x="0" y="3049325"/>
+                </a:lnTo>
+                <a:close/>
+              </a:path>
+            </a:pathLst>
+          </a:custGeom>
+        </p:spPr>
+      </p:pic>
+      <p:sp>
+        <p:nvSpPr>
+          <p:cNvPr id="12" name="Rectangle 11">
+            <a:extLst>
+              <a:ext uri="{FF2B5EF4-FFF2-40B4-BE49-F238E27FC236}">
+                <a16:creationId xmlns:a16="http://schemas.microsoft.com/office/drawing/2014/main" id="{92CA431A-BC84-45C3-8430-0459E54A220F}"/>
+              </a:ext>
+              <a:ext uri="{C183D7F6-B498-43B3-948B-1728B52AA6E4}">
+                <adec:decorative xmlns:adec="http://schemas.microsoft.com/office/drawing/2017/decorative" val="1"/>
+              </a:ext>
+            </a:extLst>
+          </p:cNvPr>
+          <p:cNvSpPr>
+            <a:spLocks noGrp="1" noRot="1" noChangeAspect="1" noMove="1" noResize="1" noEditPoints="1" noAdjustHandles="1" noChangeArrowheads="1" noChangeShapeType="1" noTextEdit="1"/>
+          </p:cNvSpPr>
+          <p:nvPr>
+            <p:extLst>
+              <p:ext uri="{386F3935-93C4-4BCD-93E2-E3B085C9AB24}">
+                <p16:designElem xmlns:p16="http://schemas.microsoft.com/office/powerpoint/2015/main" val="1"/>
+              </p:ext>
+            </p:extLst>
+          </p:nvPr>
+        </p:nvSpPr>
+        <p:spPr>
+          <a:xfrm>
+            <a:off x="0" y="0"/>
+            <a:ext cx="12188952" cy="3238500"/>
+          </a:xfrm>
+          <a:prstGeom prst="rect">
+            <a:avLst/>
+          </a:prstGeom>
+          <a:solidFill>
+            <a:srgbClr val="FFFFFF"/>
+          </a:solidFill>
+          <a:ln>
+            <a:noFill/>
+          </a:ln>
+        </p:spPr>
+        <p:style>
+          <a:lnRef idx="2">
+            <a:schemeClr val="accent1">
+              <a:shade val="50000"/>
+            </a:schemeClr>
+          </a:lnRef>
+          <a:fillRef idx="1">
+            <a:schemeClr val="accent1"/>
+          </a:fillRef>
+          <a:effectRef idx="0">
+            <a:schemeClr val="accent1"/>
+          </a:effectRef>
+          <a:fontRef idx="minor">
+            <a:schemeClr val="lt1"/>
+          </a:fontRef>
+        </p:style>
+        <p:txBody>
+          <a:bodyPr rtlCol="0" anchor="ctr"/>
+          <a:lstStyle/>
+          <a:p>
+            <a:pPr algn="ctr"/>
+            <a:endParaRPr lang="en-US"/>
+          </a:p>
+        </p:txBody>
+      </p:sp>
+      <p:sp>
+        <p:nvSpPr>
+          <p:cNvPr id="2" name="Title 1">
+            <a:extLst>
+              <a:ext uri="{FF2B5EF4-FFF2-40B4-BE49-F238E27FC236}">
+                <a16:creationId xmlns:a16="http://schemas.microsoft.com/office/drawing/2014/main" id="{7631AA08-6CC5-4D07-ADED-AD60ED24F73F}"/>
+              </a:ext>
+            </a:extLst>
+          </p:cNvPr>
+          <p:cNvSpPr>
+            <a:spLocks noGrp="1"/>
+          </p:cNvSpPr>
+          <p:nvPr>
+            <p:ph type="title"/>
+          </p:nvPr>
+        </p:nvSpPr>
+        <p:spPr>
+          <a:xfrm>
+            <a:off x="311221" y="5421108"/>
+            <a:ext cx="5571419" cy="982634"/>
+          </a:xfrm>
+        </p:spPr>
+        <p:txBody>
+          <a:bodyPr vert="horz" lIns="91440" tIns="45720" rIns="91440" bIns="45720" rtlCol="0" anchor="ctr">
+            <a:noAutofit/>
+          </a:bodyPr>
+          <a:lstStyle/>
+          <a:p>
+            <a:r>
+              <a:rPr lang="en-US" sz="4800" kern="1200" dirty="0">
+                <a:solidFill>
+                  <a:schemeClr val="bg1"/>
+                </a:solidFill>
+                <a:latin typeface="Arial" panose="020B0604020202020204" pitchFamily="34" charset="0"/>
+                <a:cs typeface="Arial" panose="020B0604020202020204" pitchFamily="34" charset="0"/>
+              </a:rPr>
+              <a:t>TEST RESULTS</a:t>
+            </a:r>
+            <a:r>
+              <a:rPr lang="tr-TR" sz="4800" kern="1200" dirty="0">
+                <a:solidFill>
+                  <a:schemeClr val="bg1"/>
+                </a:solidFill>
+                <a:latin typeface="Arial" panose="020B0604020202020204" pitchFamily="34" charset="0"/>
+                <a:cs typeface="Arial" panose="020B0604020202020204" pitchFamily="34" charset="0"/>
+              </a:rPr>
+              <a:t> 2</a:t>
+            </a:r>
+            <a:endParaRPr lang="en-US" sz="4800" kern="1200" dirty="0">
+              <a:solidFill>
+                <a:schemeClr val="bg1"/>
+              </a:solidFill>
+              <a:latin typeface="Arial" panose="020B0604020202020204" pitchFamily="34" charset="0"/>
+              <a:cs typeface="Arial" panose="020B0604020202020204" pitchFamily="34" charset="0"/>
+            </a:endParaRPr>
+          </a:p>
+        </p:txBody>
+      </p:sp>
+      <p:sp>
+        <p:nvSpPr>
+          <p:cNvPr id="9" name="Title 1">
+            <a:extLst>
+              <a:ext uri="{FF2B5EF4-FFF2-40B4-BE49-F238E27FC236}">
+                <a16:creationId xmlns:a16="http://schemas.microsoft.com/office/drawing/2014/main" id="{9FB5D0FC-A6A0-4F67-8397-9F191AA6A9BB}"/>
+              </a:ext>
+            </a:extLst>
+          </p:cNvPr>
+          <p:cNvSpPr txBox="1">
+            <a:spLocks/>
+          </p:cNvSpPr>
+          <p:nvPr/>
+        </p:nvSpPr>
+        <p:spPr>
+          <a:xfrm>
+            <a:off x="422031" y="4405858"/>
+            <a:ext cx="5936566" cy="986600"/>
+          </a:xfrm>
+          <a:prstGeom prst="rect">
+            <a:avLst/>
+          </a:prstGeom>
+        </p:spPr>
+        <p:txBody>
+          <a:bodyPr vert="horz" lIns="91440" tIns="45720" rIns="91440" bIns="45720" rtlCol="0" anchor="ctr">
+            <a:normAutofit/>
+          </a:bodyPr>
+          <a:lstStyle>
+            <a:lvl1pPr algn="l" defTabSz="914400" rtl="0" eaLnBrk="1" latinLnBrk="0" hangingPunct="1">
+              <a:lnSpc>
+                <a:spcPct val="90000"/>
+              </a:lnSpc>
+              <a:spcBef>
+                <a:spcPct val="0"/>
+              </a:spcBef>
+              <a:buNone/>
+              <a:defRPr sz="4400" kern="1200">
+                <a:solidFill>
+                  <a:schemeClr val="tx1"/>
+                </a:solidFill>
+                <a:latin typeface="+mj-lt"/>
+                <a:ea typeface="+mj-ea"/>
+                <a:cs typeface="+mj-cs"/>
+              </a:defRPr>
+            </a:lvl1pPr>
+          </a:lstStyle>
+          <a:p>
+            <a:endParaRPr lang="en-US" sz="1600" dirty="0">
+              <a:solidFill>
+                <a:schemeClr val="bg1"/>
+              </a:solidFill>
+              <a:latin typeface="Arial" panose="020B0604020202020204" pitchFamily="34" charset="0"/>
+              <a:cs typeface="Arial" panose="020B0604020202020204" pitchFamily="34" charset="0"/>
+            </a:endParaRPr>
+          </a:p>
+        </p:txBody>
+      </p:sp>
+      <p:sp>
+        <p:nvSpPr>
+          <p:cNvPr id="15" name="TextBox 14">
+            <a:extLst>
+              <a:ext uri="{FF2B5EF4-FFF2-40B4-BE49-F238E27FC236}">
+                <a16:creationId xmlns:a16="http://schemas.microsoft.com/office/drawing/2014/main" id="{AF408610-E082-424C-B89C-00417F34578D}"/>
+              </a:ext>
+            </a:extLst>
+          </p:cNvPr>
+          <p:cNvSpPr txBox="1"/>
+          <p:nvPr/>
+        </p:nvSpPr>
+        <p:spPr>
+          <a:xfrm>
+            <a:off x="2161897" y="4174526"/>
+            <a:ext cx="1790257" cy="307777"/>
+          </a:xfrm>
+          <a:prstGeom prst="rect">
+            <a:avLst/>
+          </a:prstGeom>
+          <a:noFill/>
+        </p:spPr>
+        <p:txBody>
+          <a:bodyPr wrap="square" rtlCol="0">
+            <a:spAutoFit/>
+          </a:bodyPr>
+          <a:lstStyle/>
+          <a:p>
+            <a:r>
+              <a:rPr lang="en-US" sz="1400" b="1" dirty="0">
+                <a:solidFill>
+                  <a:schemeClr val="tx1">
+                    <a:lumMod val="95000"/>
+                    <a:lumOff val="5000"/>
+                  </a:schemeClr>
+                </a:solidFill>
+                <a:latin typeface="Times New Roman" panose="02020603050405020304" pitchFamily="18" charset="0"/>
+                <a:cs typeface="Times New Roman" panose="02020603050405020304" pitchFamily="18" charset="0"/>
+              </a:rPr>
+              <a:t>Fig</a:t>
+            </a:r>
+            <a:r>
+              <a:rPr lang="tr-TR" sz="1400" b="1" dirty="0">
+                <a:solidFill>
+                  <a:schemeClr val="tx1">
+                    <a:lumMod val="95000"/>
+                    <a:lumOff val="5000"/>
+                  </a:schemeClr>
+                </a:solidFill>
+                <a:latin typeface="Times New Roman" panose="02020603050405020304" pitchFamily="18" charset="0"/>
+                <a:cs typeface="Times New Roman" panose="02020603050405020304" pitchFamily="18" charset="0"/>
+              </a:rPr>
+              <a:t> 11: </a:t>
+            </a:r>
+            <a:r>
+              <a:rPr lang="tr-TR" sz="1400" dirty="0">
+                <a:solidFill>
+                  <a:schemeClr val="tx1">
+                    <a:lumMod val="95000"/>
+                    <a:lumOff val="5000"/>
+                  </a:schemeClr>
+                </a:solidFill>
+                <a:latin typeface="Times New Roman" panose="02020603050405020304" pitchFamily="18" charset="0"/>
+                <a:cs typeface="Times New Roman" panose="02020603050405020304" pitchFamily="18" charset="0"/>
+              </a:rPr>
+              <a:t>Test Scene-2</a:t>
+            </a:r>
+            <a:endParaRPr lang="en-US" sz="1400" dirty="0">
+              <a:solidFill>
+                <a:schemeClr val="tx1">
+                  <a:lumMod val="95000"/>
+                  <a:lumOff val="5000"/>
+                </a:schemeClr>
+              </a:solidFill>
+              <a:latin typeface="Times New Roman" panose="02020603050405020304" pitchFamily="18" charset="0"/>
+              <a:cs typeface="Times New Roman" panose="02020603050405020304" pitchFamily="18" charset="0"/>
+            </a:endParaRPr>
+          </a:p>
+        </p:txBody>
+      </p:sp>
+      <p:pic>
+        <p:nvPicPr>
+          <p:cNvPr id="4" name="Picture 3" descr="A close up of a map&#10;&#10;Description automatically generated">
+            <a:extLst>
+              <a:ext uri="{FF2B5EF4-FFF2-40B4-BE49-F238E27FC236}">
+                <a16:creationId xmlns:a16="http://schemas.microsoft.com/office/drawing/2014/main" id="{A427381D-807F-4C94-845A-D3C2643F3D39}"/>
+              </a:ext>
+            </a:extLst>
+          </p:cNvPr>
+          <p:cNvPicPr>
+            <a:picLocks noChangeAspect="1"/>
+          </p:cNvPicPr>
+          <p:nvPr/>
+        </p:nvPicPr>
+        <p:blipFill>
+          <a:blip r:embed="rId3">
+            <a:extLst>
+              <a:ext uri="{28A0092B-C50C-407E-A947-70E740481C1C}">
+                <a14:useLocalDpi xmlns:a14="http://schemas.microsoft.com/office/drawing/2010/main" val="0"/>
+              </a:ext>
+            </a:extLst>
+          </a:blip>
+          <a:stretch>
+            <a:fillRect/>
+          </a:stretch>
+        </p:blipFill>
+        <p:spPr>
+          <a:xfrm>
+            <a:off x="6138110" y="7168"/>
+            <a:ext cx="6052366" cy="4252522"/>
+          </a:xfrm>
+          <a:prstGeom prst="rect">
+            <a:avLst/>
+          </a:prstGeom>
+        </p:spPr>
+      </p:pic>
+      <p:pic>
+        <p:nvPicPr>
+          <p:cNvPr id="6" name="Picture 5" descr="A picture containing table, umbrella&#10;&#10;Description automatically generated">
+            <a:extLst>
+              <a:ext uri="{FF2B5EF4-FFF2-40B4-BE49-F238E27FC236}">
+                <a16:creationId xmlns:a16="http://schemas.microsoft.com/office/drawing/2014/main" id="{129DB2DA-2316-4E56-8F65-190D001045E1}"/>
+              </a:ext>
+            </a:extLst>
+          </p:cNvPr>
+          <p:cNvPicPr>
+            <a:picLocks noChangeAspect="1"/>
+          </p:cNvPicPr>
+          <p:nvPr/>
+        </p:nvPicPr>
+        <p:blipFill>
+          <a:blip r:embed="rId4">
+            <a:extLst>
+              <a:ext uri="{28A0092B-C50C-407E-A947-70E740481C1C}">
+                <a14:useLocalDpi xmlns:a14="http://schemas.microsoft.com/office/drawing/2010/main" val="0"/>
+              </a:ext>
+            </a:extLst>
+          </a:blip>
+          <a:stretch>
+            <a:fillRect/>
+          </a:stretch>
+        </p:blipFill>
+        <p:spPr>
+          <a:xfrm>
+            <a:off x="-1524" y="1465"/>
+            <a:ext cx="6136586" cy="4102804"/>
+          </a:xfrm>
+          <a:prstGeom prst="rect">
+            <a:avLst/>
+          </a:prstGeom>
+        </p:spPr>
+      </p:pic>
+      <p:sp>
+        <p:nvSpPr>
+          <p:cNvPr id="16" name="TextBox 15">
+            <a:extLst>
+              <a:ext uri="{FF2B5EF4-FFF2-40B4-BE49-F238E27FC236}">
+                <a16:creationId xmlns:a16="http://schemas.microsoft.com/office/drawing/2014/main" id="{DB9FE67D-5727-4384-8876-0A330D688588}"/>
+              </a:ext>
+            </a:extLst>
+          </p:cNvPr>
+          <p:cNvSpPr txBox="1"/>
+          <p:nvPr/>
+        </p:nvSpPr>
+        <p:spPr>
+          <a:xfrm>
+            <a:off x="7492367" y="4178886"/>
+            <a:ext cx="3895722" cy="307777"/>
+          </a:xfrm>
+          <a:prstGeom prst="rect">
+            <a:avLst/>
+          </a:prstGeom>
+          <a:noFill/>
+        </p:spPr>
+        <p:txBody>
+          <a:bodyPr wrap="square" rtlCol="0">
+            <a:spAutoFit/>
+          </a:bodyPr>
+          <a:lstStyle/>
+          <a:p>
+            <a:r>
+              <a:rPr lang="en-US" sz="1400" b="1" dirty="0">
+                <a:solidFill>
+                  <a:schemeClr val="tx1">
+                    <a:lumMod val="95000"/>
+                    <a:lumOff val="5000"/>
+                  </a:schemeClr>
+                </a:solidFill>
+                <a:latin typeface="Times New Roman" panose="02020603050405020304" pitchFamily="18" charset="0"/>
+                <a:cs typeface="Times New Roman" panose="02020603050405020304" pitchFamily="18" charset="0"/>
+              </a:rPr>
+              <a:t>Fig</a:t>
+            </a:r>
+            <a:r>
+              <a:rPr lang="tr-TR" sz="1400" b="1" dirty="0">
+                <a:solidFill>
+                  <a:schemeClr val="tx1">
+                    <a:lumMod val="95000"/>
+                    <a:lumOff val="5000"/>
+                  </a:schemeClr>
+                </a:solidFill>
+                <a:latin typeface="Times New Roman" panose="02020603050405020304" pitchFamily="18" charset="0"/>
+                <a:cs typeface="Times New Roman" panose="02020603050405020304" pitchFamily="18" charset="0"/>
+              </a:rPr>
+              <a:t> 12: </a:t>
+            </a:r>
+            <a:r>
+              <a:rPr lang="tr-TR" sz="1400" dirty="0" err="1">
+                <a:solidFill>
+                  <a:schemeClr val="tx1">
+                    <a:lumMod val="95000"/>
+                    <a:lumOff val="5000"/>
+                  </a:schemeClr>
+                </a:solidFill>
+                <a:latin typeface="Times New Roman" panose="02020603050405020304" pitchFamily="18" charset="0"/>
+                <a:cs typeface="Times New Roman" panose="02020603050405020304" pitchFamily="18" charset="0"/>
+              </a:rPr>
+              <a:t>Surface</a:t>
+            </a:r>
+            <a:r>
+              <a:rPr lang="tr-TR" sz="1400" dirty="0">
+                <a:solidFill>
+                  <a:schemeClr val="tx1">
+                    <a:lumMod val="95000"/>
+                    <a:lumOff val="5000"/>
+                  </a:schemeClr>
+                </a:solidFill>
+                <a:latin typeface="Times New Roman" panose="02020603050405020304" pitchFamily="18" charset="0"/>
+                <a:cs typeface="Times New Roman" panose="02020603050405020304" pitchFamily="18" charset="0"/>
+              </a:rPr>
+              <a:t> </a:t>
+            </a:r>
+            <a:r>
+              <a:rPr lang="tr-TR" sz="1400" dirty="0" err="1">
+                <a:solidFill>
+                  <a:schemeClr val="tx1">
+                    <a:lumMod val="95000"/>
+                    <a:lumOff val="5000"/>
+                  </a:schemeClr>
+                </a:solidFill>
+                <a:latin typeface="Times New Roman" panose="02020603050405020304" pitchFamily="18" charset="0"/>
+                <a:cs typeface="Times New Roman" panose="02020603050405020304" pitchFamily="18" charset="0"/>
+              </a:rPr>
+              <a:t>Execution</a:t>
+            </a:r>
+            <a:r>
+              <a:rPr lang="tr-TR" sz="1400" dirty="0">
+                <a:solidFill>
+                  <a:schemeClr val="tx1">
+                    <a:lumMod val="95000"/>
+                    <a:lumOff val="5000"/>
+                  </a:schemeClr>
+                </a:solidFill>
+                <a:latin typeface="Times New Roman" panose="02020603050405020304" pitchFamily="18" charset="0"/>
+                <a:cs typeface="Times New Roman" panose="02020603050405020304" pitchFamily="18" charset="0"/>
+              </a:rPr>
+              <a:t> </a:t>
+            </a:r>
+            <a:r>
+              <a:rPr lang="tr-TR" sz="1400" dirty="0" err="1">
+                <a:solidFill>
+                  <a:schemeClr val="tx1">
+                    <a:lumMod val="95000"/>
+                    <a:lumOff val="5000"/>
+                  </a:schemeClr>
+                </a:solidFill>
+                <a:latin typeface="Times New Roman" panose="02020603050405020304" pitchFamily="18" charset="0"/>
+                <a:cs typeface="Times New Roman" panose="02020603050405020304" pitchFamily="18" charset="0"/>
+              </a:rPr>
+              <a:t>by</a:t>
+            </a:r>
+            <a:r>
+              <a:rPr lang="tr-TR" sz="1400" dirty="0">
+                <a:solidFill>
+                  <a:schemeClr val="tx1">
+                    <a:lumMod val="95000"/>
+                    <a:lumOff val="5000"/>
+                  </a:schemeClr>
+                </a:solidFill>
+                <a:latin typeface="Times New Roman" panose="02020603050405020304" pitchFamily="18" charset="0"/>
+                <a:cs typeface="Times New Roman" panose="02020603050405020304" pitchFamily="18" charset="0"/>
+              </a:rPr>
+              <a:t> </a:t>
+            </a:r>
+            <a:r>
+              <a:rPr lang="tr-TR" sz="1400" dirty="0" err="1">
+                <a:solidFill>
+                  <a:schemeClr val="tx1">
+                    <a:lumMod val="95000"/>
+                    <a:lumOff val="5000"/>
+                  </a:schemeClr>
+                </a:solidFill>
+                <a:latin typeface="Times New Roman" panose="02020603050405020304" pitchFamily="18" charset="0"/>
+                <a:cs typeface="Times New Roman" panose="02020603050405020304" pitchFamily="18" charset="0"/>
+              </a:rPr>
+              <a:t>Particle</a:t>
+            </a:r>
+            <a:r>
+              <a:rPr lang="tr-TR" sz="1400" dirty="0">
+                <a:solidFill>
+                  <a:schemeClr val="tx1">
+                    <a:lumMod val="95000"/>
+                    <a:lumOff val="5000"/>
+                  </a:schemeClr>
+                </a:solidFill>
+                <a:latin typeface="Times New Roman" panose="02020603050405020304" pitchFamily="18" charset="0"/>
+                <a:cs typeface="Times New Roman" panose="02020603050405020304" pitchFamily="18" charset="0"/>
+              </a:rPr>
+              <a:t> </a:t>
+            </a:r>
+            <a:r>
+              <a:rPr lang="tr-TR" sz="1400" dirty="0" err="1">
+                <a:solidFill>
+                  <a:schemeClr val="tx1">
+                    <a:lumMod val="95000"/>
+                    <a:lumOff val="5000"/>
+                  </a:schemeClr>
+                </a:solidFill>
+                <a:latin typeface="Times New Roman" panose="02020603050405020304" pitchFamily="18" charset="0"/>
+                <a:cs typeface="Times New Roman" panose="02020603050405020304" pitchFamily="18" charset="0"/>
+              </a:rPr>
+              <a:t>Comparison</a:t>
+            </a:r>
+            <a:endParaRPr lang="en-US" sz="1400" dirty="0">
+              <a:solidFill>
+                <a:schemeClr val="tx1">
+                  <a:lumMod val="95000"/>
+                  <a:lumOff val="5000"/>
+                </a:schemeClr>
+              </a:solidFill>
+              <a:latin typeface="Times New Roman" panose="02020603050405020304" pitchFamily="18" charset="0"/>
+              <a:cs typeface="Times New Roman" panose="02020603050405020304" pitchFamily="18" charset="0"/>
+            </a:endParaRPr>
+          </a:p>
+        </p:txBody>
+      </p:sp>
+    </p:spTree>
+    <p:extLst>
+      <p:ext uri="{BB962C8B-B14F-4D97-AF65-F5344CB8AC3E}">
+        <p14:creationId xmlns:p14="http://schemas.microsoft.com/office/powerpoint/2010/main" val="1901986556"/>
       </p:ext>
     </p:extLst>
   </p:cSld>

--- a/Docs/Documents/Slide/New version/POFslide v1.pptx
+++ b/Docs/Documents/Slide/New version/POFslide v1.pptx
@@ -1008,6 +1008,753 @@
     <dgm:fillClrLst meth="repeat">
       <a:schemeClr val="accent2">
         <a:tint val="40000"/>
+      </a:schemeClr>
+    </dgm:fillClrLst>
+    <dgm:linClrLst meth="repeat">
+      <a:schemeClr val="lt1"/>
+    </dgm:linClrLst>
+    <dgm:effectClrLst/>
+    <dgm:txLinClrLst/>
+    <dgm:txFillClrLst meth="repeat">
+      <a:schemeClr val="dk1"/>
+    </dgm:txFillClrLst>
+    <dgm:txEffectClrLst/>
+  </dgm:styleLbl>
+  <dgm:styleLbl name="revTx">
+    <dgm:fillClrLst meth="repeat">
+      <a:schemeClr val="lt1">
+        <a:alpha val="0"/>
+      </a:schemeClr>
+    </dgm:fillClrLst>
+    <dgm:linClrLst meth="repeat">
+      <a:schemeClr val="dk1">
+        <a:alpha val="0"/>
+      </a:schemeClr>
+    </dgm:linClrLst>
+    <dgm:effectClrLst/>
+    <dgm:txLinClrLst/>
+    <dgm:txFillClrLst meth="repeat">
+      <a:schemeClr val="tx1"/>
+    </dgm:txFillClrLst>
+    <dgm:txEffectClrLst/>
+  </dgm:styleLbl>
+</dgm:colorsDef>
+</file>
+
+<file path=ppt/diagrams/colors2.xml><?xml version="1.0" encoding="utf-8"?>
+<dgm:colorsDef xmlns:dgm="http://schemas.openxmlformats.org/drawingml/2006/diagram" xmlns:a="http://schemas.openxmlformats.org/drawingml/2006/main" uniqueId="urn:microsoft.com/office/officeart/2005/8/colors/accent1_2">
+  <dgm:title val=""/>
+  <dgm:desc val=""/>
+  <dgm:catLst>
+    <dgm:cat type="accent1" pri="11200"/>
+  </dgm:catLst>
+  <dgm:styleLbl name="node0">
+    <dgm:fillClrLst meth="repeat">
+      <a:schemeClr val="accent1"/>
+    </dgm:fillClrLst>
+    <dgm:linClrLst meth="repeat">
+      <a:schemeClr val="lt1"/>
+    </dgm:linClrLst>
+    <dgm:effectClrLst/>
+    <dgm:txLinClrLst/>
+    <dgm:txFillClrLst/>
+    <dgm:txEffectClrLst/>
+  </dgm:styleLbl>
+  <dgm:styleLbl name="alignNode1">
+    <dgm:fillClrLst meth="repeat">
+      <a:schemeClr val="accent1"/>
+    </dgm:fillClrLst>
+    <dgm:linClrLst meth="repeat">
+      <a:schemeClr val="accent1"/>
+    </dgm:linClrLst>
+    <dgm:effectClrLst/>
+    <dgm:txLinClrLst/>
+    <dgm:txFillClrLst/>
+    <dgm:txEffectClrLst/>
+  </dgm:styleLbl>
+  <dgm:styleLbl name="node1">
+    <dgm:fillClrLst meth="repeat">
+      <a:schemeClr val="accent1"/>
+    </dgm:fillClrLst>
+    <dgm:linClrLst meth="repeat">
+      <a:schemeClr val="lt1"/>
+    </dgm:linClrLst>
+    <dgm:effectClrLst/>
+    <dgm:txLinClrLst/>
+    <dgm:txFillClrLst/>
+    <dgm:txEffectClrLst/>
+  </dgm:styleLbl>
+  <dgm:styleLbl name="lnNode1">
+    <dgm:fillClrLst meth="repeat">
+      <a:schemeClr val="accent1"/>
+    </dgm:fillClrLst>
+    <dgm:linClrLst meth="repeat">
+      <a:schemeClr val="lt1"/>
+    </dgm:linClrLst>
+    <dgm:effectClrLst/>
+    <dgm:txLinClrLst/>
+    <dgm:txFillClrLst/>
+    <dgm:txEffectClrLst/>
+  </dgm:styleLbl>
+  <dgm:styleLbl name="vennNode1">
+    <dgm:fillClrLst meth="repeat">
+      <a:schemeClr val="accent1">
+        <a:alpha val="50000"/>
+      </a:schemeClr>
+    </dgm:fillClrLst>
+    <dgm:linClrLst meth="repeat">
+      <a:schemeClr val="lt1"/>
+    </dgm:linClrLst>
+    <dgm:effectClrLst/>
+    <dgm:txLinClrLst/>
+    <dgm:txFillClrLst/>
+    <dgm:txEffectClrLst/>
+  </dgm:styleLbl>
+  <dgm:styleLbl name="node2">
+    <dgm:fillClrLst meth="repeat">
+      <a:schemeClr val="accent1"/>
+    </dgm:fillClrLst>
+    <dgm:linClrLst meth="repeat">
+      <a:schemeClr val="lt1"/>
+    </dgm:linClrLst>
+    <dgm:effectClrLst/>
+    <dgm:txLinClrLst/>
+    <dgm:txFillClrLst/>
+    <dgm:txEffectClrLst/>
+  </dgm:styleLbl>
+  <dgm:styleLbl name="node3">
+    <dgm:fillClrLst meth="repeat">
+      <a:schemeClr val="accent1"/>
+    </dgm:fillClrLst>
+    <dgm:linClrLst meth="repeat">
+      <a:schemeClr val="lt1"/>
+    </dgm:linClrLst>
+    <dgm:effectClrLst/>
+    <dgm:txLinClrLst/>
+    <dgm:txFillClrLst/>
+    <dgm:txEffectClrLst/>
+  </dgm:styleLbl>
+  <dgm:styleLbl name="node4">
+    <dgm:fillClrLst meth="repeat">
+      <a:schemeClr val="accent1"/>
+    </dgm:fillClrLst>
+    <dgm:linClrLst meth="repeat">
+      <a:schemeClr val="lt1"/>
+    </dgm:linClrLst>
+    <dgm:effectClrLst/>
+    <dgm:txLinClrLst/>
+    <dgm:txFillClrLst/>
+    <dgm:txEffectClrLst/>
+  </dgm:styleLbl>
+  <dgm:styleLbl name="fgImgPlace1">
+    <dgm:fillClrLst meth="repeat">
+      <a:schemeClr val="accent1">
+        <a:tint val="50000"/>
+      </a:schemeClr>
+    </dgm:fillClrLst>
+    <dgm:linClrLst meth="repeat">
+      <a:schemeClr val="lt1"/>
+    </dgm:linClrLst>
+    <dgm:effectClrLst/>
+    <dgm:txLinClrLst/>
+    <dgm:txFillClrLst meth="repeat">
+      <a:schemeClr val="lt1"/>
+    </dgm:txFillClrLst>
+    <dgm:txEffectClrLst/>
+  </dgm:styleLbl>
+  <dgm:styleLbl name="alignImgPlace1">
+    <dgm:fillClrLst meth="repeat">
+      <a:schemeClr val="accent1">
+        <a:tint val="50000"/>
+      </a:schemeClr>
+    </dgm:fillClrLst>
+    <dgm:linClrLst meth="repeat">
+      <a:schemeClr val="lt1"/>
+    </dgm:linClrLst>
+    <dgm:effectClrLst/>
+    <dgm:txLinClrLst/>
+    <dgm:txFillClrLst meth="repeat">
+      <a:schemeClr val="lt1"/>
+    </dgm:txFillClrLst>
+    <dgm:txEffectClrLst/>
+  </dgm:styleLbl>
+  <dgm:styleLbl name="bgImgPlace1">
+    <dgm:fillClrLst meth="repeat">
+      <a:schemeClr val="accent1">
+        <a:tint val="50000"/>
+      </a:schemeClr>
+    </dgm:fillClrLst>
+    <dgm:linClrLst meth="repeat">
+      <a:schemeClr val="lt1"/>
+    </dgm:linClrLst>
+    <dgm:effectClrLst/>
+    <dgm:txLinClrLst/>
+    <dgm:txFillClrLst meth="repeat">
+      <a:schemeClr val="lt1"/>
+    </dgm:txFillClrLst>
+    <dgm:txEffectClrLst/>
+  </dgm:styleLbl>
+  <dgm:styleLbl name="sibTrans2D1">
+    <dgm:fillClrLst meth="repeat">
+      <a:schemeClr val="accent1">
+        <a:tint val="60000"/>
+      </a:schemeClr>
+    </dgm:fillClrLst>
+    <dgm:linClrLst meth="repeat">
+      <a:schemeClr val="accent1">
+        <a:tint val="60000"/>
+      </a:schemeClr>
+    </dgm:linClrLst>
+    <dgm:effectClrLst/>
+    <dgm:txLinClrLst/>
+    <dgm:txFillClrLst/>
+    <dgm:txEffectClrLst/>
+  </dgm:styleLbl>
+  <dgm:styleLbl name="fgSibTrans2D1">
+    <dgm:fillClrLst meth="repeat">
+      <a:schemeClr val="accent1">
+        <a:tint val="60000"/>
+      </a:schemeClr>
+    </dgm:fillClrLst>
+    <dgm:linClrLst meth="repeat">
+      <a:schemeClr val="accent1">
+        <a:tint val="60000"/>
+      </a:schemeClr>
+    </dgm:linClrLst>
+    <dgm:effectClrLst/>
+    <dgm:txLinClrLst/>
+    <dgm:txFillClrLst/>
+    <dgm:txEffectClrLst/>
+  </dgm:styleLbl>
+  <dgm:styleLbl name="bgSibTrans2D1">
+    <dgm:fillClrLst meth="repeat">
+      <a:schemeClr val="accent1">
+        <a:tint val="60000"/>
+      </a:schemeClr>
+    </dgm:fillClrLst>
+    <dgm:linClrLst meth="repeat">
+      <a:schemeClr val="accent1">
+        <a:tint val="60000"/>
+      </a:schemeClr>
+    </dgm:linClrLst>
+    <dgm:effectClrLst/>
+    <dgm:txLinClrLst/>
+    <dgm:txFillClrLst/>
+    <dgm:txEffectClrLst/>
+  </dgm:styleLbl>
+  <dgm:styleLbl name="sibTrans1D1">
+    <dgm:fillClrLst meth="repeat">
+      <a:schemeClr val="accent1"/>
+    </dgm:fillClrLst>
+    <dgm:linClrLst meth="repeat">
+      <a:schemeClr val="accent1"/>
+    </dgm:linClrLst>
+    <dgm:effectClrLst/>
+    <dgm:txLinClrLst/>
+    <dgm:txFillClrLst meth="repeat">
+      <a:schemeClr val="tx1"/>
+    </dgm:txFillClrLst>
+    <dgm:txEffectClrLst/>
+  </dgm:styleLbl>
+  <dgm:styleLbl name="callout">
+    <dgm:fillClrLst meth="repeat">
+      <a:schemeClr val="accent1"/>
+    </dgm:fillClrLst>
+    <dgm:linClrLst meth="repeat">
+      <a:schemeClr val="accent1">
+        <a:tint val="50000"/>
+      </a:schemeClr>
+    </dgm:linClrLst>
+    <dgm:effectClrLst/>
+    <dgm:txLinClrLst/>
+    <dgm:txFillClrLst meth="repeat">
+      <a:schemeClr val="tx1"/>
+    </dgm:txFillClrLst>
+    <dgm:txEffectClrLst/>
+  </dgm:styleLbl>
+  <dgm:styleLbl name="asst0">
+    <dgm:fillClrLst meth="repeat">
+      <a:schemeClr val="accent1"/>
+    </dgm:fillClrLst>
+    <dgm:linClrLst meth="repeat">
+      <a:schemeClr val="lt1"/>
+    </dgm:linClrLst>
+    <dgm:effectClrLst/>
+    <dgm:txLinClrLst/>
+    <dgm:txFillClrLst/>
+    <dgm:txEffectClrLst/>
+  </dgm:styleLbl>
+  <dgm:styleLbl name="asst1">
+    <dgm:fillClrLst meth="repeat">
+      <a:schemeClr val="accent1"/>
+    </dgm:fillClrLst>
+    <dgm:linClrLst meth="repeat">
+      <a:schemeClr val="lt1"/>
+    </dgm:linClrLst>
+    <dgm:effectClrLst/>
+    <dgm:txLinClrLst/>
+    <dgm:txFillClrLst/>
+    <dgm:txEffectClrLst/>
+  </dgm:styleLbl>
+  <dgm:styleLbl name="asst2">
+    <dgm:fillClrLst meth="repeat">
+      <a:schemeClr val="accent1"/>
+    </dgm:fillClrLst>
+    <dgm:linClrLst meth="repeat">
+      <a:schemeClr val="lt1"/>
+    </dgm:linClrLst>
+    <dgm:effectClrLst/>
+    <dgm:txLinClrLst/>
+    <dgm:txFillClrLst/>
+    <dgm:txEffectClrLst/>
+  </dgm:styleLbl>
+  <dgm:styleLbl name="asst3">
+    <dgm:fillClrLst meth="repeat">
+      <a:schemeClr val="accent1"/>
+    </dgm:fillClrLst>
+    <dgm:linClrLst meth="repeat">
+      <a:schemeClr val="lt1"/>
+    </dgm:linClrLst>
+    <dgm:effectClrLst/>
+    <dgm:txLinClrLst/>
+    <dgm:txFillClrLst/>
+    <dgm:txEffectClrLst/>
+  </dgm:styleLbl>
+  <dgm:styleLbl name="asst4">
+    <dgm:fillClrLst meth="repeat">
+      <a:schemeClr val="accent1"/>
+    </dgm:fillClrLst>
+    <dgm:linClrLst meth="repeat">
+      <a:schemeClr val="lt1"/>
+    </dgm:linClrLst>
+    <dgm:effectClrLst/>
+    <dgm:txLinClrLst/>
+    <dgm:txFillClrLst/>
+    <dgm:txEffectClrLst/>
+  </dgm:styleLbl>
+  <dgm:styleLbl name="parChTrans2D1">
+    <dgm:fillClrLst meth="repeat">
+      <a:schemeClr val="accent1">
+        <a:tint val="60000"/>
+      </a:schemeClr>
+    </dgm:fillClrLst>
+    <dgm:linClrLst meth="repeat">
+      <a:schemeClr val="accent1">
+        <a:tint val="60000"/>
+      </a:schemeClr>
+    </dgm:linClrLst>
+    <dgm:effectClrLst/>
+    <dgm:txLinClrLst/>
+    <dgm:txFillClrLst meth="repeat">
+      <a:schemeClr val="lt1"/>
+    </dgm:txFillClrLst>
+    <dgm:txEffectClrLst/>
+  </dgm:styleLbl>
+  <dgm:styleLbl name="parChTrans2D2">
+    <dgm:fillClrLst meth="repeat">
+      <a:schemeClr val="accent1"/>
+    </dgm:fillClrLst>
+    <dgm:linClrLst meth="repeat">
+      <a:schemeClr val="accent1"/>
+    </dgm:linClrLst>
+    <dgm:effectClrLst/>
+    <dgm:txLinClrLst/>
+    <dgm:txFillClrLst meth="repeat">
+      <a:schemeClr val="lt1"/>
+    </dgm:txFillClrLst>
+    <dgm:txEffectClrLst/>
+  </dgm:styleLbl>
+  <dgm:styleLbl name="parChTrans2D3">
+    <dgm:fillClrLst meth="repeat">
+      <a:schemeClr val="accent1"/>
+    </dgm:fillClrLst>
+    <dgm:linClrLst meth="repeat">
+      <a:schemeClr val="accent1"/>
+    </dgm:linClrLst>
+    <dgm:effectClrLst/>
+    <dgm:txLinClrLst/>
+    <dgm:txFillClrLst meth="repeat">
+      <a:schemeClr val="lt1"/>
+    </dgm:txFillClrLst>
+    <dgm:txEffectClrLst/>
+  </dgm:styleLbl>
+  <dgm:styleLbl name="parChTrans2D4">
+    <dgm:fillClrLst meth="repeat">
+      <a:schemeClr val="accent1"/>
+    </dgm:fillClrLst>
+    <dgm:linClrLst meth="repeat">
+      <a:schemeClr val="accent1"/>
+    </dgm:linClrLst>
+    <dgm:effectClrLst/>
+    <dgm:txLinClrLst/>
+    <dgm:txFillClrLst meth="repeat">
+      <a:schemeClr val="lt1"/>
+    </dgm:txFillClrLst>
+    <dgm:txEffectClrLst/>
+  </dgm:styleLbl>
+  <dgm:styleLbl name="parChTrans1D1">
+    <dgm:fillClrLst meth="repeat">
+      <a:schemeClr val="accent1"/>
+    </dgm:fillClrLst>
+    <dgm:linClrLst meth="repeat">
+      <a:schemeClr val="accent1">
+        <a:shade val="60000"/>
+      </a:schemeClr>
+    </dgm:linClrLst>
+    <dgm:effectClrLst/>
+    <dgm:txLinClrLst/>
+    <dgm:txFillClrLst meth="repeat">
+      <a:schemeClr val="tx1"/>
+    </dgm:txFillClrLst>
+    <dgm:txEffectClrLst/>
+  </dgm:styleLbl>
+  <dgm:styleLbl name="parChTrans1D2">
+    <dgm:fillClrLst meth="repeat">
+      <a:schemeClr val="accent1"/>
+    </dgm:fillClrLst>
+    <dgm:linClrLst meth="repeat">
+      <a:schemeClr val="accent1">
+        <a:shade val="60000"/>
+      </a:schemeClr>
+    </dgm:linClrLst>
+    <dgm:effectClrLst/>
+    <dgm:txLinClrLst/>
+    <dgm:txFillClrLst meth="repeat">
+      <a:schemeClr val="tx1"/>
+    </dgm:txFillClrLst>
+    <dgm:txEffectClrLst/>
+  </dgm:styleLbl>
+  <dgm:styleLbl name="parChTrans1D3">
+    <dgm:fillClrLst meth="repeat">
+      <a:schemeClr val="accent1"/>
+    </dgm:fillClrLst>
+    <dgm:linClrLst meth="repeat">
+      <a:schemeClr val="accent1">
+        <a:shade val="80000"/>
+      </a:schemeClr>
+    </dgm:linClrLst>
+    <dgm:effectClrLst/>
+    <dgm:txLinClrLst/>
+    <dgm:txFillClrLst meth="repeat">
+      <a:schemeClr val="tx1"/>
+    </dgm:txFillClrLst>
+    <dgm:txEffectClrLst/>
+  </dgm:styleLbl>
+  <dgm:styleLbl name="parChTrans1D4">
+    <dgm:fillClrLst meth="repeat">
+      <a:schemeClr val="accent1"/>
+    </dgm:fillClrLst>
+    <dgm:linClrLst meth="repeat">
+      <a:schemeClr val="accent1">
+        <a:shade val="80000"/>
+      </a:schemeClr>
+    </dgm:linClrLst>
+    <dgm:effectClrLst/>
+    <dgm:txLinClrLst/>
+    <dgm:txFillClrLst meth="repeat">
+      <a:schemeClr val="tx1"/>
+    </dgm:txFillClrLst>
+    <dgm:txEffectClrLst/>
+  </dgm:styleLbl>
+  <dgm:styleLbl name="fgAcc1">
+    <dgm:fillClrLst meth="repeat">
+      <a:schemeClr val="lt1">
+        <a:alpha val="90000"/>
+      </a:schemeClr>
+    </dgm:fillClrLst>
+    <dgm:linClrLst meth="repeat">
+      <a:schemeClr val="accent1"/>
+    </dgm:linClrLst>
+    <dgm:effectClrLst/>
+    <dgm:txLinClrLst/>
+    <dgm:txFillClrLst meth="repeat">
+      <a:schemeClr val="dk1"/>
+    </dgm:txFillClrLst>
+    <dgm:txEffectClrLst/>
+  </dgm:styleLbl>
+  <dgm:styleLbl name="conFgAcc1">
+    <dgm:fillClrLst meth="repeat">
+      <a:schemeClr val="lt1">
+        <a:alpha val="90000"/>
+      </a:schemeClr>
+    </dgm:fillClrLst>
+    <dgm:linClrLst meth="repeat">
+      <a:schemeClr val="accent1"/>
+    </dgm:linClrLst>
+    <dgm:effectClrLst/>
+    <dgm:txLinClrLst/>
+    <dgm:txFillClrLst meth="repeat">
+      <a:schemeClr val="dk1"/>
+    </dgm:txFillClrLst>
+    <dgm:txEffectClrLst/>
+  </dgm:styleLbl>
+  <dgm:styleLbl name="alignAcc1">
+    <dgm:fillClrLst meth="repeat">
+      <a:schemeClr val="lt1">
+        <a:alpha val="90000"/>
+      </a:schemeClr>
+    </dgm:fillClrLst>
+    <dgm:linClrLst meth="repeat">
+      <a:schemeClr val="accent1"/>
+    </dgm:linClrLst>
+    <dgm:effectClrLst/>
+    <dgm:txLinClrLst/>
+    <dgm:txFillClrLst meth="repeat">
+      <a:schemeClr val="dk1"/>
+    </dgm:txFillClrLst>
+    <dgm:txEffectClrLst/>
+  </dgm:styleLbl>
+  <dgm:styleLbl name="trAlignAcc1">
+    <dgm:fillClrLst meth="repeat">
+      <a:schemeClr val="lt1">
+        <a:alpha val="40000"/>
+      </a:schemeClr>
+    </dgm:fillClrLst>
+    <dgm:linClrLst meth="repeat">
+      <a:schemeClr val="accent1"/>
+    </dgm:linClrLst>
+    <dgm:effectClrLst/>
+    <dgm:txLinClrLst/>
+    <dgm:txFillClrLst meth="repeat">
+      <a:schemeClr val="dk1"/>
+    </dgm:txFillClrLst>
+    <dgm:txEffectClrLst/>
+  </dgm:styleLbl>
+  <dgm:styleLbl name="bgAcc1">
+    <dgm:fillClrLst meth="repeat">
+      <a:schemeClr val="lt1">
+        <a:alpha val="90000"/>
+      </a:schemeClr>
+    </dgm:fillClrLst>
+    <dgm:linClrLst meth="repeat">
+      <a:schemeClr val="accent1"/>
+    </dgm:linClrLst>
+    <dgm:effectClrLst/>
+    <dgm:txLinClrLst/>
+    <dgm:txFillClrLst meth="repeat">
+      <a:schemeClr val="dk1"/>
+    </dgm:txFillClrLst>
+    <dgm:txEffectClrLst/>
+  </dgm:styleLbl>
+  <dgm:styleLbl name="solidFgAcc1">
+    <dgm:fillClrLst meth="repeat">
+      <a:schemeClr val="lt1"/>
+    </dgm:fillClrLst>
+    <dgm:linClrLst meth="repeat">
+      <a:schemeClr val="accent1"/>
+    </dgm:linClrLst>
+    <dgm:effectClrLst/>
+    <dgm:txLinClrLst/>
+    <dgm:txFillClrLst meth="repeat">
+      <a:schemeClr val="dk1"/>
+    </dgm:txFillClrLst>
+    <dgm:txEffectClrLst/>
+  </dgm:styleLbl>
+  <dgm:styleLbl name="solidAlignAcc1">
+    <dgm:fillClrLst meth="repeat">
+      <a:schemeClr val="lt1"/>
+    </dgm:fillClrLst>
+    <dgm:linClrLst meth="repeat">
+      <a:schemeClr val="accent1"/>
+    </dgm:linClrLst>
+    <dgm:effectClrLst/>
+    <dgm:txLinClrLst/>
+    <dgm:txFillClrLst meth="repeat">
+      <a:schemeClr val="dk1"/>
+    </dgm:txFillClrLst>
+    <dgm:txEffectClrLst/>
+  </dgm:styleLbl>
+  <dgm:styleLbl name="solidBgAcc1">
+    <dgm:fillClrLst meth="repeat">
+      <a:schemeClr val="lt1"/>
+    </dgm:fillClrLst>
+    <dgm:linClrLst meth="repeat">
+      <a:schemeClr val="accent1"/>
+    </dgm:linClrLst>
+    <dgm:effectClrLst/>
+    <dgm:txLinClrLst/>
+    <dgm:txFillClrLst meth="repeat">
+      <a:schemeClr val="dk1"/>
+    </dgm:txFillClrLst>
+    <dgm:txEffectClrLst/>
+  </dgm:styleLbl>
+  <dgm:styleLbl name="fgAccFollowNode1">
+    <dgm:fillClrLst meth="repeat">
+      <a:schemeClr val="accent1">
+        <a:alpha val="90000"/>
+        <a:tint val="40000"/>
+      </a:schemeClr>
+    </dgm:fillClrLst>
+    <dgm:linClrLst meth="repeat">
+      <a:schemeClr val="accent1">
+        <a:alpha val="90000"/>
+        <a:tint val="40000"/>
+      </a:schemeClr>
+    </dgm:linClrLst>
+    <dgm:effectClrLst/>
+    <dgm:txLinClrLst/>
+    <dgm:txFillClrLst meth="repeat">
+      <a:schemeClr val="dk1"/>
+    </dgm:txFillClrLst>
+    <dgm:txEffectClrLst/>
+  </dgm:styleLbl>
+  <dgm:styleLbl name="alignAccFollowNode1">
+    <dgm:fillClrLst meth="repeat">
+      <a:schemeClr val="accent1">
+        <a:alpha val="90000"/>
+        <a:tint val="40000"/>
+      </a:schemeClr>
+    </dgm:fillClrLst>
+    <dgm:linClrLst meth="repeat">
+      <a:schemeClr val="accent1">
+        <a:alpha val="90000"/>
+        <a:tint val="40000"/>
+      </a:schemeClr>
+    </dgm:linClrLst>
+    <dgm:effectClrLst/>
+    <dgm:txLinClrLst/>
+    <dgm:txFillClrLst meth="repeat">
+      <a:schemeClr val="dk1"/>
+    </dgm:txFillClrLst>
+    <dgm:txEffectClrLst/>
+  </dgm:styleLbl>
+  <dgm:styleLbl name="bgAccFollowNode1">
+    <dgm:fillClrLst meth="repeat">
+      <a:schemeClr val="accent1">
+        <a:alpha val="90000"/>
+        <a:tint val="40000"/>
+      </a:schemeClr>
+    </dgm:fillClrLst>
+    <dgm:linClrLst meth="repeat">
+      <a:schemeClr val="accent1">
+        <a:alpha val="90000"/>
+        <a:tint val="40000"/>
+      </a:schemeClr>
+    </dgm:linClrLst>
+    <dgm:effectClrLst/>
+    <dgm:txLinClrLst/>
+    <dgm:txFillClrLst meth="repeat">
+      <a:schemeClr val="dk1"/>
+    </dgm:txFillClrLst>
+    <dgm:txEffectClrLst/>
+  </dgm:styleLbl>
+  <dgm:styleLbl name="fgAcc0">
+    <dgm:fillClrLst meth="repeat">
+      <a:schemeClr val="lt1">
+        <a:alpha val="90000"/>
+      </a:schemeClr>
+    </dgm:fillClrLst>
+    <dgm:linClrLst meth="repeat">
+      <a:schemeClr val="accent1"/>
+    </dgm:linClrLst>
+    <dgm:effectClrLst/>
+    <dgm:txLinClrLst/>
+    <dgm:txFillClrLst meth="repeat">
+      <a:schemeClr val="dk1"/>
+    </dgm:txFillClrLst>
+    <dgm:txEffectClrLst/>
+  </dgm:styleLbl>
+  <dgm:styleLbl name="fgAcc2">
+    <dgm:fillClrLst meth="repeat">
+      <a:schemeClr val="lt1">
+        <a:alpha val="90000"/>
+      </a:schemeClr>
+    </dgm:fillClrLst>
+    <dgm:linClrLst meth="repeat">
+      <a:schemeClr val="accent1"/>
+    </dgm:linClrLst>
+    <dgm:effectClrLst/>
+    <dgm:txLinClrLst/>
+    <dgm:txFillClrLst meth="repeat">
+      <a:schemeClr val="dk1"/>
+    </dgm:txFillClrLst>
+    <dgm:txEffectClrLst/>
+  </dgm:styleLbl>
+  <dgm:styleLbl name="fgAcc3">
+    <dgm:fillClrLst meth="repeat">
+      <a:schemeClr val="lt1">
+        <a:alpha val="90000"/>
+      </a:schemeClr>
+    </dgm:fillClrLst>
+    <dgm:linClrLst meth="repeat">
+      <a:schemeClr val="accent1"/>
+    </dgm:linClrLst>
+    <dgm:effectClrLst/>
+    <dgm:txLinClrLst/>
+    <dgm:txFillClrLst meth="repeat">
+      <a:schemeClr val="dk1"/>
+    </dgm:txFillClrLst>
+    <dgm:txEffectClrLst/>
+  </dgm:styleLbl>
+  <dgm:styleLbl name="fgAcc4">
+    <dgm:fillClrLst meth="repeat">
+      <a:schemeClr val="lt1">
+        <a:alpha val="90000"/>
+      </a:schemeClr>
+    </dgm:fillClrLst>
+    <dgm:linClrLst meth="repeat">
+      <a:schemeClr val="accent1"/>
+    </dgm:linClrLst>
+    <dgm:effectClrLst/>
+    <dgm:txLinClrLst/>
+    <dgm:txFillClrLst meth="repeat">
+      <a:schemeClr val="dk1"/>
+    </dgm:txFillClrLst>
+    <dgm:txEffectClrLst/>
+  </dgm:styleLbl>
+  <dgm:styleLbl name="bgShp">
+    <dgm:fillClrLst meth="repeat">
+      <a:schemeClr val="accent1">
+        <a:tint val="40000"/>
+      </a:schemeClr>
+    </dgm:fillClrLst>
+    <dgm:linClrLst meth="repeat">
+      <a:schemeClr val="accent1"/>
+    </dgm:linClrLst>
+    <dgm:effectClrLst/>
+    <dgm:txLinClrLst/>
+    <dgm:txFillClrLst meth="repeat">
+      <a:schemeClr val="dk1"/>
+    </dgm:txFillClrLst>
+    <dgm:txEffectClrLst/>
+  </dgm:styleLbl>
+  <dgm:styleLbl name="dkBgShp">
+    <dgm:fillClrLst meth="repeat">
+      <a:schemeClr val="accent1">
+        <a:shade val="80000"/>
+      </a:schemeClr>
+    </dgm:fillClrLst>
+    <dgm:linClrLst meth="repeat">
+      <a:schemeClr val="accent1"/>
+    </dgm:linClrLst>
+    <dgm:effectClrLst/>
+    <dgm:txLinClrLst/>
+    <dgm:txFillClrLst meth="repeat">
+      <a:schemeClr val="lt1"/>
+    </dgm:txFillClrLst>
+    <dgm:txEffectClrLst/>
+  </dgm:styleLbl>
+  <dgm:styleLbl name="trBgShp">
+    <dgm:fillClrLst meth="repeat">
+      <a:schemeClr val="accent1">
+        <a:tint val="50000"/>
+        <a:alpha val="40000"/>
+      </a:schemeClr>
+    </dgm:fillClrLst>
+    <dgm:linClrLst meth="repeat">
+      <a:schemeClr val="accent1"/>
+    </dgm:linClrLst>
+    <dgm:effectClrLst/>
+    <dgm:txLinClrLst/>
+    <dgm:txFillClrLst meth="repeat">
+      <a:schemeClr val="lt1"/>
+    </dgm:txFillClrLst>
+    <dgm:txEffectClrLst/>
+  </dgm:styleLbl>
+  <dgm:styleLbl name="fgShp">
+    <dgm:fillClrLst meth="repeat">
+      <a:schemeClr val="accent1">
+        <a:tint val="60000"/>
       </a:schemeClr>
     </dgm:fillClrLst>
     <dgm:linClrLst meth="repeat">
@@ -1314,6 +2061,91 @@
 </dgm:dataModel>
 </file>
 
+<file path=ppt/diagrams/data2.xml><?xml version="1.0" encoding="utf-8"?>
+<dgm:dataModel xmlns:dgm="http://schemas.openxmlformats.org/drawingml/2006/diagram" xmlns:a="http://schemas.openxmlformats.org/drawingml/2006/main">
+  <dgm:ptLst>
+    <dgm:pt modelId="{1EB768DA-D185-4636-B12A-3053BD0D911D}" type="doc">
+      <dgm:prSet loTypeId="urn:microsoft.com/office/officeart/2005/8/layout/default" loCatId="list" qsTypeId="urn:microsoft.com/office/officeart/2005/8/quickstyle/simple2" qsCatId="simple" csTypeId="urn:microsoft.com/office/officeart/2005/8/colors/accent1_2" csCatId="accent1" phldr="1"/>
+      <dgm:spPr/>
+      <dgm:t>
+        <a:bodyPr/>
+        <a:lstStyle/>
+        <a:p>
+          <a:endParaRPr lang="en-US"/>
+        </a:p>
+      </dgm:t>
+    </dgm:pt>
+    <dgm:pt modelId="{C66B1ED8-375A-49BF-996A-B6A8D07EC5A3}">
+      <dgm:prSet phldrT="[Text]"/>
+      <dgm:spPr/>
+      <dgm:t>
+        <a:bodyPr/>
+        <a:lstStyle/>
+        <a:p>
+          <a:r>
+            <a:rPr lang="tr-TR" dirty="0"/>
+            <a:t>Advisor: Mehmet Ufuk Çağlayan</a:t>
+          </a:r>
+          <a:endParaRPr lang="en-US" dirty="0"/>
+        </a:p>
+      </dgm:t>
+    </dgm:pt>
+    <dgm:pt modelId="{547B69DF-48B6-40F4-9B97-75C28CC6A076}" type="parTrans" cxnId="{96DFDACC-9959-436F-8A91-01FA10C92CE0}">
+      <dgm:prSet/>
+      <dgm:spPr/>
+      <dgm:t>
+        <a:bodyPr/>
+        <a:lstStyle/>
+        <a:p>
+          <a:endParaRPr lang="en-US"/>
+        </a:p>
+      </dgm:t>
+    </dgm:pt>
+    <dgm:pt modelId="{361EE535-279A-4184-B245-A673FA511E62}" type="sibTrans" cxnId="{96DFDACC-9959-436F-8A91-01FA10C92CE0}">
+      <dgm:prSet/>
+      <dgm:spPr/>
+      <dgm:t>
+        <a:bodyPr/>
+        <a:lstStyle/>
+        <a:p>
+          <a:endParaRPr lang="en-US"/>
+        </a:p>
+      </dgm:t>
+    </dgm:pt>
+    <dgm:pt modelId="{9CD354AD-1A04-4841-9C66-BD304F63FA26}" type="pres">
+      <dgm:prSet presAssocID="{1EB768DA-D185-4636-B12A-3053BD0D911D}" presName="diagram" presStyleCnt="0">
+        <dgm:presLayoutVars>
+          <dgm:dir/>
+          <dgm:resizeHandles val="exact"/>
+        </dgm:presLayoutVars>
+      </dgm:prSet>
+      <dgm:spPr/>
+    </dgm:pt>
+    <dgm:pt modelId="{D4F90D22-524A-4A19-9F5D-B9634168FE1E}" type="pres">
+      <dgm:prSet presAssocID="{C66B1ED8-375A-49BF-996A-B6A8D07EC5A3}" presName="node" presStyleLbl="node1" presStyleIdx="0" presStyleCnt="1" custScaleX="105241" custScaleY="15918" custLinFactNeighborX="0" custLinFactNeighborY="-7">
+        <dgm:presLayoutVars>
+          <dgm:bulletEnabled val="1"/>
+        </dgm:presLayoutVars>
+      </dgm:prSet>
+      <dgm:spPr/>
+    </dgm:pt>
+  </dgm:ptLst>
+  <dgm:cxnLst>
+    <dgm:cxn modelId="{2D6EC54D-59F9-4F8B-8262-A72D412E8B03}" type="presOf" srcId="{C66B1ED8-375A-49BF-996A-B6A8D07EC5A3}" destId="{D4F90D22-524A-4A19-9F5D-B9634168FE1E}" srcOrd="0" destOrd="0" presId="urn:microsoft.com/office/officeart/2005/8/layout/default"/>
+    <dgm:cxn modelId="{59326FC7-EDC0-497E-A4C6-161A464CA2AD}" type="presOf" srcId="{1EB768DA-D185-4636-B12A-3053BD0D911D}" destId="{9CD354AD-1A04-4841-9C66-BD304F63FA26}" srcOrd="0" destOrd="0" presId="urn:microsoft.com/office/officeart/2005/8/layout/default"/>
+    <dgm:cxn modelId="{96DFDACC-9959-436F-8A91-01FA10C92CE0}" srcId="{1EB768DA-D185-4636-B12A-3053BD0D911D}" destId="{C66B1ED8-375A-49BF-996A-B6A8D07EC5A3}" srcOrd="0" destOrd="0" parTransId="{547B69DF-48B6-40F4-9B97-75C28CC6A076}" sibTransId="{361EE535-279A-4184-B245-A673FA511E62}"/>
+    <dgm:cxn modelId="{21C23458-6A29-43D6-8216-BBE23F9A071F}" type="presParOf" srcId="{9CD354AD-1A04-4841-9C66-BD304F63FA26}" destId="{D4F90D22-524A-4A19-9F5D-B9634168FE1E}" srcOrd="0" destOrd="0" presId="urn:microsoft.com/office/officeart/2005/8/layout/default"/>
+  </dgm:cxnLst>
+  <dgm:bg/>
+  <dgm:whole/>
+  <dgm:extLst>
+    <a:ext uri="http://schemas.microsoft.com/office/drawing/2008/diagram">
+      <dsp:dataModelExt xmlns:dsp="http://schemas.microsoft.com/office/drawing/2008/diagram" relId="rId12" minVer="http://schemas.openxmlformats.org/drawingml/2006/diagram"/>
+    </a:ext>
+  </dgm:extLst>
+</dgm:dataModel>
+</file>
+
 <file path=ppt/diagrams/drawing1.xml><?xml version="1.0" encoding="utf-8"?>
 <dsp:drawing xmlns:dgm="http://schemas.openxmlformats.org/drawingml/2006/diagram" xmlns:dsp="http://schemas.microsoft.com/office/drawing/2008/diagram" xmlns:a="http://schemas.openxmlformats.org/drawingml/2006/main">
   <dsp:spTree>
@@ -1329,8 +2161,8 @@
       </dsp:nvSpPr>
       <dsp:spPr>
         <a:xfrm>
-          <a:off x="0" y="529212"/>
-          <a:ext cx="1926201" cy="1223137"/>
+          <a:off x="0" y="251663"/>
+          <a:ext cx="1955627" cy="1241823"/>
         </a:xfrm>
         <a:prstGeom prst="roundRect">
           <a:avLst>
@@ -1408,8 +2240,8 @@
       </dsp:nvSpPr>
       <dsp:spPr>
         <a:xfrm>
-          <a:off x="214022" y="732533"/>
-          <a:ext cx="1926201" cy="1223137"/>
+          <a:off x="217291" y="458090"/>
+          <a:ext cx="1955627" cy="1241823"/>
         </a:xfrm>
         <a:prstGeom prst="roundRect">
           <a:avLst>
@@ -1484,8 +2316,8 @@
         </a:p>
       </dsp:txBody>
       <dsp:txXfrm>
-        <a:off x="249846" y="768357"/>
-        <a:ext cx="1854553" cy="1151489"/>
+        <a:off x="253663" y="494462"/>
+        <a:ext cx="1882883" cy="1169079"/>
       </dsp:txXfrm>
     </dsp:sp>
     <dsp:sp modelId="{D98FC8AF-CC1D-446D-9FD2-F01D72E14CAC}">
@@ -1495,8 +2327,8 @@
       </dsp:nvSpPr>
       <dsp:spPr>
         <a:xfrm>
-          <a:off x="2354245" y="529212"/>
-          <a:ext cx="1926201" cy="1223137"/>
+          <a:off x="2390211" y="251663"/>
+          <a:ext cx="1955627" cy="1241823"/>
         </a:xfrm>
         <a:prstGeom prst="roundRect">
           <a:avLst>
@@ -1574,8 +2406,8 @@
       </dsp:nvSpPr>
       <dsp:spPr>
         <a:xfrm>
-          <a:off x="2568268" y="732533"/>
-          <a:ext cx="1926201" cy="1223137"/>
+          <a:off x="2607503" y="458090"/>
+          <a:ext cx="1955627" cy="1241823"/>
         </a:xfrm>
         <a:prstGeom prst="roundRect">
           <a:avLst>
@@ -1654,8 +2486,8 @@
         </a:p>
       </dsp:txBody>
       <dsp:txXfrm>
-        <a:off x="2604092" y="768357"/>
-        <a:ext cx="1854553" cy="1151489"/>
+        <a:off x="2643875" y="494462"/>
+        <a:ext cx="1882883" cy="1169079"/>
       </dsp:txXfrm>
     </dsp:sp>
     <dsp:sp modelId="{93398E2C-6038-4A51-B68C-83F5F9353E67}">
@@ -1665,8 +2497,8 @@
       </dsp:nvSpPr>
       <dsp:spPr>
         <a:xfrm>
-          <a:off x="4708491" y="529212"/>
-          <a:ext cx="1926201" cy="1223137"/>
+          <a:off x="4780423" y="251663"/>
+          <a:ext cx="1955627" cy="1241823"/>
         </a:xfrm>
         <a:prstGeom prst="roundRect">
           <a:avLst>
@@ -1744,8 +2576,8 @@
       </dsp:nvSpPr>
       <dsp:spPr>
         <a:xfrm>
-          <a:off x="4922513" y="732533"/>
-          <a:ext cx="1926201" cy="1223137"/>
+          <a:off x="4997715" y="458090"/>
+          <a:ext cx="1955627" cy="1241823"/>
         </a:xfrm>
         <a:prstGeom prst="roundRect">
           <a:avLst>
@@ -1824,8 +2656,99 @@
         </a:p>
       </dsp:txBody>
       <dsp:txXfrm>
-        <a:off x="4958337" y="768357"/>
-        <a:ext cx="1854553" cy="1151489"/>
+        <a:off x="5034087" y="494462"/>
+        <a:ext cx="1882883" cy="1169079"/>
+      </dsp:txXfrm>
+    </dsp:sp>
+  </dsp:spTree>
+</dsp:drawing>
+</file>
+
+<file path=ppt/diagrams/drawing2.xml><?xml version="1.0" encoding="utf-8"?>
+<dsp:drawing xmlns:dgm="http://schemas.openxmlformats.org/drawingml/2006/diagram" xmlns:dsp="http://schemas.microsoft.com/office/drawing/2008/diagram" xmlns:a="http://schemas.openxmlformats.org/drawingml/2006/main">
+  <dsp:spTree>
+    <dsp:nvGrpSpPr>
+      <dsp:cNvPr id="0" name=""/>
+      <dsp:cNvGrpSpPr/>
+    </dsp:nvGrpSpPr>
+    <dsp:grpSpPr/>
+    <dsp:sp modelId="{D4F90D22-524A-4A19-9F5D-B9634168FE1E}">
+      <dsp:nvSpPr>
+        <dsp:cNvPr id="0" name=""/>
+        <dsp:cNvSpPr/>
+      </dsp:nvSpPr>
+      <dsp:spPr>
+        <a:xfrm>
+          <a:off x="17" y="0"/>
+          <a:ext cx="6894200" cy="625660"/>
+        </a:xfrm>
+        <a:prstGeom prst="rect">
+          <a:avLst/>
+        </a:prstGeom>
+        <a:solidFill>
+          <a:schemeClr val="accent1">
+            <a:hueOff val="0"/>
+            <a:satOff val="0"/>
+            <a:lumOff val="0"/>
+            <a:alphaOff val="0"/>
+          </a:schemeClr>
+        </a:solidFill>
+        <a:ln w="19050" cap="flat" cmpd="sng" algn="ctr">
+          <a:solidFill>
+            <a:schemeClr val="lt1">
+              <a:hueOff val="0"/>
+              <a:satOff val="0"/>
+              <a:lumOff val="0"/>
+              <a:alphaOff val="0"/>
+            </a:schemeClr>
+          </a:solidFill>
+          <a:prstDash val="solid"/>
+          <a:miter lim="800000"/>
+        </a:ln>
+        <a:effectLst/>
+      </dsp:spPr>
+      <dsp:style>
+        <a:lnRef idx="3">
+          <a:scrgbClr r="0" g="0" b="0"/>
+        </a:lnRef>
+        <a:fillRef idx="1">
+          <a:scrgbClr r="0" g="0" b="0"/>
+        </a:fillRef>
+        <a:effectRef idx="1">
+          <a:scrgbClr r="0" g="0" b="0"/>
+        </a:effectRef>
+        <a:fontRef idx="minor">
+          <a:schemeClr val="lt1"/>
+        </a:fontRef>
+      </dsp:style>
+      <dsp:txBody>
+        <a:bodyPr spcFirstLastPara="0" vert="horz" wrap="square" lIns="110490" tIns="110490" rIns="110490" bIns="110490" numCol="1" spcCol="1270" anchor="ctr" anchorCtr="0">
+          <a:noAutofit/>
+        </a:bodyPr>
+        <a:lstStyle/>
+        <a:p>
+          <a:pPr marL="0" lvl="0" indent="0" algn="ctr" defTabSz="1289050">
+            <a:lnSpc>
+              <a:spcPct val="90000"/>
+            </a:lnSpc>
+            <a:spcBef>
+              <a:spcPct val="0"/>
+            </a:spcBef>
+            <a:spcAft>
+              <a:spcPct val="35000"/>
+            </a:spcAft>
+            <a:buNone/>
+          </a:pPr>
+          <a:r>
+            <a:rPr lang="tr-TR" sz="2900" kern="1200" dirty="0"/>
+            <a:t>Advisor: Mehmet Ufuk Çağlayan</a:t>
+          </a:r>
+          <a:endParaRPr lang="en-US" sz="2900" kern="1200" dirty="0"/>
+        </a:p>
+      </dsp:txBody>
+      <dsp:txXfrm>
+        <a:off x="17" y="0"/>
+        <a:ext cx="6894200" cy="625660"/>
       </dsp:txXfrm>
     </dsp:sp>
   </dsp:spTree>
@@ -2395,6 +3318,153 @@
 </dgm:layoutDef>
 </file>
 
+<file path=ppt/diagrams/layout2.xml><?xml version="1.0" encoding="utf-8"?>
+<dgm:layoutDef xmlns:dgm="http://schemas.openxmlformats.org/drawingml/2006/diagram" xmlns:a="http://schemas.openxmlformats.org/drawingml/2006/main" uniqueId="urn:microsoft.com/office/officeart/2005/8/layout/default">
+  <dgm:title val=""/>
+  <dgm:desc val=""/>
+  <dgm:catLst>
+    <dgm:cat type="list" pri="400"/>
+  </dgm:catLst>
+  <dgm:sampData>
+    <dgm:dataModel>
+      <dgm:ptLst>
+        <dgm:pt modelId="0" type="doc"/>
+        <dgm:pt modelId="1">
+          <dgm:prSet phldr="1"/>
+        </dgm:pt>
+        <dgm:pt modelId="2">
+          <dgm:prSet phldr="1"/>
+        </dgm:pt>
+        <dgm:pt modelId="3">
+          <dgm:prSet phldr="1"/>
+        </dgm:pt>
+        <dgm:pt modelId="4">
+          <dgm:prSet phldr="1"/>
+        </dgm:pt>
+        <dgm:pt modelId="5">
+          <dgm:prSet phldr="1"/>
+        </dgm:pt>
+      </dgm:ptLst>
+      <dgm:cxnLst>
+        <dgm:cxn modelId="6" srcId="0" destId="1" srcOrd="0" destOrd="0"/>
+        <dgm:cxn modelId="7" srcId="0" destId="2" srcOrd="1" destOrd="0"/>
+        <dgm:cxn modelId="8" srcId="0" destId="3" srcOrd="2" destOrd="0"/>
+        <dgm:cxn modelId="9" srcId="0" destId="4" srcOrd="3" destOrd="0"/>
+        <dgm:cxn modelId="10" srcId="0" destId="5" srcOrd="4" destOrd="0"/>
+      </dgm:cxnLst>
+      <dgm:bg/>
+      <dgm:whole/>
+    </dgm:dataModel>
+  </dgm:sampData>
+  <dgm:styleData>
+    <dgm:dataModel>
+      <dgm:ptLst>
+        <dgm:pt modelId="0" type="doc"/>
+        <dgm:pt modelId="1"/>
+        <dgm:pt modelId="2"/>
+      </dgm:ptLst>
+      <dgm:cxnLst>
+        <dgm:cxn modelId="3" srcId="0" destId="1" srcOrd="0" destOrd="0"/>
+        <dgm:cxn modelId="4" srcId="0" destId="2" srcOrd="1" destOrd="0"/>
+      </dgm:cxnLst>
+      <dgm:bg/>
+      <dgm:whole/>
+    </dgm:dataModel>
+  </dgm:styleData>
+  <dgm:clrData>
+    <dgm:dataModel>
+      <dgm:ptLst>
+        <dgm:pt modelId="0" type="doc"/>
+        <dgm:pt modelId="1"/>
+        <dgm:pt modelId="2"/>
+        <dgm:pt modelId="3"/>
+        <dgm:pt modelId="4"/>
+        <dgm:pt modelId="5"/>
+        <dgm:pt modelId="6"/>
+      </dgm:ptLst>
+      <dgm:cxnLst>
+        <dgm:cxn modelId="7" srcId="0" destId="1" srcOrd="0" destOrd="0"/>
+        <dgm:cxn modelId="8" srcId="0" destId="2" srcOrd="1" destOrd="0"/>
+        <dgm:cxn modelId="9" srcId="0" destId="3" srcOrd="2" destOrd="0"/>
+        <dgm:cxn modelId="10" srcId="0" destId="4" srcOrd="3" destOrd="0"/>
+        <dgm:cxn modelId="11" srcId="0" destId="5" srcOrd="4" destOrd="0"/>
+        <dgm:cxn modelId="12" srcId="0" destId="6" srcOrd="5" destOrd="0"/>
+      </dgm:cxnLst>
+      <dgm:bg/>
+      <dgm:whole/>
+    </dgm:dataModel>
+  </dgm:clrData>
+  <dgm:layoutNode name="diagram">
+    <dgm:varLst>
+      <dgm:dir/>
+      <dgm:resizeHandles val="exact"/>
+    </dgm:varLst>
+    <dgm:choose name="Name0">
+      <dgm:if name="Name1" func="var" arg="dir" op="equ" val="norm">
+        <dgm:alg type="snake">
+          <dgm:param type="grDir" val="tL"/>
+          <dgm:param type="flowDir" val="row"/>
+          <dgm:param type="contDir" val="sameDir"/>
+          <dgm:param type="off" val="ctr"/>
+        </dgm:alg>
+      </dgm:if>
+      <dgm:else name="Name2">
+        <dgm:alg type="snake">
+          <dgm:param type="grDir" val="tR"/>
+          <dgm:param type="flowDir" val="row"/>
+          <dgm:param type="contDir" val="sameDir"/>
+          <dgm:param type="off" val="ctr"/>
+        </dgm:alg>
+      </dgm:else>
+    </dgm:choose>
+    <dgm:shape xmlns:r="http://schemas.openxmlformats.org/officeDocument/2006/relationships" r:blip="">
+      <dgm:adjLst/>
+    </dgm:shape>
+    <dgm:presOf/>
+    <dgm:constrLst>
+      <dgm:constr type="w" for="ch" forName="node" refType="w"/>
+      <dgm:constr type="h" for="ch" forName="node" refType="w" refFor="ch" refForName="node" fact="0.6"/>
+      <dgm:constr type="w" for="ch" forName="sibTrans" refType="w" refFor="ch" refForName="node" fact="0.1"/>
+      <dgm:constr type="sp" refType="w" refFor="ch" refForName="sibTrans"/>
+      <dgm:constr type="primFontSz" for="ch" forName="node" op="equ" val="65"/>
+    </dgm:constrLst>
+    <dgm:ruleLst/>
+    <dgm:forEach name="Name3" axis="ch" ptType="node">
+      <dgm:layoutNode name="node">
+        <dgm:varLst>
+          <dgm:bulletEnabled val="1"/>
+        </dgm:varLst>
+        <dgm:alg type="tx"/>
+        <dgm:shape xmlns:r="http://schemas.openxmlformats.org/officeDocument/2006/relationships" type="rect" r:blip="">
+          <dgm:adjLst/>
+        </dgm:shape>
+        <dgm:presOf axis="desOrSelf" ptType="node"/>
+        <dgm:constrLst>
+          <dgm:constr type="lMarg" refType="primFontSz" fact="0.3"/>
+          <dgm:constr type="rMarg" refType="primFontSz" fact="0.3"/>
+          <dgm:constr type="tMarg" refType="primFontSz" fact="0.3"/>
+          <dgm:constr type="bMarg" refType="primFontSz" fact="0.3"/>
+        </dgm:constrLst>
+        <dgm:ruleLst>
+          <dgm:rule type="primFontSz" val="5" fact="NaN" max="NaN"/>
+        </dgm:ruleLst>
+      </dgm:layoutNode>
+      <dgm:forEach name="Name4" axis="followSib" ptType="sibTrans" cnt="1">
+        <dgm:layoutNode name="sibTrans">
+          <dgm:alg type="sp"/>
+          <dgm:shape xmlns:r="http://schemas.openxmlformats.org/officeDocument/2006/relationships" r:blip="">
+            <dgm:adjLst/>
+          </dgm:shape>
+          <dgm:presOf/>
+          <dgm:constrLst/>
+          <dgm:ruleLst/>
+        </dgm:layoutNode>
+      </dgm:forEach>
+    </dgm:forEach>
+  </dgm:layoutNode>
+</dgm:layoutDef>
+</file>
+
 <file path=ppt/diagrams/quickStyle1.xml><?xml version="1.0" encoding="utf-8"?>
 <dgm:styleDef xmlns:dgm="http://schemas.openxmlformats.org/drawingml/2006/diagram" xmlns:a="http://schemas.openxmlformats.org/drawingml/2006/main" uniqueId="urn:microsoft.com/office/officeart/2005/8/quickstyle/simple5">
   <dgm:title val=""/>
@@ -3401,6 +4471,1040 @@
         <a:scrgbClr r="0" g="0" b="0"/>
       </a:fillRef>
       <a:effectRef idx="3">
+        <a:scrgbClr r="0" g="0" b="0"/>
+      </a:effectRef>
+      <a:fontRef idx="minor"/>
+    </dgm:style>
+  </dgm:styleLbl>
+  <dgm:styleLbl name="revTx">
+    <dgm:scene3d>
+      <a:camera prst="orthographicFront"/>
+      <a:lightRig rig="threePt" dir="t"/>
+    </dgm:scene3d>
+    <dgm:sp3d/>
+    <dgm:txPr/>
+    <dgm:style>
+      <a:lnRef idx="0">
+        <a:scrgbClr r="0" g="0" b="0"/>
+      </a:lnRef>
+      <a:fillRef idx="0">
+        <a:scrgbClr r="0" g="0" b="0"/>
+      </a:fillRef>
+      <a:effectRef idx="0">
+        <a:scrgbClr r="0" g="0" b="0"/>
+      </a:effectRef>
+      <a:fontRef idx="minor"/>
+    </dgm:style>
+  </dgm:styleLbl>
+</dgm:styleDef>
+</file>
+
+<file path=ppt/diagrams/quickStyle2.xml><?xml version="1.0" encoding="utf-8"?>
+<dgm:styleDef xmlns:dgm="http://schemas.openxmlformats.org/drawingml/2006/diagram" xmlns:a="http://schemas.openxmlformats.org/drawingml/2006/main" uniqueId="urn:microsoft.com/office/officeart/2005/8/quickstyle/simple2">
+  <dgm:title val=""/>
+  <dgm:desc val=""/>
+  <dgm:catLst>
+    <dgm:cat type="simple" pri="10200"/>
+  </dgm:catLst>
+  <dgm:scene3d>
+    <a:camera prst="orthographicFront"/>
+    <a:lightRig rig="threePt" dir="t"/>
+  </dgm:scene3d>
+  <dgm:styleLbl name="node0">
+    <dgm:scene3d>
+      <a:camera prst="orthographicFront"/>
+      <a:lightRig rig="threePt" dir="t"/>
+    </dgm:scene3d>
+    <dgm:sp3d/>
+    <dgm:txPr/>
+    <dgm:style>
+      <a:lnRef idx="3">
+        <a:scrgbClr r="0" g="0" b="0"/>
+      </a:lnRef>
+      <a:fillRef idx="1">
+        <a:scrgbClr r="0" g="0" b="0"/>
+      </a:fillRef>
+      <a:effectRef idx="1">
+        <a:scrgbClr r="0" g="0" b="0"/>
+      </a:effectRef>
+      <a:fontRef idx="minor">
+        <a:schemeClr val="lt1"/>
+      </a:fontRef>
+    </dgm:style>
+  </dgm:styleLbl>
+  <dgm:styleLbl name="lnNode1">
+    <dgm:scene3d>
+      <a:camera prst="orthographicFront"/>
+      <a:lightRig rig="threePt" dir="t"/>
+    </dgm:scene3d>
+    <dgm:sp3d/>
+    <dgm:txPr/>
+    <dgm:style>
+      <a:lnRef idx="3">
+        <a:scrgbClr r="0" g="0" b="0"/>
+      </a:lnRef>
+      <a:fillRef idx="1">
+        <a:scrgbClr r="0" g="0" b="0"/>
+      </a:fillRef>
+      <a:effectRef idx="1">
+        <a:scrgbClr r="0" g="0" b="0"/>
+      </a:effectRef>
+      <a:fontRef idx="minor">
+        <a:schemeClr val="lt1"/>
+      </a:fontRef>
+    </dgm:style>
+  </dgm:styleLbl>
+  <dgm:styleLbl name="vennNode1">
+    <dgm:scene3d>
+      <a:camera prst="orthographicFront"/>
+      <a:lightRig rig="threePt" dir="t"/>
+    </dgm:scene3d>
+    <dgm:sp3d/>
+    <dgm:txPr/>
+    <dgm:style>
+      <a:lnRef idx="3">
+        <a:scrgbClr r="0" g="0" b="0"/>
+      </a:lnRef>
+      <a:fillRef idx="1">
+        <a:scrgbClr r="0" g="0" b="0"/>
+      </a:fillRef>
+      <a:effectRef idx="0">
+        <a:scrgbClr r="0" g="0" b="0"/>
+      </a:effectRef>
+      <a:fontRef idx="minor">
+        <a:schemeClr val="tx1"/>
+      </a:fontRef>
+    </dgm:style>
+  </dgm:styleLbl>
+  <dgm:styleLbl name="alignNode1">
+    <dgm:scene3d>
+      <a:camera prst="orthographicFront"/>
+      <a:lightRig rig="threePt" dir="t"/>
+    </dgm:scene3d>
+    <dgm:sp3d/>
+    <dgm:txPr/>
+    <dgm:style>
+      <a:lnRef idx="2">
+        <a:scrgbClr r="0" g="0" b="0"/>
+      </a:lnRef>
+      <a:fillRef idx="1">
+        <a:scrgbClr r="0" g="0" b="0"/>
+      </a:fillRef>
+      <a:effectRef idx="1">
+        <a:scrgbClr r="0" g="0" b="0"/>
+      </a:effectRef>
+      <a:fontRef idx="minor">
+        <a:schemeClr val="lt1"/>
+      </a:fontRef>
+    </dgm:style>
+  </dgm:styleLbl>
+  <dgm:styleLbl name="node1">
+    <dgm:scene3d>
+      <a:camera prst="orthographicFront"/>
+      <a:lightRig rig="threePt" dir="t"/>
+    </dgm:scene3d>
+    <dgm:sp3d/>
+    <dgm:txPr/>
+    <dgm:style>
+      <a:lnRef idx="3">
+        <a:scrgbClr r="0" g="0" b="0"/>
+      </a:lnRef>
+      <a:fillRef idx="1">
+        <a:scrgbClr r="0" g="0" b="0"/>
+      </a:fillRef>
+      <a:effectRef idx="1">
+        <a:scrgbClr r="0" g="0" b="0"/>
+      </a:effectRef>
+      <a:fontRef idx="minor">
+        <a:schemeClr val="lt1"/>
+      </a:fontRef>
+    </dgm:style>
+  </dgm:styleLbl>
+  <dgm:styleLbl name="node2">
+    <dgm:scene3d>
+      <a:camera prst="orthographicFront"/>
+      <a:lightRig rig="threePt" dir="t"/>
+    </dgm:scene3d>
+    <dgm:sp3d/>
+    <dgm:txPr/>
+    <dgm:style>
+      <a:lnRef idx="3">
+        <a:scrgbClr r="0" g="0" b="0"/>
+      </a:lnRef>
+      <a:fillRef idx="1">
+        <a:scrgbClr r="0" g="0" b="0"/>
+      </a:fillRef>
+      <a:effectRef idx="1">
+        <a:scrgbClr r="0" g="0" b="0"/>
+      </a:effectRef>
+      <a:fontRef idx="minor">
+        <a:schemeClr val="lt1"/>
+      </a:fontRef>
+    </dgm:style>
+  </dgm:styleLbl>
+  <dgm:styleLbl name="node3">
+    <dgm:scene3d>
+      <a:camera prst="orthographicFront"/>
+      <a:lightRig rig="threePt" dir="t"/>
+    </dgm:scene3d>
+    <dgm:sp3d/>
+    <dgm:txPr/>
+    <dgm:style>
+      <a:lnRef idx="3">
+        <a:scrgbClr r="0" g="0" b="0"/>
+      </a:lnRef>
+      <a:fillRef idx="1">
+        <a:scrgbClr r="0" g="0" b="0"/>
+      </a:fillRef>
+      <a:effectRef idx="1">
+        <a:scrgbClr r="0" g="0" b="0"/>
+      </a:effectRef>
+      <a:fontRef idx="minor">
+        <a:schemeClr val="lt1"/>
+      </a:fontRef>
+    </dgm:style>
+  </dgm:styleLbl>
+  <dgm:styleLbl name="node4">
+    <dgm:scene3d>
+      <a:camera prst="orthographicFront"/>
+      <a:lightRig rig="threePt" dir="t"/>
+    </dgm:scene3d>
+    <dgm:sp3d/>
+    <dgm:txPr/>
+    <dgm:style>
+      <a:lnRef idx="3">
+        <a:scrgbClr r="0" g="0" b="0"/>
+      </a:lnRef>
+      <a:fillRef idx="1">
+        <a:scrgbClr r="0" g="0" b="0"/>
+      </a:fillRef>
+      <a:effectRef idx="1">
+        <a:scrgbClr r="0" g="0" b="0"/>
+      </a:effectRef>
+      <a:fontRef idx="minor">
+        <a:schemeClr val="lt1"/>
+      </a:fontRef>
+    </dgm:style>
+  </dgm:styleLbl>
+  <dgm:styleLbl name="fgImgPlace1">
+    <dgm:scene3d>
+      <a:camera prst="orthographicFront"/>
+      <a:lightRig rig="threePt" dir="t"/>
+    </dgm:scene3d>
+    <dgm:sp3d/>
+    <dgm:txPr/>
+    <dgm:style>
+      <a:lnRef idx="3">
+        <a:scrgbClr r="0" g="0" b="0"/>
+      </a:lnRef>
+      <a:fillRef idx="1">
+        <a:scrgbClr r="0" g="0" b="0"/>
+      </a:fillRef>
+      <a:effectRef idx="1">
+        <a:scrgbClr r="0" g="0" b="0"/>
+      </a:effectRef>
+      <a:fontRef idx="minor"/>
+    </dgm:style>
+  </dgm:styleLbl>
+  <dgm:styleLbl name="alignImgPlace1">
+    <dgm:scene3d>
+      <a:camera prst="orthographicFront"/>
+      <a:lightRig rig="threePt" dir="t"/>
+    </dgm:scene3d>
+    <dgm:sp3d/>
+    <dgm:txPr/>
+    <dgm:style>
+      <a:lnRef idx="3">
+        <a:scrgbClr r="0" g="0" b="0"/>
+      </a:lnRef>
+      <a:fillRef idx="1">
+        <a:scrgbClr r="0" g="0" b="0"/>
+      </a:fillRef>
+      <a:effectRef idx="1">
+        <a:scrgbClr r="0" g="0" b="0"/>
+      </a:effectRef>
+      <a:fontRef idx="minor"/>
+    </dgm:style>
+  </dgm:styleLbl>
+  <dgm:styleLbl name="bgImgPlace1">
+    <dgm:scene3d>
+      <a:camera prst="orthographicFront"/>
+      <a:lightRig rig="threePt" dir="t"/>
+    </dgm:scene3d>
+    <dgm:sp3d/>
+    <dgm:txPr/>
+    <dgm:style>
+      <a:lnRef idx="3">
+        <a:scrgbClr r="0" g="0" b="0"/>
+      </a:lnRef>
+      <a:fillRef idx="1">
+        <a:scrgbClr r="0" g="0" b="0"/>
+      </a:fillRef>
+      <a:effectRef idx="1">
+        <a:scrgbClr r="0" g="0" b="0"/>
+      </a:effectRef>
+      <a:fontRef idx="minor"/>
+    </dgm:style>
+  </dgm:styleLbl>
+  <dgm:styleLbl name="sibTrans2D1">
+    <dgm:scene3d>
+      <a:camera prst="orthographicFront"/>
+      <a:lightRig rig="threePt" dir="t"/>
+    </dgm:scene3d>
+    <dgm:sp3d/>
+    <dgm:txPr/>
+    <dgm:style>
+      <a:lnRef idx="0">
+        <a:scrgbClr r="0" g="0" b="0"/>
+      </a:lnRef>
+      <a:fillRef idx="1">
+        <a:scrgbClr r="0" g="0" b="0"/>
+      </a:fillRef>
+      <a:effectRef idx="1">
+        <a:scrgbClr r="0" g="0" b="0"/>
+      </a:effectRef>
+      <a:fontRef idx="minor">
+        <a:schemeClr val="lt1"/>
+      </a:fontRef>
+    </dgm:style>
+  </dgm:styleLbl>
+  <dgm:styleLbl name="fgSibTrans2D1">
+    <dgm:scene3d>
+      <a:camera prst="orthographicFront"/>
+      <a:lightRig rig="threePt" dir="t"/>
+    </dgm:scene3d>
+    <dgm:sp3d/>
+    <dgm:txPr/>
+    <dgm:style>
+      <a:lnRef idx="0">
+        <a:scrgbClr r="0" g="0" b="0"/>
+      </a:lnRef>
+      <a:fillRef idx="1">
+        <a:scrgbClr r="0" g="0" b="0"/>
+      </a:fillRef>
+      <a:effectRef idx="1">
+        <a:scrgbClr r="0" g="0" b="0"/>
+      </a:effectRef>
+      <a:fontRef idx="minor">
+        <a:schemeClr val="lt1"/>
+      </a:fontRef>
+    </dgm:style>
+  </dgm:styleLbl>
+  <dgm:styleLbl name="bgSibTrans2D1">
+    <dgm:scene3d>
+      <a:camera prst="orthographicFront"/>
+      <a:lightRig rig="threePt" dir="t"/>
+    </dgm:scene3d>
+    <dgm:sp3d/>
+    <dgm:txPr/>
+    <dgm:style>
+      <a:lnRef idx="0">
+        <a:scrgbClr r="0" g="0" b="0"/>
+      </a:lnRef>
+      <a:fillRef idx="1">
+        <a:scrgbClr r="0" g="0" b="0"/>
+      </a:fillRef>
+      <a:effectRef idx="1">
+        <a:scrgbClr r="0" g="0" b="0"/>
+      </a:effectRef>
+      <a:fontRef idx="minor">
+        <a:schemeClr val="lt1"/>
+      </a:fontRef>
+    </dgm:style>
+  </dgm:styleLbl>
+  <dgm:styleLbl name="sibTrans1D1">
+    <dgm:scene3d>
+      <a:camera prst="orthographicFront"/>
+      <a:lightRig rig="threePt" dir="t"/>
+    </dgm:scene3d>
+    <dgm:sp3d/>
+    <dgm:txPr/>
+    <dgm:style>
+      <a:lnRef idx="1">
+        <a:scrgbClr r="0" g="0" b="0"/>
+      </a:lnRef>
+      <a:fillRef idx="0">
+        <a:scrgbClr r="0" g="0" b="0"/>
+      </a:fillRef>
+      <a:effectRef idx="0">
+        <a:scrgbClr r="0" g="0" b="0"/>
+      </a:effectRef>
+      <a:fontRef idx="minor"/>
+    </dgm:style>
+  </dgm:styleLbl>
+  <dgm:styleLbl name="callout">
+    <dgm:scene3d>
+      <a:camera prst="orthographicFront"/>
+      <a:lightRig rig="threePt" dir="t"/>
+    </dgm:scene3d>
+    <dgm:sp3d/>
+    <dgm:txPr/>
+    <dgm:style>
+      <a:lnRef idx="2">
+        <a:scrgbClr r="0" g="0" b="0"/>
+      </a:lnRef>
+      <a:fillRef idx="1">
+        <a:scrgbClr r="0" g="0" b="0"/>
+      </a:fillRef>
+      <a:effectRef idx="1">
+        <a:scrgbClr r="0" g="0" b="0"/>
+      </a:effectRef>
+      <a:fontRef idx="minor"/>
+    </dgm:style>
+  </dgm:styleLbl>
+  <dgm:styleLbl name="asst0">
+    <dgm:scene3d>
+      <a:camera prst="orthographicFront"/>
+      <a:lightRig rig="threePt" dir="t"/>
+    </dgm:scene3d>
+    <dgm:sp3d/>
+    <dgm:txPr/>
+    <dgm:style>
+      <a:lnRef idx="3">
+        <a:scrgbClr r="0" g="0" b="0"/>
+      </a:lnRef>
+      <a:fillRef idx="1">
+        <a:scrgbClr r="0" g="0" b="0"/>
+      </a:fillRef>
+      <a:effectRef idx="1">
+        <a:scrgbClr r="0" g="0" b="0"/>
+      </a:effectRef>
+      <a:fontRef idx="minor">
+        <a:schemeClr val="lt1"/>
+      </a:fontRef>
+    </dgm:style>
+  </dgm:styleLbl>
+  <dgm:styleLbl name="asst1">
+    <dgm:scene3d>
+      <a:camera prst="orthographicFront"/>
+      <a:lightRig rig="threePt" dir="t"/>
+    </dgm:scene3d>
+    <dgm:sp3d/>
+    <dgm:txPr/>
+    <dgm:style>
+      <a:lnRef idx="3">
+        <a:scrgbClr r="0" g="0" b="0"/>
+      </a:lnRef>
+      <a:fillRef idx="1">
+        <a:scrgbClr r="0" g="0" b="0"/>
+      </a:fillRef>
+      <a:effectRef idx="1">
+        <a:scrgbClr r="0" g="0" b="0"/>
+      </a:effectRef>
+      <a:fontRef idx="minor">
+        <a:schemeClr val="lt1"/>
+      </a:fontRef>
+    </dgm:style>
+  </dgm:styleLbl>
+  <dgm:styleLbl name="asst2">
+    <dgm:scene3d>
+      <a:camera prst="orthographicFront"/>
+      <a:lightRig rig="threePt" dir="t"/>
+    </dgm:scene3d>
+    <dgm:sp3d/>
+    <dgm:txPr/>
+    <dgm:style>
+      <a:lnRef idx="3">
+        <a:scrgbClr r="0" g="0" b="0"/>
+      </a:lnRef>
+      <a:fillRef idx="1">
+        <a:scrgbClr r="0" g="0" b="0"/>
+      </a:fillRef>
+      <a:effectRef idx="1">
+        <a:scrgbClr r="0" g="0" b="0"/>
+      </a:effectRef>
+      <a:fontRef idx="minor">
+        <a:schemeClr val="lt1"/>
+      </a:fontRef>
+    </dgm:style>
+  </dgm:styleLbl>
+  <dgm:styleLbl name="asst3">
+    <dgm:scene3d>
+      <a:camera prst="orthographicFront"/>
+      <a:lightRig rig="threePt" dir="t"/>
+    </dgm:scene3d>
+    <dgm:sp3d/>
+    <dgm:txPr/>
+    <dgm:style>
+      <a:lnRef idx="3">
+        <a:scrgbClr r="0" g="0" b="0"/>
+      </a:lnRef>
+      <a:fillRef idx="1">
+        <a:scrgbClr r="0" g="0" b="0"/>
+      </a:fillRef>
+      <a:effectRef idx="1">
+        <a:scrgbClr r="0" g="0" b="0"/>
+      </a:effectRef>
+      <a:fontRef idx="minor">
+        <a:schemeClr val="lt1"/>
+      </a:fontRef>
+    </dgm:style>
+  </dgm:styleLbl>
+  <dgm:styleLbl name="asst4">
+    <dgm:scene3d>
+      <a:camera prst="orthographicFront"/>
+      <a:lightRig rig="threePt" dir="t"/>
+    </dgm:scene3d>
+    <dgm:sp3d/>
+    <dgm:txPr/>
+    <dgm:style>
+      <a:lnRef idx="3">
+        <a:scrgbClr r="0" g="0" b="0"/>
+      </a:lnRef>
+      <a:fillRef idx="1">
+        <a:scrgbClr r="0" g="0" b="0"/>
+      </a:fillRef>
+      <a:effectRef idx="1">
+        <a:scrgbClr r="0" g="0" b="0"/>
+      </a:effectRef>
+      <a:fontRef idx="minor">
+        <a:schemeClr val="lt1"/>
+      </a:fontRef>
+    </dgm:style>
+  </dgm:styleLbl>
+  <dgm:styleLbl name="parChTrans2D1">
+    <dgm:scene3d>
+      <a:camera prst="orthographicFront"/>
+      <a:lightRig rig="threePt" dir="t"/>
+    </dgm:scene3d>
+    <dgm:sp3d/>
+    <dgm:txPr/>
+    <dgm:style>
+      <a:lnRef idx="3">
+        <a:scrgbClr r="0" g="0" b="0"/>
+      </a:lnRef>
+      <a:fillRef idx="1">
+        <a:scrgbClr r="0" g="0" b="0"/>
+      </a:fillRef>
+      <a:effectRef idx="1">
+        <a:scrgbClr r="0" g="0" b="0"/>
+      </a:effectRef>
+      <a:fontRef idx="minor">
+        <a:schemeClr val="lt1"/>
+      </a:fontRef>
+    </dgm:style>
+  </dgm:styleLbl>
+  <dgm:styleLbl name="parChTrans2D2">
+    <dgm:scene3d>
+      <a:camera prst="orthographicFront"/>
+      <a:lightRig rig="threePt" dir="t"/>
+    </dgm:scene3d>
+    <dgm:sp3d/>
+    <dgm:txPr/>
+    <dgm:style>
+      <a:lnRef idx="3">
+        <a:scrgbClr r="0" g="0" b="0"/>
+      </a:lnRef>
+      <a:fillRef idx="1">
+        <a:scrgbClr r="0" g="0" b="0"/>
+      </a:fillRef>
+      <a:effectRef idx="1">
+        <a:scrgbClr r="0" g="0" b="0"/>
+      </a:effectRef>
+      <a:fontRef idx="minor">
+        <a:schemeClr val="lt1"/>
+      </a:fontRef>
+    </dgm:style>
+  </dgm:styleLbl>
+  <dgm:styleLbl name="parChTrans2D3">
+    <dgm:scene3d>
+      <a:camera prst="orthographicFront"/>
+      <a:lightRig rig="threePt" dir="t"/>
+    </dgm:scene3d>
+    <dgm:sp3d/>
+    <dgm:txPr/>
+    <dgm:style>
+      <a:lnRef idx="3">
+        <a:scrgbClr r="0" g="0" b="0"/>
+      </a:lnRef>
+      <a:fillRef idx="1">
+        <a:scrgbClr r="0" g="0" b="0"/>
+      </a:fillRef>
+      <a:effectRef idx="1">
+        <a:scrgbClr r="0" g="0" b="0"/>
+      </a:effectRef>
+      <a:fontRef idx="minor">
+        <a:schemeClr val="lt1"/>
+      </a:fontRef>
+    </dgm:style>
+  </dgm:styleLbl>
+  <dgm:styleLbl name="parChTrans2D4">
+    <dgm:scene3d>
+      <a:camera prst="orthographicFront"/>
+      <a:lightRig rig="threePt" dir="t"/>
+    </dgm:scene3d>
+    <dgm:sp3d/>
+    <dgm:txPr/>
+    <dgm:style>
+      <a:lnRef idx="3">
+        <a:scrgbClr r="0" g="0" b="0"/>
+      </a:lnRef>
+      <a:fillRef idx="1">
+        <a:scrgbClr r="0" g="0" b="0"/>
+      </a:fillRef>
+      <a:effectRef idx="1">
+        <a:scrgbClr r="0" g="0" b="0"/>
+      </a:effectRef>
+      <a:fontRef idx="minor">
+        <a:schemeClr val="lt1"/>
+      </a:fontRef>
+    </dgm:style>
+  </dgm:styleLbl>
+  <dgm:styleLbl name="parChTrans1D1">
+    <dgm:scene3d>
+      <a:camera prst="orthographicFront"/>
+      <a:lightRig rig="threePt" dir="t"/>
+    </dgm:scene3d>
+    <dgm:sp3d/>
+    <dgm:txPr/>
+    <dgm:style>
+      <a:lnRef idx="2">
+        <a:scrgbClr r="0" g="0" b="0"/>
+      </a:lnRef>
+      <a:fillRef idx="0">
+        <a:scrgbClr r="0" g="0" b="0"/>
+      </a:fillRef>
+      <a:effectRef idx="0">
+        <a:scrgbClr r="0" g="0" b="0"/>
+      </a:effectRef>
+      <a:fontRef idx="minor"/>
+    </dgm:style>
+  </dgm:styleLbl>
+  <dgm:styleLbl name="parChTrans1D2">
+    <dgm:scene3d>
+      <a:camera prst="orthographicFront"/>
+      <a:lightRig rig="threePt" dir="t"/>
+    </dgm:scene3d>
+    <dgm:sp3d/>
+    <dgm:txPr/>
+    <dgm:style>
+      <a:lnRef idx="2">
+        <a:scrgbClr r="0" g="0" b="0"/>
+      </a:lnRef>
+      <a:fillRef idx="0">
+        <a:scrgbClr r="0" g="0" b="0"/>
+      </a:fillRef>
+      <a:effectRef idx="0">
+        <a:scrgbClr r="0" g="0" b="0"/>
+      </a:effectRef>
+      <a:fontRef idx="minor"/>
+    </dgm:style>
+  </dgm:styleLbl>
+  <dgm:styleLbl name="parChTrans1D3">
+    <dgm:scene3d>
+      <a:camera prst="orthographicFront"/>
+      <a:lightRig rig="threePt" dir="t"/>
+    </dgm:scene3d>
+    <dgm:sp3d/>
+    <dgm:txPr/>
+    <dgm:style>
+      <a:lnRef idx="2">
+        <a:scrgbClr r="0" g="0" b="0"/>
+      </a:lnRef>
+      <a:fillRef idx="0">
+        <a:scrgbClr r="0" g="0" b="0"/>
+      </a:fillRef>
+      <a:effectRef idx="0">
+        <a:scrgbClr r="0" g="0" b="0"/>
+      </a:effectRef>
+      <a:fontRef idx="minor"/>
+    </dgm:style>
+  </dgm:styleLbl>
+  <dgm:styleLbl name="parChTrans1D4">
+    <dgm:scene3d>
+      <a:camera prst="orthographicFront"/>
+      <a:lightRig rig="threePt" dir="t"/>
+    </dgm:scene3d>
+    <dgm:sp3d/>
+    <dgm:txPr/>
+    <dgm:style>
+      <a:lnRef idx="2">
+        <a:scrgbClr r="0" g="0" b="0"/>
+      </a:lnRef>
+      <a:fillRef idx="0">
+        <a:scrgbClr r="0" g="0" b="0"/>
+      </a:fillRef>
+      <a:effectRef idx="0">
+        <a:scrgbClr r="0" g="0" b="0"/>
+      </a:effectRef>
+      <a:fontRef idx="minor"/>
+    </dgm:style>
+  </dgm:styleLbl>
+  <dgm:styleLbl name="fgAcc1">
+    <dgm:scene3d>
+      <a:camera prst="orthographicFront"/>
+      <a:lightRig rig="threePt" dir="t"/>
+    </dgm:scene3d>
+    <dgm:sp3d/>
+    <dgm:txPr/>
+    <dgm:style>
+      <a:lnRef idx="2">
+        <a:scrgbClr r="0" g="0" b="0"/>
+      </a:lnRef>
+      <a:fillRef idx="1">
+        <a:scrgbClr r="0" g="0" b="0"/>
+      </a:fillRef>
+      <a:effectRef idx="0">
+        <a:scrgbClr r="0" g="0" b="0"/>
+      </a:effectRef>
+      <a:fontRef idx="minor"/>
+    </dgm:style>
+  </dgm:styleLbl>
+  <dgm:styleLbl name="conFgAcc1">
+    <dgm:scene3d>
+      <a:camera prst="orthographicFront"/>
+      <a:lightRig rig="threePt" dir="t"/>
+    </dgm:scene3d>
+    <dgm:sp3d/>
+    <dgm:txPr/>
+    <dgm:style>
+      <a:lnRef idx="2">
+        <a:scrgbClr r="0" g="0" b="0"/>
+      </a:lnRef>
+      <a:fillRef idx="1">
+        <a:scrgbClr r="0" g="0" b="0"/>
+      </a:fillRef>
+      <a:effectRef idx="0">
+        <a:scrgbClr r="0" g="0" b="0"/>
+      </a:effectRef>
+      <a:fontRef idx="minor"/>
+    </dgm:style>
+  </dgm:styleLbl>
+  <dgm:styleLbl name="alignAcc1">
+    <dgm:scene3d>
+      <a:camera prst="orthographicFront"/>
+      <a:lightRig rig="threePt" dir="t"/>
+    </dgm:scene3d>
+    <dgm:sp3d/>
+    <dgm:txPr/>
+    <dgm:style>
+      <a:lnRef idx="2">
+        <a:scrgbClr r="0" g="0" b="0"/>
+      </a:lnRef>
+      <a:fillRef idx="1">
+        <a:scrgbClr r="0" g="0" b="0"/>
+      </a:fillRef>
+      <a:effectRef idx="0">
+        <a:scrgbClr r="0" g="0" b="0"/>
+      </a:effectRef>
+      <a:fontRef idx="minor"/>
+    </dgm:style>
+  </dgm:styleLbl>
+  <dgm:styleLbl name="trAlignAcc1">
+    <dgm:scene3d>
+      <a:camera prst="orthographicFront"/>
+      <a:lightRig rig="threePt" dir="t"/>
+    </dgm:scene3d>
+    <dgm:sp3d/>
+    <dgm:txPr/>
+    <dgm:style>
+      <a:lnRef idx="1">
+        <a:scrgbClr r="0" g="0" b="0"/>
+      </a:lnRef>
+      <a:fillRef idx="1">
+        <a:scrgbClr r="0" g="0" b="0"/>
+      </a:fillRef>
+      <a:effectRef idx="0">
+        <a:scrgbClr r="0" g="0" b="0"/>
+      </a:effectRef>
+      <a:fontRef idx="minor"/>
+    </dgm:style>
+  </dgm:styleLbl>
+  <dgm:styleLbl name="bgAcc1">
+    <dgm:scene3d>
+      <a:camera prst="orthographicFront"/>
+      <a:lightRig rig="threePt" dir="t"/>
+    </dgm:scene3d>
+    <dgm:sp3d/>
+    <dgm:txPr/>
+    <dgm:style>
+      <a:lnRef idx="2">
+        <a:scrgbClr r="0" g="0" b="0"/>
+      </a:lnRef>
+      <a:fillRef idx="1">
+        <a:scrgbClr r="0" g="0" b="0"/>
+      </a:fillRef>
+      <a:effectRef idx="0">
+        <a:scrgbClr r="0" g="0" b="0"/>
+      </a:effectRef>
+      <a:fontRef idx="minor"/>
+    </dgm:style>
+  </dgm:styleLbl>
+  <dgm:styleLbl name="solidFgAcc1">
+    <dgm:scene3d>
+      <a:camera prst="orthographicFront"/>
+      <a:lightRig rig="threePt" dir="t"/>
+    </dgm:scene3d>
+    <dgm:sp3d/>
+    <dgm:txPr/>
+    <dgm:style>
+      <a:lnRef idx="2">
+        <a:scrgbClr r="0" g="0" b="0"/>
+      </a:lnRef>
+      <a:fillRef idx="1">
+        <a:scrgbClr r="0" g="0" b="0"/>
+      </a:fillRef>
+      <a:effectRef idx="0">
+        <a:scrgbClr r="0" g="0" b="0"/>
+      </a:effectRef>
+      <a:fontRef idx="minor"/>
+    </dgm:style>
+  </dgm:styleLbl>
+  <dgm:styleLbl name="solidAlignAcc1">
+    <dgm:scene3d>
+      <a:camera prst="orthographicFront"/>
+      <a:lightRig rig="threePt" dir="t"/>
+    </dgm:scene3d>
+    <dgm:sp3d/>
+    <dgm:txPr/>
+    <dgm:style>
+      <a:lnRef idx="2">
+        <a:scrgbClr r="0" g="0" b="0"/>
+      </a:lnRef>
+      <a:fillRef idx="1">
+        <a:scrgbClr r="0" g="0" b="0"/>
+      </a:fillRef>
+      <a:effectRef idx="0">
+        <a:scrgbClr r="0" g="0" b="0"/>
+      </a:effectRef>
+      <a:fontRef idx="minor"/>
+    </dgm:style>
+  </dgm:styleLbl>
+  <dgm:styleLbl name="solidBgAcc1">
+    <dgm:scene3d>
+      <a:camera prst="orthographicFront"/>
+      <a:lightRig rig="threePt" dir="t"/>
+    </dgm:scene3d>
+    <dgm:sp3d/>
+    <dgm:txPr/>
+    <dgm:style>
+      <a:lnRef idx="2">
+        <a:scrgbClr r="0" g="0" b="0"/>
+      </a:lnRef>
+      <a:fillRef idx="1">
+        <a:scrgbClr r="0" g="0" b="0"/>
+      </a:fillRef>
+      <a:effectRef idx="0">
+        <a:scrgbClr r="0" g="0" b="0"/>
+      </a:effectRef>
+      <a:fontRef idx="minor"/>
+    </dgm:style>
+  </dgm:styleLbl>
+  <dgm:styleLbl name="fgAccFollowNode1">
+    <dgm:scene3d>
+      <a:camera prst="orthographicFront"/>
+      <a:lightRig rig="threePt" dir="t"/>
+    </dgm:scene3d>
+    <dgm:sp3d/>
+    <dgm:txPr/>
+    <dgm:style>
+      <a:lnRef idx="2">
+        <a:scrgbClr r="0" g="0" b="0"/>
+      </a:lnRef>
+      <a:fillRef idx="1">
+        <a:scrgbClr r="0" g="0" b="0"/>
+      </a:fillRef>
+      <a:effectRef idx="0">
+        <a:scrgbClr r="0" g="0" b="0"/>
+      </a:effectRef>
+      <a:fontRef idx="minor"/>
+    </dgm:style>
+  </dgm:styleLbl>
+  <dgm:styleLbl name="alignAccFollowNode1">
+    <dgm:scene3d>
+      <a:camera prst="orthographicFront"/>
+      <a:lightRig rig="threePt" dir="t"/>
+    </dgm:scene3d>
+    <dgm:sp3d/>
+    <dgm:txPr/>
+    <dgm:style>
+      <a:lnRef idx="2">
+        <a:scrgbClr r="0" g="0" b="0"/>
+      </a:lnRef>
+      <a:fillRef idx="1">
+        <a:scrgbClr r="0" g="0" b="0"/>
+      </a:fillRef>
+      <a:effectRef idx="0">
+        <a:scrgbClr r="0" g="0" b="0"/>
+      </a:effectRef>
+      <a:fontRef idx="minor"/>
+    </dgm:style>
+  </dgm:styleLbl>
+  <dgm:styleLbl name="bgAccFollowNode1">
+    <dgm:scene3d>
+      <a:camera prst="orthographicFront"/>
+      <a:lightRig rig="threePt" dir="t"/>
+    </dgm:scene3d>
+    <dgm:sp3d/>
+    <dgm:txPr/>
+    <dgm:style>
+      <a:lnRef idx="2">
+        <a:scrgbClr r="0" g="0" b="0"/>
+      </a:lnRef>
+      <a:fillRef idx="1">
+        <a:scrgbClr r="0" g="0" b="0"/>
+      </a:fillRef>
+      <a:effectRef idx="0">
+        <a:scrgbClr r="0" g="0" b="0"/>
+      </a:effectRef>
+      <a:fontRef idx="minor"/>
+    </dgm:style>
+  </dgm:styleLbl>
+  <dgm:styleLbl name="fgAcc0">
+    <dgm:scene3d>
+      <a:camera prst="orthographicFront"/>
+      <a:lightRig rig="threePt" dir="t"/>
+    </dgm:scene3d>
+    <dgm:sp3d/>
+    <dgm:txPr/>
+    <dgm:style>
+      <a:lnRef idx="2">
+        <a:scrgbClr r="0" g="0" b="0"/>
+      </a:lnRef>
+      <a:fillRef idx="1">
+        <a:scrgbClr r="0" g="0" b="0"/>
+      </a:fillRef>
+      <a:effectRef idx="0">
+        <a:scrgbClr r="0" g="0" b="0"/>
+      </a:effectRef>
+      <a:fontRef idx="minor"/>
+    </dgm:style>
+  </dgm:styleLbl>
+  <dgm:styleLbl name="fgAcc2">
+    <dgm:scene3d>
+      <a:camera prst="orthographicFront"/>
+      <a:lightRig rig="threePt" dir="t"/>
+    </dgm:scene3d>
+    <dgm:sp3d/>
+    <dgm:txPr/>
+    <dgm:style>
+      <a:lnRef idx="2">
+        <a:scrgbClr r="0" g="0" b="0"/>
+      </a:lnRef>
+      <a:fillRef idx="1">
+        <a:scrgbClr r="0" g="0" b="0"/>
+      </a:fillRef>
+      <a:effectRef idx="0">
+        <a:scrgbClr r="0" g="0" b="0"/>
+      </a:effectRef>
+      <a:fontRef idx="minor"/>
+    </dgm:style>
+  </dgm:styleLbl>
+  <dgm:styleLbl name="fgAcc3">
+    <dgm:scene3d>
+      <a:camera prst="orthographicFront"/>
+      <a:lightRig rig="threePt" dir="t"/>
+    </dgm:scene3d>
+    <dgm:sp3d/>
+    <dgm:txPr/>
+    <dgm:style>
+      <a:lnRef idx="2">
+        <a:scrgbClr r="0" g="0" b="0"/>
+      </a:lnRef>
+      <a:fillRef idx="1">
+        <a:scrgbClr r="0" g="0" b="0"/>
+      </a:fillRef>
+      <a:effectRef idx="0">
+        <a:scrgbClr r="0" g="0" b="0"/>
+      </a:effectRef>
+      <a:fontRef idx="minor"/>
+    </dgm:style>
+  </dgm:styleLbl>
+  <dgm:styleLbl name="fgAcc4">
+    <dgm:scene3d>
+      <a:camera prst="orthographicFront"/>
+      <a:lightRig rig="threePt" dir="t"/>
+    </dgm:scene3d>
+    <dgm:sp3d/>
+    <dgm:txPr/>
+    <dgm:style>
+      <a:lnRef idx="2">
+        <a:scrgbClr r="0" g="0" b="0"/>
+      </a:lnRef>
+      <a:fillRef idx="1">
+        <a:scrgbClr r="0" g="0" b="0"/>
+      </a:fillRef>
+      <a:effectRef idx="0">
+        <a:scrgbClr r="0" g="0" b="0"/>
+      </a:effectRef>
+      <a:fontRef idx="minor"/>
+    </dgm:style>
+  </dgm:styleLbl>
+  <dgm:styleLbl name="bgShp">
+    <dgm:scene3d>
+      <a:camera prst="orthographicFront"/>
+      <a:lightRig rig="threePt" dir="t"/>
+    </dgm:scene3d>
+    <dgm:sp3d/>
+    <dgm:txPr/>
+    <dgm:style>
+      <a:lnRef idx="0">
+        <a:scrgbClr r="0" g="0" b="0"/>
+      </a:lnRef>
+      <a:fillRef idx="1">
+        <a:scrgbClr r="0" g="0" b="0"/>
+      </a:fillRef>
+      <a:effectRef idx="0">
+        <a:scrgbClr r="0" g="0" b="0"/>
+      </a:effectRef>
+      <a:fontRef idx="minor"/>
+    </dgm:style>
+  </dgm:styleLbl>
+  <dgm:styleLbl name="dkBgShp">
+    <dgm:scene3d>
+      <a:camera prst="orthographicFront"/>
+      <a:lightRig rig="threePt" dir="t"/>
+    </dgm:scene3d>
+    <dgm:sp3d/>
+    <dgm:txPr/>
+    <dgm:style>
+      <a:lnRef idx="0">
+        <a:scrgbClr r="0" g="0" b="0"/>
+      </a:lnRef>
+      <a:fillRef idx="1">
+        <a:scrgbClr r="0" g="0" b="0"/>
+      </a:fillRef>
+      <a:effectRef idx="0">
+        <a:scrgbClr r="0" g="0" b="0"/>
+      </a:effectRef>
+      <a:fontRef idx="minor"/>
+    </dgm:style>
+  </dgm:styleLbl>
+  <dgm:styleLbl name="trBgShp">
+    <dgm:scene3d>
+      <a:camera prst="orthographicFront"/>
+      <a:lightRig rig="threePt" dir="t"/>
+    </dgm:scene3d>
+    <dgm:sp3d/>
+    <dgm:txPr/>
+    <dgm:style>
+      <a:lnRef idx="0">
+        <a:scrgbClr r="0" g="0" b="0"/>
+      </a:lnRef>
+      <a:fillRef idx="1">
+        <a:scrgbClr r="0" g="0" b="0"/>
+      </a:fillRef>
+      <a:effectRef idx="0">
+        <a:scrgbClr r="0" g="0" b="0"/>
+      </a:effectRef>
+      <a:fontRef idx="minor"/>
+    </dgm:style>
+  </dgm:styleLbl>
+  <dgm:styleLbl name="fgShp">
+    <dgm:scene3d>
+      <a:camera prst="orthographicFront"/>
+      <a:lightRig rig="threePt" dir="t"/>
+    </dgm:scene3d>
+    <dgm:sp3d/>
+    <dgm:txPr/>
+    <dgm:style>
+      <a:lnRef idx="3">
+        <a:scrgbClr r="0" g="0" b="0"/>
+      </a:lnRef>
+      <a:fillRef idx="1">
+        <a:scrgbClr r="0" g="0" b="0"/>
+      </a:fillRef>
+      <a:effectRef idx="1">
         <a:scrgbClr r="0" g="0" b="0"/>
       </a:effectRef>
       <a:fontRef idx="minor"/>
@@ -3576,7 +5680,7 @@
           <a:p>
             <a:fld id="{D7EE5B6A-E6A7-4CF6-8E18-CD9BC4991183}" type="datetimeFigureOut">
               <a:rPr lang="en-US" smtClean="0"/>
-              <a:t>5/22/2020</a:t>
+              <a:t>5/23/2020</a:t>
             </a:fld>
             <a:endParaRPr lang="en-US"/>
           </a:p>
@@ -3774,7 +5878,7 @@
           <a:p>
             <a:fld id="{D7EE5B6A-E6A7-4CF6-8E18-CD9BC4991183}" type="datetimeFigureOut">
               <a:rPr lang="en-US" smtClean="0"/>
-              <a:t>5/22/2020</a:t>
+              <a:t>5/23/2020</a:t>
             </a:fld>
             <a:endParaRPr lang="en-US"/>
           </a:p>
@@ -3982,7 +6086,7 @@
           <a:p>
             <a:fld id="{D7EE5B6A-E6A7-4CF6-8E18-CD9BC4991183}" type="datetimeFigureOut">
               <a:rPr lang="en-US" smtClean="0"/>
-              <a:t>5/22/2020</a:t>
+              <a:t>5/23/2020</a:t>
             </a:fld>
             <a:endParaRPr lang="en-US"/>
           </a:p>
@@ -4180,7 +6284,7 @@
           <a:p>
             <a:fld id="{D7EE5B6A-E6A7-4CF6-8E18-CD9BC4991183}" type="datetimeFigureOut">
               <a:rPr lang="en-US" smtClean="0"/>
-              <a:t>5/22/2020</a:t>
+              <a:t>5/23/2020</a:t>
             </a:fld>
             <a:endParaRPr lang="en-US"/>
           </a:p>
@@ -4455,7 +6559,7 @@
           <a:p>
             <a:fld id="{D7EE5B6A-E6A7-4CF6-8E18-CD9BC4991183}" type="datetimeFigureOut">
               <a:rPr lang="en-US" smtClean="0"/>
-              <a:t>5/22/2020</a:t>
+              <a:t>5/23/2020</a:t>
             </a:fld>
             <a:endParaRPr lang="en-US"/>
           </a:p>
@@ -4720,7 +6824,7 @@
           <a:p>
             <a:fld id="{D7EE5B6A-E6A7-4CF6-8E18-CD9BC4991183}" type="datetimeFigureOut">
               <a:rPr lang="en-US" smtClean="0"/>
-              <a:t>5/22/2020</a:t>
+              <a:t>5/23/2020</a:t>
             </a:fld>
             <a:endParaRPr lang="en-US"/>
           </a:p>
@@ -5132,7 +7236,7 @@
           <a:p>
             <a:fld id="{D7EE5B6A-E6A7-4CF6-8E18-CD9BC4991183}" type="datetimeFigureOut">
               <a:rPr lang="en-US" smtClean="0"/>
-              <a:t>5/22/2020</a:t>
+              <a:t>5/23/2020</a:t>
             </a:fld>
             <a:endParaRPr lang="en-US"/>
           </a:p>
@@ -5273,7 +7377,7 @@
           <a:p>
             <a:fld id="{D7EE5B6A-E6A7-4CF6-8E18-CD9BC4991183}" type="datetimeFigureOut">
               <a:rPr lang="en-US" smtClean="0"/>
-              <a:t>5/22/2020</a:t>
+              <a:t>5/23/2020</a:t>
             </a:fld>
             <a:endParaRPr lang="en-US"/>
           </a:p>
@@ -5386,7 +7490,7 @@
           <a:p>
             <a:fld id="{D7EE5B6A-E6A7-4CF6-8E18-CD9BC4991183}" type="datetimeFigureOut">
               <a:rPr lang="en-US" smtClean="0"/>
-              <a:t>5/22/2020</a:t>
+              <a:t>5/23/2020</a:t>
             </a:fld>
             <a:endParaRPr lang="en-US"/>
           </a:p>
@@ -5697,7 +7801,7 @@
           <a:p>
             <a:fld id="{D7EE5B6A-E6A7-4CF6-8E18-CD9BC4991183}" type="datetimeFigureOut">
               <a:rPr lang="en-US" smtClean="0"/>
-              <a:t>5/22/2020</a:t>
+              <a:t>5/23/2020</a:t>
             </a:fld>
             <a:endParaRPr lang="en-US"/>
           </a:p>
@@ -5985,7 +8089,7 @@
           <a:p>
             <a:fld id="{D7EE5B6A-E6A7-4CF6-8E18-CD9BC4991183}" type="datetimeFigureOut">
               <a:rPr lang="en-US" smtClean="0"/>
-              <a:t>5/22/2020</a:t>
+              <a:t>5/23/2020</a:t>
             </a:fld>
             <a:endParaRPr lang="en-US"/>
           </a:p>
@@ -6226,7 +8330,7 @@
           <a:p>
             <a:fld id="{D7EE5B6A-E6A7-4CF6-8E18-CD9BC4991183}" type="datetimeFigureOut">
               <a:rPr lang="en-US" smtClean="0"/>
-              <a:t>5/22/2020</a:t>
+              <a:t>5/23/2020</a:t>
             </a:fld>
             <a:endParaRPr lang="en-US"/>
           </a:p>
@@ -7752,8 +9856,8 @@
         </p:blipFill>
         <p:spPr>
           <a:xfrm>
-            <a:off x="4654297" y="3501610"/>
-            <a:ext cx="6894236" cy="2378511"/>
+            <a:off x="4195385" y="3434815"/>
+            <a:ext cx="7873364" cy="2716310"/>
           </a:xfrm>
           <a:prstGeom prst="rect">
             <a:avLst/>
@@ -7776,18 +9880,46 @@
             <p:ph idx="1"/>
             <p:extLst>
               <p:ext uri="{D42A27DB-BD31-4B8C-83A1-F6EECF244321}">
-                <p14:modId xmlns:p14="http://schemas.microsoft.com/office/powerpoint/2010/main" val="3424752027"/>
+                <p14:modId xmlns:p14="http://schemas.microsoft.com/office/powerpoint/2010/main" val="3447903304"/>
               </p:ext>
             </p:extLst>
           </p:nvPr>
         </p:nvGraphicFramePr>
         <p:xfrm>
-          <a:off x="4699818" y="640082"/>
-          <a:ext cx="6848715" cy="2484884"/>
+          <a:off x="4655394" y="1471609"/>
+          <a:ext cx="6953343" cy="1951577"/>
         </p:xfrm>
         <a:graphic>
           <a:graphicData uri="http://schemas.openxmlformats.org/drawingml/2006/diagram">
             <dgm:relIds xmlns:dgm="http://schemas.openxmlformats.org/drawingml/2006/diagram" xmlns:r="http://schemas.openxmlformats.org/officeDocument/2006/relationships" r:dm="rId3" r:lo="rId4" r:qs="rId5" r:cs="rId6"/>
+          </a:graphicData>
+        </a:graphic>
+      </p:graphicFrame>
+      <p:graphicFrame>
+        <p:nvGraphicFramePr>
+          <p:cNvPr id="3" name="Diagram 2">
+            <a:extLst>
+              <a:ext uri="{FF2B5EF4-FFF2-40B4-BE49-F238E27FC236}">
+                <a16:creationId xmlns:a16="http://schemas.microsoft.com/office/drawing/2014/main" id="{3480F092-17A5-4DB8-8911-B2C08CA44788}"/>
+              </a:ext>
+            </a:extLst>
+          </p:cNvPr>
+          <p:cNvGraphicFramePr/>
+          <p:nvPr>
+            <p:extLst>
+              <p:ext uri="{D42A27DB-BD31-4B8C-83A1-F6EECF244321}">
+                <p14:modId xmlns:p14="http://schemas.microsoft.com/office/powerpoint/2010/main" val="2098116552"/>
+              </p:ext>
+            </p:extLst>
+          </p:nvPr>
+        </p:nvGraphicFramePr>
+        <p:xfrm>
+          <a:off x="4654296" y="640080"/>
+          <a:ext cx="6894235" cy="626187"/>
+        </p:xfrm>
+        <a:graphic>
+          <a:graphicData uri="http://schemas.openxmlformats.org/drawingml/2006/diagram">
+            <dgm:relIds xmlns:dgm="http://schemas.openxmlformats.org/drawingml/2006/diagram" xmlns:r="http://schemas.openxmlformats.org/officeDocument/2006/relationships" r:dm="rId8" r:lo="rId9" r:qs="rId10" r:cs="rId11"/>
           </a:graphicData>
         </a:graphic>
       </p:graphicFrame>
